--- a/PLPTH813Bioinformatis/2023/lectures/lecture08_variants.pptx
+++ b/PLPTH813Bioinformatis/2023/lectures/lecture08_variants.pptx
@@ -5,10 +5,10 @@
     <p:sldMasterId id="2147483648" r:id="rId1"/>
   </p:sldMasterIdLst>
   <p:notesMasterIdLst>
-    <p:notesMasterId r:id="rId27"/>
+    <p:notesMasterId r:id="rId28"/>
   </p:notesMasterIdLst>
   <p:handoutMasterIdLst>
-    <p:handoutMasterId r:id="rId28"/>
+    <p:handoutMasterId r:id="rId29"/>
   </p:handoutMasterIdLst>
   <p:sldIdLst>
     <p:sldId id="661" r:id="rId2"/>
@@ -17,25 +17,26 @@
     <p:sldId id="667" r:id="rId5"/>
     <p:sldId id="275" r:id="rId6"/>
     <p:sldId id="624" r:id="rId7"/>
-    <p:sldId id="621" r:id="rId8"/>
-    <p:sldId id="675" r:id="rId9"/>
-    <p:sldId id="639" r:id="rId10"/>
-    <p:sldId id="670" r:id="rId11"/>
-    <p:sldId id="633" r:id="rId12"/>
-    <p:sldId id="669" r:id="rId13"/>
-    <p:sldId id="686" r:id="rId14"/>
-    <p:sldId id="668" r:id="rId15"/>
-    <p:sldId id="644" r:id="rId16"/>
-    <p:sldId id="645" r:id="rId17"/>
-    <p:sldId id="646" r:id="rId18"/>
-    <p:sldId id="671" r:id="rId19"/>
-    <p:sldId id="642" r:id="rId20"/>
-    <p:sldId id="687" r:id="rId21"/>
-    <p:sldId id="640" r:id="rId22"/>
-    <p:sldId id="674" r:id="rId23"/>
-    <p:sldId id="676" r:id="rId24"/>
-    <p:sldId id="649" r:id="rId25"/>
-    <p:sldId id="647" r:id="rId26"/>
+    <p:sldId id="688" r:id="rId8"/>
+    <p:sldId id="621" r:id="rId9"/>
+    <p:sldId id="675" r:id="rId10"/>
+    <p:sldId id="639" r:id="rId11"/>
+    <p:sldId id="670" r:id="rId12"/>
+    <p:sldId id="633" r:id="rId13"/>
+    <p:sldId id="669" r:id="rId14"/>
+    <p:sldId id="686" r:id="rId15"/>
+    <p:sldId id="668" r:id="rId16"/>
+    <p:sldId id="644" r:id="rId17"/>
+    <p:sldId id="645" r:id="rId18"/>
+    <p:sldId id="646" r:id="rId19"/>
+    <p:sldId id="671" r:id="rId20"/>
+    <p:sldId id="642" r:id="rId21"/>
+    <p:sldId id="687" r:id="rId22"/>
+    <p:sldId id="640" r:id="rId23"/>
+    <p:sldId id="674" r:id="rId24"/>
+    <p:sldId id="676" r:id="rId25"/>
+    <p:sldId id="649" r:id="rId26"/>
+    <p:sldId id="647" r:id="rId27"/>
   </p:sldIdLst>
   <p:sldSz cx="9144000" cy="6858000" type="screen4x3"/>
   <p:notesSz cx="6858000" cy="9144000"/>
@@ -284,7 +285,7 @@
               <a:pPr>
                 <a:defRPr/>
               </a:pPr>
-              <a:t>2/19/23</a:t>
+              <a:t>2/22/23</a:t>
             </a:fld>
             <a:endParaRPr lang="en-US"/>
           </a:p>
@@ -494,7 +495,7 @@
               <a:pPr>
                 <a:defRPr/>
               </a:pPr>
-              <a:t>2/19/23</a:t>
+              <a:t>2/22/23</a:t>
             </a:fld>
             <a:endParaRPr lang="en-US"/>
           </a:p>
@@ -877,7 +878,7 @@
           <a:ln/>
           <a:extLst>
             <a:ext uri="{FAA26D3D-D897-4be2-8F04-BA451C77F1D7}">
-              <ma14:placeholderFlag xmlns:ma14="http://schemas.microsoft.com/office/mac/drawingml/2011/main" xmlns="" val="1"/>
+              <ma14:placeholderFlag xmlns="" xmlns:ma14="http://schemas.microsoft.com/office/mac/drawingml/2011/main" val="1"/>
             </a:ext>
           </a:extLst>
         </p:spPr>
@@ -948,14 +949,14 @@
           </a:ln>
           <a:extLst>
             <a:ext uri="{909E8E84-426E-40dd-AFC4-6F175D3DCCD1}">
-              <a14:hiddenFill xmlns:a14="http://schemas.microsoft.com/office/drawing/2010/main" xmlns="">
+              <a14:hiddenFill xmlns="" xmlns:a14="http://schemas.microsoft.com/office/drawing/2010/main">
                 <a:solidFill>
                   <a:srgbClr val="FFFFFF"/>
                 </a:solidFill>
               </a14:hiddenFill>
             </a:ext>
             <a:ext uri="{FAA26D3D-D897-4be2-8F04-BA451C77F1D7}">
-              <ma14:placeholderFlag xmlns:ma14="http://schemas.microsoft.com/office/mac/drawingml/2011/main" xmlns="" val="1"/>
+              <ma14:placeholderFlag xmlns="" xmlns:ma14="http://schemas.microsoft.com/office/mac/drawingml/2011/main" val="1"/>
             </a:ext>
           </a:extLst>
         </p:spPr>
@@ -974,14 +975,14 @@
           <a:noFill/>
           <a:extLst>
             <a:ext uri="{909E8E84-426E-40dd-AFC4-6F175D3DCCD1}">
-              <a14:hiddenFill xmlns:a14="http://schemas.microsoft.com/office/drawing/2010/main" xmlns="">
+              <a14:hiddenFill xmlns="" xmlns:a14="http://schemas.microsoft.com/office/drawing/2010/main">
                 <a:solidFill>
                   <a:srgbClr val="FFFFFF"/>
                 </a:solidFill>
               </a14:hiddenFill>
             </a:ext>
             <a:ext uri="{91240B29-F687-4f45-9708-019B960494DF}">
-              <a14:hiddenLine xmlns:a14="http://schemas.microsoft.com/office/drawing/2010/main" xmlns="" w="9525">
+              <a14:hiddenLine xmlns="" xmlns:a14="http://schemas.microsoft.com/office/drawing/2010/main" w="9525">
                 <a:solidFill>
                   <a:srgbClr val="000000"/>
                 </a:solidFill>
@@ -991,7 +992,7 @@
               </a14:hiddenLine>
             </a:ext>
             <a:ext uri="{FAA26D3D-D897-4be2-8F04-BA451C77F1D7}">
-              <ma14:placeholderFlag xmlns:ma14="http://schemas.microsoft.com/office/mac/drawingml/2011/main" xmlns="" val="1"/>
+              <ma14:placeholderFlag xmlns="" xmlns:ma14="http://schemas.microsoft.com/office/mac/drawingml/2011/main" val="1"/>
             </a:ext>
           </a:extLst>
         </p:spPr>
@@ -1099,7 +1100,7 @@
               <a:pPr>
                 <a:defRPr/>
               </a:pPr>
-              <a:t>7</a:t>
+              <a:t>8</a:t>
             </a:fld>
             <a:endParaRPr lang="en-US"/>
           </a:p>
@@ -1192,7 +1193,7 @@
               <a:pPr>
                 <a:defRPr/>
               </a:pPr>
-              <a:t>11</a:t>
+              <a:t>12</a:t>
             </a:fld>
             <a:endParaRPr lang="en-US"/>
           </a:p>
@@ -1319,7 +1320,7 @@
               <a:pPr>
                 <a:defRPr/>
               </a:pPr>
-              <a:t>17</a:t>
+              <a:t>18</a:t>
             </a:fld>
             <a:endParaRPr lang="en-US"/>
           </a:p>
@@ -1409,7 +1410,7 @@
               <a:pPr>
                 <a:defRPr/>
               </a:pPr>
-              <a:t>19</a:t>
+              <a:t>20</a:t>
             </a:fld>
             <a:endParaRPr lang="en-US"/>
           </a:p>
@@ -1499,7 +1500,7 @@
               <a:pPr>
                 <a:defRPr/>
               </a:pPr>
-              <a:t>21</a:t>
+              <a:t>22</a:t>
             </a:fld>
             <a:endParaRPr lang="en-US"/>
           </a:p>
@@ -1707,7 +1708,7 @@
               <a:pPr>
                 <a:defRPr/>
               </a:pPr>
-              <a:t>2/19/23</a:t>
+              <a:t>2/22/23</a:t>
             </a:fld>
             <a:endParaRPr lang="en-US"/>
           </a:p>
@@ -1902,7 +1903,7 @@
               <a:pPr>
                 <a:defRPr/>
               </a:pPr>
-              <a:t>2/19/23</a:t>
+              <a:t>2/22/23</a:t>
             </a:fld>
             <a:endParaRPr lang="en-US"/>
           </a:p>
@@ -2107,7 +2108,7 @@
               <a:pPr>
                 <a:defRPr/>
               </a:pPr>
-              <a:t>2/19/23</a:t>
+              <a:t>2/22/23</a:t>
             </a:fld>
             <a:endParaRPr lang="en-US"/>
           </a:p>
@@ -2302,7 +2303,7 @@
               <a:pPr>
                 <a:defRPr/>
               </a:pPr>
-              <a:t>2/19/23</a:t>
+              <a:t>2/22/23</a:t>
             </a:fld>
             <a:endParaRPr lang="en-US"/>
           </a:p>
@@ -2574,7 +2575,7 @@
               <a:pPr>
                 <a:defRPr/>
               </a:pPr>
-              <a:t>2/19/23</a:t>
+              <a:t>2/22/23</a:t>
             </a:fld>
             <a:endParaRPr lang="en-US"/>
           </a:p>
@@ -2886,7 +2887,7 @@
               <a:pPr>
                 <a:defRPr/>
               </a:pPr>
-              <a:t>2/19/23</a:t>
+              <a:t>2/22/23</a:t>
             </a:fld>
             <a:endParaRPr lang="en-US"/>
           </a:p>
@@ -3332,7 +3333,7 @@
               <a:pPr>
                 <a:defRPr/>
               </a:pPr>
-              <a:t>2/19/23</a:t>
+              <a:t>2/22/23</a:t>
             </a:fld>
             <a:endParaRPr lang="en-US"/>
           </a:p>
@@ -3476,7 +3477,7 @@
               <a:pPr>
                 <a:defRPr/>
               </a:pPr>
-              <a:t>2/19/23</a:t>
+              <a:t>2/22/23</a:t>
             </a:fld>
             <a:endParaRPr lang="en-US"/>
           </a:p>
@@ -3598,7 +3599,7 @@
               <a:pPr>
                 <a:defRPr/>
               </a:pPr>
-              <a:t>2/19/23</a:t>
+              <a:t>2/22/23</a:t>
             </a:fld>
             <a:endParaRPr lang="en-US"/>
           </a:p>
@@ -3900,7 +3901,7 @@
               <a:pPr>
                 <a:defRPr/>
               </a:pPr>
-              <a:t>2/19/23</a:t>
+              <a:t>2/22/23</a:t>
             </a:fld>
             <a:endParaRPr lang="en-US"/>
           </a:p>
@@ -4182,7 +4183,7 @@
               <a:pPr>
                 <a:defRPr/>
               </a:pPr>
-              <a:t>2/19/23</a:t>
+              <a:t>2/22/23</a:t>
             </a:fld>
             <a:endParaRPr lang="en-US"/>
           </a:p>
@@ -4306,14 +4307,14 @@
           </a:ln>
           <a:extLst>
             <a:ext uri="{909E8E84-426E-40dd-AFC4-6F175D3DCCD1}">
-              <a14:hiddenFill xmlns:a14="http://schemas.microsoft.com/office/drawing/2010/main" xmlns="">
+              <a14:hiddenFill xmlns="" xmlns:a14="http://schemas.microsoft.com/office/drawing/2010/main">
                 <a:solidFill>
                   <a:srgbClr val="FFFFFF"/>
                 </a:solidFill>
               </a14:hiddenFill>
             </a:ext>
             <a:ext uri="{91240B29-F687-4f45-9708-019B960494DF}">
-              <a14:hiddenLine xmlns:a14="http://schemas.microsoft.com/office/drawing/2010/main" xmlns="" w="9525">
+              <a14:hiddenLine xmlns="" xmlns:a14="http://schemas.microsoft.com/office/drawing/2010/main" w="9525">
                 <a:solidFill>
                   <a:srgbClr val="000000"/>
                 </a:solidFill>
@@ -4323,7 +4324,7 @@
               </a14:hiddenLine>
             </a:ext>
             <a:ext uri="{FAA26D3D-D897-4be2-8F04-BA451C77F1D7}">
-              <ma14:placeholderFlag xmlns:ma14="http://schemas.microsoft.com/office/mac/drawingml/2011/main" xmlns="" val="1"/>
+              <ma14:placeholderFlag xmlns="" xmlns:ma14="http://schemas.microsoft.com/office/mac/drawingml/2011/main" val="1"/>
             </a:ext>
           </a:extLst>
         </p:spPr>
@@ -4367,14 +4368,14 @@
           </a:ln>
           <a:extLst>
             <a:ext uri="{909E8E84-426E-40dd-AFC4-6F175D3DCCD1}">
-              <a14:hiddenFill xmlns:a14="http://schemas.microsoft.com/office/drawing/2010/main" xmlns="">
+              <a14:hiddenFill xmlns="" xmlns:a14="http://schemas.microsoft.com/office/drawing/2010/main">
                 <a:solidFill>
                   <a:srgbClr val="FFFFFF"/>
                 </a:solidFill>
               </a14:hiddenFill>
             </a:ext>
             <a:ext uri="{91240B29-F687-4f45-9708-019B960494DF}">
-              <a14:hiddenLine xmlns:a14="http://schemas.microsoft.com/office/drawing/2010/main" xmlns="" w="9525">
+              <a14:hiddenLine xmlns="" xmlns:a14="http://schemas.microsoft.com/office/drawing/2010/main" w="9525">
                 <a:solidFill>
                   <a:srgbClr val="000000"/>
                 </a:solidFill>
@@ -4384,7 +4385,7 @@
               </a14:hiddenLine>
             </a:ext>
             <a:ext uri="{FAA26D3D-D897-4be2-8F04-BA451C77F1D7}">
-              <ma14:placeholderFlag xmlns:ma14="http://schemas.microsoft.com/office/mac/drawingml/2011/main" xmlns="" val="1"/>
+              <ma14:placeholderFlag xmlns="" xmlns:ma14="http://schemas.microsoft.com/office/mac/drawingml/2011/main" val="1"/>
             </a:ext>
           </a:extLst>
         </p:spPr>
@@ -4476,7 +4477,7 @@
               <a:pPr>
                 <a:defRPr/>
               </a:pPr>
-              <a:t>2/19/23</a:t>
+              <a:t>2/22/23</a:t>
             </a:fld>
             <a:endParaRPr lang="en-US"/>
           </a:p>
@@ -5130,14 +5131,112 @@
             <p:ph type="title"/>
           </p:nvPr>
         </p:nvSpPr>
-        <p:spPr/>
+        <p:spPr>
+          <a:xfrm>
+            <a:off x="457200" y="274638"/>
+            <a:ext cx="8229600" cy="1046162"/>
+          </a:xfrm>
+        </p:spPr>
         <p:txBody>
           <a:bodyPr/>
           <a:lstStyle/>
           <a:p>
             <a:r>
-              <a:rPr lang="en-US" dirty="0"/>
-              <a:t>Alignment-based SNP discovery</a:t>
+              <a:rPr lang="en-US" sz="3200" dirty="0"/>
+              <a:t>Approaches for data generation</a:t>
+            </a:r>
+          </a:p>
+        </p:txBody>
+      </p:sp>
+      <p:sp>
+        <p:nvSpPr>
+          <p:cNvPr id="3" name="Content Placeholder 2"/>
+          <p:cNvSpPr>
+            <a:spLocks noGrp="1"/>
+          </p:cNvSpPr>
+          <p:nvPr>
+            <p:ph idx="1"/>
+          </p:nvPr>
+        </p:nvSpPr>
+        <p:spPr>
+          <a:xfrm>
+            <a:off x="660400" y="1473200"/>
+            <a:ext cx="7835900" cy="4927600"/>
+          </a:xfrm>
+        </p:spPr>
+        <p:txBody>
+          <a:bodyPr/>
+          <a:lstStyle/>
+          <a:p>
+            <a:pPr>
+              <a:lnSpc>
+                <a:spcPct val="120000"/>
+              </a:lnSpc>
+            </a:pPr>
+            <a:r>
+              <a:rPr lang="en-US" sz="2800" b="1" dirty="0"/>
+              <a:t>Whole genome sequencing </a:t>
+            </a:r>
+            <a:r>
+              <a:rPr lang="en-US" sz="2800" dirty="0"/>
+              <a:t>(WGS): high genome coverage but costly for large genomes</a:t>
+            </a:r>
+          </a:p>
+          <a:p>
+            <a:pPr>
+              <a:lnSpc>
+                <a:spcPct val="120000"/>
+              </a:lnSpc>
+            </a:pPr>
+            <a:r>
+              <a:rPr lang="en-US" sz="2800" b="1" dirty="0" err="1"/>
+              <a:t>Exome</a:t>
+            </a:r>
+            <a:r>
+              <a:rPr lang="en-US" sz="2800" b="1" dirty="0"/>
+              <a:t>-capture sequencing</a:t>
+            </a:r>
+            <a:r>
+              <a:rPr lang="en-US" sz="2800" dirty="0"/>
+              <a:t>: target on genic regions but still expensive to perform large number of samples</a:t>
+            </a:r>
+          </a:p>
+          <a:p>
+            <a:pPr>
+              <a:lnSpc>
+                <a:spcPct val="120000"/>
+              </a:lnSpc>
+            </a:pPr>
+            <a:r>
+              <a:rPr lang="en-US" sz="2800" b="1" dirty="0"/>
+              <a:t>RNA sequencing </a:t>
+            </a:r>
+            <a:r>
+              <a:rPr lang="en-US" sz="2800" dirty="0"/>
+              <a:t>(RNA-</a:t>
+            </a:r>
+            <a:r>
+              <a:rPr lang="en-US" sz="2800" dirty="0" err="1"/>
+              <a:t>Seq</a:t>
+            </a:r>
+            <a:r>
+              <a:rPr lang="en-US" sz="2800" dirty="0"/>
+              <a:t>): obtain data on genic regions and provide expression information</a:t>
+            </a:r>
+          </a:p>
+          <a:p>
+            <a:pPr>
+              <a:lnSpc>
+                <a:spcPct val="120000"/>
+              </a:lnSpc>
+            </a:pPr>
+            <a:r>
+              <a:rPr lang="en-US" sz="2800" b="1" dirty="0"/>
+              <a:t>Genotyping-By-Sequencing</a:t>
+            </a:r>
+            <a:r>
+              <a:rPr lang="en-US" sz="2800" dirty="0"/>
+              <a:t> (GBS): cost-efficient and high-throughput approach</a:t>
             </a:r>
           </a:p>
         </p:txBody>
@@ -5166,6 +5265,87 @@
                 <a:defRPr/>
               </a:pPr>
               <a:t>9</a:t>
+            </a:fld>
+            <a:endParaRPr lang="en-US"/>
+          </a:p>
+        </p:txBody>
+      </p:sp>
+    </p:spTree>
+    <p:extLst>
+      <p:ext uri="{BB962C8B-B14F-4D97-AF65-F5344CB8AC3E}">
+        <p14:creationId xmlns:p14="http://schemas.microsoft.com/office/powerpoint/2010/main" val="4039510388"/>
+      </p:ext>
+    </p:extLst>
+  </p:cSld>
+  <p:clrMapOvr>
+    <a:masterClrMapping/>
+  </p:clrMapOvr>
+</p:sld>
+</file>
+
+<file path=ppt/slides/slide11.xml><?xml version="1.0" encoding="utf-8"?>
+<p:sld xmlns:a="http://schemas.openxmlformats.org/drawingml/2006/main" xmlns:r="http://schemas.openxmlformats.org/officeDocument/2006/relationships" xmlns:p="http://schemas.openxmlformats.org/presentationml/2006/main">
+  <p:cSld>
+    <p:spTree>
+      <p:nvGrpSpPr>
+        <p:cNvPr id="1" name=""/>
+        <p:cNvGrpSpPr/>
+        <p:nvPr/>
+      </p:nvGrpSpPr>
+      <p:grpSpPr>
+        <a:xfrm>
+          <a:off x="0" y="0"/>
+          <a:ext cx="0" cy="0"/>
+          <a:chOff x="0" y="0"/>
+          <a:chExt cx="0" cy="0"/>
+        </a:xfrm>
+      </p:grpSpPr>
+      <p:sp>
+        <p:nvSpPr>
+          <p:cNvPr id="2" name="Title 1"/>
+          <p:cNvSpPr>
+            <a:spLocks noGrp="1"/>
+          </p:cNvSpPr>
+          <p:nvPr>
+            <p:ph type="title"/>
+          </p:nvPr>
+        </p:nvSpPr>
+        <p:spPr/>
+        <p:txBody>
+          <a:bodyPr/>
+          <a:lstStyle/>
+          <a:p>
+            <a:r>
+              <a:rPr lang="en-US" dirty="0"/>
+              <a:t>Alignment-based SNP discovery</a:t>
+            </a:r>
+          </a:p>
+        </p:txBody>
+      </p:sp>
+      <p:sp>
+        <p:nvSpPr>
+          <p:cNvPr id="4" name="Slide Number Placeholder 3"/>
+          <p:cNvSpPr>
+            <a:spLocks noGrp="1"/>
+          </p:cNvSpPr>
+          <p:nvPr>
+            <p:ph type="sldNum" sz="quarter" idx="12"/>
+          </p:nvPr>
+        </p:nvSpPr>
+        <p:spPr/>
+        <p:txBody>
+          <a:bodyPr/>
+          <a:lstStyle/>
+          <a:p>
+            <a:pPr>
+              <a:defRPr/>
+            </a:pPr>
+            <a:fld id="{9E3EFA63-DE6B-1C40-8E13-70DFD3C7F100}" type="slidenum">
+              <a:rPr lang="en-US" smtClean="0"/>
+              <a:pPr>
+                <a:defRPr/>
+              </a:pPr>
+              <a:t>10</a:t>
             </a:fld>
             <a:endParaRPr lang="en-US"/>
           </a:p>
@@ -5727,214 +5907,6 @@
 </p:sld>
 </file>
 
-<file path=ppt/slides/slide11.xml><?xml version="1.0" encoding="utf-8"?>
-<p:sld xmlns:a="http://schemas.openxmlformats.org/drawingml/2006/main" xmlns:r="http://schemas.openxmlformats.org/officeDocument/2006/relationships" xmlns:p="http://schemas.openxmlformats.org/presentationml/2006/main">
-  <p:cSld>
-    <p:spTree>
-      <p:nvGrpSpPr>
-        <p:cNvPr id="1" name=""/>
-        <p:cNvGrpSpPr/>
-        <p:nvPr/>
-      </p:nvGrpSpPr>
-      <p:grpSpPr>
-        <a:xfrm>
-          <a:off x="0" y="0"/>
-          <a:ext cx="0" cy="0"/>
-          <a:chOff x="0" y="0"/>
-          <a:chExt cx="0" cy="0"/>
-        </a:xfrm>
-      </p:grpSpPr>
-      <p:sp>
-        <p:nvSpPr>
-          <p:cNvPr id="2" name="Title 1"/>
-          <p:cNvSpPr>
-            <a:spLocks noGrp="1"/>
-          </p:cNvSpPr>
-          <p:nvPr>
-            <p:ph type="title"/>
-          </p:nvPr>
-        </p:nvSpPr>
-        <p:spPr/>
-        <p:txBody>
-          <a:bodyPr/>
-          <a:lstStyle/>
-          <a:p>
-            <a:r>
-              <a:rPr lang="en-US" sz="3200" dirty="0">
-                <a:latin typeface="+mj-lt"/>
-              </a:rPr>
-              <a:t>Alignment-based SNP discovery, cont</a:t>
-            </a:r>
-            <a:r>
-              <a:rPr lang="en-US" sz="3200" dirty="0"/>
-              <a:t>.</a:t>
-            </a:r>
-            <a:endParaRPr lang="en-US" sz="3200" dirty="0">
-              <a:latin typeface="+mj-lt"/>
-            </a:endParaRPr>
-          </a:p>
-        </p:txBody>
-      </p:sp>
-      <p:sp>
-        <p:nvSpPr>
-          <p:cNvPr id="3" name="Content Placeholder 2"/>
-          <p:cNvSpPr>
-            <a:spLocks noGrp="1"/>
-          </p:cNvSpPr>
-          <p:nvPr>
-            <p:ph idx="1"/>
-          </p:nvPr>
-        </p:nvSpPr>
-        <p:spPr>
-          <a:xfrm>
-            <a:off x="180975" y="1658260"/>
-            <a:ext cx="8782050" cy="3742263"/>
-          </a:xfrm>
-        </p:spPr>
-        <p:txBody>
-          <a:bodyPr/>
-          <a:lstStyle/>
-          <a:p>
-            <a:pPr marL="0" indent="0">
-              <a:buNone/>
-            </a:pPr>
-            <a:r>
-              <a:rPr lang="en-US" sz="2400" b="1" dirty="0"/>
-              <a:t>General procedure</a:t>
-            </a:r>
-          </a:p>
-          <a:p>
-            <a:r>
-              <a:rPr lang="en-US" sz="2400" dirty="0"/>
-              <a:t>Reads cleanup (adaptor, quality trimming, e.g., </a:t>
-            </a:r>
-            <a:r>
-              <a:rPr lang="en-US" sz="2400" dirty="0" err="1"/>
-              <a:t>trimmomatic</a:t>
-            </a:r>
-            <a:r>
-              <a:rPr lang="en-US" sz="2400" dirty="0"/>
-              <a:t>)</a:t>
-            </a:r>
-          </a:p>
-          <a:p>
-            <a:r>
-              <a:rPr lang="en-US" sz="2400" dirty="0"/>
-              <a:t>Reads aligned to the reference genome with aligners</a:t>
-            </a:r>
-          </a:p>
-          <a:p>
-            <a:pPr marL="0" indent="0">
-              <a:buNone/>
-            </a:pPr>
-            <a:r>
-              <a:rPr lang="en-US" sz="2400" dirty="0"/>
-              <a:t>	1. BWA, Bowtie (DNA-</a:t>
-            </a:r>
-            <a:r>
-              <a:rPr lang="en-US" sz="2400" dirty="0" err="1"/>
-              <a:t>Seq</a:t>
-            </a:r>
-            <a:r>
-              <a:rPr lang="en-US" sz="2400" dirty="0"/>
-              <a:t> reads)</a:t>
-            </a:r>
-          </a:p>
-          <a:p>
-            <a:pPr marL="0" indent="0">
-              <a:buNone/>
-            </a:pPr>
-            <a:r>
-              <a:rPr lang="en-US" sz="2400" dirty="0"/>
-              <a:t>	2. HISAT2, STAR, GSNAP, </a:t>
-            </a:r>
-            <a:r>
-              <a:rPr lang="en-US" sz="2400" dirty="0" err="1"/>
-              <a:t>Tophat</a:t>
-            </a:r>
-            <a:r>
-              <a:rPr lang="en-US" sz="2400" dirty="0"/>
-              <a:t> (RNA-</a:t>
-            </a:r>
-            <a:r>
-              <a:rPr lang="en-US" sz="2400" dirty="0" err="1"/>
-              <a:t>Seq</a:t>
-            </a:r>
-            <a:r>
-              <a:rPr lang="en-US" sz="2400" dirty="0"/>
-              <a:t> reads)</a:t>
-            </a:r>
-          </a:p>
-          <a:p>
-            <a:r>
-              <a:rPr lang="en-US" sz="2400" dirty="0"/>
-              <a:t>Post-alignment filtering and convert SAM (alignment file) to BAM</a:t>
-            </a:r>
-          </a:p>
-          <a:p>
-            <a:r>
-              <a:rPr lang="en-US" sz="2400" dirty="0"/>
-              <a:t>SNP calling with software packages: </a:t>
-            </a:r>
-            <a:r>
-              <a:rPr lang="en-US" sz="2400" dirty="0" err="1"/>
-              <a:t>Samtools</a:t>
-            </a:r>
-            <a:r>
-              <a:rPr lang="en-US" sz="2400" dirty="0"/>
-              <a:t>, GATK, VarScan2</a:t>
-            </a:r>
-          </a:p>
-          <a:p>
-            <a:r>
-              <a:rPr lang="en-US" sz="2400" dirty="0"/>
-              <a:t>Use population information or some criteria to filter SNP sets</a:t>
-            </a:r>
-          </a:p>
-        </p:txBody>
-      </p:sp>
-      <p:sp>
-        <p:nvSpPr>
-          <p:cNvPr id="4" name="Slide Number Placeholder 3"/>
-          <p:cNvSpPr>
-            <a:spLocks noGrp="1"/>
-          </p:cNvSpPr>
-          <p:nvPr>
-            <p:ph type="sldNum" sz="quarter" idx="12"/>
-          </p:nvPr>
-        </p:nvSpPr>
-        <p:spPr/>
-        <p:txBody>
-          <a:bodyPr/>
-          <a:lstStyle/>
-          <a:p>
-            <a:pPr>
-              <a:defRPr/>
-            </a:pPr>
-            <a:fld id="{9E3EFA63-DE6B-1C40-8E13-70DFD3C7F100}" type="slidenum">
-              <a:rPr lang="en-US" smtClean="0"/>
-              <a:pPr>
-                <a:defRPr/>
-              </a:pPr>
-              <a:t>10</a:t>
-            </a:fld>
-            <a:endParaRPr lang="en-US"/>
-          </a:p>
-        </p:txBody>
-      </p:sp>
-    </p:spTree>
-    <p:extLst>
-      <p:ext uri="{BB962C8B-B14F-4D97-AF65-F5344CB8AC3E}">
-        <p14:creationId xmlns:p14="http://schemas.microsoft.com/office/powerpoint/2010/main" val="691822540"/>
-      </p:ext>
-    </p:extLst>
-  </p:cSld>
-  <p:clrMapOvr>
-    <a:masterClrMapping/>
-  </p:clrMapOvr>
-</p:sld>
-</file>
-
 <file path=ppt/slides/slide12.xml><?xml version="1.0" encoding="utf-8"?>
 <p:sld xmlns:a="http://schemas.openxmlformats.org/drawingml/2006/main" xmlns:r="http://schemas.openxmlformats.org/officeDocument/2006/relationships" xmlns:p="http://schemas.openxmlformats.org/presentationml/2006/main">
   <p:cSld>
@@ -5968,8 +5940,135 @@
           <a:lstStyle/>
           <a:p>
             <a:r>
-              <a:rPr lang="en-US" dirty="0"/>
-              <a:t>Interpretation of the BWA alignment</a:t>
+              <a:rPr lang="en-US" sz="3200" dirty="0">
+                <a:latin typeface="+mj-lt"/>
+              </a:rPr>
+              <a:t>Alignment-based SNP discovery, cont</a:t>
+            </a:r>
+            <a:r>
+              <a:rPr lang="en-US" sz="3200" dirty="0"/>
+              <a:t>.</a:t>
+            </a:r>
+            <a:endParaRPr lang="en-US" sz="3200" dirty="0">
+              <a:latin typeface="+mj-lt"/>
+            </a:endParaRPr>
+          </a:p>
+        </p:txBody>
+      </p:sp>
+      <p:sp>
+        <p:nvSpPr>
+          <p:cNvPr id="3" name="Content Placeholder 2"/>
+          <p:cNvSpPr>
+            <a:spLocks noGrp="1"/>
+          </p:cNvSpPr>
+          <p:nvPr>
+            <p:ph idx="1"/>
+          </p:nvPr>
+        </p:nvSpPr>
+        <p:spPr>
+          <a:xfrm>
+            <a:off x="180975" y="1658260"/>
+            <a:ext cx="8782050" cy="3742263"/>
+          </a:xfrm>
+        </p:spPr>
+        <p:txBody>
+          <a:bodyPr/>
+          <a:lstStyle/>
+          <a:p>
+            <a:pPr marL="0" indent="0">
+              <a:buNone/>
+            </a:pPr>
+            <a:r>
+              <a:rPr lang="en-US" sz="2400" b="1" dirty="0"/>
+              <a:t>General procedure</a:t>
+            </a:r>
+          </a:p>
+          <a:p>
+            <a:r>
+              <a:rPr lang="en-US" sz="2400" dirty="0"/>
+              <a:t>Reads cleanup (adaptor, quality trimming, e.g., </a:t>
+            </a:r>
+            <a:r>
+              <a:rPr lang="en-US" sz="2400" dirty="0" err="1"/>
+              <a:t>trimmomatic</a:t>
+            </a:r>
+            <a:r>
+              <a:rPr lang="en-US" sz="2400" dirty="0"/>
+              <a:t>)</a:t>
+            </a:r>
+          </a:p>
+          <a:p>
+            <a:r>
+              <a:rPr lang="en-US" sz="2400" dirty="0"/>
+              <a:t>Reads aligned to the reference genome with aligners</a:t>
+            </a:r>
+          </a:p>
+          <a:p>
+            <a:pPr marL="0" indent="0">
+              <a:buNone/>
+            </a:pPr>
+            <a:r>
+              <a:rPr lang="en-US" sz="2400" dirty="0"/>
+              <a:t>	1. BWA, Bowtie (DNA-</a:t>
+            </a:r>
+            <a:r>
+              <a:rPr lang="en-US" sz="2400" dirty="0" err="1"/>
+              <a:t>Seq</a:t>
+            </a:r>
+            <a:r>
+              <a:rPr lang="en-US" sz="2400" dirty="0"/>
+              <a:t> reads)</a:t>
+            </a:r>
+          </a:p>
+          <a:p>
+            <a:pPr marL="0" indent="0">
+              <a:buNone/>
+            </a:pPr>
+            <a:r>
+              <a:rPr lang="en-US" sz="2400" dirty="0"/>
+              <a:t>	2. HISAT2, STAR, GSNAP, </a:t>
+            </a:r>
+            <a:r>
+              <a:rPr lang="en-US" sz="2400" dirty="0" err="1"/>
+              <a:t>Tophat</a:t>
+            </a:r>
+            <a:r>
+              <a:rPr lang="en-US" sz="2400" dirty="0"/>
+              <a:t> (RNA-</a:t>
+            </a:r>
+            <a:r>
+              <a:rPr lang="en-US" sz="2400" dirty="0" err="1"/>
+              <a:t>Seq</a:t>
+            </a:r>
+            <a:r>
+              <a:rPr lang="en-US" sz="2400" dirty="0"/>
+              <a:t> reads)</a:t>
+            </a:r>
+          </a:p>
+          <a:p>
+            <a:r>
+              <a:rPr lang="en-US" sz="2400" dirty="0"/>
+              <a:t>Post-alignment filtering and convert SAM (alignment file) to BAM</a:t>
+            </a:r>
+          </a:p>
+          <a:p>
+            <a:r>
+              <a:rPr lang="en-US" sz="2400" dirty="0"/>
+              <a:t>SNP calling with software packages: </a:t>
+            </a:r>
+            <a:r>
+              <a:rPr lang="en-US" sz="2400" dirty="0" err="1"/>
+              <a:t>Samtools</a:t>
+            </a:r>
+            <a:r>
+              <a:rPr lang="en-US" sz="2400" dirty="0"/>
+              <a:t>, GATK, VarScan2</a:t>
+            </a:r>
+          </a:p>
+          <a:p>
+            <a:r>
+              <a:rPr lang="en-US" sz="2400" dirty="0"/>
+              <a:t>Use population information or some criteria to filter SNP sets</a:t>
             </a:r>
           </a:p>
         </p:txBody>
@@ -6003,296 +6102,10 @@
           </a:p>
         </p:txBody>
       </p:sp>
-      <p:sp>
-        <p:nvSpPr>
-          <p:cNvPr id="5" name="TextBox 4"/>
-          <p:cNvSpPr txBox="1"/>
-          <p:nvPr/>
-        </p:nvSpPr>
-        <p:spPr>
-          <a:xfrm>
-            <a:off x="254001" y="1511300"/>
-            <a:ext cx="8547099" cy="1538883"/>
-          </a:xfrm>
-          <a:prstGeom prst="rect">
-            <a:avLst/>
-          </a:prstGeom>
-          <a:noFill/>
-        </p:spPr>
-        <p:txBody>
-          <a:bodyPr wrap="square" rtlCol="0">
-            <a:spAutoFit/>
-          </a:bodyPr>
-          <a:lstStyle/>
-          <a:p>
-            <a:r>
-              <a:rPr lang="en-US" sz="1800" dirty="0">
-                <a:latin typeface="Courier New"/>
-                <a:cs typeface="Courier New"/>
-              </a:rPr>
-              <a:t>HWI-ST897:104:C015GACXX:6:1101:12678:20443  163 U00096  </a:t>
-            </a:r>
-            <a:r>
-              <a:rPr lang="en-US" dirty="0">
-                <a:solidFill>
-                  <a:srgbClr val="FF0000"/>
-                </a:solidFill>
-                <a:latin typeface="Courier New"/>
-                <a:cs typeface="Courier New"/>
-              </a:rPr>
-              <a:t>1888286</a:t>
-            </a:r>
-            <a:r>
-              <a:rPr lang="en-US" sz="1800" dirty="0">
-                <a:latin typeface="Courier New"/>
-                <a:cs typeface="Courier New"/>
-              </a:rPr>
-              <a:t> 60  </a:t>
-            </a:r>
-            <a:r>
-              <a:rPr lang="en-US" dirty="0">
-                <a:solidFill>
-                  <a:srgbClr val="FF0000"/>
-                </a:solidFill>
-                <a:latin typeface="Courier New"/>
-                <a:cs typeface="Courier New"/>
-              </a:rPr>
-              <a:t>64M1D20M</a:t>
-            </a:r>
-            <a:r>
-              <a:rPr lang="en-US" sz="1800" dirty="0">
-                <a:latin typeface="Courier New"/>
-                <a:cs typeface="Courier New"/>
-              </a:rPr>
-              <a:t>    =   1888358 170 </a:t>
-            </a:r>
-            <a:r>
-              <a:rPr lang="en-US" sz="1000" dirty="0">
-                <a:latin typeface="Courier New"/>
-                <a:cs typeface="Courier New"/>
-              </a:rPr>
-              <a:t>GCCAACAGCCGCGACTTCCTGTACGCCAGGATGCTGCATGACGACATCTTCAATCTCGTTGGGAAGACGTTAAAAACGGAAACC    CCCFFFFFHHFHHJJJJJJJ        JHIJHIJIIJIJJJJJIJJJJIJJHHFFFFFFEEEEEEDDDDDDA5,53,8&lt;?CC(50?8BD3?    </a:t>
-            </a:r>
-            <a:r>
-              <a:rPr lang="en-US" dirty="0">
-                <a:solidFill>
-                  <a:srgbClr val="FF0000"/>
-                </a:solidFill>
-                <a:latin typeface="Courier New"/>
-                <a:cs typeface="Courier New"/>
-              </a:rPr>
-              <a:t>NM:i:2</a:t>
-            </a:r>
-            <a:r>
-              <a:rPr lang="en-US" sz="1800" dirty="0">
-                <a:latin typeface="Courier New"/>
-                <a:cs typeface="Courier New"/>
-              </a:rPr>
-              <a:t>  AS:i:72 XS:i:0  RG:Z:S1</a:t>
-            </a:r>
-          </a:p>
-        </p:txBody>
-      </p:sp>
-      <p:sp>
-        <p:nvSpPr>
-          <p:cNvPr id="6" name="TextBox 5"/>
-          <p:cNvSpPr txBox="1"/>
-          <p:nvPr/>
-        </p:nvSpPr>
-        <p:spPr>
-          <a:xfrm>
-            <a:off x="254001" y="1036935"/>
-            <a:ext cx="1878339" cy="461665"/>
-          </a:xfrm>
-          <a:prstGeom prst="rect">
-            <a:avLst/>
-          </a:prstGeom>
-          <a:noFill/>
-        </p:spPr>
-        <p:txBody>
-          <a:bodyPr wrap="none" rtlCol="0">
-            <a:spAutoFit/>
-          </a:bodyPr>
-          <a:lstStyle/>
-          <a:p>
-            <a:r>
-              <a:rPr lang="en-US" dirty="0"/>
-              <a:t>SAM output:</a:t>
-            </a:r>
-          </a:p>
-        </p:txBody>
-      </p:sp>
-      <p:sp>
-        <p:nvSpPr>
-          <p:cNvPr id="7" name="TextBox 6"/>
-          <p:cNvSpPr txBox="1"/>
-          <p:nvPr/>
-        </p:nvSpPr>
-        <p:spPr>
-          <a:xfrm>
-            <a:off x="254000" y="3149600"/>
-            <a:ext cx="2613215" cy="830997"/>
-          </a:xfrm>
-          <a:prstGeom prst="rect">
-            <a:avLst/>
-          </a:prstGeom>
-          <a:noFill/>
-        </p:spPr>
-        <p:txBody>
-          <a:bodyPr wrap="none" rtlCol="0">
-            <a:spAutoFit/>
-          </a:bodyPr>
-          <a:lstStyle/>
-          <a:p>
-            <a:r>
-              <a:rPr lang="en-US" dirty="0">
-                <a:latin typeface="+mj-lt"/>
-              </a:rPr>
-              <a:t>CIGAR: 64M1D20M</a:t>
-            </a:r>
-          </a:p>
-          <a:p>
-            <a:r>
-              <a:rPr lang="en-US" dirty="0">
-                <a:latin typeface="+mj-lt"/>
-              </a:rPr>
-              <a:t>NM: edit distance</a:t>
-            </a:r>
-          </a:p>
-        </p:txBody>
-      </p:sp>
-      <p:sp>
-        <p:nvSpPr>
-          <p:cNvPr id="8" name="TextBox 7"/>
-          <p:cNvSpPr txBox="1"/>
-          <p:nvPr/>
-        </p:nvSpPr>
-        <p:spPr>
-          <a:xfrm>
-            <a:off x="469900" y="4254500"/>
-            <a:ext cx="184666" cy="461665"/>
-          </a:xfrm>
-          <a:prstGeom prst="rect">
-            <a:avLst/>
-          </a:prstGeom>
-          <a:noFill/>
-        </p:spPr>
-        <p:txBody>
-          <a:bodyPr wrap="none" rtlCol="0">
-            <a:spAutoFit/>
-          </a:bodyPr>
-          <a:lstStyle/>
-          <a:p>
-            <a:endParaRPr lang="en-US"/>
-          </a:p>
-        </p:txBody>
-      </p:sp>
-      <p:sp>
-        <p:nvSpPr>
-          <p:cNvPr id="9" name="Content Placeholder 8"/>
-          <p:cNvSpPr>
-            <a:spLocks noGrp="1"/>
-          </p:cNvSpPr>
-          <p:nvPr>
-            <p:ph idx="1"/>
-          </p:nvPr>
-        </p:nvSpPr>
-        <p:spPr>
-          <a:xfrm>
-            <a:off x="165100" y="4031396"/>
-            <a:ext cx="8890000" cy="2458304"/>
-          </a:xfrm>
-          <a:solidFill>
-            <a:schemeClr val="accent5">
-              <a:lumMod val="20000"/>
-              <a:lumOff val="80000"/>
-            </a:schemeClr>
-          </a:solidFill>
-        </p:spPr>
-        <p:txBody>
-          <a:bodyPr/>
-          <a:lstStyle/>
-          <a:p>
-            <a:pPr marL="0" indent="0">
-              <a:buNone/>
-            </a:pPr>
-            <a:r>
-              <a:rPr lang="en-US" sz="2400" b="1" dirty="0">
-                <a:solidFill>
-                  <a:schemeClr val="tx2">
-                    <a:lumMod val="75000"/>
-                  </a:schemeClr>
-                </a:solidFill>
-              </a:rPr>
-              <a:t>edit distance </a:t>
-            </a:r>
-            <a:r>
-              <a:rPr lang="en-US" sz="2400" dirty="0"/>
-              <a:t>is a way to quantify the dissimilarity of two strings (e.g., words) by counting the minimum number of edits (substitution, insertion, and deletion) required to transform one string into the other.</a:t>
-            </a:r>
-          </a:p>
-          <a:p>
-            <a:pPr marL="0" indent="0">
-              <a:buNone/>
-            </a:pPr>
-            <a:r>
-              <a:rPr lang="en-US" sz="2400" dirty="0"/>
-              <a:t>fact -&gt; fit  (2)</a:t>
-            </a:r>
-          </a:p>
-          <a:p>
-            <a:pPr marL="0" indent="0">
-              <a:buNone/>
-            </a:pPr>
-            <a:r>
-              <a:rPr lang="en-US" sz="2400" dirty="0"/>
-              <a:t>AACCT -&gt; AAACT  (1)</a:t>
-            </a:r>
-          </a:p>
-        </p:txBody>
-      </p:sp>
-      <p:sp>
-        <p:nvSpPr>
-          <p:cNvPr id="10" name="Rectangle 9"/>
-          <p:cNvSpPr/>
-          <p:nvPr/>
-        </p:nvSpPr>
-        <p:spPr>
-          <a:xfrm>
-            <a:off x="10350500" y="5829300"/>
-            <a:ext cx="914400" cy="914400"/>
-          </a:xfrm>
-          <a:prstGeom prst="rect">
-            <a:avLst/>
-          </a:prstGeom>
-        </p:spPr>
-        <p:style>
-          <a:lnRef idx="1">
-            <a:schemeClr val="accent1"/>
-          </a:lnRef>
-          <a:fillRef idx="3">
-            <a:schemeClr val="accent1"/>
-          </a:fillRef>
-          <a:effectRef idx="2">
-            <a:schemeClr val="accent1"/>
-          </a:effectRef>
-          <a:fontRef idx="minor">
-            <a:schemeClr val="lt1"/>
-          </a:fontRef>
-        </p:style>
-        <p:txBody>
-          <a:bodyPr rtlCol="0" anchor="ctr"/>
-          <a:lstStyle/>
-          <a:p>
-            <a:pPr algn="ctr"/>
-            <a:endParaRPr lang="en-US"/>
-          </a:p>
-        </p:txBody>
-      </p:sp>
     </p:spTree>
     <p:extLst>
       <p:ext uri="{BB962C8B-B14F-4D97-AF65-F5344CB8AC3E}">
-        <p14:creationId xmlns:p14="http://schemas.microsoft.com/office/powerpoint/2010/main" val="3174452518"/>
+        <p14:creationId xmlns:p14="http://schemas.microsoft.com/office/powerpoint/2010/main" val="691822540"/>
       </p:ext>
     </p:extLst>
   </p:cSld>
@@ -6336,64 +6149,7 @@
           <a:p>
             <a:r>
               <a:rPr lang="en-US" dirty="0"/>
-              <a:t>edit distance</a:t>
-            </a:r>
-          </a:p>
-        </p:txBody>
-      </p:sp>
-      <p:sp>
-        <p:nvSpPr>
-          <p:cNvPr id="3" name="Content Placeholder 2"/>
-          <p:cNvSpPr>
-            <a:spLocks noGrp="1"/>
-          </p:cNvSpPr>
-          <p:nvPr>
-            <p:ph idx="1"/>
-          </p:nvPr>
-        </p:nvSpPr>
-        <p:spPr>
-          <a:xfrm>
-            <a:off x="2273300" y="2438400"/>
-            <a:ext cx="4279900" cy="1352550"/>
-          </a:xfrm>
-        </p:spPr>
-        <p:txBody>
-          <a:bodyPr/>
-          <a:lstStyle/>
-          <a:p>
-            <a:r>
-              <a:rPr lang="en-US" sz="3200" dirty="0"/>
-              <a:t>AACCT -&gt; ACCTA  (</a:t>
-            </a:r>
-            <a:r>
-              <a:rPr lang="en-US" sz="3200" dirty="0">
-                <a:solidFill>
-                  <a:srgbClr val="FF0000"/>
-                </a:solidFill>
-              </a:rPr>
-              <a:t>?</a:t>
-            </a:r>
-            <a:r>
-              <a:rPr lang="en-US" sz="3200" dirty="0"/>
-              <a:t>)</a:t>
-            </a:r>
-          </a:p>
-          <a:p>
-            <a:r>
-              <a:rPr lang="en-US" sz="3200" dirty="0"/>
-              <a:t>AATCCT -&gt; ATCAT  (</a:t>
-            </a:r>
-            <a:r>
-              <a:rPr lang="en-US" sz="3200" dirty="0">
-                <a:solidFill>
-                  <a:srgbClr val="FF0000"/>
-                </a:solidFill>
-              </a:rPr>
-              <a:t>?</a:t>
-            </a:r>
-            <a:r>
-              <a:rPr lang="en-US" sz="3200" dirty="0"/>
-              <a:t>)</a:t>
+              <a:t>Interpretation of the BWA alignment</a:t>
             </a:r>
           </a:p>
         </p:txBody>
@@ -6427,10 +6183,296 @@
           </a:p>
         </p:txBody>
       </p:sp>
+      <p:sp>
+        <p:nvSpPr>
+          <p:cNvPr id="5" name="TextBox 4"/>
+          <p:cNvSpPr txBox="1"/>
+          <p:nvPr/>
+        </p:nvSpPr>
+        <p:spPr>
+          <a:xfrm>
+            <a:off x="254001" y="1511300"/>
+            <a:ext cx="8547099" cy="1538883"/>
+          </a:xfrm>
+          <a:prstGeom prst="rect">
+            <a:avLst/>
+          </a:prstGeom>
+          <a:noFill/>
+        </p:spPr>
+        <p:txBody>
+          <a:bodyPr wrap="square" rtlCol="0">
+            <a:spAutoFit/>
+          </a:bodyPr>
+          <a:lstStyle/>
+          <a:p>
+            <a:r>
+              <a:rPr lang="en-US" sz="1800" dirty="0">
+                <a:latin typeface="Courier New"/>
+                <a:cs typeface="Courier New"/>
+              </a:rPr>
+              <a:t>HWI-ST897:104:C015GACXX:6:1101:12678:20443  163 U00096  </a:t>
+            </a:r>
+            <a:r>
+              <a:rPr lang="en-US" dirty="0">
+                <a:solidFill>
+                  <a:srgbClr val="FF0000"/>
+                </a:solidFill>
+                <a:latin typeface="Courier New"/>
+                <a:cs typeface="Courier New"/>
+              </a:rPr>
+              <a:t>1888286</a:t>
+            </a:r>
+            <a:r>
+              <a:rPr lang="en-US" sz="1800" dirty="0">
+                <a:latin typeface="Courier New"/>
+                <a:cs typeface="Courier New"/>
+              </a:rPr>
+              <a:t> 60  </a:t>
+            </a:r>
+            <a:r>
+              <a:rPr lang="en-US" dirty="0">
+                <a:solidFill>
+                  <a:srgbClr val="FF0000"/>
+                </a:solidFill>
+                <a:latin typeface="Courier New"/>
+                <a:cs typeface="Courier New"/>
+              </a:rPr>
+              <a:t>64M1D20M</a:t>
+            </a:r>
+            <a:r>
+              <a:rPr lang="en-US" sz="1800" dirty="0">
+                <a:latin typeface="Courier New"/>
+                <a:cs typeface="Courier New"/>
+              </a:rPr>
+              <a:t>    =   1888358 170 </a:t>
+            </a:r>
+            <a:r>
+              <a:rPr lang="en-US" sz="1000" dirty="0">
+                <a:latin typeface="Courier New"/>
+                <a:cs typeface="Courier New"/>
+              </a:rPr>
+              <a:t>GCCAACAGCCGCGACTTCCTGTACGCCAGGATGCTGCATGACGACATCTTCAATCTCGTTGGGAAGACGTTAAAAACGGAAACC    CCCFFFFFHHFHHJJJJJJJ        JHIJHIJIIJIJJJJJIJJJJIJJHHFFFFFFEEEEEEDDDDDDA5,53,8&lt;?CC(50?8BD3?    </a:t>
+            </a:r>
+            <a:r>
+              <a:rPr lang="en-US" dirty="0">
+                <a:solidFill>
+                  <a:srgbClr val="FF0000"/>
+                </a:solidFill>
+                <a:latin typeface="Courier New"/>
+                <a:cs typeface="Courier New"/>
+              </a:rPr>
+              <a:t>NM:i:2</a:t>
+            </a:r>
+            <a:r>
+              <a:rPr lang="en-US" sz="1800" dirty="0">
+                <a:latin typeface="Courier New"/>
+                <a:cs typeface="Courier New"/>
+              </a:rPr>
+              <a:t>  AS:i:72 XS:i:0  RG:Z:S1</a:t>
+            </a:r>
+          </a:p>
+        </p:txBody>
+      </p:sp>
+      <p:sp>
+        <p:nvSpPr>
+          <p:cNvPr id="6" name="TextBox 5"/>
+          <p:cNvSpPr txBox="1"/>
+          <p:nvPr/>
+        </p:nvSpPr>
+        <p:spPr>
+          <a:xfrm>
+            <a:off x="254001" y="1036935"/>
+            <a:ext cx="1878339" cy="461665"/>
+          </a:xfrm>
+          <a:prstGeom prst="rect">
+            <a:avLst/>
+          </a:prstGeom>
+          <a:noFill/>
+        </p:spPr>
+        <p:txBody>
+          <a:bodyPr wrap="none" rtlCol="0">
+            <a:spAutoFit/>
+          </a:bodyPr>
+          <a:lstStyle/>
+          <a:p>
+            <a:r>
+              <a:rPr lang="en-US" dirty="0"/>
+              <a:t>SAM output:</a:t>
+            </a:r>
+          </a:p>
+        </p:txBody>
+      </p:sp>
+      <p:sp>
+        <p:nvSpPr>
+          <p:cNvPr id="7" name="TextBox 6"/>
+          <p:cNvSpPr txBox="1"/>
+          <p:nvPr/>
+        </p:nvSpPr>
+        <p:spPr>
+          <a:xfrm>
+            <a:off x="254000" y="3149600"/>
+            <a:ext cx="2613215" cy="830997"/>
+          </a:xfrm>
+          <a:prstGeom prst="rect">
+            <a:avLst/>
+          </a:prstGeom>
+          <a:noFill/>
+        </p:spPr>
+        <p:txBody>
+          <a:bodyPr wrap="none" rtlCol="0">
+            <a:spAutoFit/>
+          </a:bodyPr>
+          <a:lstStyle/>
+          <a:p>
+            <a:r>
+              <a:rPr lang="en-US" dirty="0">
+                <a:latin typeface="+mj-lt"/>
+              </a:rPr>
+              <a:t>CIGAR: 64M1D20M</a:t>
+            </a:r>
+          </a:p>
+          <a:p>
+            <a:r>
+              <a:rPr lang="en-US" dirty="0">
+                <a:latin typeface="+mj-lt"/>
+              </a:rPr>
+              <a:t>NM: edit distance</a:t>
+            </a:r>
+          </a:p>
+        </p:txBody>
+      </p:sp>
+      <p:sp>
+        <p:nvSpPr>
+          <p:cNvPr id="8" name="TextBox 7"/>
+          <p:cNvSpPr txBox="1"/>
+          <p:nvPr/>
+        </p:nvSpPr>
+        <p:spPr>
+          <a:xfrm>
+            <a:off x="469900" y="4254500"/>
+            <a:ext cx="184666" cy="461665"/>
+          </a:xfrm>
+          <a:prstGeom prst="rect">
+            <a:avLst/>
+          </a:prstGeom>
+          <a:noFill/>
+        </p:spPr>
+        <p:txBody>
+          <a:bodyPr wrap="none" rtlCol="0">
+            <a:spAutoFit/>
+          </a:bodyPr>
+          <a:lstStyle/>
+          <a:p>
+            <a:endParaRPr lang="en-US"/>
+          </a:p>
+        </p:txBody>
+      </p:sp>
+      <p:sp>
+        <p:nvSpPr>
+          <p:cNvPr id="9" name="Content Placeholder 8"/>
+          <p:cNvSpPr>
+            <a:spLocks noGrp="1"/>
+          </p:cNvSpPr>
+          <p:nvPr>
+            <p:ph idx="1"/>
+          </p:nvPr>
+        </p:nvSpPr>
+        <p:spPr>
+          <a:xfrm>
+            <a:off x="165100" y="4031396"/>
+            <a:ext cx="8890000" cy="2458304"/>
+          </a:xfrm>
+          <a:solidFill>
+            <a:schemeClr val="accent5">
+              <a:lumMod val="20000"/>
+              <a:lumOff val="80000"/>
+            </a:schemeClr>
+          </a:solidFill>
+        </p:spPr>
+        <p:txBody>
+          <a:bodyPr/>
+          <a:lstStyle/>
+          <a:p>
+            <a:pPr marL="0" indent="0">
+              <a:buNone/>
+            </a:pPr>
+            <a:r>
+              <a:rPr lang="en-US" sz="2400" b="1" dirty="0">
+                <a:solidFill>
+                  <a:schemeClr val="tx2">
+                    <a:lumMod val="75000"/>
+                  </a:schemeClr>
+                </a:solidFill>
+              </a:rPr>
+              <a:t>edit distance </a:t>
+            </a:r>
+            <a:r>
+              <a:rPr lang="en-US" sz="2400" dirty="0"/>
+              <a:t>is a way to quantify the dissimilarity of two strings (e.g., words) by counting the minimum number of edits (substitution, insertion, and deletion) required to transform one string into the other.</a:t>
+            </a:r>
+          </a:p>
+          <a:p>
+            <a:pPr marL="0" indent="0">
+              <a:buNone/>
+            </a:pPr>
+            <a:r>
+              <a:rPr lang="en-US" sz="2400" dirty="0"/>
+              <a:t>fact -&gt; fit  (2)</a:t>
+            </a:r>
+          </a:p>
+          <a:p>
+            <a:pPr marL="0" indent="0">
+              <a:buNone/>
+            </a:pPr>
+            <a:r>
+              <a:rPr lang="en-US" sz="2400" dirty="0"/>
+              <a:t>AACCT -&gt; AAACT  (1)</a:t>
+            </a:r>
+          </a:p>
+        </p:txBody>
+      </p:sp>
+      <p:sp>
+        <p:nvSpPr>
+          <p:cNvPr id="10" name="Rectangle 9"/>
+          <p:cNvSpPr/>
+          <p:nvPr/>
+        </p:nvSpPr>
+        <p:spPr>
+          <a:xfrm>
+            <a:off x="10350500" y="5829300"/>
+            <a:ext cx="914400" cy="914400"/>
+          </a:xfrm>
+          <a:prstGeom prst="rect">
+            <a:avLst/>
+          </a:prstGeom>
+        </p:spPr>
+        <p:style>
+          <a:lnRef idx="1">
+            <a:schemeClr val="accent1"/>
+          </a:lnRef>
+          <a:fillRef idx="3">
+            <a:schemeClr val="accent1"/>
+          </a:fillRef>
+          <a:effectRef idx="2">
+            <a:schemeClr val="accent1"/>
+          </a:effectRef>
+          <a:fontRef idx="minor">
+            <a:schemeClr val="lt1"/>
+          </a:fontRef>
+        </p:style>
+        <p:txBody>
+          <a:bodyPr rtlCol="0" anchor="ctr"/>
+          <a:lstStyle/>
+          <a:p>
+            <a:pPr algn="ctr"/>
+            <a:endParaRPr lang="en-US"/>
+          </a:p>
+        </p:txBody>
+      </p:sp>
     </p:spTree>
     <p:extLst>
       <p:ext uri="{BB962C8B-B14F-4D97-AF65-F5344CB8AC3E}">
-        <p14:creationId xmlns:p14="http://schemas.microsoft.com/office/powerpoint/2010/main" val="2704414888"/>
+        <p14:creationId xmlns:p14="http://schemas.microsoft.com/office/powerpoint/2010/main" val="3174452518"/>
       </p:ext>
     </p:extLst>
   </p:cSld>
@@ -6467,6 +6509,144 @@
             <p:ph type="title"/>
           </p:nvPr>
         </p:nvSpPr>
+        <p:spPr/>
+        <p:txBody>
+          <a:bodyPr/>
+          <a:lstStyle/>
+          <a:p>
+            <a:r>
+              <a:rPr lang="en-US" dirty="0"/>
+              <a:t>edit distance</a:t>
+            </a:r>
+          </a:p>
+        </p:txBody>
+      </p:sp>
+      <p:sp>
+        <p:nvSpPr>
+          <p:cNvPr id="3" name="Content Placeholder 2"/>
+          <p:cNvSpPr>
+            <a:spLocks noGrp="1"/>
+          </p:cNvSpPr>
+          <p:nvPr>
+            <p:ph idx="1"/>
+          </p:nvPr>
+        </p:nvSpPr>
+        <p:spPr>
+          <a:xfrm>
+            <a:off x="2273300" y="2438400"/>
+            <a:ext cx="4279900" cy="1352550"/>
+          </a:xfrm>
+        </p:spPr>
+        <p:txBody>
+          <a:bodyPr/>
+          <a:lstStyle/>
+          <a:p>
+            <a:r>
+              <a:rPr lang="en-US" sz="3200" dirty="0"/>
+              <a:t>AACCT -&gt; ACCTA  (</a:t>
+            </a:r>
+            <a:r>
+              <a:rPr lang="en-US" sz="3200" dirty="0">
+                <a:solidFill>
+                  <a:srgbClr val="FF0000"/>
+                </a:solidFill>
+              </a:rPr>
+              <a:t>?</a:t>
+            </a:r>
+            <a:r>
+              <a:rPr lang="en-US" sz="3200" dirty="0"/>
+              <a:t>)</a:t>
+            </a:r>
+          </a:p>
+          <a:p>
+            <a:r>
+              <a:rPr lang="en-US" sz="3200" dirty="0"/>
+              <a:t>AATCCT -&gt; ATCAT  (</a:t>
+            </a:r>
+            <a:r>
+              <a:rPr lang="en-US" sz="3200" dirty="0">
+                <a:solidFill>
+                  <a:srgbClr val="FF0000"/>
+                </a:solidFill>
+              </a:rPr>
+              <a:t>?</a:t>
+            </a:r>
+            <a:r>
+              <a:rPr lang="en-US" sz="3200" dirty="0"/>
+              <a:t>)</a:t>
+            </a:r>
+          </a:p>
+        </p:txBody>
+      </p:sp>
+      <p:sp>
+        <p:nvSpPr>
+          <p:cNvPr id="4" name="Slide Number Placeholder 3"/>
+          <p:cNvSpPr>
+            <a:spLocks noGrp="1"/>
+          </p:cNvSpPr>
+          <p:nvPr>
+            <p:ph type="sldNum" sz="quarter" idx="12"/>
+          </p:nvPr>
+        </p:nvSpPr>
+        <p:spPr/>
+        <p:txBody>
+          <a:bodyPr/>
+          <a:lstStyle/>
+          <a:p>
+            <a:pPr>
+              <a:defRPr/>
+            </a:pPr>
+            <a:fld id="{9E3EFA63-DE6B-1C40-8E13-70DFD3C7F100}" type="slidenum">
+              <a:rPr lang="en-US" smtClean="0"/>
+              <a:pPr>
+                <a:defRPr/>
+              </a:pPr>
+              <a:t>13</a:t>
+            </a:fld>
+            <a:endParaRPr lang="en-US"/>
+          </a:p>
+        </p:txBody>
+      </p:sp>
+    </p:spTree>
+    <p:extLst>
+      <p:ext uri="{BB962C8B-B14F-4D97-AF65-F5344CB8AC3E}">
+        <p14:creationId xmlns:p14="http://schemas.microsoft.com/office/powerpoint/2010/main" val="2704414888"/>
+      </p:ext>
+    </p:extLst>
+  </p:cSld>
+  <p:clrMapOvr>
+    <a:masterClrMapping/>
+  </p:clrMapOvr>
+</p:sld>
+</file>
+
+<file path=ppt/slides/slide15.xml><?xml version="1.0" encoding="utf-8"?>
+<p:sld xmlns:a="http://schemas.openxmlformats.org/drawingml/2006/main" xmlns:r="http://schemas.openxmlformats.org/officeDocument/2006/relationships" xmlns:p="http://schemas.openxmlformats.org/presentationml/2006/main">
+  <p:cSld>
+    <p:spTree>
+      <p:nvGrpSpPr>
+        <p:cNvPr id="1" name=""/>
+        <p:cNvGrpSpPr/>
+        <p:nvPr/>
+      </p:nvGrpSpPr>
+      <p:grpSpPr>
+        <a:xfrm>
+          <a:off x="0" y="0"/>
+          <a:ext cx="0" cy="0"/>
+          <a:chOff x="0" y="0"/>
+          <a:chExt cx="0" cy="0"/>
+        </a:xfrm>
+      </p:grpSpPr>
+      <p:sp>
+        <p:nvSpPr>
+          <p:cNvPr id="2" name="Title 1"/>
+          <p:cNvSpPr>
+            <a:spLocks noGrp="1"/>
+          </p:cNvSpPr>
+          <p:nvPr>
+            <p:ph type="title"/>
+          </p:nvPr>
+        </p:nvSpPr>
         <p:spPr>
           <a:xfrm>
             <a:off x="254001" y="274638"/>
@@ -6623,7 +6803,7 @@
               <a:pPr>
                 <a:defRPr/>
               </a:pPr>
-              <a:t>13</a:t>
+              <a:t>14</a:t>
             </a:fld>
             <a:endParaRPr lang="en-US"/>
           </a:p>
@@ -6989,7 +7169,7 @@
 </p:sld>
 </file>
 
-<file path=ppt/slides/slide15.xml><?xml version="1.0" encoding="utf-8"?>
+<file path=ppt/slides/slide16.xml><?xml version="1.0" encoding="utf-8"?>
 <p:sld xmlns:a="http://schemas.openxmlformats.org/drawingml/2006/main" xmlns:r="http://schemas.openxmlformats.org/officeDocument/2006/relationships" xmlns:p="http://schemas.openxmlformats.org/presentationml/2006/main">
   <p:cSld>
     <p:spTree>
@@ -7279,7 +7459,7 @@
               <a:pPr>
                 <a:defRPr/>
               </a:pPr>
-              <a:t>14</a:t>
+              <a:t>15</a:t>
             </a:fld>
             <a:endParaRPr lang="en-US"/>
           </a:p>
@@ -7333,7 +7513,7 @@
 </p:sld>
 </file>
 
-<file path=ppt/slides/slide16.xml><?xml version="1.0" encoding="utf-8"?>
+<file path=ppt/slides/slide17.xml><?xml version="1.0" encoding="utf-8"?>
 <p:sld xmlns:a="http://schemas.openxmlformats.org/drawingml/2006/main" xmlns:r="http://schemas.openxmlformats.org/officeDocument/2006/relationships" xmlns:p="http://schemas.openxmlformats.org/presentationml/2006/main">
   <p:cSld>
     <p:spTree>
@@ -7402,7 +7582,7 @@
               <a:pPr>
                 <a:defRPr/>
               </a:pPr>
-              <a:t>15</a:t>
+              <a:t>16</a:t>
             </a:fld>
             <a:endParaRPr lang="en-US" dirty="0"/>
           </a:p>
@@ -11301,340 +11481,6 @@
 </p:sld>
 </file>
 
-<file path=ppt/slides/slide17.xml><?xml version="1.0" encoding="utf-8"?>
-<p:sld xmlns:a="http://schemas.openxmlformats.org/drawingml/2006/main" xmlns:r="http://schemas.openxmlformats.org/officeDocument/2006/relationships" xmlns:p="http://schemas.openxmlformats.org/presentationml/2006/main">
-  <p:cSld>
-    <p:spTree>
-      <p:nvGrpSpPr>
-        <p:cNvPr id="1" name=""/>
-        <p:cNvGrpSpPr/>
-        <p:nvPr/>
-      </p:nvGrpSpPr>
-      <p:grpSpPr>
-        <a:xfrm>
-          <a:off x="0" y="0"/>
-          <a:ext cx="0" cy="0"/>
-          <a:chOff x="0" y="0"/>
-          <a:chExt cx="0" cy="0"/>
-        </a:xfrm>
-      </p:grpSpPr>
-      <p:sp>
-        <p:nvSpPr>
-          <p:cNvPr id="2" name="Title 1"/>
-          <p:cNvSpPr>
-            <a:spLocks noGrp="1"/>
-          </p:cNvSpPr>
-          <p:nvPr>
-            <p:ph type="title"/>
-          </p:nvPr>
-        </p:nvSpPr>
-        <p:spPr/>
-        <p:txBody>
-          <a:bodyPr/>
-          <a:lstStyle/>
-          <a:p>
-            <a:r>
-              <a:rPr lang="en-US" sz="3200" dirty="0">
-                <a:latin typeface="+mj-lt"/>
-              </a:rPr>
-              <a:t>GATK (3)</a:t>
-            </a:r>
-          </a:p>
-        </p:txBody>
-      </p:sp>
-      <p:sp>
-        <p:nvSpPr>
-          <p:cNvPr id="3" name="Content Placeholder 2"/>
-          <p:cNvSpPr>
-            <a:spLocks noGrp="1"/>
-          </p:cNvSpPr>
-          <p:nvPr>
-            <p:ph idx="1"/>
-          </p:nvPr>
-        </p:nvSpPr>
-        <p:spPr>
-          <a:xfrm>
-            <a:off x="457200" y="1454150"/>
-            <a:ext cx="8128000" cy="4375150"/>
-          </a:xfrm>
-        </p:spPr>
-        <p:txBody>
-          <a:bodyPr/>
-          <a:lstStyle/>
-          <a:p>
-            <a:r>
-              <a:rPr lang="en-US" sz="2800" dirty="0">
-                <a:solidFill>
-                  <a:schemeClr val="tx2">
-                    <a:lumMod val="75000"/>
-                  </a:schemeClr>
-                </a:solidFill>
-              </a:rPr>
-              <a:t>GATK</a:t>
-            </a:r>
-            <a:r>
-              <a:rPr lang="en-US" sz="2800" dirty="0"/>
-              <a:t> can be used to filter SNPs.</a:t>
-            </a:r>
-          </a:p>
-          <a:p>
-            <a:pPr marL="0" indent="0">
-              <a:buNone/>
-            </a:pPr>
-            <a:r>
-              <a:rPr lang="en-US" dirty="0">
-                <a:latin typeface="Courier"/>
-                <a:cs typeface="Courier"/>
-              </a:rPr>
-              <a:t>java </a:t>
-            </a:r>
-            <a:r>
-              <a:rPr lang="en-US" dirty="0" err="1">
-                <a:latin typeface="Courier"/>
-                <a:cs typeface="Courier"/>
-              </a:rPr>
-              <a:t>GenomeAnalysisTK.jar</a:t>
-            </a:r>
-            <a:r>
-              <a:rPr lang="en-US" dirty="0">
-                <a:latin typeface="Courier"/>
-                <a:cs typeface="Courier"/>
-              </a:rPr>
-              <a:t> \</a:t>
-            </a:r>
-          </a:p>
-          <a:p>
-            <a:pPr marL="0" indent="0">
-              <a:buNone/>
-            </a:pPr>
-            <a:r>
-              <a:rPr lang="en-US" b="1" dirty="0">
-                <a:solidFill>
-                  <a:srgbClr val="FF0000"/>
-                </a:solidFill>
-                <a:latin typeface="Courier"/>
-                <a:cs typeface="Courier"/>
-              </a:rPr>
-              <a:t>	-T </a:t>
-            </a:r>
-            <a:r>
-              <a:rPr lang="en-US" b="1" dirty="0" err="1">
-                <a:solidFill>
-                  <a:srgbClr val="FF0000"/>
-                </a:solidFill>
-                <a:latin typeface="Courier"/>
-                <a:cs typeface="Courier"/>
-              </a:rPr>
-              <a:t>SelectVariants</a:t>
-            </a:r>
-            <a:r>
-              <a:rPr lang="en-US" b="1" dirty="0">
-                <a:solidFill>
-                  <a:srgbClr val="FF0000"/>
-                </a:solidFill>
-                <a:latin typeface="Courier"/>
-                <a:cs typeface="Courier"/>
-              </a:rPr>
-              <a:t> </a:t>
-            </a:r>
-            <a:r>
-              <a:rPr lang="en-US" dirty="0">
-                <a:latin typeface="Courier"/>
-                <a:cs typeface="Courier"/>
-              </a:rPr>
-              <a:t>\</a:t>
-            </a:r>
-          </a:p>
-          <a:p>
-            <a:pPr marL="0" indent="0">
-              <a:buNone/>
-            </a:pPr>
-            <a:r>
-              <a:rPr lang="en-US" dirty="0">
-                <a:latin typeface="Courier"/>
-                <a:cs typeface="Courier"/>
-              </a:rPr>
-              <a:t>	-R </a:t>
-            </a:r>
-            <a:r>
-              <a:rPr lang="en-US" dirty="0" err="1">
-                <a:latin typeface="Courier"/>
-                <a:cs typeface="Courier"/>
-              </a:rPr>
-              <a:t>your_reference</a:t>
-            </a:r>
-            <a:r>
-              <a:rPr lang="en-US" dirty="0">
-                <a:latin typeface="Courier"/>
-                <a:cs typeface="Courier"/>
-              </a:rPr>
-              <a:t> \</a:t>
-            </a:r>
-          </a:p>
-          <a:p>
-            <a:pPr marL="0" indent="0">
-              <a:buNone/>
-            </a:pPr>
-            <a:r>
-              <a:rPr lang="en-US" dirty="0">
-                <a:latin typeface="Courier"/>
-                <a:cs typeface="Courier"/>
-              </a:rPr>
-              <a:t>	--variant </a:t>
-            </a:r>
-            <a:r>
-              <a:rPr lang="en-US" dirty="0" err="1">
-                <a:latin typeface="Courier"/>
-                <a:cs typeface="Courier"/>
-              </a:rPr>
-              <a:t>your_vcf</a:t>
-            </a:r>
-            <a:r>
-              <a:rPr lang="en-US" dirty="0">
-                <a:latin typeface="Courier"/>
-                <a:cs typeface="Courier"/>
-              </a:rPr>
-              <a:t> \</a:t>
-            </a:r>
-          </a:p>
-          <a:p>
-            <a:pPr marL="0" indent="0">
-              <a:buNone/>
-            </a:pPr>
-            <a:r>
-              <a:rPr lang="en-US" dirty="0">
-                <a:latin typeface="Courier"/>
-                <a:cs typeface="Courier"/>
-              </a:rPr>
-              <a:t>	-select 'DP &gt;= 3.0' \</a:t>
-            </a:r>
-          </a:p>
-          <a:p>
-            <a:pPr marL="0" indent="0">
-              <a:buNone/>
-            </a:pPr>
-            <a:r>
-              <a:rPr lang="en-US" dirty="0">
-                <a:latin typeface="Courier"/>
-                <a:cs typeface="Courier"/>
-              </a:rPr>
-              <a:t>	--</a:t>
-            </a:r>
-            <a:r>
-              <a:rPr lang="en-US" dirty="0" err="1">
-                <a:latin typeface="Courier"/>
-                <a:cs typeface="Courier"/>
-              </a:rPr>
-              <a:t>restrictAllelesTo</a:t>
-            </a:r>
-            <a:r>
-              <a:rPr lang="en-US" dirty="0">
-                <a:latin typeface="Courier"/>
-                <a:cs typeface="Courier"/>
-              </a:rPr>
-              <a:t> BIALLELIC \</a:t>
-            </a:r>
-          </a:p>
-          <a:p>
-            <a:pPr marL="0" indent="0">
-              <a:buNone/>
-            </a:pPr>
-            <a:r>
-              <a:rPr lang="en-US" dirty="0">
-                <a:latin typeface="Courier"/>
-                <a:cs typeface="Courier"/>
-              </a:rPr>
-              <a:t>	--</a:t>
-            </a:r>
-            <a:r>
-              <a:rPr lang="en-US" dirty="0" err="1">
-                <a:latin typeface="Courier"/>
-                <a:cs typeface="Courier"/>
-              </a:rPr>
-              <a:t>selectTypeToInclude</a:t>
-            </a:r>
-            <a:r>
-              <a:rPr lang="en-US" dirty="0">
-                <a:latin typeface="Courier"/>
-                <a:cs typeface="Courier"/>
-              </a:rPr>
-              <a:t> SNP</a:t>
-            </a:r>
-          </a:p>
-          <a:p>
-            <a:pPr marL="0" indent="0">
-              <a:buNone/>
-            </a:pPr>
-            <a:endParaRPr lang="en-US" sz="1800" dirty="0">
-              <a:latin typeface="Courier"/>
-              <a:cs typeface="Courier"/>
-            </a:endParaRPr>
-          </a:p>
-          <a:p>
-            <a:r>
-              <a:rPr lang="en-US" sz="2800" dirty="0">
-                <a:solidFill>
-                  <a:schemeClr val="tx2">
-                    <a:lumMod val="75000"/>
-                  </a:schemeClr>
-                </a:solidFill>
-              </a:rPr>
-              <a:t>Filter variants based on the experimental purpose and genetic features</a:t>
-            </a:r>
-          </a:p>
-          <a:p>
-            <a:pPr marL="0" indent="0">
-              <a:buNone/>
-            </a:pPr>
-            <a:endParaRPr lang="en-US" sz="1800" dirty="0">
-              <a:latin typeface="Courier"/>
-              <a:cs typeface="Courier"/>
-            </a:endParaRPr>
-          </a:p>
-        </p:txBody>
-      </p:sp>
-      <p:sp>
-        <p:nvSpPr>
-          <p:cNvPr id="4" name="Slide Number Placeholder 3"/>
-          <p:cNvSpPr>
-            <a:spLocks noGrp="1"/>
-          </p:cNvSpPr>
-          <p:nvPr>
-            <p:ph type="sldNum" sz="quarter" idx="12"/>
-          </p:nvPr>
-        </p:nvSpPr>
-        <p:spPr/>
-        <p:txBody>
-          <a:bodyPr/>
-          <a:lstStyle/>
-          <a:p>
-            <a:pPr>
-              <a:defRPr/>
-            </a:pPr>
-            <a:fld id="{9E3EFA63-DE6B-1C40-8E13-70DFD3C7F100}" type="slidenum">
-              <a:rPr lang="en-US" smtClean="0"/>
-              <a:pPr>
-                <a:defRPr/>
-              </a:pPr>
-              <a:t>16</a:t>
-            </a:fld>
-            <a:endParaRPr lang="en-US"/>
-          </a:p>
-        </p:txBody>
-      </p:sp>
-    </p:spTree>
-    <p:extLst>
-      <p:ext uri="{BB962C8B-B14F-4D97-AF65-F5344CB8AC3E}">
-        <p14:creationId xmlns:p14="http://schemas.microsoft.com/office/powerpoint/2010/main" val="4049092537"/>
-      </p:ext>
-    </p:extLst>
-  </p:cSld>
-  <p:clrMapOvr>
-    <a:masterClrMapping/>
-  </p:clrMapOvr>
-</p:sld>
-</file>
-
 <file path=ppt/slides/slide18.xml><?xml version="1.0" encoding="utf-8"?>
 <p:sld xmlns:a="http://schemas.openxmlformats.org/drawingml/2006/main" xmlns:r="http://schemas.openxmlformats.org/officeDocument/2006/relationships" xmlns:p="http://schemas.openxmlformats.org/presentationml/2006/main">
   <p:cSld>
@@ -11668,8 +11514,10 @@
           <a:lstStyle/>
           <a:p>
             <a:r>
-              <a:rPr lang="en-US" dirty="0"/>
-              <a:t>Falsely discovered SNPs</a:t>
+              <a:rPr lang="en-US" sz="3200" dirty="0">
+                <a:latin typeface="+mj-lt"/>
+              </a:rPr>
+              <a:t>GATK (3)</a:t>
             </a:r>
           </a:p>
         </p:txBody>
@@ -11686,21 +11534,242 @@
         </p:nvSpPr>
         <p:spPr>
           <a:xfrm>
-            <a:off x="1028700" y="2038350"/>
-            <a:ext cx="7226300" cy="1441450"/>
+            <a:off x="457200" y="1454150"/>
+            <a:ext cx="8128000" cy="4375150"/>
           </a:xfrm>
         </p:spPr>
         <p:txBody>
           <a:bodyPr/>
           <a:lstStyle/>
           <a:p>
+            <a:r>
+              <a:rPr lang="en-US" sz="2800" dirty="0">
+                <a:solidFill>
+                  <a:schemeClr val="tx2">
+                    <a:lumMod val="75000"/>
+                  </a:schemeClr>
+                </a:solidFill>
+              </a:rPr>
+              <a:t>GATK</a:t>
+            </a:r>
+            <a:r>
+              <a:rPr lang="en-US" sz="2800" dirty="0"/>
+              <a:t> can be used to filter SNPs.</a:t>
+            </a:r>
+          </a:p>
+          <a:p>
             <a:pPr marL="0" indent="0">
               <a:buNone/>
             </a:pPr>
             <a:r>
-              <a:rPr lang="en-US" sz="2800" dirty="0"/>
-              <a:t>Can you think about what could result in falsely discovered SNPs using alignment-based SNP methods?</a:t>
-            </a:r>
+              <a:rPr lang="en-US" dirty="0">
+                <a:latin typeface="Courier"/>
+                <a:cs typeface="Courier"/>
+              </a:rPr>
+              <a:t>java </a:t>
+            </a:r>
+            <a:r>
+              <a:rPr lang="en-US" dirty="0" err="1">
+                <a:latin typeface="Courier"/>
+                <a:cs typeface="Courier"/>
+              </a:rPr>
+              <a:t>GenomeAnalysisTK.jar</a:t>
+            </a:r>
+            <a:r>
+              <a:rPr lang="en-US" dirty="0">
+                <a:latin typeface="Courier"/>
+                <a:cs typeface="Courier"/>
+              </a:rPr>
+              <a:t> \</a:t>
+            </a:r>
+          </a:p>
+          <a:p>
+            <a:pPr marL="0" indent="0">
+              <a:buNone/>
+            </a:pPr>
+            <a:r>
+              <a:rPr lang="en-US" b="1" dirty="0">
+                <a:solidFill>
+                  <a:srgbClr val="FF0000"/>
+                </a:solidFill>
+                <a:latin typeface="Courier"/>
+                <a:cs typeface="Courier"/>
+              </a:rPr>
+              <a:t>	-T </a:t>
+            </a:r>
+            <a:r>
+              <a:rPr lang="en-US" b="1" dirty="0" err="1">
+                <a:solidFill>
+                  <a:srgbClr val="FF0000"/>
+                </a:solidFill>
+                <a:latin typeface="Courier"/>
+                <a:cs typeface="Courier"/>
+              </a:rPr>
+              <a:t>SelectVariants</a:t>
+            </a:r>
+            <a:r>
+              <a:rPr lang="en-US" b="1" dirty="0">
+                <a:solidFill>
+                  <a:srgbClr val="FF0000"/>
+                </a:solidFill>
+                <a:latin typeface="Courier"/>
+                <a:cs typeface="Courier"/>
+              </a:rPr>
+              <a:t> </a:t>
+            </a:r>
+            <a:r>
+              <a:rPr lang="en-US" dirty="0">
+                <a:latin typeface="Courier"/>
+                <a:cs typeface="Courier"/>
+              </a:rPr>
+              <a:t>\</a:t>
+            </a:r>
+          </a:p>
+          <a:p>
+            <a:pPr marL="0" indent="0">
+              <a:buNone/>
+            </a:pPr>
+            <a:r>
+              <a:rPr lang="en-US" dirty="0">
+                <a:latin typeface="Courier"/>
+                <a:cs typeface="Courier"/>
+              </a:rPr>
+              <a:t>	-R </a:t>
+            </a:r>
+            <a:r>
+              <a:rPr lang="en-US" dirty="0" err="1">
+                <a:latin typeface="Courier"/>
+                <a:cs typeface="Courier"/>
+              </a:rPr>
+              <a:t>your_reference</a:t>
+            </a:r>
+            <a:r>
+              <a:rPr lang="en-US" dirty="0">
+                <a:latin typeface="Courier"/>
+                <a:cs typeface="Courier"/>
+              </a:rPr>
+              <a:t> \</a:t>
+            </a:r>
+          </a:p>
+          <a:p>
+            <a:pPr marL="0" indent="0">
+              <a:buNone/>
+            </a:pPr>
+            <a:r>
+              <a:rPr lang="en-US" dirty="0">
+                <a:latin typeface="Courier"/>
+                <a:cs typeface="Courier"/>
+              </a:rPr>
+              <a:t>	--variant </a:t>
+            </a:r>
+            <a:r>
+              <a:rPr lang="en-US" dirty="0" err="1">
+                <a:latin typeface="Courier"/>
+                <a:cs typeface="Courier"/>
+              </a:rPr>
+              <a:t>your_vcf</a:t>
+            </a:r>
+            <a:r>
+              <a:rPr lang="en-US" dirty="0">
+                <a:latin typeface="Courier"/>
+                <a:cs typeface="Courier"/>
+              </a:rPr>
+              <a:t> \</a:t>
+            </a:r>
+          </a:p>
+          <a:p>
+            <a:pPr marL="0" indent="0">
+              <a:buNone/>
+            </a:pPr>
+            <a:r>
+              <a:rPr lang="en-US" dirty="0">
+                <a:latin typeface="Courier"/>
+                <a:cs typeface="Courier"/>
+              </a:rPr>
+              <a:t>	-select 'DP &gt;= 3.0' \</a:t>
+            </a:r>
+          </a:p>
+          <a:p>
+            <a:pPr marL="0" indent="0">
+              <a:buNone/>
+            </a:pPr>
+            <a:r>
+              <a:rPr lang="en-US" dirty="0">
+                <a:latin typeface="Courier"/>
+                <a:cs typeface="Courier"/>
+              </a:rPr>
+              <a:t>	--</a:t>
+            </a:r>
+            <a:r>
+              <a:rPr lang="en-US" dirty="0" err="1">
+                <a:latin typeface="Courier"/>
+                <a:cs typeface="Courier"/>
+              </a:rPr>
+              <a:t>restrictAllelesTo</a:t>
+            </a:r>
+            <a:r>
+              <a:rPr lang="en-US" dirty="0">
+                <a:latin typeface="Courier"/>
+                <a:cs typeface="Courier"/>
+              </a:rPr>
+              <a:t> BIALLELIC \</a:t>
+            </a:r>
+          </a:p>
+          <a:p>
+            <a:pPr marL="0" indent="0">
+              <a:buNone/>
+            </a:pPr>
+            <a:r>
+              <a:rPr lang="en-US" dirty="0">
+                <a:latin typeface="Courier"/>
+                <a:cs typeface="Courier"/>
+              </a:rPr>
+              <a:t>	--</a:t>
+            </a:r>
+            <a:r>
+              <a:rPr lang="en-US" dirty="0" err="1">
+                <a:latin typeface="Courier"/>
+                <a:cs typeface="Courier"/>
+              </a:rPr>
+              <a:t>selectTypeToInclude</a:t>
+            </a:r>
+            <a:r>
+              <a:rPr lang="en-US" dirty="0">
+                <a:latin typeface="Courier"/>
+                <a:cs typeface="Courier"/>
+              </a:rPr>
+              <a:t> SNP</a:t>
+            </a:r>
+          </a:p>
+          <a:p>
+            <a:pPr marL="0" indent="0">
+              <a:buNone/>
+            </a:pPr>
+            <a:endParaRPr lang="en-US" sz="1800" dirty="0">
+              <a:latin typeface="Courier"/>
+              <a:cs typeface="Courier"/>
+            </a:endParaRPr>
+          </a:p>
+          <a:p>
+            <a:r>
+              <a:rPr lang="en-US" sz="2800" dirty="0">
+                <a:solidFill>
+                  <a:schemeClr val="tx2">
+                    <a:lumMod val="75000"/>
+                  </a:schemeClr>
+                </a:solidFill>
+              </a:rPr>
+              <a:t>Filter variants based on the experimental purpose and genetic features</a:t>
+            </a:r>
+          </a:p>
+          <a:p>
+            <a:pPr marL="0" indent="0">
+              <a:buNone/>
+            </a:pPr>
+            <a:endParaRPr lang="en-US" sz="1800" dirty="0">
+              <a:latin typeface="Courier"/>
+              <a:cs typeface="Courier"/>
+            </a:endParaRPr>
           </a:p>
         </p:txBody>
       </p:sp>
@@ -11736,7 +11805,7 @@
     </p:spTree>
     <p:extLst>
       <p:ext uri="{BB962C8B-B14F-4D97-AF65-F5344CB8AC3E}">
-        <p14:creationId xmlns:p14="http://schemas.microsoft.com/office/powerpoint/2010/main" val="2082842603"/>
+        <p14:creationId xmlns:p14="http://schemas.microsoft.com/office/powerpoint/2010/main" val="4049092537"/>
       </p:ext>
     </p:extLst>
   </p:cSld>
@@ -11779,8 +11848,8 @@
           <a:lstStyle/>
           <a:p>
             <a:r>
-              <a:rPr lang="en-US" sz="3200" dirty="0"/>
-              <a:t>Alignment-based SNP discovery: alignment issues</a:t>
+              <a:rPr lang="en-US" dirty="0"/>
+              <a:t>Falsely discovered SNPs</a:t>
             </a:r>
           </a:p>
         </p:txBody>
@@ -11797,41 +11866,21 @@
         </p:nvSpPr>
         <p:spPr>
           <a:xfrm>
-            <a:off x="1193800" y="1079500"/>
-            <a:ext cx="4711700" cy="1390650"/>
+            <a:off x="1028700" y="2038350"/>
+            <a:ext cx="7226300" cy="1441450"/>
           </a:xfrm>
         </p:spPr>
         <p:txBody>
           <a:bodyPr/>
           <a:lstStyle/>
           <a:p>
-            <a:r>
-              <a:rPr lang="en-US" sz="2400" dirty="0">
-                <a:latin typeface="+mj-lt"/>
-              </a:rPr>
-              <a:t>Misalignments</a:t>
-            </a:r>
-          </a:p>
-          <a:p>
-            <a:r>
-              <a:rPr lang="en-US" sz="2400" dirty="0">
-                <a:latin typeface="+mj-lt"/>
-              </a:rPr>
-              <a:t>Genome duplications</a:t>
-            </a:r>
-          </a:p>
-          <a:p>
-            <a:r>
-              <a:rPr lang="en-US" sz="2400" dirty="0">
-                <a:latin typeface="+mj-lt"/>
-              </a:rPr>
-              <a:t>Highly divergent regions</a:t>
-            </a:r>
-          </a:p>
-          <a:p>
-            <a:endParaRPr lang="en-US" sz="2400" dirty="0">
-              <a:latin typeface="+mj-lt"/>
-            </a:endParaRPr>
+            <a:pPr marL="0" indent="0">
+              <a:buNone/>
+            </a:pPr>
+            <a:r>
+              <a:rPr lang="en-US" sz="2800" dirty="0"/>
+              <a:t>Can you think about what could result in falsely discovered SNPs using alignment-based SNP methods?</a:t>
+            </a:r>
           </a:p>
         </p:txBody>
       </p:sp>
@@ -11864,216 +11913,10 @@
           </a:p>
         </p:txBody>
       </p:sp>
-      <p:grpSp>
-        <p:nvGrpSpPr>
-          <p:cNvPr id="10" name="Group 9"/>
-          <p:cNvGrpSpPr/>
-          <p:nvPr/>
-        </p:nvGrpSpPr>
-        <p:grpSpPr>
-          <a:xfrm>
-            <a:off x="304800" y="2520950"/>
-            <a:ext cx="7747000" cy="4083886"/>
-            <a:chOff x="304800" y="2520950"/>
-            <a:chExt cx="7747000" cy="4083886"/>
-          </a:xfrm>
-        </p:grpSpPr>
-        <p:sp>
-          <p:nvSpPr>
-            <p:cNvPr id="5" name="TextBox 4"/>
-            <p:cNvSpPr txBox="1"/>
-            <p:nvPr/>
-          </p:nvSpPr>
-          <p:spPr>
-            <a:xfrm>
-              <a:off x="374650" y="2520950"/>
-              <a:ext cx="1449736" cy="461665"/>
-            </a:xfrm>
-            <a:prstGeom prst="rect">
-              <a:avLst/>
-            </a:prstGeom>
-            <a:noFill/>
-          </p:spPr>
-          <p:txBody>
-            <a:bodyPr wrap="none" rtlCol="0">
-              <a:spAutoFit/>
-            </a:bodyPr>
-            <a:lstStyle/>
-            <a:p>
-              <a:r>
-                <a:rPr lang="en-US" dirty="0">
-                  <a:latin typeface="+mj-lt"/>
-                </a:rPr>
-                <a:t>Examples:</a:t>
-              </a:r>
-            </a:p>
-          </p:txBody>
-        </p:sp>
-        <p:pic>
-          <p:nvPicPr>
-            <p:cNvPr id="6" name="Picture 5" descr="Screen Shot 2014-11-27 at 12.38.19 PM.png"/>
-            <p:cNvPicPr>
-              <a:picLocks noChangeAspect="1"/>
-            </p:cNvPicPr>
-            <p:nvPr/>
-          </p:nvPicPr>
-          <p:blipFill>
-            <a:blip r:embed="rId2">
-              <a:extLst>
-                <a:ext uri="{28A0092B-C50C-407E-A947-70E740481C1C}">
-                  <a14:useLocalDpi xmlns:a14="http://schemas.microsoft.com/office/drawing/2010/main" val="0"/>
-                </a:ext>
-              </a:extLst>
-            </a:blip>
-            <a:stretch>
-              <a:fillRect/>
-            </a:stretch>
-          </p:blipFill>
-          <p:spPr>
-            <a:xfrm>
-              <a:off x="304800" y="3581992"/>
-              <a:ext cx="5994400" cy="850368"/>
-            </a:xfrm>
-            <a:prstGeom prst="rect">
-              <a:avLst/>
-            </a:prstGeom>
-          </p:spPr>
-        </p:pic>
-        <p:sp>
-          <p:nvSpPr>
-            <p:cNvPr id="7" name="TextBox 6"/>
-            <p:cNvSpPr txBox="1"/>
-            <p:nvPr/>
-          </p:nvSpPr>
-          <p:spPr>
-            <a:xfrm>
-              <a:off x="330200" y="4508500"/>
-              <a:ext cx="5842000" cy="830997"/>
-            </a:xfrm>
-            <a:prstGeom prst="rect">
-              <a:avLst/>
-            </a:prstGeom>
-            <a:noFill/>
-          </p:spPr>
-          <p:txBody>
-            <a:bodyPr wrap="square" rtlCol="0">
-              <a:spAutoFit/>
-            </a:bodyPr>
-            <a:lstStyle/>
-            <a:p>
-              <a:r>
-                <a:rPr lang="en-US" dirty="0">
-                  <a:solidFill>
-                    <a:srgbClr val="FF0000"/>
-                  </a:solidFill>
-                  <a:latin typeface="+mj-lt"/>
-                </a:rPr>
-                <a:t>The misalignments of RNA-</a:t>
-              </a:r>
-              <a:r>
-                <a:rPr lang="en-US" dirty="0" err="1">
-                  <a:solidFill>
-                    <a:srgbClr val="FF0000"/>
-                  </a:solidFill>
-                  <a:latin typeface="+mj-lt"/>
-                </a:rPr>
-                <a:t>Seq</a:t>
-              </a:r>
-              <a:r>
-                <a:rPr lang="en-US" dirty="0">
-                  <a:solidFill>
-                    <a:srgbClr val="FF0000"/>
-                  </a:solidFill>
-                  <a:latin typeface="+mj-lt"/>
-                </a:rPr>
-                <a:t> data or DNA-</a:t>
-              </a:r>
-              <a:r>
-                <a:rPr lang="en-US" dirty="0" err="1">
-                  <a:solidFill>
-                    <a:srgbClr val="FF0000"/>
-                  </a:solidFill>
-                  <a:latin typeface="+mj-lt"/>
-                </a:rPr>
-                <a:t>Seq</a:t>
-              </a:r>
-              <a:r>
-                <a:rPr lang="en-US" dirty="0">
-                  <a:solidFill>
-                    <a:srgbClr val="FF0000"/>
-                  </a:solidFill>
-                  <a:latin typeface="+mj-lt"/>
-                </a:rPr>
-                <a:t> data led to this discovery</a:t>
-              </a:r>
-            </a:p>
-          </p:txBody>
-        </p:sp>
-        <p:pic>
-          <p:nvPicPr>
-            <p:cNvPr id="8" name="Picture 7" descr="Screen Shot 2014-11-27 at 12.44.53 PM.png"/>
-            <p:cNvPicPr>
-              <a:picLocks noChangeAspect="1"/>
-            </p:cNvPicPr>
-            <p:nvPr/>
-          </p:nvPicPr>
-          <p:blipFill>
-            <a:blip r:embed="rId3">
-              <a:extLst>
-                <a:ext uri="{28A0092B-C50C-407E-A947-70E740481C1C}">
-                  <a14:useLocalDpi xmlns:a14="http://schemas.microsoft.com/office/drawing/2010/main" val="0"/>
-                </a:ext>
-              </a:extLst>
-            </a:blip>
-            <a:stretch>
-              <a:fillRect/>
-            </a:stretch>
-          </p:blipFill>
-          <p:spPr>
-            <a:xfrm>
-              <a:off x="304800" y="5676900"/>
-              <a:ext cx="4469878" cy="717550"/>
-            </a:xfrm>
-            <a:prstGeom prst="rect">
-              <a:avLst/>
-            </a:prstGeom>
-          </p:spPr>
-        </p:pic>
-        <p:pic>
-          <p:nvPicPr>
-            <p:cNvPr id="9" name="Picture 8" descr="Screen Shot 2014-11-27 at 12.47.14 PM.png"/>
-            <p:cNvPicPr>
-              <a:picLocks noChangeAspect="1"/>
-            </p:cNvPicPr>
-            <p:nvPr/>
-          </p:nvPicPr>
-          <p:blipFill>
-            <a:blip r:embed="rId4">
-              <a:extLst>
-                <a:ext uri="{28A0092B-C50C-407E-A947-70E740481C1C}">
-                  <a14:useLocalDpi xmlns:a14="http://schemas.microsoft.com/office/drawing/2010/main" val="0"/>
-                </a:ext>
-              </a:extLst>
-            </a:blip>
-            <a:stretch>
-              <a:fillRect/>
-            </a:stretch>
-          </p:blipFill>
-          <p:spPr>
-            <a:xfrm>
-              <a:off x="6455134" y="2546350"/>
-              <a:ext cx="1596666" cy="4058486"/>
-            </a:xfrm>
-            <a:prstGeom prst="rect">
-              <a:avLst/>
-            </a:prstGeom>
-          </p:spPr>
-        </p:pic>
-      </p:grpSp>
     </p:spTree>
     <p:extLst>
       <p:ext uri="{BB962C8B-B14F-4D97-AF65-F5344CB8AC3E}">
-        <p14:creationId xmlns:p14="http://schemas.microsoft.com/office/powerpoint/2010/main" val="1762991957"/>
+        <p14:creationId xmlns:p14="http://schemas.microsoft.com/office/powerpoint/2010/main" val="2082842603"/>
       </p:ext>
     </p:extLst>
   </p:cSld>
@@ -12884,6 +12727,343 @@
       </p:grpSpPr>
       <p:sp>
         <p:nvSpPr>
+          <p:cNvPr id="2" name="Title 1"/>
+          <p:cNvSpPr>
+            <a:spLocks noGrp="1"/>
+          </p:cNvSpPr>
+          <p:nvPr>
+            <p:ph type="title"/>
+          </p:nvPr>
+        </p:nvSpPr>
+        <p:spPr/>
+        <p:txBody>
+          <a:bodyPr/>
+          <a:lstStyle/>
+          <a:p>
+            <a:r>
+              <a:rPr lang="en-US" sz="3200" dirty="0"/>
+              <a:t>Alignment-based SNP discovery: alignment issues</a:t>
+            </a:r>
+          </a:p>
+        </p:txBody>
+      </p:sp>
+      <p:sp>
+        <p:nvSpPr>
+          <p:cNvPr id="3" name="Content Placeholder 2"/>
+          <p:cNvSpPr>
+            <a:spLocks noGrp="1"/>
+          </p:cNvSpPr>
+          <p:nvPr>
+            <p:ph idx="1"/>
+          </p:nvPr>
+        </p:nvSpPr>
+        <p:spPr>
+          <a:xfrm>
+            <a:off x="1193800" y="1079500"/>
+            <a:ext cx="4711700" cy="1390650"/>
+          </a:xfrm>
+        </p:spPr>
+        <p:txBody>
+          <a:bodyPr/>
+          <a:lstStyle/>
+          <a:p>
+            <a:r>
+              <a:rPr lang="en-US" sz="2400" dirty="0">
+                <a:latin typeface="+mj-lt"/>
+              </a:rPr>
+              <a:t>Misalignments</a:t>
+            </a:r>
+          </a:p>
+          <a:p>
+            <a:r>
+              <a:rPr lang="en-US" sz="2400" dirty="0">
+                <a:latin typeface="+mj-lt"/>
+              </a:rPr>
+              <a:t>Genome duplications</a:t>
+            </a:r>
+          </a:p>
+          <a:p>
+            <a:r>
+              <a:rPr lang="en-US" sz="2400" dirty="0">
+                <a:latin typeface="+mj-lt"/>
+              </a:rPr>
+              <a:t>Highly divergent regions</a:t>
+            </a:r>
+          </a:p>
+          <a:p>
+            <a:endParaRPr lang="en-US" sz="2400" dirty="0">
+              <a:latin typeface="+mj-lt"/>
+            </a:endParaRPr>
+          </a:p>
+        </p:txBody>
+      </p:sp>
+      <p:sp>
+        <p:nvSpPr>
+          <p:cNvPr id="4" name="Slide Number Placeholder 3"/>
+          <p:cNvSpPr>
+            <a:spLocks noGrp="1"/>
+          </p:cNvSpPr>
+          <p:nvPr>
+            <p:ph type="sldNum" sz="quarter" idx="12"/>
+          </p:nvPr>
+        </p:nvSpPr>
+        <p:spPr/>
+        <p:txBody>
+          <a:bodyPr/>
+          <a:lstStyle/>
+          <a:p>
+            <a:pPr>
+              <a:defRPr/>
+            </a:pPr>
+            <a:fld id="{9E3EFA63-DE6B-1C40-8E13-70DFD3C7F100}" type="slidenum">
+              <a:rPr lang="en-US" smtClean="0"/>
+              <a:pPr>
+                <a:defRPr/>
+              </a:pPr>
+              <a:t>19</a:t>
+            </a:fld>
+            <a:endParaRPr lang="en-US"/>
+          </a:p>
+        </p:txBody>
+      </p:sp>
+      <p:grpSp>
+        <p:nvGrpSpPr>
+          <p:cNvPr id="10" name="Group 9"/>
+          <p:cNvGrpSpPr/>
+          <p:nvPr/>
+        </p:nvGrpSpPr>
+        <p:grpSpPr>
+          <a:xfrm>
+            <a:off x="304800" y="2520950"/>
+            <a:ext cx="7747000" cy="4083886"/>
+            <a:chOff x="304800" y="2520950"/>
+            <a:chExt cx="7747000" cy="4083886"/>
+          </a:xfrm>
+        </p:grpSpPr>
+        <p:sp>
+          <p:nvSpPr>
+            <p:cNvPr id="5" name="TextBox 4"/>
+            <p:cNvSpPr txBox="1"/>
+            <p:nvPr/>
+          </p:nvSpPr>
+          <p:spPr>
+            <a:xfrm>
+              <a:off x="374650" y="2520950"/>
+              <a:ext cx="1449736" cy="461665"/>
+            </a:xfrm>
+            <a:prstGeom prst="rect">
+              <a:avLst/>
+            </a:prstGeom>
+            <a:noFill/>
+          </p:spPr>
+          <p:txBody>
+            <a:bodyPr wrap="none" rtlCol="0">
+              <a:spAutoFit/>
+            </a:bodyPr>
+            <a:lstStyle/>
+            <a:p>
+              <a:r>
+                <a:rPr lang="en-US" dirty="0">
+                  <a:latin typeface="+mj-lt"/>
+                </a:rPr>
+                <a:t>Examples:</a:t>
+              </a:r>
+            </a:p>
+          </p:txBody>
+        </p:sp>
+        <p:pic>
+          <p:nvPicPr>
+            <p:cNvPr id="6" name="Picture 5" descr="Screen Shot 2014-11-27 at 12.38.19 PM.png"/>
+            <p:cNvPicPr>
+              <a:picLocks noChangeAspect="1"/>
+            </p:cNvPicPr>
+            <p:nvPr/>
+          </p:nvPicPr>
+          <p:blipFill>
+            <a:blip r:embed="rId2">
+              <a:extLst>
+                <a:ext uri="{28A0092B-C50C-407E-A947-70E740481C1C}">
+                  <a14:useLocalDpi xmlns:a14="http://schemas.microsoft.com/office/drawing/2010/main" val="0"/>
+                </a:ext>
+              </a:extLst>
+            </a:blip>
+            <a:stretch>
+              <a:fillRect/>
+            </a:stretch>
+          </p:blipFill>
+          <p:spPr>
+            <a:xfrm>
+              <a:off x="304800" y="3581992"/>
+              <a:ext cx="5994400" cy="850368"/>
+            </a:xfrm>
+            <a:prstGeom prst="rect">
+              <a:avLst/>
+            </a:prstGeom>
+          </p:spPr>
+        </p:pic>
+        <p:sp>
+          <p:nvSpPr>
+            <p:cNvPr id="7" name="TextBox 6"/>
+            <p:cNvSpPr txBox="1"/>
+            <p:nvPr/>
+          </p:nvSpPr>
+          <p:spPr>
+            <a:xfrm>
+              <a:off x="330200" y="4508500"/>
+              <a:ext cx="5842000" cy="830997"/>
+            </a:xfrm>
+            <a:prstGeom prst="rect">
+              <a:avLst/>
+            </a:prstGeom>
+            <a:noFill/>
+          </p:spPr>
+          <p:txBody>
+            <a:bodyPr wrap="square" rtlCol="0">
+              <a:spAutoFit/>
+            </a:bodyPr>
+            <a:lstStyle/>
+            <a:p>
+              <a:r>
+                <a:rPr lang="en-US" dirty="0">
+                  <a:solidFill>
+                    <a:srgbClr val="FF0000"/>
+                  </a:solidFill>
+                  <a:latin typeface="+mj-lt"/>
+                </a:rPr>
+                <a:t>The misalignments of RNA-</a:t>
+              </a:r>
+              <a:r>
+                <a:rPr lang="en-US" dirty="0" err="1">
+                  <a:solidFill>
+                    <a:srgbClr val="FF0000"/>
+                  </a:solidFill>
+                  <a:latin typeface="+mj-lt"/>
+                </a:rPr>
+                <a:t>Seq</a:t>
+              </a:r>
+              <a:r>
+                <a:rPr lang="en-US" dirty="0">
+                  <a:solidFill>
+                    <a:srgbClr val="FF0000"/>
+                  </a:solidFill>
+                  <a:latin typeface="+mj-lt"/>
+                </a:rPr>
+                <a:t> data or DNA-</a:t>
+              </a:r>
+              <a:r>
+                <a:rPr lang="en-US" dirty="0" err="1">
+                  <a:solidFill>
+                    <a:srgbClr val="FF0000"/>
+                  </a:solidFill>
+                  <a:latin typeface="+mj-lt"/>
+                </a:rPr>
+                <a:t>Seq</a:t>
+              </a:r>
+              <a:r>
+                <a:rPr lang="en-US" dirty="0">
+                  <a:solidFill>
+                    <a:srgbClr val="FF0000"/>
+                  </a:solidFill>
+                  <a:latin typeface="+mj-lt"/>
+                </a:rPr>
+                <a:t> data led to this discovery</a:t>
+              </a:r>
+            </a:p>
+          </p:txBody>
+        </p:sp>
+        <p:pic>
+          <p:nvPicPr>
+            <p:cNvPr id="8" name="Picture 7" descr="Screen Shot 2014-11-27 at 12.44.53 PM.png"/>
+            <p:cNvPicPr>
+              <a:picLocks noChangeAspect="1"/>
+            </p:cNvPicPr>
+            <p:nvPr/>
+          </p:nvPicPr>
+          <p:blipFill>
+            <a:blip r:embed="rId3">
+              <a:extLst>
+                <a:ext uri="{28A0092B-C50C-407E-A947-70E740481C1C}">
+                  <a14:useLocalDpi xmlns:a14="http://schemas.microsoft.com/office/drawing/2010/main" val="0"/>
+                </a:ext>
+              </a:extLst>
+            </a:blip>
+            <a:stretch>
+              <a:fillRect/>
+            </a:stretch>
+          </p:blipFill>
+          <p:spPr>
+            <a:xfrm>
+              <a:off x="304800" y="5676900"/>
+              <a:ext cx="4469878" cy="717550"/>
+            </a:xfrm>
+            <a:prstGeom prst="rect">
+              <a:avLst/>
+            </a:prstGeom>
+          </p:spPr>
+        </p:pic>
+        <p:pic>
+          <p:nvPicPr>
+            <p:cNvPr id="9" name="Picture 8" descr="Screen Shot 2014-11-27 at 12.47.14 PM.png"/>
+            <p:cNvPicPr>
+              <a:picLocks noChangeAspect="1"/>
+            </p:cNvPicPr>
+            <p:nvPr/>
+          </p:nvPicPr>
+          <p:blipFill>
+            <a:blip r:embed="rId4">
+              <a:extLst>
+                <a:ext uri="{28A0092B-C50C-407E-A947-70E740481C1C}">
+                  <a14:useLocalDpi xmlns:a14="http://schemas.microsoft.com/office/drawing/2010/main" val="0"/>
+                </a:ext>
+              </a:extLst>
+            </a:blip>
+            <a:stretch>
+              <a:fillRect/>
+            </a:stretch>
+          </p:blipFill>
+          <p:spPr>
+            <a:xfrm>
+              <a:off x="6455134" y="2546350"/>
+              <a:ext cx="1596666" cy="4058486"/>
+            </a:xfrm>
+            <a:prstGeom prst="rect">
+              <a:avLst/>
+            </a:prstGeom>
+          </p:spPr>
+        </p:pic>
+      </p:grpSp>
+    </p:spTree>
+    <p:extLst>
+      <p:ext uri="{BB962C8B-B14F-4D97-AF65-F5344CB8AC3E}">
+        <p14:creationId xmlns:p14="http://schemas.microsoft.com/office/powerpoint/2010/main" val="1762991957"/>
+      </p:ext>
+    </p:extLst>
+  </p:cSld>
+  <p:clrMapOvr>
+    <a:masterClrMapping/>
+  </p:clrMapOvr>
+</p:sld>
+</file>
+
+<file path=ppt/slides/slide21.xml><?xml version="1.0" encoding="utf-8"?>
+<p:sld xmlns:a="http://schemas.openxmlformats.org/drawingml/2006/main" xmlns:r="http://schemas.openxmlformats.org/officeDocument/2006/relationships" xmlns:p="http://schemas.openxmlformats.org/presentationml/2006/main">
+  <p:cSld>
+    <p:spTree>
+      <p:nvGrpSpPr>
+        <p:cNvPr id="1" name=""/>
+        <p:cNvGrpSpPr/>
+        <p:nvPr/>
+      </p:nvGrpSpPr>
+      <p:grpSpPr>
+        <a:xfrm>
+          <a:off x="0" y="0"/>
+          <a:ext cx="0" cy="0"/>
+          <a:chOff x="0" y="0"/>
+          <a:chExt cx="0" cy="0"/>
+        </a:xfrm>
+      </p:grpSpPr>
+      <p:sp>
+        <p:nvSpPr>
           <p:cNvPr id="2" name="Title 1">
             <a:extLst>
               <a:ext uri="{FF2B5EF4-FFF2-40B4-BE49-F238E27FC236}">
@@ -12951,7 +13131,7 @@
               <a:pPr>
                 <a:defRPr/>
               </a:pPr>
-              <a:t>19</a:t>
+              <a:t>20</a:t>
             </a:fld>
             <a:endParaRPr lang="en-US"/>
           </a:p>
@@ -13242,7 +13422,7 @@
 </p:sld>
 </file>
 
-<file path=ppt/slides/slide21.xml><?xml version="1.0" encoding="utf-8"?>
+<file path=ppt/slides/slide22.xml><?xml version="1.0" encoding="utf-8"?>
 <p:sld xmlns:a="http://schemas.openxmlformats.org/drawingml/2006/main" xmlns:r="http://schemas.openxmlformats.org/officeDocument/2006/relationships" xmlns:p="http://schemas.openxmlformats.org/presentationml/2006/main">
   <p:cSld>
     <p:spTree>
@@ -13479,7 +13659,7 @@
               <a:pPr>
                 <a:defRPr/>
               </a:pPr>
-              <a:t>20</a:t>
+              <a:t>21</a:t>
             </a:fld>
             <a:endParaRPr lang="en-US"/>
           </a:p>
@@ -13573,7 +13753,7 @@
 </p:sld>
 </file>
 
-<file path=ppt/slides/slide22.xml><?xml version="1.0" encoding="utf-8"?>
+<file path=ppt/slides/slide23.xml><?xml version="1.0" encoding="utf-8"?>
 <p:sld xmlns:a="http://schemas.openxmlformats.org/drawingml/2006/main" xmlns:r="http://schemas.openxmlformats.org/officeDocument/2006/relationships" xmlns:p="http://schemas.openxmlformats.org/presentationml/2006/main">
   <p:cSld>
     <p:spTree>
@@ -13744,7 +13924,7 @@
               <a:pPr>
                 <a:defRPr/>
               </a:pPr>
-              <a:t>21</a:t>
+              <a:t>22</a:t>
             </a:fld>
             <a:endParaRPr lang="en-US"/>
           </a:p>
@@ -13810,7 +13990,7 @@
 </p:sld>
 </file>
 
-<file path=ppt/slides/slide23.xml><?xml version="1.0" encoding="utf-8"?>
+<file path=ppt/slides/slide24.xml><?xml version="1.0" encoding="utf-8"?>
 <p:sld xmlns:a="http://schemas.openxmlformats.org/drawingml/2006/main" xmlns:r="http://schemas.openxmlformats.org/officeDocument/2006/relationships" xmlns:p="http://schemas.openxmlformats.org/presentationml/2006/main">
   <p:cSld>
     <p:spTree>
@@ -14015,7 +14195,7 @@
               <a:pPr>
                 <a:defRPr/>
               </a:pPr>
-              <a:t>22</a:t>
+              <a:t>23</a:t>
             </a:fld>
             <a:endParaRPr lang="en-US"/>
           </a:p>
@@ -14067,7 +14247,7 @@
 </p:sld>
 </file>
 
-<file path=ppt/slides/slide24.xml><?xml version="1.0" encoding="utf-8"?>
+<file path=ppt/slides/slide25.xml><?xml version="1.0" encoding="utf-8"?>
 <p:sld xmlns:a="http://schemas.openxmlformats.org/drawingml/2006/main" xmlns:r="http://schemas.openxmlformats.org/officeDocument/2006/relationships" xmlns:p="http://schemas.openxmlformats.org/presentationml/2006/main">
   <p:cSld>
     <p:spTree>
@@ -14141,7 +14321,7 @@
               <a:pPr>
                 <a:defRPr/>
               </a:pPr>
-              <a:t>23</a:t>
+              <a:t>24</a:t>
             </a:fld>
             <a:endParaRPr lang="en-US"/>
           </a:p>
@@ -18114,7 +18294,7 @@
 </p:sld>
 </file>
 
-<file path=ppt/slides/slide25.xml><?xml version="1.0" encoding="utf-8"?>
+<file path=ppt/slides/slide26.xml><?xml version="1.0" encoding="utf-8"?>
 <p:sld xmlns:a="http://schemas.openxmlformats.org/drawingml/2006/main" xmlns:r="http://schemas.openxmlformats.org/officeDocument/2006/relationships" xmlns:p="http://schemas.openxmlformats.org/presentationml/2006/main">
   <p:cSld>
     <p:spTree>
@@ -18214,7 +18394,7 @@
               <a:pPr>
                 <a:defRPr/>
               </a:pPr>
-              <a:t>24</a:t>
+              <a:t>25</a:t>
             </a:fld>
             <a:endParaRPr lang="en-US"/>
           </a:p>
@@ -18421,8 +18601,8 @@
         </p:blipFill>
         <p:spPr bwMode="auto">
           <a:xfrm>
-            <a:off x="1840767" y="933472"/>
-            <a:ext cx="5667427" cy="4174106"/>
+            <a:off x="1959024" y="909638"/>
+            <a:ext cx="5225951" cy="3848956"/>
           </a:xfrm>
           <a:prstGeom prst="rect">
             <a:avLst/>
@@ -18433,14 +18613,14 @@
           </a:ln>
           <a:extLst>
             <a:ext uri="{909E8E84-426E-40dd-AFC4-6F175D3DCCD1}">
-              <a14:hiddenFill xmlns:a14="http://schemas.microsoft.com/office/drawing/2010/main" xmlns="">
+              <a14:hiddenFill xmlns="" xmlns:a14="http://schemas.microsoft.com/office/drawing/2010/main">
                 <a:solidFill>
                   <a:srgbClr val="FFFFFF"/>
                 </a:solidFill>
               </a14:hiddenFill>
             </a:ext>
             <a:ext uri="{91240B29-F687-4f45-9708-019B960494DF}">
-              <a14:hiddenLine xmlns:a14="http://schemas.microsoft.com/office/drawing/2010/main" xmlns="" w="9525">
+              <a14:hiddenLine xmlns="" xmlns:a14="http://schemas.microsoft.com/office/drawing/2010/main" w="9525">
                 <a:solidFill>
                   <a:srgbClr val="000000"/>
                 </a:solidFill>
@@ -18500,7 +18680,7 @@
         </p:nvSpPr>
         <p:spPr>
           <a:xfrm>
-            <a:off x="418833" y="2789692"/>
+            <a:off x="418833" y="2603283"/>
             <a:ext cx="1421934" cy="461665"/>
           </a:xfrm>
           <a:prstGeom prst="rect">
@@ -18558,8 +18738,8 @@
         </p:nvSpPr>
         <p:spPr>
           <a:xfrm>
-            <a:off x="418833" y="5131411"/>
-            <a:ext cx="7886700" cy="1200328"/>
+            <a:off x="418833" y="4814318"/>
+            <a:ext cx="7886700" cy="1077218"/>
           </a:xfrm>
           <a:prstGeom prst="rect">
             <a:avLst/>
@@ -18583,7 +18763,7 @@
               <a:buChar char="•"/>
             </a:pPr>
             <a:r>
-              <a:rPr lang="en-US" dirty="0"/>
+              <a:rPr lang="en-US" sz="2000" dirty="0"/>
               <a:t>copy number variation (presence/absence variation)</a:t>
             </a:r>
           </a:p>
@@ -18593,8 +18773,43 @@
               <a:buChar char="•"/>
             </a:pPr>
             <a:r>
+              <a:rPr lang="en-US" sz="2000" dirty="0"/>
+              <a:t>other re-arrangements</a:t>
+            </a:r>
+          </a:p>
+        </p:txBody>
+      </p:sp>
+      <p:sp>
+        <p:nvSpPr>
+          <p:cNvPr id="5" name="TextBox 4">
+            <a:extLst>
+              <a:ext uri="{FF2B5EF4-FFF2-40B4-BE49-F238E27FC236}">
+                <a16:creationId xmlns:a16="http://schemas.microsoft.com/office/drawing/2014/main" id="{74A74609-B8DA-397E-2E3C-C6D1A2F102BE}"/>
+              </a:ext>
+            </a:extLst>
+          </p:cNvPr>
+          <p:cNvSpPr txBox="1"/>
+          <p:nvPr/>
+        </p:nvSpPr>
+        <p:spPr>
+          <a:xfrm>
+            <a:off x="414072" y="6043222"/>
+            <a:ext cx="7886700" cy="461665"/>
+          </a:xfrm>
+          <a:prstGeom prst="rect">
+            <a:avLst/>
+          </a:prstGeom>
+          <a:noFill/>
+        </p:spPr>
+        <p:txBody>
+          <a:bodyPr wrap="square" rtlCol="0">
+            <a:spAutoFit/>
+          </a:bodyPr>
+          <a:lstStyle/>
+          <a:p>
+            <a:r>
               <a:rPr lang="en-US" dirty="0"/>
-              <a:t>other re-arrangements</a:t>
+              <a:t>4. Chromosomal level polymorphisms</a:t>
             </a:r>
           </a:p>
         </p:txBody>
@@ -18789,8 +19004,8 @@
         </p:blipFill>
         <p:spPr>
           <a:xfrm>
-            <a:off x="414338" y="3548587"/>
-            <a:ext cx="6479382" cy="3115794"/>
+            <a:off x="488453" y="3656849"/>
+            <a:ext cx="6698160" cy="2818910"/>
           </a:xfrm>
           <a:prstGeom prst="rect">
             <a:avLst/>
@@ -18815,7 +19030,7 @@
         </p:nvSpPr>
         <p:spPr>
           <a:xfrm>
-            <a:off x="6880622" y="6094000"/>
+            <a:off x="7359252" y="5753069"/>
             <a:ext cx="1584722" cy="524700"/>
           </a:xfrm>
           <a:prstGeom prst="rect">
@@ -18989,7 +19204,7 @@
             </a:pPr>
             <a:r>
               <a:rPr lang="en-US" sz="2800" dirty="0"/>
-              <a:t>Most have no functional effects but some could have important phenotypic consequences.</a:t>
+              <a:t>Most have no functional impacts but some could have important phenotypic consequences.</a:t>
             </a:r>
           </a:p>
         </p:txBody>
@@ -19008,6 +19223,172 @@
 </file>
 
 <file path=ppt/slides/slide7.xml><?xml version="1.0" encoding="utf-8"?>
+<p:sld xmlns:a="http://schemas.openxmlformats.org/drawingml/2006/main" xmlns:r="http://schemas.openxmlformats.org/officeDocument/2006/relationships" xmlns:p="http://schemas.openxmlformats.org/presentationml/2006/main">
+  <p:cSld>
+    <p:spTree>
+      <p:nvGrpSpPr>
+        <p:cNvPr id="1" name=""/>
+        <p:cNvGrpSpPr/>
+        <p:nvPr/>
+      </p:nvGrpSpPr>
+      <p:grpSpPr>
+        <a:xfrm>
+          <a:off x="0" y="0"/>
+          <a:ext cx="0" cy="0"/>
+          <a:chOff x="0" y="0"/>
+          <a:chExt cx="0" cy="0"/>
+        </a:xfrm>
+      </p:grpSpPr>
+      <p:sp>
+        <p:nvSpPr>
+          <p:cNvPr id="2" name="Title 1">
+            <a:extLst>
+              <a:ext uri="{FF2B5EF4-FFF2-40B4-BE49-F238E27FC236}">
+                <a16:creationId xmlns:a16="http://schemas.microsoft.com/office/drawing/2014/main" id="{8550DD89-3FB8-2312-7378-AF52AED849D7}"/>
+              </a:ext>
+            </a:extLst>
+          </p:cNvPr>
+          <p:cNvSpPr>
+            <a:spLocks noGrp="1"/>
+          </p:cNvSpPr>
+          <p:nvPr>
+            <p:ph type="title"/>
+          </p:nvPr>
+        </p:nvSpPr>
+        <p:spPr/>
+        <p:txBody>
+          <a:bodyPr/>
+          <a:lstStyle/>
+          <a:p>
+            <a:r>
+              <a:rPr lang="en-US" dirty="0"/>
+              <a:t>C/G to T/A is a common SNP</a:t>
+            </a:r>
+          </a:p>
+        </p:txBody>
+      </p:sp>
+      <p:sp>
+        <p:nvSpPr>
+          <p:cNvPr id="4" name="Slide Number Placeholder 3">
+            <a:extLst>
+              <a:ext uri="{FF2B5EF4-FFF2-40B4-BE49-F238E27FC236}">
+                <a16:creationId xmlns:a16="http://schemas.microsoft.com/office/drawing/2014/main" id="{B3994B0C-9E93-2456-6EDA-05810D0F01A2}"/>
+              </a:ext>
+            </a:extLst>
+          </p:cNvPr>
+          <p:cNvSpPr>
+            <a:spLocks noGrp="1"/>
+          </p:cNvSpPr>
+          <p:nvPr>
+            <p:ph type="sldNum" sz="quarter" idx="12"/>
+          </p:nvPr>
+        </p:nvSpPr>
+        <p:spPr/>
+        <p:txBody>
+          <a:bodyPr/>
+          <a:lstStyle/>
+          <a:p>
+            <a:pPr>
+              <a:defRPr/>
+            </a:pPr>
+            <a:fld id="{9E3EFA63-DE6B-1C40-8E13-70DFD3C7F100}" type="slidenum">
+              <a:rPr lang="en-US" smtClean="0"/>
+              <a:pPr>
+                <a:defRPr/>
+              </a:pPr>
+              <a:t>6</a:t>
+            </a:fld>
+            <a:endParaRPr lang="en-US"/>
+          </a:p>
+        </p:txBody>
+      </p:sp>
+      <p:sp>
+        <p:nvSpPr>
+          <p:cNvPr id="5" name="TextBox 4">
+            <a:extLst>
+              <a:ext uri="{FF2B5EF4-FFF2-40B4-BE49-F238E27FC236}">
+                <a16:creationId xmlns:a16="http://schemas.microsoft.com/office/drawing/2014/main" id="{3AB8BB22-2060-3AD2-1300-F62FE04204E2}"/>
+              </a:ext>
+            </a:extLst>
+          </p:cNvPr>
+          <p:cNvSpPr txBox="1"/>
+          <p:nvPr/>
+        </p:nvSpPr>
+        <p:spPr>
+          <a:xfrm>
+            <a:off x="171450" y="6352291"/>
+            <a:ext cx="1901033" cy="276999"/>
+          </a:xfrm>
+          <a:prstGeom prst="rect">
+            <a:avLst/>
+          </a:prstGeom>
+          <a:noFill/>
+        </p:spPr>
+        <p:txBody>
+          <a:bodyPr wrap="none" rtlCol="0">
+            <a:spAutoFit/>
+          </a:bodyPr>
+          <a:lstStyle/>
+          <a:p>
+            <a:r>
+              <a:rPr lang="en-US" sz="1200" dirty="0"/>
+              <a:t>https://</a:t>
+            </a:r>
+            <a:r>
+              <a:rPr lang="en-US" sz="1200" dirty="0" err="1"/>
+              <a:t>www.genome.gov</a:t>
+            </a:r>
+            <a:r>
+              <a:rPr lang="en-US" sz="1200" dirty="0"/>
+              <a:t>/</a:t>
+            </a:r>
+          </a:p>
+        </p:txBody>
+      </p:sp>
+      <p:pic>
+        <p:nvPicPr>
+          <p:cNvPr id="7" name="Picture 6" descr="Diagram&#10;&#10;Description automatically generated">
+            <a:extLst>
+              <a:ext uri="{FF2B5EF4-FFF2-40B4-BE49-F238E27FC236}">
+                <a16:creationId xmlns:a16="http://schemas.microsoft.com/office/drawing/2014/main" id="{A88EE624-120C-032F-FE8F-922C3F3D2705}"/>
+              </a:ext>
+            </a:extLst>
+          </p:cNvPr>
+          <p:cNvPicPr>
+            <a:picLocks noChangeAspect="1"/>
+          </p:cNvPicPr>
+          <p:nvPr/>
+        </p:nvPicPr>
+        <p:blipFill>
+          <a:blip r:embed="rId2"/>
+          <a:stretch>
+            <a:fillRect/>
+          </a:stretch>
+        </p:blipFill>
+        <p:spPr>
+          <a:xfrm>
+            <a:off x="1034256" y="998538"/>
+            <a:ext cx="7075488" cy="5353055"/>
+          </a:xfrm>
+          <a:prstGeom prst="rect">
+            <a:avLst/>
+          </a:prstGeom>
+        </p:spPr>
+      </p:pic>
+    </p:spTree>
+    <p:extLst>
+      <p:ext uri="{BB962C8B-B14F-4D97-AF65-F5344CB8AC3E}">
+        <p14:creationId xmlns:p14="http://schemas.microsoft.com/office/powerpoint/2010/main" val="4111986388"/>
+      </p:ext>
+    </p:extLst>
+  </p:cSld>
+  <p:clrMapOvr>
+    <a:masterClrMapping/>
+  </p:clrMapOvr>
+</p:sld>
+</file>
+
+<file path=ppt/slides/slide8.xml><?xml version="1.0" encoding="utf-8"?>
 <p:sld xmlns:a="http://schemas.openxmlformats.org/drawingml/2006/main" xmlns:r="http://schemas.openxmlformats.org/officeDocument/2006/relationships" xmlns:p="http://schemas.openxmlformats.org/presentationml/2006/main">
   <p:cSld>
     <p:spTree>
@@ -19327,7 +19708,7 @@
 </p:sld>
 </file>
 
-<file path=ppt/slides/slide8.xml><?xml version="1.0" encoding="utf-8"?>
+<file path=ppt/slides/slide9.xml><?xml version="1.0" encoding="utf-8"?>
 <p:sld xmlns:a="http://schemas.openxmlformats.org/drawingml/2006/main" xmlns:r="http://schemas.openxmlformats.org/officeDocument/2006/relationships" xmlns:p="http://schemas.openxmlformats.org/presentationml/2006/main">
   <p:cSld>
     <p:spTree>
@@ -19394,7 +19775,7 @@
               <a:pPr>
                 <a:defRPr/>
               </a:pPr>
-              <a:t>7</a:t>
+              <a:t>8</a:t>
             </a:fld>
             <a:endParaRPr lang="en-US" dirty="0"/>
           </a:p>
@@ -20100,185 +20481,6 @@
       <p:bldP spid="3" grpId="0"/>
     </p:bldLst>
   </p:timing>
-</p:sld>
-</file>
-
-<file path=ppt/slides/slide9.xml><?xml version="1.0" encoding="utf-8"?>
-<p:sld xmlns:a="http://schemas.openxmlformats.org/drawingml/2006/main" xmlns:r="http://schemas.openxmlformats.org/officeDocument/2006/relationships" xmlns:p="http://schemas.openxmlformats.org/presentationml/2006/main">
-  <p:cSld>
-    <p:spTree>
-      <p:nvGrpSpPr>
-        <p:cNvPr id="1" name=""/>
-        <p:cNvGrpSpPr/>
-        <p:nvPr/>
-      </p:nvGrpSpPr>
-      <p:grpSpPr>
-        <a:xfrm>
-          <a:off x="0" y="0"/>
-          <a:ext cx="0" cy="0"/>
-          <a:chOff x="0" y="0"/>
-          <a:chExt cx="0" cy="0"/>
-        </a:xfrm>
-      </p:grpSpPr>
-      <p:sp>
-        <p:nvSpPr>
-          <p:cNvPr id="2" name="Title 1"/>
-          <p:cNvSpPr>
-            <a:spLocks noGrp="1"/>
-          </p:cNvSpPr>
-          <p:nvPr>
-            <p:ph type="title"/>
-          </p:nvPr>
-        </p:nvSpPr>
-        <p:spPr>
-          <a:xfrm>
-            <a:off x="457200" y="274638"/>
-            <a:ext cx="8229600" cy="1046162"/>
-          </a:xfrm>
-        </p:spPr>
-        <p:txBody>
-          <a:bodyPr/>
-          <a:lstStyle/>
-          <a:p>
-            <a:r>
-              <a:rPr lang="en-US" sz="3200" dirty="0"/>
-              <a:t>Approaches for data generation</a:t>
-            </a:r>
-          </a:p>
-        </p:txBody>
-      </p:sp>
-      <p:sp>
-        <p:nvSpPr>
-          <p:cNvPr id="3" name="Content Placeholder 2"/>
-          <p:cNvSpPr>
-            <a:spLocks noGrp="1"/>
-          </p:cNvSpPr>
-          <p:nvPr>
-            <p:ph idx="1"/>
-          </p:nvPr>
-        </p:nvSpPr>
-        <p:spPr>
-          <a:xfrm>
-            <a:off x="660400" y="1473200"/>
-            <a:ext cx="7835900" cy="4927600"/>
-          </a:xfrm>
-        </p:spPr>
-        <p:txBody>
-          <a:bodyPr/>
-          <a:lstStyle/>
-          <a:p>
-            <a:pPr>
-              <a:lnSpc>
-                <a:spcPct val="120000"/>
-              </a:lnSpc>
-            </a:pPr>
-            <a:r>
-              <a:rPr lang="en-US" sz="2800" b="1" dirty="0"/>
-              <a:t>Whole genome sequencing </a:t>
-            </a:r>
-            <a:r>
-              <a:rPr lang="en-US" sz="2800" dirty="0"/>
-              <a:t>(WGS): high genome coverage but costly for large genomes</a:t>
-            </a:r>
-          </a:p>
-          <a:p>
-            <a:pPr>
-              <a:lnSpc>
-                <a:spcPct val="120000"/>
-              </a:lnSpc>
-            </a:pPr>
-            <a:r>
-              <a:rPr lang="en-US" sz="2800" b="1" dirty="0" err="1"/>
-              <a:t>Exome</a:t>
-            </a:r>
-            <a:r>
-              <a:rPr lang="en-US" sz="2800" b="1" dirty="0"/>
-              <a:t>-capture sequencing</a:t>
-            </a:r>
-            <a:r>
-              <a:rPr lang="en-US" sz="2800" dirty="0"/>
-              <a:t>: target on genic regions but still expensive to perform large number of samples</a:t>
-            </a:r>
-          </a:p>
-          <a:p>
-            <a:pPr>
-              <a:lnSpc>
-                <a:spcPct val="120000"/>
-              </a:lnSpc>
-            </a:pPr>
-            <a:r>
-              <a:rPr lang="en-US" sz="2800" b="1" dirty="0"/>
-              <a:t>RNA sequencing </a:t>
-            </a:r>
-            <a:r>
-              <a:rPr lang="en-US" sz="2800" dirty="0"/>
-              <a:t>(RNA-</a:t>
-            </a:r>
-            <a:r>
-              <a:rPr lang="en-US" sz="2800" dirty="0" err="1"/>
-              <a:t>Seq</a:t>
-            </a:r>
-            <a:r>
-              <a:rPr lang="en-US" sz="2800" dirty="0"/>
-              <a:t>): obtain data on genic regions and provide expression information</a:t>
-            </a:r>
-          </a:p>
-          <a:p>
-            <a:pPr>
-              <a:lnSpc>
-                <a:spcPct val="120000"/>
-              </a:lnSpc>
-            </a:pPr>
-            <a:r>
-              <a:rPr lang="en-US" sz="2800" b="1" dirty="0"/>
-              <a:t>Genotyping-By-Sequencing</a:t>
-            </a:r>
-            <a:r>
-              <a:rPr lang="en-US" sz="2800" dirty="0"/>
-              <a:t> (GBS): cost-efficient and high-throughput approach</a:t>
-            </a:r>
-          </a:p>
-        </p:txBody>
-      </p:sp>
-      <p:sp>
-        <p:nvSpPr>
-          <p:cNvPr id="4" name="Slide Number Placeholder 3"/>
-          <p:cNvSpPr>
-            <a:spLocks noGrp="1"/>
-          </p:cNvSpPr>
-          <p:nvPr>
-            <p:ph type="sldNum" sz="quarter" idx="12"/>
-          </p:nvPr>
-        </p:nvSpPr>
-        <p:spPr/>
-        <p:txBody>
-          <a:bodyPr/>
-          <a:lstStyle/>
-          <a:p>
-            <a:pPr>
-              <a:defRPr/>
-            </a:pPr>
-            <a:fld id="{9E3EFA63-DE6B-1C40-8E13-70DFD3C7F100}" type="slidenum">
-              <a:rPr lang="en-US" smtClean="0"/>
-              <a:pPr>
-                <a:defRPr/>
-              </a:pPr>
-              <a:t>8</a:t>
-            </a:fld>
-            <a:endParaRPr lang="en-US"/>
-          </a:p>
-        </p:txBody>
-      </p:sp>
-    </p:spTree>
-    <p:extLst>
-      <p:ext uri="{BB962C8B-B14F-4D97-AF65-F5344CB8AC3E}">
-        <p14:creationId xmlns:p14="http://schemas.microsoft.com/office/powerpoint/2010/main" val="4039510388"/>
-      </p:ext>
-    </p:extLst>
-  </p:cSld>
-  <p:clrMapOvr>
-    <a:masterClrMapping/>
-  </p:clrMapOvr>
 </p:sld>
 </file>
 

--- a/PLPTH813Bioinformatis/2023/lectures/lecture08_variants.pptx
+++ b/PLPTH813Bioinformatis/2023/lectures/lecture08_variants.pptx
@@ -1256,43 +1256,6 @@
           <a:bodyPr/>
           <a:lstStyle/>
           <a:p>
-            <a:pPr marL="457200" indent="-457200">
-              <a:buFont typeface="+mj-lt"/>
-              <a:buAutoNum type="arabicPeriod"/>
-            </a:pPr>
-            <a:r>
-              <a:rPr lang="en-US" dirty="0"/>
-              <a:t>Sequence errors</a:t>
-            </a:r>
-          </a:p>
-          <a:p>
-            <a:pPr marL="457200" indent="-457200">
-              <a:buFont typeface="+mj-lt"/>
-              <a:buAutoNum type="arabicPeriod"/>
-            </a:pPr>
-            <a:r>
-              <a:rPr lang="en-US" dirty="0"/>
-              <a:t>Reference errors</a:t>
-            </a:r>
-          </a:p>
-          <a:p>
-            <a:pPr marL="457200" indent="-457200">
-              <a:buFont typeface="+mj-lt"/>
-              <a:buAutoNum type="arabicPeriod"/>
-            </a:pPr>
-            <a:r>
-              <a:rPr lang="en-US" dirty="0"/>
-              <a:t>Alignment issues</a:t>
-            </a:r>
-          </a:p>
-          <a:p>
-            <a:pPr marL="457200" indent="-457200">
-              <a:buFont typeface="+mj-lt"/>
-              <a:buAutoNum type="arabicPeriod"/>
-            </a:pPr>
-            <a:endParaRPr lang="en-US" dirty="0"/>
-          </a:p>
-          <a:p>
             <a:endParaRPr lang="en-US" dirty="0"/>
           </a:p>
         </p:txBody>
@@ -1304,7 +1267,7 @@
             <a:spLocks noGrp="1"/>
           </p:cNvSpPr>
           <p:nvPr>
-            <p:ph type="sldNum" sz="quarter" idx="10"/>
+            <p:ph type="sldNum" sz="quarter" idx="5"/>
           </p:nvPr>
         </p:nvSpPr>
         <p:spPr/>
@@ -1320,7 +1283,7 @@
               <a:pPr>
                 <a:defRPr/>
               </a:pPr>
-              <a:t>18</a:t>
+              <a:t>13</a:t>
             </a:fld>
             <a:endParaRPr lang="en-US"/>
           </a:p>
@@ -1329,7 +1292,7 @@
     </p:spTree>
     <p:extLst>
       <p:ext uri="{BB962C8B-B14F-4D97-AF65-F5344CB8AC3E}">
-        <p14:creationId xmlns:p14="http://schemas.microsoft.com/office/powerpoint/2010/main" val="3316873911"/>
+        <p14:creationId xmlns:p14="http://schemas.microsoft.com/office/powerpoint/2010/main" val="3007648251"/>
       </p:ext>
     </p:extLst>
   </p:cSld>
@@ -1410,6 +1373,223 @@
               <a:pPr>
                 <a:defRPr/>
               </a:pPr>
+              <a:t>16</a:t>
+            </a:fld>
+            <a:endParaRPr lang="en-US"/>
+          </a:p>
+        </p:txBody>
+      </p:sp>
+    </p:spTree>
+    <p:extLst>
+      <p:ext uri="{BB962C8B-B14F-4D97-AF65-F5344CB8AC3E}">
+        <p14:creationId xmlns:p14="http://schemas.microsoft.com/office/powerpoint/2010/main" val="3047472293"/>
+      </p:ext>
+    </p:extLst>
+  </p:cSld>
+  <p:clrMapOvr>
+    <a:masterClrMapping/>
+  </p:clrMapOvr>
+</p:notes>
+</file>
+
+<file path=ppt/notesSlides/notesSlide7.xml><?xml version="1.0" encoding="utf-8"?>
+<p:notes xmlns:a="http://schemas.openxmlformats.org/drawingml/2006/main" xmlns:r="http://schemas.openxmlformats.org/officeDocument/2006/relationships" xmlns:p="http://schemas.openxmlformats.org/presentationml/2006/main">
+  <p:cSld>
+    <p:spTree>
+      <p:nvGrpSpPr>
+        <p:cNvPr id="1" name=""/>
+        <p:cNvGrpSpPr/>
+        <p:nvPr/>
+      </p:nvGrpSpPr>
+      <p:grpSpPr>
+        <a:xfrm>
+          <a:off x="0" y="0"/>
+          <a:ext cx="0" cy="0"/>
+          <a:chOff x="0" y="0"/>
+          <a:chExt cx="0" cy="0"/>
+        </a:xfrm>
+      </p:grpSpPr>
+      <p:sp>
+        <p:nvSpPr>
+          <p:cNvPr id="2" name="Slide Image Placeholder 1"/>
+          <p:cNvSpPr>
+            <a:spLocks noGrp="1" noRot="1" noChangeAspect="1"/>
+          </p:cNvSpPr>
+          <p:nvPr>
+            <p:ph type="sldImg"/>
+          </p:nvPr>
+        </p:nvSpPr>
+        <p:spPr/>
+      </p:sp>
+      <p:sp>
+        <p:nvSpPr>
+          <p:cNvPr id="3" name="Notes Placeholder 2"/>
+          <p:cNvSpPr>
+            <a:spLocks noGrp="1"/>
+          </p:cNvSpPr>
+          <p:nvPr>
+            <p:ph type="body" idx="1"/>
+          </p:nvPr>
+        </p:nvSpPr>
+        <p:spPr/>
+        <p:txBody>
+          <a:bodyPr/>
+          <a:lstStyle/>
+          <a:p>
+            <a:pPr marL="457200" indent="-457200">
+              <a:buFont typeface="+mj-lt"/>
+              <a:buAutoNum type="arabicPeriod"/>
+            </a:pPr>
+            <a:r>
+              <a:rPr lang="en-US" dirty="0"/>
+              <a:t>Sequence errors</a:t>
+            </a:r>
+          </a:p>
+          <a:p>
+            <a:pPr marL="457200" indent="-457200">
+              <a:buFont typeface="+mj-lt"/>
+              <a:buAutoNum type="arabicPeriod"/>
+            </a:pPr>
+            <a:r>
+              <a:rPr lang="en-US" dirty="0"/>
+              <a:t>Reference errors</a:t>
+            </a:r>
+          </a:p>
+          <a:p>
+            <a:pPr marL="457200" indent="-457200">
+              <a:buFont typeface="+mj-lt"/>
+              <a:buAutoNum type="arabicPeriod"/>
+            </a:pPr>
+            <a:r>
+              <a:rPr lang="en-US" dirty="0"/>
+              <a:t>Alignment issues</a:t>
+            </a:r>
+          </a:p>
+          <a:p>
+            <a:pPr marL="457200" indent="-457200">
+              <a:buFont typeface="+mj-lt"/>
+              <a:buAutoNum type="arabicPeriod"/>
+            </a:pPr>
+            <a:endParaRPr lang="en-US" dirty="0"/>
+          </a:p>
+          <a:p>
+            <a:endParaRPr lang="en-US" dirty="0"/>
+          </a:p>
+        </p:txBody>
+      </p:sp>
+      <p:sp>
+        <p:nvSpPr>
+          <p:cNvPr id="4" name="Slide Number Placeholder 3"/>
+          <p:cNvSpPr>
+            <a:spLocks noGrp="1"/>
+          </p:cNvSpPr>
+          <p:nvPr>
+            <p:ph type="sldNum" sz="quarter" idx="10"/>
+          </p:nvPr>
+        </p:nvSpPr>
+        <p:spPr/>
+        <p:txBody>
+          <a:bodyPr/>
+          <a:lstStyle/>
+          <a:p>
+            <a:pPr>
+              <a:defRPr/>
+            </a:pPr>
+            <a:fld id="{E94CAB5F-7176-944B-A87E-993A9A665619}" type="slidenum">
+              <a:rPr lang="en-US" smtClean="0"/>
+              <a:pPr>
+                <a:defRPr/>
+              </a:pPr>
+              <a:t>18</a:t>
+            </a:fld>
+            <a:endParaRPr lang="en-US"/>
+          </a:p>
+        </p:txBody>
+      </p:sp>
+    </p:spTree>
+    <p:extLst>
+      <p:ext uri="{BB962C8B-B14F-4D97-AF65-F5344CB8AC3E}">
+        <p14:creationId xmlns:p14="http://schemas.microsoft.com/office/powerpoint/2010/main" val="3316873911"/>
+      </p:ext>
+    </p:extLst>
+  </p:cSld>
+  <p:clrMapOvr>
+    <a:masterClrMapping/>
+  </p:clrMapOvr>
+</p:notes>
+</file>
+
+<file path=ppt/notesSlides/notesSlide8.xml><?xml version="1.0" encoding="utf-8"?>
+<p:notes xmlns:a="http://schemas.openxmlformats.org/drawingml/2006/main" xmlns:r="http://schemas.openxmlformats.org/officeDocument/2006/relationships" xmlns:p="http://schemas.openxmlformats.org/presentationml/2006/main">
+  <p:cSld>
+    <p:spTree>
+      <p:nvGrpSpPr>
+        <p:cNvPr id="1" name=""/>
+        <p:cNvGrpSpPr/>
+        <p:nvPr/>
+      </p:nvGrpSpPr>
+      <p:grpSpPr>
+        <a:xfrm>
+          <a:off x="0" y="0"/>
+          <a:ext cx="0" cy="0"/>
+          <a:chOff x="0" y="0"/>
+          <a:chExt cx="0" cy="0"/>
+        </a:xfrm>
+      </p:grpSpPr>
+      <p:sp>
+        <p:nvSpPr>
+          <p:cNvPr id="2" name="Slide Image Placeholder 1"/>
+          <p:cNvSpPr>
+            <a:spLocks noGrp="1" noRot="1" noChangeAspect="1"/>
+          </p:cNvSpPr>
+          <p:nvPr>
+            <p:ph type="sldImg"/>
+          </p:nvPr>
+        </p:nvSpPr>
+        <p:spPr/>
+      </p:sp>
+      <p:sp>
+        <p:nvSpPr>
+          <p:cNvPr id="3" name="Notes Placeholder 2"/>
+          <p:cNvSpPr>
+            <a:spLocks noGrp="1"/>
+          </p:cNvSpPr>
+          <p:nvPr>
+            <p:ph type="body" idx="1"/>
+          </p:nvPr>
+        </p:nvSpPr>
+        <p:spPr/>
+        <p:txBody>
+          <a:bodyPr/>
+          <a:lstStyle/>
+          <a:p>
+            <a:endParaRPr lang="en-US" dirty="0"/>
+          </a:p>
+        </p:txBody>
+      </p:sp>
+      <p:sp>
+        <p:nvSpPr>
+          <p:cNvPr id="4" name="Slide Number Placeholder 3"/>
+          <p:cNvSpPr>
+            <a:spLocks noGrp="1"/>
+          </p:cNvSpPr>
+          <p:nvPr>
+            <p:ph type="sldNum" sz="quarter" idx="5"/>
+          </p:nvPr>
+        </p:nvSpPr>
+        <p:spPr/>
+        <p:txBody>
+          <a:bodyPr/>
+          <a:lstStyle/>
+          <a:p>
+            <a:pPr>
+              <a:defRPr/>
+            </a:pPr>
+            <a:fld id="{E94CAB5F-7176-944B-A87E-993A9A665619}" type="slidenum">
+              <a:rPr lang="en-US" smtClean="0"/>
+              <a:pPr>
+                <a:defRPr/>
+              </a:pPr>
               <a:t>20</a:t>
             </a:fld>
             <a:endParaRPr lang="en-US"/>
@@ -1429,7 +1609,7 @@
 </p:notes>
 </file>
 
-<file path=ppt/notesSlides/notesSlide7.xml><?xml version="1.0" encoding="utf-8"?>
+<file path=ppt/notesSlides/notesSlide9.xml><?xml version="1.0" encoding="utf-8"?>
 <p:notes xmlns:a="http://schemas.openxmlformats.org/drawingml/2006/main" xmlns:r="http://schemas.openxmlformats.org/officeDocument/2006/relationships" xmlns:p="http://schemas.openxmlformats.org/presentationml/2006/main">
   <p:cSld>
     <p:spTree>
@@ -5134,7 +5314,7 @@
         <p:spPr>
           <a:xfrm>
             <a:off x="457200" y="274638"/>
-            <a:ext cx="8229600" cy="1046162"/>
+            <a:ext cx="8229600" cy="681038"/>
           </a:xfrm>
         </p:spPr>
         <p:txBody>
@@ -5160,8 +5340,8 @@
         </p:nvSpPr>
         <p:spPr>
           <a:xfrm>
-            <a:off x="660400" y="1473200"/>
-            <a:ext cx="7835900" cy="4927600"/>
+            <a:off x="654050" y="1067991"/>
+            <a:ext cx="7835900" cy="5541169"/>
           </a:xfrm>
         </p:spPr>
         <p:txBody>
@@ -5237,6 +5417,21 @@
             <a:r>
               <a:rPr lang="en-US" sz="2800" dirty="0"/>
               <a:t> (GBS): cost-efficient and high-throughput approach</a:t>
+            </a:r>
+          </a:p>
+          <a:p>
+            <a:pPr>
+              <a:lnSpc>
+                <a:spcPct val="120000"/>
+              </a:lnSpc>
+            </a:pPr>
+            <a:r>
+              <a:rPr lang="en-US" sz="2800" b="1" dirty="0"/>
+              <a:t>Skim sequencing</a:t>
+            </a:r>
+            <a:r>
+              <a:rPr lang="en-US" sz="2800" dirty="0"/>
+              <a:t>: low-depth WGS</a:t>
             </a:r>
           </a:p>
         </p:txBody>
@@ -10907,35 +11102,35 @@
             <a:r>
               <a:rPr lang="en-US" sz="1200" dirty="0">
                 <a:latin typeface="+mn-lt"/>
-                <a:hlinkClick r:id="rId2"/>
+                <a:hlinkClick r:id="rId3"/>
               </a:rPr>
               <a:t>https://</a:t>
             </a:r>
             <a:r>
               <a:rPr lang="en-US" sz="1200" dirty="0" err="1">
                 <a:latin typeface="+mn-lt"/>
-                <a:hlinkClick r:id="rId2"/>
+                <a:hlinkClick r:id="rId3"/>
               </a:rPr>
               <a:t>samtools.github.io</a:t>
             </a:r>
             <a:r>
               <a:rPr lang="en-US" sz="1200" dirty="0">
                 <a:latin typeface="+mn-lt"/>
-                <a:hlinkClick r:id="rId2"/>
+                <a:hlinkClick r:id="rId3"/>
               </a:rPr>
               <a:t>/</a:t>
             </a:r>
             <a:r>
               <a:rPr lang="en-US" sz="1200" dirty="0" err="1">
                 <a:latin typeface="+mn-lt"/>
-                <a:hlinkClick r:id="rId2"/>
+                <a:hlinkClick r:id="rId3"/>
               </a:rPr>
               <a:t>hts</a:t>
             </a:r>
             <a:r>
               <a:rPr lang="en-US" sz="1200" dirty="0">
                 <a:latin typeface="+mn-lt"/>
-                <a:hlinkClick r:id="rId2"/>
+                <a:hlinkClick r:id="rId3"/>
               </a:rPr>
               <a:t>-specs/VCFv4.2.pdf</a:t>
             </a:r>
@@ -11227,7 +11422,7 @@
                 </a:solidFill>
                 <a:latin typeface="+mj-lt"/>
               </a:rPr>
-              <a:t>-scaled likelihoods for genotypes</a:t>
+              <a:t>-scaled scores for likelihoods for genotypes</a:t>
             </a:r>
           </a:p>
         </p:txBody>

--- a/PLPTH813Bioinformatis/2023/lectures/lecture08_variants.pptx
+++ b/PLPTH813Bioinformatis/2023/lectures/lecture08_variants.pptx
@@ -5,10 +5,10 @@
     <p:sldMasterId id="2147483648" r:id="rId1"/>
   </p:sldMasterIdLst>
   <p:notesMasterIdLst>
-    <p:notesMasterId r:id="rId28"/>
+    <p:notesMasterId r:id="rId29"/>
   </p:notesMasterIdLst>
   <p:handoutMasterIdLst>
-    <p:handoutMasterId r:id="rId29"/>
+    <p:handoutMasterId r:id="rId30"/>
   </p:handoutMasterIdLst>
   <p:sldIdLst>
     <p:sldId id="661" r:id="rId2"/>
@@ -18,25 +18,26 @@
     <p:sldId id="275" r:id="rId6"/>
     <p:sldId id="624" r:id="rId7"/>
     <p:sldId id="688" r:id="rId8"/>
-    <p:sldId id="621" r:id="rId9"/>
-    <p:sldId id="675" r:id="rId10"/>
-    <p:sldId id="639" r:id="rId11"/>
-    <p:sldId id="670" r:id="rId12"/>
-    <p:sldId id="633" r:id="rId13"/>
-    <p:sldId id="669" r:id="rId14"/>
-    <p:sldId id="686" r:id="rId15"/>
-    <p:sldId id="668" r:id="rId16"/>
-    <p:sldId id="644" r:id="rId17"/>
-    <p:sldId id="645" r:id="rId18"/>
-    <p:sldId id="646" r:id="rId19"/>
-    <p:sldId id="671" r:id="rId20"/>
-    <p:sldId id="642" r:id="rId21"/>
-    <p:sldId id="687" r:id="rId22"/>
-    <p:sldId id="640" r:id="rId23"/>
-    <p:sldId id="674" r:id="rId24"/>
-    <p:sldId id="676" r:id="rId25"/>
-    <p:sldId id="649" r:id="rId26"/>
-    <p:sldId id="647" r:id="rId27"/>
+    <p:sldId id="689" r:id="rId9"/>
+    <p:sldId id="621" r:id="rId10"/>
+    <p:sldId id="675" r:id="rId11"/>
+    <p:sldId id="639" r:id="rId12"/>
+    <p:sldId id="670" r:id="rId13"/>
+    <p:sldId id="633" r:id="rId14"/>
+    <p:sldId id="669" r:id="rId15"/>
+    <p:sldId id="686" r:id="rId16"/>
+    <p:sldId id="668" r:id="rId17"/>
+    <p:sldId id="644" r:id="rId18"/>
+    <p:sldId id="645" r:id="rId19"/>
+    <p:sldId id="646" r:id="rId20"/>
+    <p:sldId id="671" r:id="rId21"/>
+    <p:sldId id="642" r:id="rId22"/>
+    <p:sldId id="687" r:id="rId23"/>
+    <p:sldId id="640" r:id="rId24"/>
+    <p:sldId id="674" r:id="rId25"/>
+    <p:sldId id="676" r:id="rId26"/>
+    <p:sldId id="649" r:id="rId27"/>
+    <p:sldId id="647" r:id="rId28"/>
   </p:sldIdLst>
   <p:sldSz cx="9144000" cy="6858000" type="screen4x3"/>
   <p:notesSz cx="6858000" cy="9144000"/>
@@ -285,7 +286,7 @@
               <a:pPr>
                 <a:defRPr/>
               </a:pPr>
-              <a:t>2/22/23</a:t>
+              <a:t>2/23/23</a:t>
             </a:fld>
             <a:endParaRPr lang="en-US"/>
           </a:p>
@@ -495,7 +496,7 @@
               <a:pPr>
                 <a:defRPr/>
               </a:pPr>
-              <a:t>2/22/23</a:t>
+              <a:t>2/23/23</a:t>
             </a:fld>
             <a:endParaRPr lang="en-US"/>
           </a:p>
@@ -878,7 +879,7 @@
           <a:ln/>
           <a:extLst>
             <a:ext uri="{FAA26D3D-D897-4be2-8F04-BA451C77F1D7}">
-              <ma14:placeholderFlag xmlns="" xmlns:ma14="http://schemas.microsoft.com/office/mac/drawingml/2011/main" val="1"/>
+              <ma14:placeholderFlag xmlns:ma14="http://schemas.microsoft.com/office/mac/drawingml/2011/main" xmlns="" val="1"/>
             </a:ext>
           </a:extLst>
         </p:spPr>
@@ -949,14 +950,14 @@
           </a:ln>
           <a:extLst>
             <a:ext uri="{909E8E84-426E-40dd-AFC4-6F175D3DCCD1}">
-              <a14:hiddenFill xmlns="" xmlns:a14="http://schemas.microsoft.com/office/drawing/2010/main">
+              <a14:hiddenFill xmlns:a14="http://schemas.microsoft.com/office/drawing/2010/main" xmlns="">
                 <a:solidFill>
                   <a:srgbClr val="FFFFFF"/>
                 </a:solidFill>
               </a14:hiddenFill>
             </a:ext>
             <a:ext uri="{FAA26D3D-D897-4be2-8F04-BA451C77F1D7}">
-              <ma14:placeholderFlag xmlns="" xmlns:ma14="http://schemas.microsoft.com/office/mac/drawingml/2011/main" val="1"/>
+              <ma14:placeholderFlag xmlns:ma14="http://schemas.microsoft.com/office/mac/drawingml/2011/main" xmlns="" val="1"/>
             </a:ext>
           </a:extLst>
         </p:spPr>
@@ -975,14 +976,14 @@
           <a:noFill/>
           <a:extLst>
             <a:ext uri="{909E8E84-426E-40dd-AFC4-6F175D3DCCD1}">
-              <a14:hiddenFill xmlns="" xmlns:a14="http://schemas.microsoft.com/office/drawing/2010/main">
+              <a14:hiddenFill xmlns:a14="http://schemas.microsoft.com/office/drawing/2010/main" xmlns="">
                 <a:solidFill>
                   <a:srgbClr val="FFFFFF"/>
                 </a:solidFill>
               </a14:hiddenFill>
             </a:ext>
             <a:ext uri="{91240B29-F687-4f45-9708-019B960494DF}">
-              <a14:hiddenLine xmlns="" xmlns:a14="http://schemas.microsoft.com/office/drawing/2010/main" w="9525">
+              <a14:hiddenLine xmlns:a14="http://schemas.microsoft.com/office/drawing/2010/main" xmlns="" w="9525">
                 <a:solidFill>
                   <a:srgbClr val="000000"/>
                 </a:solidFill>
@@ -992,7 +993,7 @@
               </a14:hiddenLine>
             </a:ext>
             <a:ext uri="{FAA26D3D-D897-4be2-8F04-BA451C77F1D7}">
-              <ma14:placeholderFlag xmlns="" xmlns:ma14="http://schemas.microsoft.com/office/mac/drawingml/2011/main" val="1"/>
+              <ma14:placeholderFlag xmlns:ma14="http://schemas.microsoft.com/office/mac/drawingml/2011/main" xmlns="" val="1"/>
             </a:ext>
           </a:extLst>
         </p:spPr>
@@ -1100,7 +1101,7 @@
               <a:pPr>
                 <a:defRPr/>
               </a:pPr>
-              <a:t>8</a:t>
+              <a:t>9</a:t>
             </a:fld>
             <a:endParaRPr lang="en-US"/>
           </a:p>
@@ -1193,7 +1194,7 @@
               <a:pPr>
                 <a:defRPr/>
               </a:pPr>
-              <a:t>12</a:t>
+              <a:t>13</a:t>
             </a:fld>
             <a:endParaRPr lang="en-US"/>
           </a:p>
@@ -1283,7 +1284,7 @@
               <a:pPr>
                 <a:defRPr/>
               </a:pPr>
-              <a:t>13</a:t>
+              <a:t>14</a:t>
             </a:fld>
             <a:endParaRPr lang="en-US"/>
           </a:p>
@@ -1373,7 +1374,7 @@
               <a:pPr>
                 <a:defRPr/>
               </a:pPr>
-              <a:t>16</a:t>
+              <a:t>17</a:t>
             </a:fld>
             <a:endParaRPr lang="en-US"/>
           </a:p>
@@ -1500,7 +1501,7 @@
               <a:pPr>
                 <a:defRPr/>
               </a:pPr>
-              <a:t>18</a:t>
+              <a:t>19</a:t>
             </a:fld>
             <a:endParaRPr lang="en-US"/>
           </a:p>
@@ -1590,7 +1591,7 @@
               <a:pPr>
                 <a:defRPr/>
               </a:pPr>
-              <a:t>20</a:t>
+              <a:t>21</a:t>
             </a:fld>
             <a:endParaRPr lang="en-US"/>
           </a:p>
@@ -1680,7 +1681,7 @@
               <a:pPr>
                 <a:defRPr/>
               </a:pPr>
-              <a:t>22</a:t>
+              <a:t>23</a:t>
             </a:fld>
             <a:endParaRPr lang="en-US"/>
           </a:p>
@@ -1888,7 +1889,7 @@
               <a:pPr>
                 <a:defRPr/>
               </a:pPr>
-              <a:t>2/22/23</a:t>
+              <a:t>2/23/23</a:t>
             </a:fld>
             <a:endParaRPr lang="en-US"/>
           </a:p>
@@ -2083,7 +2084,7 @@
               <a:pPr>
                 <a:defRPr/>
               </a:pPr>
-              <a:t>2/22/23</a:t>
+              <a:t>2/23/23</a:t>
             </a:fld>
             <a:endParaRPr lang="en-US"/>
           </a:p>
@@ -2288,7 +2289,7 @@
               <a:pPr>
                 <a:defRPr/>
               </a:pPr>
-              <a:t>2/22/23</a:t>
+              <a:t>2/23/23</a:t>
             </a:fld>
             <a:endParaRPr lang="en-US"/>
           </a:p>
@@ -2483,7 +2484,7 @@
               <a:pPr>
                 <a:defRPr/>
               </a:pPr>
-              <a:t>2/22/23</a:t>
+              <a:t>2/23/23</a:t>
             </a:fld>
             <a:endParaRPr lang="en-US"/>
           </a:p>
@@ -2755,7 +2756,7 @@
               <a:pPr>
                 <a:defRPr/>
               </a:pPr>
-              <a:t>2/22/23</a:t>
+              <a:t>2/23/23</a:t>
             </a:fld>
             <a:endParaRPr lang="en-US"/>
           </a:p>
@@ -3067,7 +3068,7 @@
               <a:pPr>
                 <a:defRPr/>
               </a:pPr>
-              <a:t>2/22/23</a:t>
+              <a:t>2/23/23</a:t>
             </a:fld>
             <a:endParaRPr lang="en-US"/>
           </a:p>
@@ -3513,7 +3514,7 @@
               <a:pPr>
                 <a:defRPr/>
               </a:pPr>
-              <a:t>2/22/23</a:t>
+              <a:t>2/23/23</a:t>
             </a:fld>
             <a:endParaRPr lang="en-US"/>
           </a:p>
@@ -3657,7 +3658,7 @@
               <a:pPr>
                 <a:defRPr/>
               </a:pPr>
-              <a:t>2/22/23</a:t>
+              <a:t>2/23/23</a:t>
             </a:fld>
             <a:endParaRPr lang="en-US"/>
           </a:p>
@@ -3779,7 +3780,7 @@
               <a:pPr>
                 <a:defRPr/>
               </a:pPr>
-              <a:t>2/22/23</a:t>
+              <a:t>2/23/23</a:t>
             </a:fld>
             <a:endParaRPr lang="en-US"/>
           </a:p>
@@ -4081,7 +4082,7 @@
               <a:pPr>
                 <a:defRPr/>
               </a:pPr>
-              <a:t>2/22/23</a:t>
+              <a:t>2/23/23</a:t>
             </a:fld>
             <a:endParaRPr lang="en-US"/>
           </a:p>
@@ -4363,7 +4364,7 @@
               <a:pPr>
                 <a:defRPr/>
               </a:pPr>
-              <a:t>2/22/23</a:t>
+              <a:t>2/23/23</a:t>
             </a:fld>
             <a:endParaRPr lang="en-US"/>
           </a:p>
@@ -4487,14 +4488,14 @@
           </a:ln>
           <a:extLst>
             <a:ext uri="{909E8E84-426E-40dd-AFC4-6F175D3DCCD1}">
-              <a14:hiddenFill xmlns="" xmlns:a14="http://schemas.microsoft.com/office/drawing/2010/main">
+              <a14:hiddenFill xmlns:a14="http://schemas.microsoft.com/office/drawing/2010/main" xmlns="">
                 <a:solidFill>
                   <a:srgbClr val="FFFFFF"/>
                 </a:solidFill>
               </a14:hiddenFill>
             </a:ext>
             <a:ext uri="{91240B29-F687-4f45-9708-019B960494DF}">
-              <a14:hiddenLine xmlns="" xmlns:a14="http://schemas.microsoft.com/office/drawing/2010/main" w="9525">
+              <a14:hiddenLine xmlns:a14="http://schemas.microsoft.com/office/drawing/2010/main" xmlns="" w="9525">
                 <a:solidFill>
                   <a:srgbClr val="000000"/>
                 </a:solidFill>
@@ -4504,7 +4505,7 @@
               </a14:hiddenLine>
             </a:ext>
             <a:ext uri="{FAA26D3D-D897-4be2-8F04-BA451C77F1D7}">
-              <ma14:placeholderFlag xmlns="" xmlns:ma14="http://schemas.microsoft.com/office/mac/drawingml/2011/main" val="1"/>
+              <ma14:placeholderFlag xmlns:ma14="http://schemas.microsoft.com/office/mac/drawingml/2011/main" xmlns="" val="1"/>
             </a:ext>
           </a:extLst>
         </p:spPr>
@@ -4548,14 +4549,14 @@
           </a:ln>
           <a:extLst>
             <a:ext uri="{909E8E84-426E-40dd-AFC4-6F175D3DCCD1}">
-              <a14:hiddenFill xmlns="" xmlns:a14="http://schemas.microsoft.com/office/drawing/2010/main">
+              <a14:hiddenFill xmlns:a14="http://schemas.microsoft.com/office/drawing/2010/main" xmlns="">
                 <a:solidFill>
                   <a:srgbClr val="FFFFFF"/>
                 </a:solidFill>
               </a14:hiddenFill>
             </a:ext>
             <a:ext uri="{91240B29-F687-4f45-9708-019B960494DF}">
-              <a14:hiddenLine xmlns="" xmlns:a14="http://schemas.microsoft.com/office/drawing/2010/main" w="9525">
+              <a14:hiddenLine xmlns:a14="http://schemas.microsoft.com/office/drawing/2010/main" xmlns="" w="9525">
                 <a:solidFill>
                   <a:srgbClr val="000000"/>
                 </a:solidFill>
@@ -4565,7 +4566,7 @@
               </a14:hiddenLine>
             </a:ext>
             <a:ext uri="{FAA26D3D-D897-4be2-8F04-BA451C77F1D7}">
-              <ma14:placeholderFlag xmlns="" xmlns:ma14="http://schemas.microsoft.com/office/mac/drawingml/2011/main" val="1"/>
+              <ma14:placeholderFlag xmlns:ma14="http://schemas.microsoft.com/office/mac/drawingml/2011/main" xmlns="" val="1"/>
             </a:ext>
           </a:extLst>
         </p:spPr>
@@ -4657,7 +4658,7 @@
               <a:pPr>
                 <a:defRPr/>
               </a:pPr>
-              <a:t>2/22/23</a:t>
+              <a:t>2/23/23</a:t>
             </a:fld>
             <a:endParaRPr lang="en-US"/>
           </a:p>
@@ -5313,8 +5314,8 @@
         </p:nvSpPr>
         <p:spPr>
           <a:xfrm>
-            <a:off x="457200" y="274638"/>
-            <a:ext cx="8229600" cy="681038"/>
+            <a:off x="457200" y="181504"/>
+            <a:ext cx="8229600" cy="1037696"/>
           </a:xfrm>
         </p:spPr>
         <p:txBody>
@@ -5322,116 +5323,8 @@
           <a:lstStyle/>
           <a:p>
             <a:r>
-              <a:rPr lang="en-US" sz="3200" dirty="0"/>
-              <a:t>Approaches for data generation</a:t>
-            </a:r>
-          </a:p>
-        </p:txBody>
-      </p:sp>
-      <p:sp>
-        <p:nvSpPr>
-          <p:cNvPr id="3" name="Content Placeholder 2"/>
-          <p:cNvSpPr>
-            <a:spLocks noGrp="1"/>
-          </p:cNvSpPr>
-          <p:nvPr>
-            <p:ph idx="1"/>
-          </p:nvPr>
-        </p:nvSpPr>
-        <p:spPr>
-          <a:xfrm>
-            <a:off x="654050" y="1067991"/>
-            <a:ext cx="7835900" cy="5541169"/>
-          </a:xfrm>
-        </p:spPr>
-        <p:txBody>
-          <a:bodyPr/>
-          <a:lstStyle/>
-          <a:p>
-            <a:pPr>
-              <a:lnSpc>
-                <a:spcPct val="120000"/>
-              </a:lnSpc>
-            </a:pPr>
-            <a:r>
-              <a:rPr lang="en-US" sz="2800" b="1" dirty="0"/>
-              <a:t>Whole genome sequencing </a:t>
-            </a:r>
-            <a:r>
-              <a:rPr lang="en-US" sz="2800" dirty="0"/>
-              <a:t>(WGS): high genome coverage but costly for large genomes</a:t>
-            </a:r>
-          </a:p>
-          <a:p>
-            <a:pPr>
-              <a:lnSpc>
-                <a:spcPct val="120000"/>
-              </a:lnSpc>
-            </a:pPr>
-            <a:r>
-              <a:rPr lang="en-US" sz="2800" b="1" dirty="0" err="1"/>
-              <a:t>Exome</a:t>
-            </a:r>
-            <a:r>
-              <a:rPr lang="en-US" sz="2800" b="1" dirty="0"/>
-              <a:t>-capture sequencing</a:t>
-            </a:r>
-            <a:r>
-              <a:rPr lang="en-US" sz="2800" dirty="0"/>
-              <a:t>: target on genic regions but still expensive to perform large number of samples</a:t>
-            </a:r>
-          </a:p>
-          <a:p>
-            <a:pPr>
-              <a:lnSpc>
-                <a:spcPct val="120000"/>
-              </a:lnSpc>
-            </a:pPr>
-            <a:r>
-              <a:rPr lang="en-US" sz="2800" b="1" dirty="0"/>
-              <a:t>RNA sequencing </a:t>
-            </a:r>
-            <a:r>
-              <a:rPr lang="en-US" sz="2800" dirty="0"/>
-              <a:t>(RNA-</a:t>
-            </a:r>
-            <a:r>
-              <a:rPr lang="en-US" sz="2800" dirty="0" err="1"/>
-              <a:t>Seq</a:t>
-            </a:r>
-            <a:r>
-              <a:rPr lang="en-US" sz="2800" dirty="0"/>
-              <a:t>): obtain data on genic regions and provide expression information</a:t>
-            </a:r>
-          </a:p>
-          <a:p>
-            <a:pPr>
-              <a:lnSpc>
-                <a:spcPct val="120000"/>
-              </a:lnSpc>
-            </a:pPr>
-            <a:r>
-              <a:rPr lang="en-US" sz="2800" b="1" dirty="0"/>
-              <a:t>Genotyping-By-Sequencing</a:t>
-            </a:r>
-            <a:r>
-              <a:rPr lang="en-US" sz="2800" dirty="0"/>
-              <a:t> (GBS): cost-efficient and high-throughput approach</a:t>
-            </a:r>
-          </a:p>
-          <a:p>
-            <a:pPr>
-              <a:lnSpc>
-                <a:spcPct val="120000"/>
-              </a:lnSpc>
-            </a:pPr>
-            <a:r>
-              <a:rPr lang="en-US" sz="2800" b="1" dirty="0"/>
-              <a:t>Skim sequencing</a:t>
-            </a:r>
-            <a:r>
-              <a:rPr lang="en-US" sz="2800" dirty="0"/>
-              <a:t>: low-depth WGS</a:t>
+              <a:rPr lang="en-US" dirty="0"/>
+              <a:t>Next-Generation Sequencing to generate data for variant discovery</a:t>
             </a:r>
           </a:p>
         </p:txBody>
@@ -5461,20 +5354,710 @@
               </a:pPr>
               <a:t>9</a:t>
             </a:fld>
-            <a:endParaRPr lang="en-US"/>
+            <a:endParaRPr lang="en-US" dirty="0"/>
+          </a:p>
+        </p:txBody>
+      </p:sp>
+      <p:sp>
+        <p:nvSpPr>
+          <p:cNvPr id="47" name="TextBox 46"/>
+          <p:cNvSpPr txBox="1"/>
+          <p:nvPr/>
+        </p:nvSpPr>
+        <p:spPr>
+          <a:xfrm>
+            <a:off x="2447187" y="1653203"/>
+            <a:ext cx="3966314" cy="4524315"/>
+          </a:xfrm>
+          <a:prstGeom prst="rect">
+            <a:avLst/>
+          </a:prstGeom>
+          <a:noFill/>
+          <a:ln>
+            <a:noFill/>
+          </a:ln>
+        </p:spPr>
+        <p:txBody>
+          <a:bodyPr wrap="square">
+            <a:spAutoFit/>
+          </a:bodyPr>
+          <a:lstStyle/>
+          <a:p>
+            <a:pPr algn="ctr">
+              <a:defRPr/>
+            </a:pPr>
+            <a:r>
+              <a:rPr lang="en-US" dirty="0">
+                <a:solidFill>
+                  <a:schemeClr val="bg1">
+                    <a:lumMod val="65000"/>
+                  </a:schemeClr>
+                </a:solidFill>
+                <a:latin typeface="Courier"/>
+                <a:ea typeface="ＭＳ Ｐゴシック" charset="-128"/>
+                <a:cs typeface="Courier"/>
+              </a:rPr>
+              <a:t>GATCTGCGT</a:t>
+            </a:r>
+            <a:r>
+              <a:rPr lang="en-US" dirty="0">
+                <a:solidFill>
+                  <a:srgbClr val="008000"/>
+                </a:solidFill>
+                <a:latin typeface="Courier"/>
+                <a:ea typeface="ＭＳ Ｐゴシック" charset="-128"/>
+                <a:cs typeface="Courier"/>
+              </a:rPr>
+              <a:t>C</a:t>
+            </a:r>
+            <a:r>
+              <a:rPr lang="en-US" dirty="0">
+                <a:solidFill>
+                  <a:schemeClr val="bg1">
+                    <a:lumMod val="65000"/>
+                  </a:schemeClr>
+                </a:solidFill>
+                <a:latin typeface="Courier"/>
+                <a:ea typeface="ＭＳ Ｐゴシック" charset="-128"/>
+                <a:cs typeface="Courier"/>
+              </a:rPr>
+              <a:t>ATACGGAAT</a:t>
+            </a:r>
+          </a:p>
+          <a:p>
+            <a:pPr algn="ctr">
+              <a:defRPr/>
+            </a:pPr>
+            <a:r>
+              <a:rPr lang="en-US" dirty="0">
+                <a:solidFill>
+                  <a:schemeClr val="bg1">
+                    <a:lumMod val="65000"/>
+                  </a:schemeClr>
+                </a:solidFill>
+                <a:latin typeface="Courier"/>
+                <a:ea typeface="ＭＳ Ｐゴシック" charset="-128"/>
+                <a:cs typeface="Courier"/>
+              </a:rPr>
+              <a:t>GATCTGCGT</a:t>
+            </a:r>
+            <a:r>
+              <a:rPr lang="en-US" dirty="0">
+                <a:solidFill>
+                  <a:srgbClr val="FF0000"/>
+                </a:solidFill>
+                <a:latin typeface="Courier"/>
+                <a:ea typeface="ＭＳ Ｐゴシック" charset="-128"/>
+                <a:cs typeface="Courier"/>
+              </a:rPr>
+              <a:t>G</a:t>
+            </a:r>
+            <a:r>
+              <a:rPr lang="en-US" dirty="0">
+                <a:solidFill>
+                  <a:schemeClr val="bg1">
+                    <a:lumMod val="65000"/>
+                  </a:schemeClr>
+                </a:solidFill>
+                <a:latin typeface="Courier"/>
+                <a:ea typeface="ＭＳ Ｐゴシック" charset="-128"/>
+                <a:cs typeface="Courier"/>
+              </a:rPr>
+              <a:t>ATACGGAAT</a:t>
+            </a:r>
+          </a:p>
+          <a:p>
+            <a:pPr algn="ctr">
+              <a:defRPr/>
+            </a:pPr>
+            <a:r>
+              <a:rPr lang="en-US" dirty="0">
+                <a:solidFill>
+                  <a:schemeClr val="bg1">
+                    <a:lumMod val="65000"/>
+                  </a:schemeClr>
+                </a:solidFill>
+                <a:latin typeface="Courier"/>
+                <a:ea typeface="ＭＳ Ｐゴシック" charset="-128"/>
+                <a:cs typeface="Courier"/>
+              </a:rPr>
+              <a:t>GATCTGCGT</a:t>
+            </a:r>
+            <a:r>
+              <a:rPr lang="en-US" dirty="0">
+                <a:solidFill>
+                  <a:srgbClr val="008000"/>
+                </a:solidFill>
+                <a:latin typeface="Courier"/>
+                <a:ea typeface="ＭＳ Ｐゴシック" charset="-128"/>
+                <a:cs typeface="Courier"/>
+              </a:rPr>
+              <a:t>C</a:t>
+            </a:r>
+            <a:r>
+              <a:rPr lang="en-US" dirty="0">
+                <a:solidFill>
+                  <a:schemeClr val="bg1">
+                    <a:lumMod val="65000"/>
+                  </a:schemeClr>
+                </a:solidFill>
+                <a:latin typeface="Courier"/>
+                <a:ea typeface="ＭＳ Ｐゴシック" charset="-128"/>
+                <a:cs typeface="Courier"/>
+              </a:rPr>
+              <a:t>ATACGGAAT</a:t>
+            </a:r>
+          </a:p>
+          <a:p>
+            <a:pPr algn="ctr">
+              <a:defRPr/>
+            </a:pPr>
+            <a:r>
+              <a:rPr lang="en-US" dirty="0">
+                <a:solidFill>
+                  <a:schemeClr val="bg1">
+                    <a:lumMod val="65000"/>
+                  </a:schemeClr>
+                </a:solidFill>
+                <a:latin typeface="Courier"/>
+                <a:ea typeface="ＭＳ Ｐゴシック" charset="-128"/>
+                <a:cs typeface="Courier"/>
+              </a:rPr>
+              <a:t>GATCTGCGT</a:t>
+            </a:r>
+            <a:r>
+              <a:rPr lang="en-US" dirty="0">
+                <a:solidFill>
+                  <a:srgbClr val="FF0000"/>
+                </a:solidFill>
+                <a:latin typeface="Courier"/>
+                <a:ea typeface="ＭＳ Ｐゴシック" charset="-128"/>
+                <a:cs typeface="Courier"/>
+              </a:rPr>
+              <a:t>G</a:t>
+            </a:r>
+            <a:r>
+              <a:rPr lang="en-US" dirty="0">
+                <a:solidFill>
+                  <a:schemeClr val="bg1">
+                    <a:lumMod val="65000"/>
+                  </a:schemeClr>
+                </a:solidFill>
+                <a:latin typeface="Courier"/>
+                <a:ea typeface="ＭＳ Ｐゴシック" charset="-128"/>
+                <a:cs typeface="Courier"/>
+              </a:rPr>
+              <a:t>ATACGGAAT</a:t>
+            </a:r>
+          </a:p>
+          <a:p>
+            <a:pPr algn="ctr">
+              <a:defRPr/>
+            </a:pPr>
+            <a:r>
+              <a:rPr lang="en-US" dirty="0">
+                <a:solidFill>
+                  <a:schemeClr val="bg1">
+                    <a:lumMod val="65000"/>
+                  </a:schemeClr>
+                </a:solidFill>
+                <a:latin typeface="Courier"/>
+                <a:ea typeface="ＭＳ Ｐゴシック" charset="-128"/>
+                <a:cs typeface="Courier"/>
+              </a:rPr>
+              <a:t>GATCTGCGT</a:t>
+            </a:r>
+            <a:r>
+              <a:rPr lang="en-US" dirty="0">
+                <a:solidFill>
+                  <a:srgbClr val="FF0000"/>
+                </a:solidFill>
+                <a:latin typeface="Courier"/>
+                <a:ea typeface="ＭＳ Ｐゴシック" charset="-128"/>
+                <a:cs typeface="Courier"/>
+              </a:rPr>
+              <a:t>G</a:t>
+            </a:r>
+            <a:r>
+              <a:rPr lang="en-US" dirty="0">
+                <a:solidFill>
+                  <a:schemeClr val="bg1">
+                    <a:lumMod val="65000"/>
+                  </a:schemeClr>
+                </a:solidFill>
+                <a:latin typeface="Courier"/>
+                <a:ea typeface="ＭＳ Ｐゴシック" charset="-128"/>
+                <a:cs typeface="Courier"/>
+              </a:rPr>
+              <a:t>ATACGGAAT</a:t>
+            </a:r>
+          </a:p>
+          <a:p>
+            <a:pPr algn="ctr">
+              <a:defRPr/>
+            </a:pPr>
+            <a:r>
+              <a:rPr lang="en-US" dirty="0">
+                <a:solidFill>
+                  <a:schemeClr val="bg1">
+                    <a:lumMod val="65000"/>
+                  </a:schemeClr>
+                </a:solidFill>
+                <a:latin typeface="Courier"/>
+                <a:ea typeface="ＭＳ Ｐゴシック" charset="-128"/>
+                <a:cs typeface="Courier"/>
+              </a:rPr>
+              <a:t>GATCTGCGT</a:t>
+            </a:r>
+            <a:r>
+              <a:rPr lang="en-US" dirty="0">
+                <a:solidFill>
+                  <a:srgbClr val="FF0000"/>
+                </a:solidFill>
+                <a:latin typeface="Courier"/>
+                <a:ea typeface="ＭＳ Ｐゴシック" charset="-128"/>
+                <a:cs typeface="Courier"/>
+              </a:rPr>
+              <a:t>G</a:t>
+            </a:r>
+            <a:r>
+              <a:rPr lang="en-US" dirty="0">
+                <a:solidFill>
+                  <a:schemeClr val="bg1">
+                    <a:lumMod val="65000"/>
+                  </a:schemeClr>
+                </a:solidFill>
+                <a:latin typeface="Courier"/>
+                <a:ea typeface="ＭＳ Ｐゴシック" charset="-128"/>
+                <a:cs typeface="Courier"/>
+              </a:rPr>
+              <a:t>ATACGGAAT</a:t>
+            </a:r>
+          </a:p>
+          <a:p>
+            <a:pPr algn="ctr">
+              <a:defRPr/>
+            </a:pPr>
+            <a:r>
+              <a:rPr lang="en-US" dirty="0">
+                <a:solidFill>
+                  <a:schemeClr val="bg1">
+                    <a:lumMod val="65000"/>
+                  </a:schemeClr>
+                </a:solidFill>
+                <a:latin typeface="Courier"/>
+                <a:ea typeface="ＭＳ Ｐゴシック" charset="-128"/>
+                <a:cs typeface="Courier"/>
+              </a:rPr>
+              <a:t>GATCTGCGT</a:t>
+            </a:r>
+            <a:r>
+              <a:rPr lang="en-US" dirty="0">
+                <a:solidFill>
+                  <a:srgbClr val="008000"/>
+                </a:solidFill>
+                <a:latin typeface="Courier"/>
+                <a:ea typeface="ＭＳ Ｐゴシック" charset="-128"/>
+                <a:cs typeface="Courier"/>
+              </a:rPr>
+              <a:t>C</a:t>
+            </a:r>
+            <a:r>
+              <a:rPr lang="en-US" dirty="0">
+                <a:solidFill>
+                  <a:schemeClr val="bg1">
+                    <a:lumMod val="65000"/>
+                  </a:schemeClr>
+                </a:solidFill>
+                <a:latin typeface="Courier"/>
+                <a:ea typeface="ＭＳ Ｐゴシック" charset="-128"/>
+                <a:cs typeface="Courier"/>
+              </a:rPr>
+              <a:t>ATACGGAAT</a:t>
+            </a:r>
+          </a:p>
+          <a:p>
+            <a:pPr algn="ctr">
+              <a:defRPr/>
+            </a:pPr>
+            <a:r>
+              <a:rPr lang="en-US" dirty="0">
+                <a:solidFill>
+                  <a:schemeClr val="bg1">
+                    <a:lumMod val="65000"/>
+                  </a:schemeClr>
+                </a:solidFill>
+                <a:latin typeface="Courier"/>
+                <a:ea typeface="ＭＳ Ｐゴシック" charset="-128"/>
+                <a:cs typeface="Courier"/>
+              </a:rPr>
+              <a:t>GATCTGCGT</a:t>
+            </a:r>
+            <a:r>
+              <a:rPr lang="en-US" dirty="0">
+                <a:solidFill>
+                  <a:srgbClr val="008000"/>
+                </a:solidFill>
+                <a:latin typeface="Courier"/>
+                <a:ea typeface="ＭＳ Ｐゴシック" charset="-128"/>
+                <a:cs typeface="Courier"/>
+              </a:rPr>
+              <a:t>C</a:t>
+            </a:r>
+            <a:r>
+              <a:rPr lang="en-US" dirty="0">
+                <a:solidFill>
+                  <a:schemeClr val="bg1">
+                    <a:lumMod val="65000"/>
+                  </a:schemeClr>
+                </a:solidFill>
+                <a:latin typeface="Courier"/>
+                <a:ea typeface="ＭＳ Ｐゴシック" charset="-128"/>
+                <a:cs typeface="Courier"/>
+              </a:rPr>
+              <a:t>ATACGGAAT</a:t>
+            </a:r>
+          </a:p>
+          <a:p>
+            <a:pPr algn="ctr">
+              <a:defRPr/>
+            </a:pPr>
+            <a:r>
+              <a:rPr lang="en-US" dirty="0">
+                <a:solidFill>
+                  <a:schemeClr val="bg1">
+                    <a:lumMod val="65000"/>
+                  </a:schemeClr>
+                </a:solidFill>
+                <a:latin typeface="Courier"/>
+                <a:ea typeface="ＭＳ Ｐゴシック" charset="-128"/>
+                <a:cs typeface="Courier"/>
+              </a:rPr>
+              <a:t>GATCTGCGT</a:t>
+            </a:r>
+            <a:r>
+              <a:rPr lang="en-US" dirty="0">
+                <a:solidFill>
+                  <a:srgbClr val="FF0000"/>
+                </a:solidFill>
+                <a:latin typeface="Courier"/>
+                <a:ea typeface="ＭＳ Ｐゴシック" charset="-128"/>
+                <a:cs typeface="Courier"/>
+              </a:rPr>
+              <a:t>G</a:t>
+            </a:r>
+            <a:r>
+              <a:rPr lang="en-US" dirty="0">
+                <a:solidFill>
+                  <a:schemeClr val="bg1">
+                    <a:lumMod val="65000"/>
+                  </a:schemeClr>
+                </a:solidFill>
+                <a:latin typeface="Courier"/>
+                <a:ea typeface="ＭＳ Ｐゴシック" charset="-128"/>
+                <a:cs typeface="Courier"/>
+              </a:rPr>
+              <a:t>ATACGGAAT</a:t>
+            </a:r>
+          </a:p>
+          <a:p>
+            <a:pPr algn="ctr">
+              <a:defRPr/>
+            </a:pPr>
+            <a:r>
+              <a:rPr lang="en-US" dirty="0">
+                <a:solidFill>
+                  <a:schemeClr val="bg1">
+                    <a:lumMod val="65000"/>
+                  </a:schemeClr>
+                </a:solidFill>
+                <a:latin typeface="Courier"/>
+                <a:ea typeface="ＭＳ Ｐゴシック" charset="-128"/>
+                <a:cs typeface="Courier"/>
+              </a:rPr>
+              <a:t>GATCTGCGT</a:t>
+            </a:r>
+            <a:r>
+              <a:rPr lang="en-US" dirty="0">
+                <a:solidFill>
+                  <a:srgbClr val="008000"/>
+                </a:solidFill>
+                <a:latin typeface="Courier"/>
+                <a:ea typeface="ＭＳ Ｐゴシック" charset="-128"/>
+                <a:cs typeface="Courier"/>
+              </a:rPr>
+              <a:t>C</a:t>
+            </a:r>
+            <a:r>
+              <a:rPr lang="en-US" dirty="0">
+                <a:solidFill>
+                  <a:schemeClr val="bg1">
+                    <a:lumMod val="65000"/>
+                  </a:schemeClr>
+                </a:solidFill>
+                <a:latin typeface="Courier"/>
+                <a:ea typeface="ＭＳ Ｐゴシック" charset="-128"/>
+                <a:cs typeface="Courier"/>
+              </a:rPr>
+              <a:t>ATACGGAAT</a:t>
+            </a:r>
+          </a:p>
+          <a:p>
+            <a:pPr algn="ctr">
+              <a:defRPr/>
+            </a:pPr>
+            <a:endParaRPr lang="en-US" dirty="0">
+              <a:solidFill>
+                <a:srgbClr val="7F7F7F"/>
+              </a:solidFill>
+              <a:latin typeface="Courier"/>
+              <a:ea typeface="ＭＳ Ｐゴシック" charset="-128"/>
+              <a:cs typeface="Courier"/>
+            </a:endParaRPr>
+          </a:p>
+          <a:p>
+            <a:pPr algn="ctr">
+              <a:defRPr/>
+            </a:pPr>
+            <a:r>
+              <a:rPr lang="en-US" dirty="0">
+                <a:solidFill>
+                  <a:srgbClr val="7F7F7F"/>
+                </a:solidFill>
+                <a:latin typeface="Courier"/>
+                <a:ea typeface="ＭＳ Ｐゴシック" charset="-128"/>
+                <a:cs typeface="Courier"/>
+              </a:rPr>
+              <a:t>--------</a:t>
+            </a:r>
+            <a:r>
+              <a:rPr lang="en-US" dirty="0">
+                <a:solidFill>
+                  <a:srgbClr val="008000"/>
+                </a:solidFill>
+                <a:latin typeface="Courier"/>
+                <a:ea typeface="ＭＳ Ｐゴシック" charset="-128"/>
+                <a:cs typeface="Courier"/>
+              </a:rPr>
+              <a:t>C</a:t>
+            </a:r>
+            <a:r>
+              <a:rPr lang="en-US" dirty="0">
+                <a:solidFill>
+                  <a:srgbClr val="984807"/>
+                </a:solidFill>
+                <a:latin typeface="Courier"/>
+                <a:ea typeface="ＭＳ Ｐゴシック" charset="-128"/>
+                <a:cs typeface="Courier"/>
+              </a:rPr>
+              <a:t>/</a:t>
+            </a:r>
+            <a:r>
+              <a:rPr lang="en-US" dirty="0">
+                <a:solidFill>
+                  <a:srgbClr val="FF0000"/>
+                </a:solidFill>
+                <a:latin typeface="Courier"/>
+                <a:ea typeface="ＭＳ Ｐゴシック" charset="-128"/>
+                <a:cs typeface="Courier"/>
+              </a:rPr>
+              <a:t>G</a:t>
+            </a:r>
+            <a:r>
+              <a:rPr lang="en-US" dirty="0">
+                <a:solidFill>
+                  <a:srgbClr val="7F7F7F"/>
+                </a:solidFill>
+                <a:latin typeface="Courier"/>
+                <a:ea typeface="ＭＳ Ｐゴシック" charset="-128"/>
+                <a:cs typeface="Courier"/>
+              </a:rPr>
+              <a:t>--------</a:t>
+            </a:r>
+          </a:p>
+        </p:txBody>
+      </p:sp>
+      <p:sp>
+        <p:nvSpPr>
+          <p:cNvPr id="3" name="TextBox 2">
+            <a:extLst>
+              <a:ext uri="{FF2B5EF4-FFF2-40B4-BE49-F238E27FC236}">
+                <a16:creationId xmlns:a16="http://schemas.microsoft.com/office/drawing/2014/main" id="{38D0D49D-3847-534C-9DA6-9D7D54E74F3C}"/>
+              </a:ext>
+            </a:extLst>
+          </p:cNvPr>
+          <p:cNvSpPr txBox="1"/>
+          <p:nvPr/>
+        </p:nvSpPr>
+        <p:spPr>
+          <a:xfrm>
+            <a:off x="6244190" y="5525353"/>
+            <a:ext cx="2340962" cy="830997"/>
+          </a:xfrm>
+          <a:prstGeom prst="rect">
+            <a:avLst/>
+          </a:prstGeom>
+          <a:noFill/>
+        </p:spPr>
+        <p:txBody>
+          <a:bodyPr wrap="none" rtlCol="0">
+            <a:spAutoFit/>
+          </a:bodyPr>
+          <a:lstStyle/>
+          <a:p>
+            <a:r>
+              <a:rPr lang="en-US" dirty="0">
+                <a:latin typeface="Calibri Light" panose="020F0302020204030204" pitchFamily="34" charset="0"/>
+                <a:cs typeface="Calibri Light" panose="020F0302020204030204" pitchFamily="34" charset="0"/>
+              </a:rPr>
+              <a:t>Heterozygous call</a:t>
+            </a:r>
+          </a:p>
+          <a:p>
+            <a:r>
+              <a:rPr lang="en-US" dirty="0">
+                <a:latin typeface="Calibri Light" panose="020F0302020204030204" pitchFamily="34" charset="0"/>
+                <a:cs typeface="Calibri Light" panose="020F0302020204030204" pitchFamily="34" charset="0"/>
+              </a:rPr>
+              <a:t>(diploid genome)</a:t>
+            </a:r>
           </a:p>
         </p:txBody>
       </p:sp>
     </p:spTree>
     <p:extLst>
       <p:ext uri="{BB962C8B-B14F-4D97-AF65-F5344CB8AC3E}">
-        <p14:creationId xmlns:p14="http://schemas.microsoft.com/office/powerpoint/2010/main" val="4039510388"/>
+        <p14:creationId xmlns:p14="http://schemas.microsoft.com/office/powerpoint/2010/main" val="2972565571"/>
       </p:ext>
     </p:extLst>
   </p:cSld>
   <p:clrMapOvr>
     <a:masterClrMapping/>
   </p:clrMapOvr>
+  <p:timing>
+    <p:tnLst>
+      <p:par>
+        <p:cTn id="1" dur="indefinite" restart="never" nodeType="tmRoot">
+          <p:childTnLst>
+            <p:seq concurrent="1" nextAc="seek">
+              <p:cTn id="2" dur="indefinite" nodeType="mainSeq">
+                <p:childTnLst>
+                  <p:par>
+                    <p:cTn id="3" fill="hold">
+                      <p:stCondLst>
+                        <p:cond delay="indefinite"/>
+                      </p:stCondLst>
+                      <p:childTnLst>
+                        <p:par>
+                          <p:cTn id="4" fill="hold">
+                            <p:stCondLst>
+                              <p:cond delay="0"/>
+                            </p:stCondLst>
+                            <p:childTnLst>
+                              <p:par>
+                                <p:cTn id="5" presetID="1" presetClass="entr" presetSubtype="0" fill="hold" grpId="0" nodeType="clickEffect">
+                                  <p:stCondLst>
+                                    <p:cond delay="0"/>
+                                  </p:stCondLst>
+                                  <p:childTnLst>
+                                    <p:set>
+                                      <p:cBhvr>
+                                        <p:cTn id="6" dur="1" fill="hold">
+                                          <p:stCondLst>
+                                            <p:cond delay="0"/>
+                                          </p:stCondLst>
+                                        </p:cTn>
+                                        <p:tgtEl>
+                                          <p:spTgt spid="47"/>
+                                        </p:tgtEl>
+                                        <p:attrNameLst>
+                                          <p:attrName>style.visibility</p:attrName>
+                                        </p:attrNameLst>
+                                      </p:cBhvr>
+                                      <p:to>
+                                        <p:strVal val="visible"/>
+                                      </p:to>
+                                    </p:set>
+                                  </p:childTnLst>
+                                </p:cTn>
+                              </p:par>
+                            </p:childTnLst>
+                          </p:cTn>
+                        </p:par>
+                      </p:childTnLst>
+                    </p:cTn>
+                  </p:par>
+                  <p:par>
+                    <p:cTn id="7" fill="hold">
+                      <p:stCondLst>
+                        <p:cond delay="indefinite"/>
+                      </p:stCondLst>
+                      <p:childTnLst>
+                        <p:par>
+                          <p:cTn id="8" fill="hold">
+                            <p:stCondLst>
+                              <p:cond delay="0"/>
+                            </p:stCondLst>
+                            <p:childTnLst>
+                              <p:par>
+                                <p:cTn id="9" presetID="1" presetClass="entr" presetSubtype="0" fill="hold" grpId="0" nodeType="clickEffect">
+                                  <p:stCondLst>
+                                    <p:cond delay="0"/>
+                                  </p:stCondLst>
+                                  <p:childTnLst>
+                                    <p:set>
+                                      <p:cBhvr>
+                                        <p:cTn id="10" dur="1" fill="hold">
+                                          <p:stCondLst>
+                                            <p:cond delay="0"/>
+                                          </p:stCondLst>
+                                        </p:cTn>
+                                        <p:tgtEl>
+                                          <p:spTgt spid="3"/>
+                                        </p:tgtEl>
+                                        <p:attrNameLst>
+                                          <p:attrName>style.visibility</p:attrName>
+                                        </p:attrNameLst>
+                                      </p:cBhvr>
+                                      <p:to>
+                                        <p:strVal val="visible"/>
+                                      </p:to>
+                                    </p:set>
+                                  </p:childTnLst>
+                                </p:cTn>
+                              </p:par>
+                            </p:childTnLst>
+                          </p:cTn>
+                        </p:par>
+                      </p:childTnLst>
+                    </p:cTn>
+                  </p:par>
+                </p:childTnLst>
+              </p:cTn>
+              <p:prevCondLst>
+                <p:cond evt="onPrev" delay="0">
+                  <p:tgtEl>
+                    <p:sldTgt/>
+                  </p:tgtEl>
+                </p:cond>
+              </p:prevCondLst>
+              <p:nextCondLst>
+                <p:cond evt="onNext" delay="0">
+                  <p:tgtEl>
+                    <p:sldTgt/>
+                  </p:tgtEl>
+                </p:cond>
+              </p:nextCondLst>
+            </p:seq>
+          </p:childTnLst>
+        </p:cTn>
+      </p:par>
+    </p:tnLst>
+    <p:bldLst>
+      <p:bldP spid="47" grpId="0"/>
+      <p:bldP spid="3" grpId="0"/>
+    </p:bldLst>
+  </p:timing>
 </p:sld>
 </file>
 
@@ -5505,14 +6088,127 @@
             <p:ph type="title"/>
           </p:nvPr>
         </p:nvSpPr>
-        <p:spPr/>
+        <p:spPr>
+          <a:xfrm>
+            <a:off x="457200" y="274638"/>
+            <a:ext cx="8229600" cy="681038"/>
+          </a:xfrm>
+        </p:spPr>
         <p:txBody>
           <a:bodyPr/>
           <a:lstStyle/>
           <a:p>
             <a:r>
-              <a:rPr lang="en-US" dirty="0"/>
-              <a:t>Alignment-based SNP discovery</a:t>
+              <a:rPr lang="en-US" sz="3200" dirty="0"/>
+              <a:t>Approaches for data generation</a:t>
+            </a:r>
+          </a:p>
+        </p:txBody>
+      </p:sp>
+      <p:sp>
+        <p:nvSpPr>
+          <p:cNvPr id="3" name="Content Placeholder 2"/>
+          <p:cNvSpPr>
+            <a:spLocks noGrp="1"/>
+          </p:cNvSpPr>
+          <p:nvPr>
+            <p:ph idx="1"/>
+          </p:nvPr>
+        </p:nvSpPr>
+        <p:spPr>
+          <a:xfrm>
+            <a:off x="654050" y="1067991"/>
+            <a:ext cx="7835900" cy="5541169"/>
+          </a:xfrm>
+        </p:spPr>
+        <p:txBody>
+          <a:bodyPr/>
+          <a:lstStyle/>
+          <a:p>
+            <a:pPr>
+              <a:lnSpc>
+                <a:spcPct val="120000"/>
+              </a:lnSpc>
+            </a:pPr>
+            <a:r>
+              <a:rPr lang="en-US" sz="2800" b="1" dirty="0"/>
+              <a:t>Whole genome sequencing </a:t>
+            </a:r>
+            <a:r>
+              <a:rPr lang="en-US" sz="2800" dirty="0"/>
+              <a:t>(WGS): high genome coverage but costly for large genomes</a:t>
+            </a:r>
+          </a:p>
+          <a:p>
+            <a:pPr>
+              <a:lnSpc>
+                <a:spcPct val="120000"/>
+              </a:lnSpc>
+            </a:pPr>
+            <a:r>
+              <a:rPr lang="en-US" sz="2800" b="1" dirty="0" err="1"/>
+              <a:t>Exome</a:t>
+            </a:r>
+            <a:r>
+              <a:rPr lang="en-US" sz="2800" b="1" dirty="0"/>
+              <a:t>-capture sequencing</a:t>
+            </a:r>
+            <a:r>
+              <a:rPr lang="en-US" sz="2800" dirty="0"/>
+              <a:t>: target on genic regions but still expensive to perform large number of samples</a:t>
+            </a:r>
+          </a:p>
+          <a:p>
+            <a:pPr>
+              <a:lnSpc>
+                <a:spcPct val="120000"/>
+              </a:lnSpc>
+            </a:pPr>
+            <a:r>
+              <a:rPr lang="en-US" sz="2800" b="1" dirty="0"/>
+              <a:t>RNA sequencing </a:t>
+            </a:r>
+            <a:r>
+              <a:rPr lang="en-US" sz="2800" dirty="0"/>
+              <a:t>(RNA-</a:t>
+            </a:r>
+            <a:r>
+              <a:rPr lang="en-US" sz="2800" dirty="0" err="1"/>
+              <a:t>Seq</a:t>
+            </a:r>
+            <a:r>
+              <a:rPr lang="en-US" sz="2800" dirty="0"/>
+              <a:t>): obtain data on genic regions and provide expression information</a:t>
+            </a:r>
+          </a:p>
+          <a:p>
+            <a:pPr>
+              <a:lnSpc>
+                <a:spcPct val="120000"/>
+              </a:lnSpc>
+            </a:pPr>
+            <a:r>
+              <a:rPr lang="en-US" sz="2800" b="1" dirty="0"/>
+              <a:t>Genotyping-By-Sequencing</a:t>
+            </a:r>
+            <a:r>
+              <a:rPr lang="en-US" sz="2800" dirty="0"/>
+              <a:t> (GBS): cost-efficient and high-throughput approach</a:t>
+            </a:r>
+          </a:p>
+          <a:p>
+            <a:pPr>
+              <a:lnSpc>
+                <a:spcPct val="120000"/>
+              </a:lnSpc>
+            </a:pPr>
+            <a:r>
+              <a:rPr lang="en-US" sz="2800" b="1" dirty="0"/>
+              <a:t>Skim sequencing</a:t>
+            </a:r>
+            <a:r>
+              <a:rPr lang="en-US" sz="2800" dirty="0"/>
+              <a:t>: low-depth WGS</a:t>
             </a:r>
           </a:p>
         </p:txBody>
@@ -5541,6 +6237,87 @@
                 <a:defRPr/>
               </a:pPr>
               <a:t>10</a:t>
+            </a:fld>
+            <a:endParaRPr lang="en-US"/>
+          </a:p>
+        </p:txBody>
+      </p:sp>
+    </p:spTree>
+    <p:extLst>
+      <p:ext uri="{BB962C8B-B14F-4D97-AF65-F5344CB8AC3E}">
+        <p14:creationId xmlns:p14="http://schemas.microsoft.com/office/powerpoint/2010/main" val="4039510388"/>
+      </p:ext>
+    </p:extLst>
+  </p:cSld>
+  <p:clrMapOvr>
+    <a:masterClrMapping/>
+  </p:clrMapOvr>
+</p:sld>
+</file>
+
+<file path=ppt/slides/slide12.xml><?xml version="1.0" encoding="utf-8"?>
+<p:sld xmlns:a="http://schemas.openxmlformats.org/drawingml/2006/main" xmlns:r="http://schemas.openxmlformats.org/officeDocument/2006/relationships" xmlns:p="http://schemas.openxmlformats.org/presentationml/2006/main">
+  <p:cSld>
+    <p:spTree>
+      <p:nvGrpSpPr>
+        <p:cNvPr id="1" name=""/>
+        <p:cNvGrpSpPr/>
+        <p:nvPr/>
+      </p:nvGrpSpPr>
+      <p:grpSpPr>
+        <a:xfrm>
+          <a:off x="0" y="0"/>
+          <a:ext cx="0" cy="0"/>
+          <a:chOff x="0" y="0"/>
+          <a:chExt cx="0" cy="0"/>
+        </a:xfrm>
+      </p:grpSpPr>
+      <p:sp>
+        <p:nvSpPr>
+          <p:cNvPr id="2" name="Title 1"/>
+          <p:cNvSpPr>
+            <a:spLocks noGrp="1"/>
+          </p:cNvSpPr>
+          <p:nvPr>
+            <p:ph type="title"/>
+          </p:nvPr>
+        </p:nvSpPr>
+        <p:spPr/>
+        <p:txBody>
+          <a:bodyPr/>
+          <a:lstStyle/>
+          <a:p>
+            <a:r>
+              <a:rPr lang="en-US" dirty="0"/>
+              <a:t>Alignment-based SNP discovery</a:t>
+            </a:r>
+          </a:p>
+        </p:txBody>
+      </p:sp>
+      <p:sp>
+        <p:nvSpPr>
+          <p:cNvPr id="4" name="Slide Number Placeholder 3"/>
+          <p:cNvSpPr>
+            <a:spLocks noGrp="1"/>
+          </p:cNvSpPr>
+          <p:nvPr>
+            <p:ph type="sldNum" sz="quarter" idx="12"/>
+          </p:nvPr>
+        </p:nvSpPr>
+        <p:spPr/>
+        <p:txBody>
+          <a:bodyPr/>
+          <a:lstStyle/>
+          <a:p>
+            <a:pPr>
+              <a:defRPr/>
+            </a:pPr>
+            <a:fld id="{9E3EFA63-DE6B-1C40-8E13-70DFD3C7F100}" type="slidenum">
+              <a:rPr lang="en-US" smtClean="0"/>
+              <a:pPr>
+                <a:defRPr/>
+              </a:pPr>
+              <a:t>11</a:t>
             </a:fld>
             <a:endParaRPr lang="en-US"/>
           </a:p>
@@ -6102,214 +6879,6 @@
 </p:sld>
 </file>
 
-<file path=ppt/slides/slide12.xml><?xml version="1.0" encoding="utf-8"?>
-<p:sld xmlns:a="http://schemas.openxmlformats.org/drawingml/2006/main" xmlns:r="http://schemas.openxmlformats.org/officeDocument/2006/relationships" xmlns:p="http://schemas.openxmlformats.org/presentationml/2006/main">
-  <p:cSld>
-    <p:spTree>
-      <p:nvGrpSpPr>
-        <p:cNvPr id="1" name=""/>
-        <p:cNvGrpSpPr/>
-        <p:nvPr/>
-      </p:nvGrpSpPr>
-      <p:grpSpPr>
-        <a:xfrm>
-          <a:off x="0" y="0"/>
-          <a:ext cx="0" cy="0"/>
-          <a:chOff x="0" y="0"/>
-          <a:chExt cx="0" cy="0"/>
-        </a:xfrm>
-      </p:grpSpPr>
-      <p:sp>
-        <p:nvSpPr>
-          <p:cNvPr id="2" name="Title 1"/>
-          <p:cNvSpPr>
-            <a:spLocks noGrp="1"/>
-          </p:cNvSpPr>
-          <p:nvPr>
-            <p:ph type="title"/>
-          </p:nvPr>
-        </p:nvSpPr>
-        <p:spPr/>
-        <p:txBody>
-          <a:bodyPr/>
-          <a:lstStyle/>
-          <a:p>
-            <a:r>
-              <a:rPr lang="en-US" sz="3200" dirty="0">
-                <a:latin typeface="+mj-lt"/>
-              </a:rPr>
-              <a:t>Alignment-based SNP discovery, cont</a:t>
-            </a:r>
-            <a:r>
-              <a:rPr lang="en-US" sz="3200" dirty="0"/>
-              <a:t>.</a:t>
-            </a:r>
-            <a:endParaRPr lang="en-US" sz="3200" dirty="0">
-              <a:latin typeface="+mj-lt"/>
-            </a:endParaRPr>
-          </a:p>
-        </p:txBody>
-      </p:sp>
-      <p:sp>
-        <p:nvSpPr>
-          <p:cNvPr id="3" name="Content Placeholder 2"/>
-          <p:cNvSpPr>
-            <a:spLocks noGrp="1"/>
-          </p:cNvSpPr>
-          <p:nvPr>
-            <p:ph idx="1"/>
-          </p:nvPr>
-        </p:nvSpPr>
-        <p:spPr>
-          <a:xfrm>
-            <a:off x="180975" y="1658260"/>
-            <a:ext cx="8782050" cy="3742263"/>
-          </a:xfrm>
-        </p:spPr>
-        <p:txBody>
-          <a:bodyPr/>
-          <a:lstStyle/>
-          <a:p>
-            <a:pPr marL="0" indent="0">
-              <a:buNone/>
-            </a:pPr>
-            <a:r>
-              <a:rPr lang="en-US" sz="2400" b="1" dirty="0"/>
-              <a:t>General procedure</a:t>
-            </a:r>
-          </a:p>
-          <a:p>
-            <a:r>
-              <a:rPr lang="en-US" sz="2400" dirty="0"/>
-              <a:t>Reads cleanup (adaptor, quality trimming, e.g., </a:t>
-            </a:r>
-            <a:r>
-              <a:rPr lang="en-US" sz="2400" dirty="0" err="1"/>
-              <a:t>trimmomatic</a:t>
-            </a:r>
-            <a:r>
-              <a:rPr lang="en-US" sz="2400" dirty="0"/>
-              <a:t>)</a:t>
-            </a:r>
-          </a:p>
-          <a:p>
-            <a:r>
-              <a:rPr lang="en-US" sz="2400" dirty="0"/>
-              <a:t>Reads aligned to the reference genome with aligners</a:t>
-            </a:r>
-          </a:p>
-          <a:p>
-            <a:pPr marL="0" indent="0">
-              <a:buNone/>
-            </a:pPr>
-            <a:r>
-              <a:rPr lang="en-US" sz="2400" dirty="0"/>
-              <a:t>	1. BWA, Bowtie (DNA-</a:t>
-            </a:r>
-            <a:r>
-              <a:rPr lang="en-US" sz="2400" dirty="0" err="1"/>
-              <a:t>Seq</a:t>
-            </a:r>
-            <a:r>
-              <a:rPr lang="en-US" sz="2400" dirty="0"/>
-              <a:t> reads)</a:t>
-            </a:r>
-          </a:p>
-          <a:p>
-            <a:pPr marL="0" indent="0">
-              <a:buNone/>
-            </a:pPr>
-            <a:r>
-              <a:rPr lang="en-US" sz="2400" dirty="0"/>
-              <a:t>	2. HISAT2, STAR, GSNAP, </a:t>
-            </a:r>
-            <a:r>
-              <a:rPr lang="en-US" sz="2400" dirty="0" err="1"/>
-              <a:t>Tophat</a:t>
-            </a:r>
-            <a:r>
-              <a:rPr lang="en-US" sz="2400" dirty="0"/>
-              <a:t> (RNA-</a:t>
-            </a:r>
-            <a:r>
-              <a:rPr lang="en-US" sz="2400" dirty="0" err="1"/>
-              <a:t>Seq</a:t>
-            </a:r>
-            <a:r>
-              <a:rPr lang="en-US" sz="2400" dirty="0"/>
-              <a:t> reads)</a:t>
-            </a:r>
-          </a:p>
-          <a:p>
-            <a:r>
-              <a:rPr lang="en-US" sz="2400" dirty="0"/>
-              <a:t>Post-alignment filtering and convert SAM (alignment file) to BAM</a:t>
-            </a:r>
-          </a:p>
-          <a:p>
-            <a:r>
-              <a:rPr lang="en-US" sz="2400" dirty="0"/>
-              <a:t>SNP calling with software packages: </a:t>
-            </a:r>
-            <a:r>
-              <a:rPr lang="en-US" sz="2400" dirty="0" err="1"/>
-              <a:t>Samtools</a:t>
-            </a:r>
-            <a:r>
-              <a:rPr lang="en-US" sz="2400" dirty="0"/>
-              <a:t>, GATK, VarScan2</a:t>
-            </a:r>
-          </a:p>
-          <a:p>
-            <a:r>
-              <a:rPr lang="en-US" sz="2400" dirty="0"/>
-              <a:t>Use population information or some criteria to filter SNP sets</a:t>
-            </a:r>
-          </a:p>
-        </p:txBody>
-      </p:sp>
-      <p:sp>
-        <p:nvSpPr>
-          <p:cNvPr id="4" name="Slide Number Placeholder 3"/>
-          <p:cNvSpPr>
-            <a:spLocks noGrp="1"/>
-          </p:cNvSpPr>
-          <p:nvPr>
-            <p:ph type="sldNum" sz="quarter" idx="12"/>
-          </p:nvPr>
-        </p:nvSpPr>
-        <p:spPr/>
-        <p:txBody>
-          <a:bodyPr/>
-          <a:lstStyle/>
-          <a:p>
-            <a:pPr>
-              <a:defRPr/>
-            </a:pPr>
-            <a:fld id="{9E3EFA63-DE6B-1C40-8E13-70DFD3C7F100}" type="slidenum">
-              <a:rPr lang="en-US" smtClean="0"/>
-              <a:pPr>
-                <a:defRPr/>
-              </a:pPr>
-              <a:t>11</a:t>
-            </a:fld>
-            <a:endParaRPr lang="en-US"/>
-          </a:p>
-        </p:txBody>
-      </p:sp>
-    </p:spTree>
-    <p:extLst>
-      <p:ext uri="{BB962C8B-B14F-4D97-AF65-F5344CB8AC3E}">
-        <p14:creationId xmlns:p14="http://schemas.microsoft.com/office/powerpoint/2010/main" val="691822540"/>
-      </p:ext>
-    </p:extLst>
-  </p:cSld>
-  <p:clrMapOvr>
-    <a:masterClrMapping/>
-  </p:clrMapOvr>
-</p:sld>
-</file>
-
 <file path=ppt/slides/slide13.xml><?xml version="1.0" encoding="utf-8"?>
 <p:sld xmlns:a="http://schemas.openxmlformats.org/drawingml/2006/main" xmlns:r="http://schemas.openxmlformats.org/officeDocument/2006/relationships" xmlns:p="http://schemas.openxmlformats.org/presentationml/2006/main">
   <p:cSld>
@@ -6343,8 +6912,135 @@
           <a:lstStyle/>
           <a:p>
             <a:r>
-              <a:rPr lang="en-US" dirty="0"/>
-              <a:t>Interpretation of the BWA alignment</a:t>
+              <a:rPr lang="en-US" sz="3200" dirty="0">
+                <a:latin typeface="+mj-lt"/>
+              </a:rPr>
+              <a:t>Alignment-based SNP discovery, cont</a:t>
+            </a:r>
+            <a:r>
+              <a:rPr lang="en-US" sz="3200" dirty="0"/>
+              <a:t>.</a:t>
+            </a:r>
+            <a:endParaRPr lang="en-US" sz="3200" dirty="0">
+              <a:latin typeface="+mj-lt"/>
+            </a:endParaRPr>
+          </a:p>
+        </p:txBody>
+      </p:sp>
+      <p:sp>
+        <p:nvSpPr>
+          <p:cNvPr id="3" name="Content Placeholder 2"/>
+          <p:cNvSpPr>
+            <a:spLocks noGrp="1"/>
+          </p:cNvSpPr>
+          <p:nvPr>
+            <p:ph idx="1"/>
+          </p:nvPr>
+        </p:nvSpPr>
+        <p:spPr>
+          <a:xfrm>
+            <a:off x="180975" y="1658260"/>
+            <a:ext cx="8782050" cy="3742263"/>
+          </a:xfrm>
+        </p:spPr>
+        <p:txBody>
+          <a:bodyPr/>
+          <a:lstStyle/>
+          <a:p>
+            <a:pPr marL="0" indent="0">
+              <a:buNone/>
+            </a:pPr>
+            <a:r>
+              <a:rPr lang="en-US" sz="2400" b="1" dirty="0"/>
+              <a:t>General procedure</a:t>
+            </a:r>
+          </a:p>
+          <a:p>
+            <a:r>
+              <a:rPr lang="en-US" sz="2400" dirty="0"/>
+              <a:t>Reads cleanup (adaptor, quality trimming, e.g., </a:t>
+            </a:r>
+            <a:r>
+              <a:rPr lang="en-US" sz="2400" dirty="0" err="1"/>
+              <a:t>trimmomatic</a:t>
+            </a:r>
+            <a:r>
+              <a:rPr lang="en-US" sz="2400" dirty="0"/>
+              <a:t>)</a:t>
+            </a:r>
+          </a:p>
+          <a:p>
+            <a:r>
+              <a:rPr lang="en-US" sz="2400" dirty="0"/>
+              <a:t>Reads aligned to the reference genome with aligners</a:t>
+            </a:r>
+          </a:p>
+          <a:p>
+            <a:pPr marL="0" indent="0">
+              <a:buNone/>
+            </a:pPr>
+            <a:r>
+              <a:rPr lang="en-US" sz="2400" dirty="0"/>
+              <a:t>	1. BWA, Bowtie (DNA-</a:t>
+            </a:r>
+            <a:r>
+              <a:rPr lang="en-US" sz="2400" dirty="0" err="1"/>
+              <a:t>Seq</a:t>
+            </a:r>
+            <a:r>
+              <a:rPr lang="en-US" sz="2400" dirty="0"/>
+              <a:t> reads)</a:t>
+            </a:r>
+          </a:p>
+          <a:p>
+            <a:pPr marL="0" indent="0">
+              <a:buNone/>
+            </a:pPr>
+            <a:r>
+              <a:rPr lang="en-US" sz="2400" dirty="0"/>
+              <a:t>	2. HISAT2, STAR, GSNAP, </a:t>
+            </a:r>
+            <a:r>
+              <a:rPr lang="en-US" sz="2400" dirty="0" err="1"/>
+              <a:t>Tophat</a:t>
+            </a:r>
+            <a:r>
+              <a:rPr lang="en-US" sz="2400" dirty="0"/>
+              <a:t> (RNA-</a:t>
+            </a:r>
+            <a:r>
+              <a:rPr lang="en-US" sz="2400" dirty="0" err="1"/>
+              <a:t>Seq</a:t>
+            </a:r>
+            <a:r>
+              <a:rPr lang="en-US" sz="2400" dirty="0"/>
+              <a:t> reads)</a:t>
+            </a:r>
+          </a:p>
+          <a:p>
+            <a:r>
+              <a:rPr lang="en-US" sz="2400" dirty="0"/>
+              <a:t>Post-alignment filtering and convert SAM (alignment file) to BAM</a:t>
+            </a:r>
+          </a:p>
+          <a:p>
+            <a:r>
+              <a:rPr lang="en-US" sz="2400" dirty="0"/>
+              <a:t>SNP calling with software packages: </a:t>
+            </a:r>
+            <a:r>
+              <a:rPr lang="en-US" sz="2400" dirty="0" err="1"/>
+              <a:t>Samtools</a:t>
+            </a:r>
+            <a:r>
+              <a:rPr lang="en-US" sz="2400" dirty="0"/>
+              <a:t>, GATK, VarScan2</a:t>
+            </a:r>
+          </a:p>
+          <a:p>
+            <a:r>
+              <a:rPr lang="en-US" sz="2400" dirty="0"/>
+              <a:t>Use population information or some criteria to filter SNP sets</a:t>
             </a:r>
           </a:p>
         </p:txBody>
@@ -6378,296 +7074,10 @@
           </a:p>
         </p:txBody>
       </p:sp>
-      <p:sp>
-        <p:nvSpPr>
-          <p:cNvPr id="5" name="TextBox 4"/>
-          <p:cNvSpPr txBox="1"/>
-          <p:nvPr/>
-        </p:nvSpPr>
-        <p:spPr>
-          <a:xfrm>
-            <a:off x="254001" y="1511300"/>
-            <a:ext cx="8547099" cy="1538883"/>
-          </a:xfrm>
-          <a:prstGeom prst="rect">
-            <a:avLst/>
-          </a:prstGeom>
-          <a:noFill/>
-        </p:spPr>
-        <p:txBody>
-          <a:bodyPr wrap="square" rtlCol="0">
-            <a:spAutoFit/>
-          </a:bodyPr>
-          <a:lstStyle/>
-          <a:p>
-            <a:r>
-              <a:rPr lang="en-US" sz="1800" dirty="0">
-                <a:latin typeface="Courier New"/>
-                <a:cs typeface="Courier New"/>
-              </a:rPr>
-              <a:t>HWI-ST897:104:C015GACXX:6:1101:12678:20443  163 U00096  </a:t>
-            </a:r>
-            <a:r>
-              <a:rPr lang="en-US" dirty="0">
-                <a:solidFill>
-                  <a:srgbClr val="FF0000"/>
-                </a:solidFill>
-                <a:latin typeface="Courier New"/>
-                <a:cs typeface="Courier New"/>
-              </a:rPr>
-              <a:t>1888286</a:t>
-            </a:r>
-            <a:r>
-              <a:rPr lang="en-US" sz="1800" dirty="0">
-                <a:latin typeface="Courier New"/>
-                <a:cs typeface="Courier New"/>
-              </a:rPr>
-              <a:t> 60  </a:t>
-            </a:r>
-            <a:r>
-              <a:rPr lang="en-US" dirty="0">
-                <a:solidFill>
-                  <a:srgbClr val="FF0000"/>
-                </a:solidFill>
-                <a:latin typeface="Courier New"/>
-                <a:cs typeface="Courier New"/>
-              </a:rPr>
-              <a:t>64M1D20M</a:t>
-            </a:r>
-            <a:r>
-              <a:rPr lang="en-US" sz="1800" dirty="0">
-                <a:latin typeface="Courier New"/>
-                <a:cs typeface="Courier New"/>
-              </a:rPr>
-              <a:t>    =   1888358 170 </a:t>
-            </a:r>
-            <a:r>
-              <a:rPr lang="en-US" sz="1000" dirty="0">
-                <a:latin typeface="Courier New"/>
-                <a:cs typeface="Courier New"/>
-              </a:rPr>
-              <a:t>GCCAACAGCCGCGACTTCCTGTACGCCAGGATGCTGCATGACGACATCTTCAATCTCGTTGGGAAGACGTTAAAAACGGAAACC    CCCFFFFFHHFHHJJJJJJJ        JHIJHIJIIJIJJJJJIJJJJIJJHHFFFFFFEEEEEEDDDDDDA5,53,8&lt;?CC(50?8BD3?    </a:t>
-            </a:r>
-            <a:r>
-              <a:rPr lang="en-US" dirty="0">
-                <a:solidFill>
-                  <a:srgbClr val="FF0000"/>
-                </a:solidFill>
-                <a:latin typeface="Courier New"/>
-                <a:cs typeface="Courier New"/>
-              </a:rPr>
-              <a:t>NM:i:2</a:t>
-            </a:r>
-            <a:r>
-              <a:rPr lang="en-US" sz="1800" dirty="0">
-                <a:latin typeface="Courier New"/>
-                <a:cs typeface="Courier New"/>
-              </a:rPr>
-              <a:t>  AS:i:72 XS:i:0  RG:Z:S1</a:t>
-            </a:r>
-          </a:p>
-        </p:txBody>
-      </p:sp>
-      <p:sp>
-        <p:nvSpPr>
-          <p:cNvPr id="6" name="TextBox 5"/>
-          <p:cNvSpPr txBox="1"/>
-          <p:nvPr/>
-        </p:nvSpPr>
-        <p:spPr>
-          <a:xfrm>
-            <a:off x="254001" y="1036935"/>
-            <a:ext cx="1878339" cy="461665"/>
-          </a:xfrm>
-          <a:prstGeom prst="rect">
-            <a:avLst/>
-          </a:prstGeom>
-          <a:noFill/>
-        </p:spPr>
-        <p:txBody>
-          <a:bodyPr wrap="none" rtlCol="0">
-            <a:spAutoFit/>
-          </a:bodyPr>
-          <a:lstStyle/>
-          <a:p>
-            <a:r>
-              <a:rPr lang="en-US" dirty="0"/>
-              <a:t>SAM output:</a:t>
-            </a:r>
-          </a:p>
-        </p:txBody>
-      </p:sp>
-      <p:sp>
-        <p:nvSpPr>
-          <p:cNvPr id="7" name="TextBox 6"/>
-          <p:cNvSpPr txBox="1"/>
-          <p:nvPr/>
-        </p:nvSpPr>
-        <p:spPr>
-          <a:xfrm>
-            <a:off x="254000" y="3149600"/>
-            <a:ext cx="2613215" cy="830997"/>
-          </a:xfrm>
-          <a:prstGeom prst="rect">
-            <a:avLst/>
-          </a:prstGeom>
-          <a:noFill/>
-        </p:spPr>
-        <p:txBody>
-          <a:bodyPr wrap="none" rtlCol="0">
-            <a:spAutoFit/>
-          </a:bodyPr>
-          <a:lstStyle/>
-          <a:p>
-            <a:r>
-              <a:rPr lang="en-US" dirty="0">
-                <a:latin typeface="+mj-lt"/>
-              </a:rPr>
-              <a:t>CIGAR: 64M1D20M</a:t>
-            </a:r>
-          </a:p>
-          <a:p>
-            <a:r>
-              <a:rPr lang="en-US" dirty="0">
-                <a:latin typeface="+mj-lt"/>
-              </a:rPr>
-              <a:t>NM: edit distance</a:t>
-            </a:r>
-          </a:p>
-        </p:txBody>
-      </p:sp>
-      <p:sp>
-        <p:nvSpPr>
-          <p:cNvPr id="8" name="TextBox 7"/>
-          <p:cNvSpPr txBox="1"/>
-          <p:nvPr/>
-        </p:nvSpPr>
-        <p:spPr>
-          <a:xfrm>
-            <a:off x="469900" y="4254500"/>
-            <a:ext cx="184666" cy="461665"/>
-          </a:xfrm>
-          <a:prstGeom prst="rect">
-            <a:avLst/>
-          </a:prstGeom>
-          <a:noFill/>
-        </p:spPr>
-        <p:txBody>
-          <a:bodyPr wrap="none" rtlCol="0">
-            <a:spAutoFit/>
-          </a:bodyPr>
-          <a:lstStyle/>
-          <a:p>
-            <a:endParaRPr lang="en-US"/>
-          </a:p>
-        </p:txBody>
-      </p:sp>
-      <p:sp>
-        <p:nvSpPr>
-          <p:cNvPr id="9" name="Content Placeholder 8"/>
-          <p:cNvSpPr>
-            <a:spLocks noGrp="1"/>
-          </p:cNvSpPr>
-          <p:nvPr>
-            <p:ph idx="1"/>
-          </p:nvPr>
-        </p:nvSpPr>
-        <p:spPr>
-          <a:xfrm>
-            <a:off x="165100" y="4031396"/>
-            <a:ext cx="8890000" cy="2458304"/>
-          </a:xfrm>
-          <a:solidFill>
-            <a:schemeClr val="accent5">
-              <a:lumMod val="20000"/>
-              <a:lumOff val="80000"/>
-            </a:schemeClr>
-          </a:solidFill>
-        </p:spPr>
-        <p:txBody>
-          <a:bodyPr/>
-          <a:lstStyle/>
-          <a:p>
-            <a:pPr marL="0" indent="0">
-              <a:buNone/>
-            </a:pPr>
-            <a:r>
-              <a:rPr lang="en-US" sz="2400" b="1" dirty="0">
-                <a:solidFill>
-                  <a:schemeClr val="tx2">
-                    <a:lumMod val="75000"/>
-                  </a:schemeClr>
-                </a:solidFill>
-              </a:rPr>
-              <a:t>edit distance </a:t>
-            </a:r>
-            <a:r>
-              <a:rPr lang="en-US" sz="2400" dirty="0"/>
-              <a:t>is a way to quantify the dissimilarity of two strings (e.g., words) by counting the minimum number of edits (substitution, insertion, and deletion) required to transform one string into the other.</a:t>
-            </a:r>
-          </a:p>
-          <a:p>
-            <a:pPr marL="0" indent="0">
-              <a:buNone/>
-            </a:pPr>
-            <a:r>
-              <a:rPr lang="en-US" sz="2400" dirty="0"/>
-              <a:t>fact -&gt; fit  (2)</a:t>
-            </a:r>
-          </a:p>
-          <a:p>
-            <a:pPr marL="0" indent="0">
-              <a:buNone/>
-            </a:pPr>
-            <a:r>
-              <a:rPr lang="en-US" sz="2400" dirty="0"/>
-              <a:t>AACCT -&gt; AAACT  (1)</a:t>
-            </a:r>
-          </a:p>
-        </p:txBody>
-      </p:sp>
-      <p:sp>
-        <p:nvSpPr>
-          <p:cNvPr id="10" name="Rectangle 9"/>
-          <p:cNvSpPr/>
-          <p:nvPr/>
-        </p:nvSpPr>
-        <p:spPr>
-          <a:xfrm>
-            <a:off x="10350500" y="5829300"/>
-            <a:ext cx="914400" cy="914400"/>
-          </a:xfrm>
-          <a:prstGeom prst="rect">
-            <a:avLst/>
-          </a:prstGeom>
-        </p:spPr>
-        <p:style>
-          <a:lnRef idx="1">
-            <a:schemeClr val="accent1"/>
-          </a:lnRef>
-          <a:fillRef idx="3">
-            <a:schemeClr val="accent1"/>
-          </a:fillRef>
-          <a:effectRef idx="2">
-            <a:schemeClr val="accent1"/>
-          </a:effectRef>
-          <a:fontRef idx="minor">
-            <a:schemeClr val="lt1"/>
-          </a:fontRef>
-        </p:style>
-        <p:txBody>
-          <a:bodyPr rtlCol="0" anchor="ctr"/>
-          <a:lstStyle/>
-          <a:p>
-            <a:pPr algn="ctr"/>
-            <a:endParaRPr lang="en-US"/>
-          </a:p>
-        </p:txBody>
-      </p:sp>
     </p:spTree>
     <p:extLst>
       <p:ext uri="{BB962C8B-B14F-4D97-AF65-F5344CB8AC3E}">
-        <p14:creationId xmlns:p14="http://schemas.microsoft.com/office/powerpoint/2010/main" val="3174452518"/>
+        <p14:creationId xmlns:p14="http://schemas.microsoft.com/office/powerpoint/2010/main" val="691822540"/>
       </p:ext>
     </p:extLst>
   </p:cSld>
@@ -6711,64 +7121,7 @@
           <a:p>
             <a:r>
               <a:rPr lang="en-US" dirty="0"/>
-              <a:t>edit distance</a:t>
-            </a:r>
-          </a:p>
-        </p:txBody>
-      </p:sp>
-      <p:sp>
-        <p:nvSpPr>
-          <p:cNvPr id="3" name="Content Placeholder 2"/>
-          <p:cNvSpPr>
-            <a:spLocks noGrp="1"/>
-          </p:cNvSpPr>
-          <p:nvPr>
-            <p:ph idx="1"/>
-          </p:nvPr>
-        </p:nvSpPr>
-        <p:spPr>
-          <a:xfrm>
-            <a:off x="2273300" y="2438400"/>
-            <a:ext cx="4279900" cy="1352550"/>
-          </a:xfrm>
-        </p:spPr>
-        <p:txBody>
-          <a:bodyPr/>
-          <a:lstStyle/>
-          <a:p>
-            <a:r>
-              <a:rPr lang="en-US" sz="3200" dirty="0"/>
-              <a:t>AACCT -&gt; ACCTA  (</a:t>
-            </a:r>
-            <a:r>
-              <a:rPr lang="en-US" sz="3200" dirty="0">
-                <a:solidFill>
-                  <a:srgbClr val="FF0000"/>
-                </a:solidFill>
-              </a:rPr>
-              <a:t>?</a:t>
-            </a:r>
-            <a:r>
-              <a:rPr lang="en-US" sz="3200" dirty="0"/>
-              <a:t>)</a:t>
-            </a:r>
-          </a:p>
-          <a:p>
-            <a:r>
-              <a:rPr lang="en-US" sz="3200" dirty="0"/>
-              <a:t>AATCCT -&gt; ATCAT  (</a:t>
-            </a:r>
-            <a:r>
-              <a:rPr lang="en-US" sz="3200" dirty="0">
-                <a:solidFill>
-                  <a:srgbClr val="FF0000"/>
-                </a:solidFill>
-              </a:rPr>
-              <a:t>?</a:t>
-            </a:r>
-            <a:r>
-              <a:rPr lang="en-US" sz="3200" dirty="0"/>
-              <a:t>)</a:t>
+              <a:t>Interpretation of the BWA alignment</a:t>
             </a:r>
           </a:p>
         </p:txBody>
@@ -6802,10 +7155,296 @@
           </a:p>
         </p:txBody>
       </p:sp>
+      <p:sp>
+        <p:nvSpPr>
+          <p:cNvPr id="5" name="TextBox 4"/>
+          <p:cNvSpPr txBox="1"/>
+          <p:nvPr/>
+        </p:nvSpPr>
+        <p:spPr>
+          <a:xfrm>
+            <a:off x="254001" y="1511300"/>
+            <a:ext cx="8547099" cy="1538883"/>
+          </a:xfrm>
+          <a:prstGeom prst="rect">
+            <a:avLst/>
+          </a:prstGeom>
+          <a:noFill/>
+        </p:spPr>
+        <p:txBody>
+          <a:bodyPr wrap="square" rtlCol="0">
+            <a:spAutoFit/>
+          </a:bodyPr>
+          <a:lstStyle/>
+          <a:p>
+            <a:r>
+              <a:rPr lang="en-US" sz="1800" dirty="0">
+                <a:latin typeface="Courier New"/>
+                <a:cs typeface="Courier New"/>
+              </a:rPr>
+              <a:t>HWI-ST897:104:C015GACXX:6:1101:12678:20443  163 U00096  </a:t>
+            </a:r>
+            <a:r>
+              <a:rPr lang="en-US" dirty="0">
+                <a:solidFill>
+                  <a:srgbClr val="FF0000"/>
+                </a:solidFill>
+                <a:latin typeface="Courier New"/>
+                <a:cs typeface="Courier New"/>
+              </a:rPr>
+              <a:t>1888286</a:t>
+            </a:r>
+            <a:r>
+              <a:rPr lang="en-US" sz="1800" dirty="0">
+                <a:latin typeface="Courier New"/>
+                <a:cs typeface="Courier New"/>
+              </a:rPr>
+              <a:t> 60  </a:t>
+            </a:r>
+            <a:r>
+              <a:rPr lang="en-US" dirty="0">
+                <a:solidFill>
+                  <a:srgbClr val="FF0000"/>
+                </a:solidFill>
+                <a:latin typeface="Courier New"/>
+                <a:cs typeface="Courier New"/>
+              </a:rPr>
+              <a:t>64M1D20M</a:t>
+            </a:r>
+            <a:r>
+              <a:rPr lang="en-US" sz="1800" dirty="0">
+                <a:latin typeface="Courier New"/>
+                <a:cs typeface="Courier New"/>
+              </a:rPr>
+              <a:t>    =   1888358 170 </a:t>
+            </a:r>
+            <a:r>
+              <a:rPr lang="en-US" sz="1000" dirty="0">
+                <a:latin typeface="Courier New"/>
+                <a:cs typeface="Courier New"/>
+              </a:rPr>
+              <a:t>GCCAACAGCCGCGACTTCCTGTACGCCAGGATGCTGCATGACGACATCTTCAATCTCGTTGGGAAGACGTTAAAAACGGAAACC    CCCFFFFFHHFHHJJJJJJJ        JHIJHIJIIJIJJJJJIJJJJIJJHHFFFFFFEEEEEEDDDDDDA5,53,8&lt;?CC(50?8BD3?    </a:t>
+            </a:r>
+            <a:r>
+              <a:rPr lang="en-US" dirty="0">
+                <a:solidFill>
+                  <a:srgbClr val="FF0000"/>
+                </a:solidFill>
+                <a:latin typeface="Courier New"/>
+                <a:cs typeface="Courier New"/>
+              </a:rPr>
+              <a:t>NM:i:2</a:t>
+            </a:r>
+            <a:r>
+              <a:rPr lang="en-US" sz="1800" dirty="0">
+                <a:latin typeface="Courier New"/>
+                <a:cs typeface="Courier New"/>
+              </a:rPr>
+              <a:t>  AS:i:72 XS:i:0  RG:Z:S1</a:t>
+            </a:r>
+          </a:p>
+        </p:txBody>
+      </p:sp>
+      <p:sp>
+        <p:nvSpPr>
+          <p:cNvPr id="6" name="TextBox 5"/>
+          <p:cNvSpPr txBox="1"/>
+          <p:nvPr/>
+        </p:nvSpPr>
+        <p:spPr>
+          <a:xfrm>
+            <a:off x="254001" y="1036935"/>
+            <a:ext cx="1878339" cy="461665"/>
+          </a:xfrm>
+          <a:prstGeom prst="rect">
+            <a:avLst/>
+          </a:prstGeom>
+          <a:noFill/>
+        </p:spPr>
+        <p:txBody>
+          <a:bodyPr wrap="none" rtlCol="0">
+            <a:spAutoFit/>
+          </a:bodyPr>
+          <a:lstStyle/>
+          <a:p>
+            <a:r>
+              <a:rPr lang="en-US" dirty="0"/>
+              <a:t>SAM output:</a:t>
+            </a:r>
+          </a:p>
+        </p:txBody>
+      </p:sp>
+      <p:sp>
+        <p:nvSpPr>
+          <p:cNvPr id="7" name="TextBox 6"/>
+          <p:cNvSpPr txBox="1"/>
+          <p:nvPr/>
+        </p:nvSpPr>
+        <p:spPr>
+          <a:xfrm>
+            <a:off x="254000" y="3149600"/>
+            <a:ext cx="2613215" cy="830997"/>
+          </a:xfrm>
+          <a:prstGeom prst="rect">
+            <a:avLst/>
+          </a:prstGeom>
+          <a:noFill/>
+        </p:spPr>
+        <p:txBody>
+          <a:bodyPr wrap="none" rtlCol="0">
+            <a:spAutoFit/>
+          </a:bodyPr>
+          <a:lstStyle/>
+          <a:p>
+            <a:r>
+              <a:rPr lang="en-US" dirty="0">
+                <a:latin typeface="+mj-lt"/>
+              </a:rPr>
+              <a:t>CIGAR: 64M1D20M</a:t>
+            </a:r>
+          </a:p>
+          <a:p>
+            <a:r>
+              <a:rPr lang="en-US" dirty="0">
+                <a:latin typeface="+mj-lt"/>
+              </a:rPr>
+              <a:t>NM: edit distance</a:t>
+            </a:r>
+          </a:p>
+        </p:txBody>
+      </p:sp>
+      <p:sp>
+        <p:nvSpPr>
+          <p:cNvPr id="8" name="TextBox 7"/>
+          <p:cNvSpPr txBox="1"/>
+          <p:nvPr/>
+        </p:nvSpPr>
+        <p:spPr>
+          <a:xfrm>
+            <a:off x="469900" y="4254500"/>
+            <a:ext cx="184666" cy="461665"/>
+          </a:xfrm>
+          <a:prstGeom prst="rect">
+            <a:avLst/>
+          </a:prstGeom>
+          <a:noFill/>
+        </p:spPr>
+        <p:txBody>
+          <a:bodyPr wrap="none" rtlCol="0">
+            <a:spAutoFit/>
+          </a:bodyPr>
+          <a:lstStyle/>
+          <a:p>
+            <a:endParaRPr lang="en-US"/>
+          </a:p>
+        </p:txBody>
+      </p:sp>
+      <p:sp>
+        <p:nvSpPr>
+          <p:cNvPr id="9" name="Content Placeholder 8"/>
+          <p:cNvSpPr>
+            <a:spLocks noGrp="1"/>
+          </p:cNvSpPr>
+          <p:nvPr>
+            <p:ph idx="1"/>
+          </p:nvPr>
+        </p:nvSpPr>
+        <p:spPr>
+          <a:xfrm>
+            <a:off x="165100" y="4031396"/>
+            <a:ext cx="8890000" cy="2458304"/>
+          </a:xfrm>
+          <a:solidFill>
+            <a:schemeClr val="accent5">
+              <a:lumMod val="20000"/>
+              <a:lumOff val="80000"/>
+            </a:schemeClr>
+          </a:solidFill>
+        </p:spPr>
+        <p:txBody>
+          <a:bodyPr/>
+          <a:lstStyle/>
+          <a:p>
+            <a:pPr marL="0" indent="0">
+              <a:buNone/>
+            </a:pPr>
+            <a:r>
+              <a:rPr lang="en-US" sz="2400" b="1" dirty="0">
+                <a:solidFill>
+                  <a:schemeClr val="tx2">
+                    <a:lumMod val="75000"/>
+                  </a:schemeClr>
+                </a:solidFill>
+              </a:rPr>
+              <a:t>edit distance </a:t>
+            </a:r>
+            <a:r>
+              <a:rPr lang="en-US" sz="2400" dirty="0"/>
+              <a:t>is a way to quantify the dissimilarity of two strings (e.g., words) by counting the minimum number of edits (substitution, insertion, and deletion) required to transform one string into the other.</a:t>
+            </a:r>
+          </a:p>
+          <a:p>
+            <a:pPr marL="0" indent="0">
+              <a:buNone/>
+            </a:pPr>
+            <a:r>
+              <a:rPr lang="en-US" sz="2400" dirty="0"/>
+              <a:t>fact -&gt; fit  (2)</a:t>
+            </a:r>
+          </a:p>
+          <a:p>
+            <a:pPr marL="0" indent="0">
+              <a:buNone/>
+            </a:pPr>
+            <a:r>
+              <a:rPr lang="en-US" sz="2400" dirty="0"/>
+              <a:t>AACCT -&gt; AAACT  (1)</a:t>
+            </a:r>
+          </a:p>
+        </p:txBody>
+      </p:sp>
+      <p:sp>
+        <p:nvSpPr>
+          <p:cNvPr id="10" name="Rectangle 9"/>
+          <p:cNvSpPr/>
+          <p:nvPr/>
+        </p:nvSpPr>
+        <p:spPr>
+          <a:xfrm>
+            <a:off x="10350500" y="5829300"/>
+            <a:ext cx="914400" cy="914400"/>
+          </a:xfrm>
+          <a:prstGeom prst="rect">
+            <a:avLst/>
+          </a:prstGeom>
+        </p:spPr>
+        <p:style>
+          <a:lnRef idx="1">
+            <a:schemeClr val="accent1"/>
+          </a:lnRef>
+          <a:fillRef idx="3">
+            <a:schemeClr val="accent1"/>
+          </a:fillRef>
+          <a:effectRef idx="2">
+            <a:schemeClr val="accent1"/>
+          </a:effectRef>
+          <a:fontRef idx="minor">
+            <a:schemeClr val="lt1"/>
+          </a:fontRef>
+        </p:style>
+        <p:txBody>
+          <a:bodyPr rtlCol="0" anchor="ctr"/>
+          <a:lstStyle/>
+          <a:p>
+            <a:pPr algn="ctr"/>
+            <a:endParaRPr lang="en-US"/>
+          </a:p>
+        </p:txBody>
+      </p:sp>
     </p:spTree>
     <p:extLst>
       <p:ext uri="{BB962C8B-B14F-4D97-AF65-F5344CB8AC3E}">
-        <p14:creationId xmlns:p14="http://schemas.microsoft.com/office/powerpoint/2010/main" val="2704414888"/>
+        <p14:creationId xmlns:p14="http://schemas.microsoft.com/office/powerpoint/2010/main" val="3174452518"/>
       </p:ext>
     </p:extLst>
   </p:cSld>
@@ -6842,6 +7481,144 @@
             <p:ph type="title"/>
           </p:nvPr>
         </p:nvSpPr>
+        <p:spPr/>
+        <p:txBody>
+          <a:bodyPr/>
+          <a:lstStyle/>
+          <a:p>
+            <a:r>
+              <a:rPr lang="en-US" dirty="0"/>
+              <a:t>edit distance</a:t>
+            </a:r>
+          </a:p>
+        </p:txBody>
+      </p:sp>
+      <p:sp>
+        <p:nvSpPr>
+          <p:cNvPr id="3" name="Content Placeholder 2"/>
+          <p:cNvSpPr>
+            <a:spLocks noGrp="1"/>
+          </p:cNvSpPr>
+          <p:nvPr>
+            <p:ph idx="1"/>
+          </p:nvPr>
+        </p:nvSpPr>
+        <p:spPr>
+          <a:xfrm>
+            <a:off x="2273300" y="2438400"/>
+            <a:ext cx="4279900" cy="1352550"/>
+          </a:xfrm>
+        </p:spPr>
+        <p:txBody>
+          <a:bodyPr/>
+          <a:lstStyle/>
+          <a:p>
+            <a:r>
+              <a:rPr lang="en-US" sz="3200" dirty="0"/>
+              <a:t>AACCT -&gt; ACCTA  (</a:t>
+            </a:r>
+            <a:r>
+              <a:rPr lang="en-US" sz="3200" dirty="0">
+                <a:solidFill>
+                  <a:srgbClr val="FF0000"/>
+                </a:solidFill>
+              </a:rPr>
+              <a:t>?</a:t>
+            </a:r>
+            <a:r>
+              <a:rPr lang="en-US" sz="3200" dirty="0"/>
+              <a:t>)</a:t>
+            </a:r>
+          </a:p>
+          <a:p>
+            <a:r>
+              <a:rPr lang="en-US" sz="3200" dirty="0"/>
+              <a:t>AATCCT -&gt; ATCAT  (</a:t>
+            </a:r>
+            <a:r>
+              <a:rPr lang="en-US" sz="3200" dirty="0">
+                <a:solidFill>
+                  <a:srgbClr val="FF0000"/>
+                </a:solidFill>
+              </a:rPr>
+              <a:t>?</a:t>
+            </a:r>
+            <a:r>
+              <a:rPr lang="en-US" sz="3200" dirty="0"/>
+              <a:t>)</a:t>
+            </a:r>
+          </a:p>
+        </p:txBody>
+      </p:sp>
+      <p:sp>
+        <p:nvSpPr>
+          <p:cNvPr id="4" name="Slide Number Placeholder 3"/>
+          <p:cNvSpPr>
+            <a:spLocks noGrp="1"/>
+          </p:cNvSpPr>
+          <p:nvPr>
+            <p:ph type="sldNum" sz="quarter" idx="12"/>
+          </p:nvPr>
+        </p:nvSpPr>
+        <p:spPr/>
+        <p:txBody>
+          <a:bodyPr/>
+          <a:lstStyle/>
+          <a:p>
+            <a:pPr>
+              <a:defRPr/>
+            </a:pPr>
+            <a:fld id="{9E3EFA63-DE6B-1C40-8E13-70DFD3C7F100}" type="slidenum">
+              <a:rPr lang="en-US" smtClean="0"/>
+              <a:pPr>
+                <a:defRPr/>
+              </a:pPr>
+              <a:t>14</a:t>
+            </a:fld>
+            <a:endParaRPr lang="en-US"/>
+          </a:p>
+        </p:txBody>
+      </p:sp>
+    </p:spTree>
+    <p:extLst>
+      <p:ext uri="{BB962C8B-B14F-4D97-AF65-F5344CB8AC3E}">
+        <p14:creationId xmlns:p14="http://schemas.microsoft.com/office/powerpoint/2010/main" val="2704414888"/>
+      </p:ext>
+    </p:extLst>
+  </p:cSld>
+  <p:clrMapOvr>
+    <a:masterClrMapping/>
+  </p:clrMapOvr>
+</p:sld>
+</file>
+
+<file path=ppt/slides/slide16.xml><?xml version="1.0" encoding="utf-8"?>
+<p:sld xmlns:a="http://schemas.openxmlformats.org/drawingml/2006/main" xmlns:r="http://schemas.openxmlformats.org/officeDocument/2006/relationships" xmlns:p="http://schemas.openxmlformats.org/presentationml/2006/main">
+  <p:cSld>
+    <p:spTree>
+      <p:nvGrpSpPr>
+        <p:cNvPr id="1" name=""/>
+        <p:cNvGrpSpPr/>
+        <p:nvPr/>
+      </p:nvGrpSpPr>
+      <p:grpSpPr>
+        <a:xfrm>
+          <a:off x="0" y="0"/>
+          <a:ext cx="0" cy="0"/>
+          <a:chOff x="0" y="0"/>
+          <a:chExt cx="0" cy="0"/>
+        </a:xfrm>
+      </p:grpSpPr>
+      <p:sp>
+        <p:nvSpPr>
+          <p:cNvPr id="2" name="Title 1"/>
+          <p:cNvSpPr>
+            <a:spLocks noGrp="1"/>
+          </p:cNvSpPr>
+          <p:nvPr>
+            <p:ph type="title"/>
+          </p:nvPr>
+        </p:nvSpPr>
         <p:spPr>
           <a:xfrm>
             <a:off x="254001" y="274638"/>
@@ -6998,7 +7775,7 @@
               <a:pPr>
                 <a:defRPr/>
               </a:pPr>
-              <a:t>14</a:t>
+              <a:t>15</a:t>
             </a:fld>
             <a:endParaRPr lang="en-US"/>
           </a:p>
@@ -7364,7 +8141,7 @@
 </p:sld>
 </file>
 
-<file path=ppt/slides/slide16.xml><?xml version="1.0" encoding="utf-8"?>
+<file path=ppt/slides/slide17.xml><?xml version="1.0" encoding="utf-8"?>
 <p:sld xmlns:a="http://schemas.openxmlformats.org/drawingml/2006/main" xmlns:r="http://schemas.openxmlformats.org/officeDocument/2006/relationships" xmlns:p="http://schemas.openxmlformats.org/presentationml/2006/main">
   <p:cSld>
     <p:spTree>
@@ -7654,7 +8431,7 @@
               <a:pPr>
                 <a:defRPr/>
               </a:pPr>
-              <a:t>15</a:t>
+              <a:t>16</a:t>
             </a:fld>
             <a:endParaRPr lang="en-US"/>
           </a:p>
@@ -7708,7 +8485,7 @@
 </p:sld>
 </file>
 
-<file path=ppt/slides/slide17.xml><?xml version="1.0" encoding="utf-8"?>
+<file path=ppt/slides/slide18.xml><?xml version="1.0" encoding="utf-8"?>
 <p:sld xmlns:a="http://schemas.openxmlformats.org/drawingml/2006/main" xmlns:r="http://schemas.openxmlformats.org/officeDocument/2006/relationships" xmlns:p="http://schemas.openxmlformats.org/presentationml/2006/main">
   <p:cSld>
     <p:spTree>
@@ -7777,7 +8554,7 @@
               <a:pPr>
                 <a:defRPr/>
               </a:pPr>
-              <a:t>16</a:t>
+              <a:t>17</a:t>
             </a:fld>
             <a:endParaRPr lang="en-US" dirty="0"/>
           </a:p>
@@ -11676,340 +12453,6 @@
 </p:sld>
 </file>
 
-<file path=ppt/slides/slide18.xml><?xml version="1.0" encoding="utf-8"?>
-<p:sld xmlns:a="http://schemas.openxmlformats.org/drawingml/2006/main" xmlns:r="http://schemas.openxmlformats.org/officeDocument/2006/relationships" xmlns:p="http://schemas.openxmlformats.org/presentationml/2006/main">
-  <p:cSld>
-    <p:spTree>
-      <p:nvGrpSpPr>
-        <p:cNvPr id="1" name=""/>
-        <p:cNvGrpSpPr/>
-        <p:nvPr/>
-      </p:nvGrpSpPr>
-      <p:grpSpPr>
-        <a:xfrm>
-          <a:off x="0" y="0"/>
-          <a:ext cx="0" cy="0"/>
-          <a:chOff x="0" y="0"/>
-          <a:chExt cx="0" cy="0"/>
-        </a:xfrm>
-      </p:grpSpPr>
-      <p:sp>
-        <p:nvSpPr>
-          <p:cNvPr id="2" name="Title 1"/>
-          <p:cNvSpPr>
-            <a:spLocks noGrp="1"/>
-          </p:cNvSpPr>
-          <p:nvPr>
-            <p:ph type="title"/>
-          </p:nvPr>
-        </p:nvSpPr>
-        <p:spPr/>
-        <p:txBody>
-          <a:bodyPr/>
-          <a:lstStyle/>
-          <a:p>
-            <a:r>
-              <a:rPr lang="en-US" sz="3200" dirty="0">
-                <a:latin typeface="+mj-lt"/>
-              </a:rPr>
-              <a:t>GATK (3)</a:t>
-            </a:r>
-          </a:p>
-        </p:txBody>
-      </p:sp>
-      <p:sp>
-        <p:nvSpPr>
-          <p:cNvPr id="3" name="Content Placeholder 2"/>
-          <p:cNvSpPr>
-            <a:spLocks noGrp="1"/>
-          </p:cNvSpPr>
-          <p:nvPr>
-            <p:ph idx="1"/>
-          </p:nvPr>
-        </p:nvSpPr>
-        <p:spPr>
-          <a:xfrm>
-            <a:off x="457200" y="1454150"/>
-            <a:ext cx="8128000" cy="4375150"/>
-          </a:xfrm>
-        </p:spPr>
-        <p:txBody>
-          <a:bodyPr/>
-          <a:lstStyle/>
-          <a:p>
-            <a:r>
-              <a:rPr lang="en-US" sz="2800" dirty="0">
-                <a:solidFill>
-                  <a:schemeClr val="tx2">
-                    <a:lumMod val="75000"/>
-                  </a:schemeClr>
-                </a:solidFill>
-              </a:rPr>
-              <a:t>GATK</a:t>
-            </a:r>
-            <a:r>
-              <a:rPr lang="en-US" sz="2800" dirty="0"/>
-              <a:t> can be used to filter SNPs.</a:t>
-            </a:r>
-          </a:p>
-          <a:p>
-            <a:pPr marL="0" indent="0">
-              <a:buNone/>
-            </a:pPr>
-            <a:r>
-              <a:rPr lang="en-US" dirty="0">
-                <a:latin typeface="Courier"/>
-                <a:cs typeface="Courier"/>
-              </a:rPr>
-              <a:t>java </a:t>
-            </a:r>
-            <a:r>
-              <a:rPr lang="en-US" dirty="0" err="1">
-                <a:latin typeface="Courier"/>
-                <a:cs typeface="Courier"/>
-              </a:rPr>
-              <a:t>GenomeAnalysisTK.jar</a:t>
-            </a:r>
-            <a:r>
-              <a:rPr lang="en-US" dirty="0">
-                <a:latin typeface="Courier"/>
-                <a:cs typeface="Courier"/>
-              </a:rPr>
-              <a:t> \</a:t>
-            </a:r>
-          </a:p>
-          <a:p>
-            <a:pPr marL="0" indent="0">
-              <a:buNone/>
-            </a:pPr>
-            <a:r>
-              <a:rPr lang="en-US" b="1" dirty="0">
-                <a:solidFill>
-                  <a:srgbClr val="FF0000"/>
-                </a:solidFill>
-                <a:latin typeface="Courier"/>
-                <a:cs typeface="Courier"/>
-              </a:rPr>
-              <a:t>	-T </a:t>
-            </a:r>
-            <a:r>
-              <a:rPr lang="en-US" b="1" dirty="0" err="1">
-                <a:solidFill>
-                  <a:srgbClr val="FF0000"/>
-                </a:solidFill>
-                <a:latin typeface="Courier"/>
-                <a:cs typeface="Courier"/>
-              </a:rPr>
-              <a:t>SelectVariants</a:t>
-            </a:r>
-            <a:r>
-              <a:rPr lang="en-US" b="1" dirty="0">
-                <a:solidFill>
-                  <a:srgbClr val="FF0000"/>
-                </a:solidFill>
-                <a:latin typeface="Courier"/>
-                <a:cs typeface="Courier"/>
-              </a:rPr>
-              <a:t> </a:t>
-            </a:r>
-            <a:r>
-              <a:rPr lang="en-US" dirty="0">
-                <a:latin typeface="Courier"/>
-                <a:cs typeface="Courier"/>
-              </a:rPr>
-              <a:t>\</a:t>
-            </a:r>
-          </a:p>
-          <a:p>
-            <a:pPr marL="0" indent="0">
-              <a:buNone/>
-            </a:pPr>
-            <a:r>
-              <a:rPr lang="en-US" dirty="0">
-                <a:latin typeface="Courier"/>
-                <a:cs typeface="Courier"/>
-              </a:rPr>
-              <a:t>	-R </a:t>
-            </a:r>
-            <a:r>
-              <a:rPr lang="en-US" dirty="0" err="1">
-                <a:latin typeface="Courier"/>
-                <a:cs typeface="Courier"/>
-              </a:rPr>
-              <a:t>your_reference</a:t>
-            </a:r>
-            <a:r>
-              <a:rPr lang="en-US" dirty="0">
-                <a:latin typeface="Courier"/>
-                <a:cs typeface="Courier"/>
-              </a:rPr>
-              <a:t> \</a:t>
-            </a:r>
-          </a:p>
-          <a:p>
-            <a:pPr marL="0" indent="0">
-              <a:buNone/>
-            </a:pPr>
-            <a:r>
-              <a:rPr lang="en-US" dirty="0">
-                <a:latin typeface="Courier"/>
-                <a:cs typeface="Courier"/>
-              </a:rPr>
-              <a:t>	--variant </a:t>
-            </a:r>
-            <a:r>
-              <a:rPr lang="en-US" dirty="0" err="1">
-                <a:latin typeface="Courier"/>
-                <a:cs typeface="Courier"/>
-              </a:rPr>
-              <a:t>your_vcf</a:t>
-            </a:r>
-            <a:r>
-              <a:rPr lang="en-US" dirty="0">
-                <a:latin typeface="Courier"/>
-                <a:cs typeface="Courier"/>
-              </a:rPr>
-              <a:t> \</a:t>
-            </a:r>
-          </a:p>
-          <a:p>
-            <a:pPr marL="0" indent="0">
-              <a:buNone/>
-            </a:pPr>
-            <a:r>
-              <a:rPr lang="en-US" dirty="0">
-                <a:latin typeface="Courier"/>
-                <a:cs typeface="Courier"/>
-              </a:rPr>
-              <a:t>	-select 'DP &gt;= 3.0' \</a:t>
-            </a:r>
-          </a:p>
-          <a:p>
-            <a:pPr marL="0" indent="0">
-              <a:buNone/>
-            </a:pPr>
-            <a:r>
-              <a:rPr lang="en-US" dirty="0">
-                <a:latin typeface="Courier"/>
-                <a:cs typeface="Courier"/>
-              </a:rPr>
-              <a:t>	--</a:t>
-            </a:r>
-            <a:r>
-              <a:rPr lang="en-US" dirty="0" err="1">
-                <a:latin typeface="Courier"/>
-                <a:cs typeface="Courier"/>
-              </a:rPr>
-              <a:t>restrictAllelesTo</a:t>
-            </a:r>
-            <a:r>
-              <a:rPr lang="en-US" dirty="0">
-                <a:latin typeface="Courier"/>
-                <a:cs typeface="Courier"/>
-              </a:rPr>
-              <a:t> BIALLELIC \</a:t>
-            </a:r>
-          </a:p>
-          <a:p>
-            <a:pPr marL="0" indent="0">
-              <a:buNone/>
-            </a:pPr>
-            <a:r>
-              <a:rPr lang="en-US" dirty="0">
-                <a:latin typeface="Courier"/>
-                <a:cs typeface="Courier"/>
-              </a:rPr>
-              <a:t>	--</a:t>
-            </a:r>
-            <a:r>
-              <a:rPr lang="en-US" dirty="0" err="1">
-                <a:latin typeface="Courier"/>
-                <a:cs typeface="Courier"/>
-              </a:rPr>
-              <a:t>selectTypeToInclude</a:t>
-            </a:r>
-            <a:r>
-              <a:rPr lang="en-US" dirty="0">
-                <a:latin typeface="Courier"/>
-                <a:cs typeface="Courier"/>
-              </a:rPr>
-              <a:t> SNP</a:t>
-            </a:r>
-          </a:p>
-          <a:p>
-            <a:pPr marL="0" indent="0">
-              <a:buNone/>
-            </a:pPr>
-            <a:endParaRPr lang="en-US" sz="1800" dirty="0">
-              <a:latin typeface="Courier"/>
-              <a:cs typeface="Courier"/>
-            </a:endParaRPr>
-          </a:p>
-          <a:p>
-            <a:r>
-              <a:rPr lang="en-US" sz="2800" dirty="0">
-                <a:solidFill>
-                  <a:schemeClr val="tx2">
-                    <a:lumMod val="75000"/>
-                  </a:schemeClr>
-                </a:solidFill>
-              </a:rPr>
-              <a:t>Filter variants based on the experimental purpose and genetic features</a:t>
-            </a:r>
-          </a:p>
-          <a:p>
-            <a:pPr marL="0" indent="0">
-              <a:buNone/>
-            </a:pPr>
-            <a:endParaRPr lang="en-US" sz="1800" dirty="0">
-              <a:latin typeface="Courier"/>
-              <a:cs typeface="Courier"/>
-            </a:endParaRPr>
-          </a:p>
-        </p:txBody>
-      </p:sp>
-      <p:sp>
-        <p:nvSpPr>
-          <p:cNvPr id="4" name="Slide Number Placeholder 3"/>
-          <p:cNvSpPr>
-            <a:spLocks noGrp="1"/>
-          </p:cNvSpPr>
-          <p:nvPr>
-            <p:ph type="sldNum" sz="quarter" idx="12"/>
-          </p:nvPr>
-        </p:nvSpPr>
-        <p:spPr/>
-        <p:txBody>
-          <a:bodyPr/>
-          <a:lstStyle/>
-          <a:p>
-            <a:pPr>
-              <a:defRPr/>
-            </a:pPr>
-            <a:fld id="{9E3EFA63-DE6B-1C40-8E13-70DFD3C7F100}" type="slidenum">
-              <a:rPr lang="en-US" smtClean="0"/>
-              <a:pPr>
-                <a:defRPr/>
-              </a:pPr>
-              <a:t>17</a:t>
-            </a:fld>
-            <a:endParaRPr lang="en-US"/>
-          </a:p>
-        </p:txBody>
-      </p:sp>
-    </p:spTree>
-    <p:extLst>
-      <p:ext uri="{BB962C8B-B14F-4D97-AF65-F5344CB8AC3E}">
-        <p14:creationId xmlns:p14="http://schemas.microsoft.com/office/powerpoint/2010/main" val="4049092537"/>
-      </p:ext>
-    </p:extLst>
-  </p:cSld>
-  <p:clrMapOvr>
-    <a:masterClrMapping/>
-  </p:clrMapOvr>
-</p:sld>
-</file>
-
 <file path=ppt/slides/slide19.xml><?xml version="1.0" encoding="utf-8"?>
 <p:sld xmlns:a="http://schemas.openxmlformats.org/drawingml/2006/main" xmlns:r="http://schemas.openxmlformats.org/officeDocument/2006/relationships" xmlns:p="http://schemas.openxmlformats.org/presentationml/2006/main">
   <p:cSld>
@@ -12043,8 +12486,10 @@
           <a:lstStyle/>
           <a:p>
             <a:r>
-              <a:rPr lang="en-US" dirty="0"/>
-              <a:t>Falsely discovered SNPs</a:t>
+              <a:rPr lang="en-US" sz="3200" dirty="0">
+                <a:latin typeface="+mj-lt"/>
+              </a:rPr>
+              <a:t>GATK (3)</a:t>
             </a:r>
           </a:p>
         </p:txBody>
@@ -12061,21 +12506,242 @@
         </p:nvSpPr>
         <p:spPr>
           <a:xfrm>
-            <a:off x="1028700" y="2038350"/>
-            <a:ext cx="7226300" cy="1441450"/>
+            <a:off x="457200" y="1454150"/>
+            <a:ext cx="8128000" cy="4375150"/>
           </a:xfrm>
         </p:spPr>
         <p:txBody>
           <a:bodyPr/>
           <a:lstStyle/>
           <a:p>
+            <a:r>
+              <a:rPr lang="en-US" sz="2800" dirty="0">
+                <a:solidFill>
+                  <a:schemeClr val="tx2">
+                    <a:lumMod val="75000"/>
+                  </a:schemeClr>
+                </a:solidFill>
+              </a:rPr>
+              <a:t>GATK</a:t>
+            </a:r>
+            <a:r>
+              <a:rPr lang="en-US" sz="2800" dirty="0"/>
+              <a:t> can be used to filter SNPs.</a:t>
+            </a:r>
+          </a:p>
+          <a:p>
             <a:pPr marL="0" indent="0">
               <a:buNone/>
             </a:pPr>
             <a:r>
-              <a:rPr lang="en-US" sz="2800" dirty="0"/>
-              <a:t>Can you think about what could result in falsely discovered SNPs using alignment-based SNP methods?</a:t>
-            </a:r>
+              <a:rPr lang="en-US" dirty="0">
+                <a:latin typeface="Courier"/>
+                <a:cs typeface="Courier"/>
+              </a:rPr>
+              <a:t>java </a:t>
+            </a:r>
+            <a:r>
+              <a:rPr lang="en-US" dirty="0" err="1">
+                <a:latin typeface="Courier"/>
+                <a:cs typeface="Courier"/>
+              </a:rPr>
+              <a:t>GenomeAnalysisTK.jar</a:t>
+            </a:r>
+            <a:r>
+              <a:rPr lang="en-US" dirty="0">
+                <a:latin typeface="Courier"/>
+                <a:cs typeface="Courier"/>
+              </a:rPr>
+              <a:t> \</a:t>
+            </a:r>
+          </a:p>
+          <a:p>
+            <a:pPr marL="0" indent="0">
+              <a:buNone/>
+            </a:pPr>
+            <a:r>
+              <a:rPr lang="en-US" b="1" dirty="0">
+                <a:solidFill>
+                  <a:srgbClr val="FF0000"/>
+                </a:solidFill>
+                <a:latin typeface="Courier"/>
+                <a:cs typeface="Courier"/>
+              </a:rPr>
+              <a:t>	-T </a:t>
+            </a:r>
+            <a:r>
+              <a:rPr lang="en-US" b="1" dirty="0" err="1">
+                <a:solidFill>
+                  <a:srgbClr val="FF0000"/>
+                </a:solidFill>
+                <a:latin typeface="Courier"/>
+                <a:cs typeface="Courier"/>
+              </a:rPr>
+              <a:t>SelectVariants</a:t>
+            </a:r>
+            <a:r>
+              <a:rPr lang="en-US" b="1" dirty="0">
+                <a:solidFill>
+                  <a:srgbClr val="FF0000"/>
+                </a:solidFill>
+                <a:latin typeface="Courier"/>
+                <a:cs typeface="Courier"/>
+              </a:rPr>
+              <a:t> </a:t>
+            </a:r>
+            <a:r>
+              <a:rPr lang="en-US" dirty="0">
+                <a:latin typeface="Courier"/>
+                <a:cs typeface="Courier"/>
+              </a:rPr>
+              <a:t>\</a:t>
+            </a:r>
+          </a:p>
+          <a:p>
+            <a:pPr marL="0" indent="0">
+              <a:buNone/>
+            </a:pPr>
+            <a:r>
+              <a:rPr lang="en-US" dirty="0">
+                <a:latin typeface="Courier"/>
+                <a:cs typeface="Courier"/>
+              </a:rPr>
+              <a:t>	-R </a:t>
+            </a:r>
+            <a:r>
+              <a:rPr lang="en-US" dirty="0" err="1">
+                <a:latin typeface="Courier"/>
+                <a:cs typeface="Courier"/>
+              </a:rPr>
+              <a:t>your_reference</a:t>
+            </a:r>
+            <a:r>
+              <a:rPr lang="en-US" dirty="0">
+                <a:latin typeface="Courier"/>
+                <a:cs typeface="Courier"/>
+              </a:rPr>
+              <a:t> \</a:t>
+            </a:r>
+          </a:p>
+          <a:p>
+            <a:pPr marL="0" indent="0">
+              <a:buNone/>
+            </a:pPr>
+            <a:r>
+              <a:rPr lang="en-US" dirty="0">
+                <a:latin typeface="Courier"/>
+                <a:cs typeface="Courier"/>
+              </a:rPr>
+              <a:t>	--variant </a:t>
+            </a:r>
+            <a:r>
+              <a:rPr lang="en-US" dirty="0" err="1">
+                <a:latin typeface="Courier"/>
+                <a:cs typeface="Courier"/>
+              </a:rPr>
+              <a:t>your_vcf</a:t>
+            </a:r>
+            <a:r>
+              <a:rPr lang="en-US" dirty="0">
+                <a:latin typeface="Courier"/>
+                <a:cs typeface="Courier"/>
+              </a:rPr>
+              <a:t> \</a:t>
+            </a:r>
+          </a:p>
+          <a:p>
+            <a:pPr marL="0" indent="0">
+              <a:buNone/>
+            </a:pPr>
+            <a:r>
+              <a:rPr lang="en-US" dirty="0">
+                <a:latin typeface="Courier"/>
+                <a:cs typeface="Courier"/>
+              </a:rPr>
+              <a:t>	-select 'DP &gt;= 3.0' \</a:t>
+            </a:r>
+          </a:p>
+          <a:p>
+            <a:pPr marL="0" indent="0">
+              <a:buNone/>
+            </a:pPr>
+            <a:r>
+              <a:rPr lang="en-US" dirty="0">
+                <a:latin typeface="Courier"/>
+                <a:cs typeface="Courier"/>
+              </a:rPr>
+              <a:t>	--</a:t>
+            </a:r>
+            <a:r>
+              <a:rPr lang="en-US" dirty="0" err="1">
+                <a:latin typeface="Courier"/>
+                <a:cs typeface="Courier"/>
+              </a:rPr>
+              <a:t>restrictAllelesTo</a:t>
+            </a:r>
+            <a:r>
+              <a:rPr lang="en-US" dirty="0">
+                <a:latin typeface="Courier"/>
+                <a:cs typeface="Courier"/>
+              </a:rPr>
+              <a:t> BIALLELIC \</a:t>
+            </a:r>
+          </a:p>
+          <a:p>
+            <a:pPr marL="0" indent="0">
+              <a:buNone/>
+            </a:pPr>
+            <a:r>
+              <a:rPr lang="en-US" dirty="0">
+                <a:latin typeface="Courier"/>
+                <a:cs typeface="Courier"/>
+              </a:rPr>
+              <a:t>	--</a:t>
+            </a:r>
+            <a:r>
+              <a:rPr lang="en-US" dirty="0" err="1">
+                <a:latin typeface="Courier"/>
+                <a:cs typeface="Courier"/>
+              </a:rPr>
+              <a:t>selectTypeToInclude</a:t>
+            </a:r>
+            <a:r>
+              <a:rPr lang="en-US" dirty="0">
+                <a:latin typeface="Courier"/>
+                <a:cs typeface="Courier"/>
+              </a:rPr>
+              <a:t> SNP</a:t>
+            </a:r>
+          </a:p>
+          <a:p>
+            <a:pPr marL="0" indent="0">
+              <a:buNone/>
+            </a:pPr>
+            <a:endParaRPr lang="en-US" sz="1800" dirty="0">
+              <a:latin typeface="Courier"/>
+              <a:cs typeface="Courier"/>
+            </a:endParaRPr>
+          </a:p>
+          <a:p>
+            <a:r>
+              <a:rPr lang="en-US" sz="2800" dirty="0">
+                <a:solidFill>
+                  <a:schemeClr val="tx2">
+                    <a:lumMod val="75000"/>
+                  </a:schemeClr>
+                </a:solidFill>
+              </a:rPr>
+              <a:t>Filter variants based on the experimental purpose and genetic features</a:t>
+            </a:r>
+          </a:p>
+          <a:p>
+            <a:pPr marL="0" indent="0">
+              <a:buNone/>
+            </a:pPr>
+            <a:endParaRPr lang="en-US" sz="1800" dirty="0">
+              <a:latin typeface="Courier"/>
+              <a:cs typeface="Courier"/>
+            </a:endParaRPr>
           </a:p>
         </p:txBody>
       </p:sp>
@@ -12111,7 +12777,7 @@
     </p:spTree>
     <p:extLst>
       <p:ext uri="{BB962C8B-B14F-4D97-AF65-F5344CB8AC3E}">
-        <p14:creationId xmlns:p14="http://schemas.microsoft.com/office/powerpoint/2010/main" val="2082842603"/>
+        <p14:creationId xmlns:p14="http://schemas.microsoft.com/office/powerpoint/2010/main" val="4049092537"/>
       </p:ext>
     </p:extLst>
   </p:cSld>
@@ -12936,6 +13602,117 @@
           <a:lstStyle/>
           <a:p>
             <a:r>
+              <a:rPr lang="en-US" dirty="0"/>
+              <a:t>Falsely discovered SNPs</a:t>
+            </a:r>
+          </a:p>
+        </p:txBody>
+      </p:sp>
+      <p:sp>
+        <p:nvSpPr>
+          <p:cNvPr id="3" name="Content Placeholder 2"/>
+          <p:cNvSpPr>
+            <a:spLocks noGrp="1"/>
+          </p:cNvSpPr>
+          <p:nvPr>
+            <p:ph idx="1"/>
+          </p:nvPr>
+        </p:nvSpPr>
+        <p:spPr>
+          <a:xfrm>
+            <a:off x="1028700" y="2038350"/>
+            <a:ext cx="7226300" cy="1441450"/>
+          </a:xfrm>
+        </p:spPr>
+        <p:txBody>
+          <a:bodyPr/>
+          <a:lstStyle/>
+          <a:p>
+            <a:pPr marL="0" indent="0">
+              <a:buNone/>
+            </a:pPr>
+            <a:r>
+              <a:rPr lang="en-US" sz="2800" dirty="0"/>
+              <a:t>Can you think about what could result in falsely discovered SNPs using alignment-based SNP methods?</a:t>
+            </a:r>
+          </a:p>
+        </p:txBody>
+      </p:sp>
+      <p:sp>
+        <p:nvSpPr>
+          <p:cNvPr id="4" name="Slide Number Placeholder 3"/>
+          <p:cNvSpPr>
+            <a:spLocks noGrp="1"/>
+          </p:cNvSpPr>
+          <p:nvPr>
+            <p:ph type="sldNum" sz="quarter" idx="12"/>
+          </p:nvPr>
+        </p:nvSpPr>
+        <p:spPr/>
+        <p:txBody>
+          <a:bodyPr/>
+          <a:lstStyle/>
+          <a:p>
+            <a:pPr>
+              <a:defRPr/>
+            </a:pPr>
+            <a:fld id="{9E3EFA63-DE6B-1C40-8E13-70DFD3C7F100}" type="slidenum">
+              <a:rPr lang="en-US" smtClean="0"/>
+              <a:pPr>
+                <a:defRPr/>
+              </a:pPr>
+              <a:t>19</a:t>
+            </a:fld>
+            <a:endParaRPr lang="en-US"/>
+          </a:p>
+        </p:txBody>
+      </p:sp>
+    </p:spTree>
+    <p:extLst>
+      <p:ext uri="{BB962C8B-B14F-4D97-AF65-F5344CB8AC3E}">
+        <p14:creationId xmlns:p14="http://schemas.microsoft.com/office/powerpoint/2010/main" val="2082842603"/>
+      </p:ext>
+    </p:extLst>
+  </p:cSld>
+  <p:clrMapOvr>
+    <a:masterClrMapping/>
+  </p:clrMapOvr>
+</p:sld>
+</file>
+
+<file path=ppt/slides/slide21.xml><?xml version="1.0" encoding="utf-8"?>
+<p:sld xmlns:a="http://schemas.openxmlformats.org/drawingml/2006/main" xmlns:r="http://schemas.openxmlformats.org/officeDocument/2006/relationships" xmlns:p="http://schemas.openxmlformats.org/presentationml/2006/main">
+  <p:cSld>
+    <p:spTree>
+      <p:nvGrpSpPr>
+        <p:cNvPr id="1" name=""/>
+        <p:cNvGrpSpPr/>
+        <p:nvPr/>
+      </p:nvGrpSpPr>
+      <p:grpSpPr>
+        <a:xfrm>
+          <a:off x="0" y="0"/>
+          <a:ext cx="0" cy="0"/>
+          <a:chOff x="0" y="0"/>
+          <a:chExt cx="0" cy="0"/>
+        </a:xfrm>
+      </p:grpSpPr>
+      <p:sp>
+        <p:nvSpPr>
+          <p:cNvPr id="2" name="Title 1"/>
+          <p:cNvSpPr>
+            <a:spLocks noGrp="1"/>
+          </p:cNvSpPr>
+          <p:nvPr>
+            <p:ph type="title"/>
+          </p:nvPr>
+        </p:nvSpPr>
+        <p:spPr/>
+        <p:txBody>
+          <a:bodyPr/>
+          <a:lstStyle/>
+          <a:p>
+            <a:r>
               <a:rPr lang="en-US" sz="3200" dirty="0"/>
               <a:t>Alignment-based SNP discovery: alignment issues</a:t>
             </a:r>
@@ -13015,7 +13792,7 @@
               <a:pPr>
                 <a:defRPr/>
               </a:pPr>
-              <a:t>19</a:t>
+              <a:t>20</a:t>
             </a:fld>
             <a:endParaRPr lang="en-US"/>
           </a:p>
@@ -13240,7 +14017,7 @@
 </p:sld>
 </file>
 
-<file path=ppt/slides/slide21.xml><?xml version="1.0" encoding="utf-8"?>
+<file path=ppt/slides/slide22.xml><?xml version="1.0" encoding="utf-8"?>
 <p:sld xmlns:a="http://schemas.openxmlformats.org/drawingml/2006/main" xmlns:r="http://schemas.openxmlformats.org/officeDocument/2006/relationships" xmlns:p="http://schemas.openxmlformats.org/presentationml/2006/main">
   <p:cSld>
     <p:spTree>
@@ -13326,7 +14103,7 @@
               <a:pPr>
                 <a:defRPr/>
               </a:pPr>
-              <a:t>20</a:t>
+              <a:t>21</a:t>
             </a:fld>
             <a:endParaRPr lang="en-US"/>
           </a:p>
@@ -13617,7 +14394,7 @@
 </p:sld>
 </file>
 
-<file path=ppt/slides/slide22.xml><?xml version="1.0" encoding="utf-8"?>
+<file path=ppt/slides/slide23.xml><?xml version="1.0" encoding="utf-8"?>
 <p:sld xmlns:a="http://schemas.openxmlformats.org/drawingml/2006/main" xmlns:r="http://schemas.openxmlformats.org/officeDocument/2006/relationships" xmlns:p="http://schemas.openxmlformats.org/presentationml/2006/main">
   <p:cSld>
     <p:spTree>
@@ -13854,7 +14631,7 @@
               <a:pPr>
                 <a:defRPr/>
               </a:pPr>
-              <a:t>21</a:t>
+              <a:t>22</a:t>
             </a:fld>
             <a:endParaRPr lang="en-US"/>
           </a:p>
@@ -13948,7 +14725,7 @@
 </p:sld>
 </file>
 
-<file path=ppt/slides/slide23.xml><?xml version="1.0" encoding="utf-8"?>
+<file path=ppt/slides/slide24.xml><?xml version="1.0" encoding="utf-8"?>
 <p:sld xmlns:a="http://schemas.openxmlformats.org/drawingml/2006/main" xmlns:r="http://schemas.openxmlformats.org/officeDocument/2006/relationships" xmlns:p="http://schemas.openxmlformats.org/presentationml/2006/main">
   <p:cSld>
     <p:spTree>
@@ -14119,7 +14896,7 @@
               <a:pPr>
                 <a:defRPr/>
               </a:pPr>
-              <a:t>22</a:t>
+              <a:t>23</a:t>
             </a:fld>
             <a:endParaRPr lang="en-US"/>
           </a:p>
@@ -14185,7 +14962,7 @@
 </p:sld>
 </file>
 
-<file path=ppt/slides/slide24.xml><?xml version="1.0" encoding="utf-8"?>
+<file path=ppt/slides/slide25.xml><?xml version="1.0" encoding="utf-8"?>
 <p:sld xmlns:a="http://schemas.openxmlformats.org/drawingml/2006/main" xmlns:r="http://schemas.openxmlformats.org/officeDocument/2006/relationships" xmlns:p="http://schemas.openxmlformats.org/presentationml/2006/main">
   <p:cSld>
     <p:spTree>
@@ -14390,7 +15167,7 @@
               <a:pPr>
                 <a:defRPr/>
               </a:pPr>
-              <a:t>23</a:t>
+              <a:t>24</a:t>
             </a:fld>
             <a:endParaRPr lang="en-US"/>
           </a:p>
@@ -14442,7 +15219,7 @@
 </p:sld>
 </file>
 
-<file path=ppt/slides/slide25.xml><?xml version="1.0" encoding="utf-8"?>
+<file path=ppt/slides/slide26.xml><?xml version="1.0" encoding="utf-8"?>
 <p:sld xmlns:a="http://schemas.openxmlformats.org/drawingml/2006/main" xmlns:r="http://schemas.openxmlformats.org/officeDocument/2006/relationships" xmlns:p="http://schemas.openxmlformats.org/presentationml/2006/main">
   <p:cSld>
     <p:spTree>
@@ -14516,7 +15293,7 @@
               <a:pPr>
                 <a:defRPr/>
               </a:pPr>
-              <a:t>24</a:t>
+              <a:t>25</a:t>
             </a:fld>
             <a:endParaRPr lang="en-US"/>
           </a:p>
@@ -18489,7 +19266,7 @@
 </p:sld>
 </file>
 
-<file path=ppt/slides/slide26.xml><?xml version="1.0" encoding="utf-8"?>
+<file path=ppt/slides/slide27.xml><?xml version="1.0" encoding="utf-8"?>
 <p:sld xmlns:a="http://schemas.openxmlformats.org/drawingml/2006/main" xmlns:r="http://schemas.openxmlformats.org/officeDocument/2006/relationships" xmlns:p="http://schemas.openxmlformats.org/presentationml/2006/main">
   <p:cSld>
     <p:spTree>
@@ -18589,7 +19366,7 @@
               <a:pPr>
                 <a:defRPr/>
               </a:pPr>
-              <a:t>25</a:t>
+              <a:t>26</a:t>
             </a:fld>
             <a:endParaRPr lang="en-US"/>
           </a:p>
@@ -18808,14 +19585,14 @@
           </a:ln>
           <a:extLst>
             <a:ext uri="{909E8E84-426E-40dd-AFC4-6F175D3DCCD1}">
-              <a14:hiddenFill xmlns="" xmlns:a14="http://schemas.microsoft.com/office/drawing/2010/main">
+              <a14:hiddenFill xmlns:a14="http://schemas.microsoft.com/office/drawing/2010/main" xmlns="">
                 <a:solidFill>
                   <a:srgbClr val="FFFFFF"/>
                 </a:solidFill>
               </a14:hiddenFill>
             </a:ext>
             <a:ext uri="{91240B29-F687-4f45-9708-019B960494DF}">
-              <a14:hiddenLine xmlns="" xmlns:a14="http://schemas.microsoft.com/office/drawing/2010/main" w="9525">
+              <a14:hiddenLine xmlns:a14="http://schemas.microsoft.com/office/drawing/2010/main" xmlns="" w="9525">
                 <a:solidFill>
                   <a:srgbClr val="000000"/>
                 </a:solidFill>
@@ -19584,6 +20361,124 @@
 </file>
 
 <file path=ppt/slides/slide8.xml><?xml version="1.0" encoding="utf-8"?>
+<p:sld xmlns:a="http://schemas.openxmlformats.org/drawingml/2006/main" xmlns:r="http://schemas.openxmlformats.org/officeDocument/2006/relationships" xmlns:p="http://schemas.openxmlformats.org/presentationml/2006/main">
+  <p:cSld>
+    <p:spTree>
+      <p:nvGrpSpPr>
+        <p:cNvPr id="1" name=""/>
+        <p:cNvGrpSpPr/>
+        <p:nvPr/>
+      </p:nvGrpSpPr>
+      <p:grpSpPr>
+        <a:xfrm>
+          <a:off x="0" y="0"/>
+          <a:ext cx="0" cy="0"/>
+          <a:chOff x="0" y="0"/>
+          <a:chExt cx="0" cy="0"/>
+        </a:xfrm>
+      </p:grpSpPr>
+      <p:sp>
+        <p:nvSpPr>
+          <p:cNvPr id="2" name="Title 1">
+            <a:extLst>
+              <a:ext uri="{FF2B5EF4-FFF2-40B4-BE49-F238E27FC236}">
+                <a16:creationId xmlns:a16="http://schemas.microsoft.com/office/drawing/2014/main" id="{D6BA61B9-26B3-2D16-ECD4-1E4D9B501AB4}"/>
+              </a:ext>
+            </a:extLst>
+          </p:cNvPr>
+          <p:cNvSpPr>
+            <a:spLocks noGrp="1"/>
+          </p:cNvSpPr>
+          <p:nvPr>
+            <p:ph type="title"/>
+          </p:nvPr>
+        </p:nvSpPr>
+        <p:spPr/>
+        <p:txBody>
+          <a:bodyPr/>
+          <a:lstStyle/>
+          <a:p>
+            <a:r>
+              <a:rPr lang="en-US" dirty="0"/>
+              <a:t>Stop here</a:t>
+            </a:r>
+          </a:p>
+        </p:txBody>
+      </p:sp>
+      <p:sp>
+        <p:nvSpPr>
+          <p:cNvPr id="3" name="Content Placeholder 2">
+            <a:extLst>
+              <a:ext uri="{FF2B5EF4-FFF2-40B4-BE49-F238E27FC236}">
+                <a16:creationId xmlns:a16="http://schemas.microsoft.com/office/drawing/2014/main" id="{93C5400A-6EF3-577F-37A2-8EC4370B8659}"/>
+              </a:ext>
+            </a:extLst>
+          </p:cNvPr>
+          <p:cNvSpPr>
+            <a:spLocks noGrp="1"/>
+          </p:cNvSpPr>
+          <p:nvPr>
+            <p:ph idx="1"/>
+          </p:nvPr>
+        </p:nvSpPr>
+        <p:spPr/>
+        <p:txBody>
+          <a:bodyPr/>
+          <a:lstStyle/>
+          <a:p>
+            <a:endParaRPr lang="en-US"/>
+          </a:p>
+        </p:txBody>
+      </p:sp>
+      <p:sp>
+        <p:nvSpPr>
+          <p:cNvPr id="4" name="Slide Number Placeholder 3">
+            <a:extLst>
+              <a:ext uri="{FF2B5EF4-FFF2-40B4-BE49-F238E27FC236}">
+                <a16:creationId xmlns:a16="http://schemas.microsoft.com/office/drawing/2014/main" id="{8E00B9F8-CB31-6030-B842-5EA70F871503}"/>
+              </a:ext>
+            </a:extLst>
+          </p:cNvPr>
+          <p:cNvSpPr>
+            <a:spLocks noGrp="1"/>
+          </p:cNvSpPr>
+          <p:nvPr>
+            <p:ph type="sldNum" sz="quarter" idx="12"/>
+          </p:nvPr>
+        </p:nvSpPr>
+        <p:spPr/>
+        <p:txBody>
+          <a:bodyPr/>
+          <a:lstStyle/>
+          <a:p>
+            <a:pPr>
+              <a:defRPr/>
+            </a:pPr>
+            <a:fld id="{9E3EFA63-DE6B-1C40-8E13-70DFD3C7F100}" type="slidenum">
+              <a:rPr lang="en-US" smtClean="0"/>
+              <a:pPr>
+                <a:defRPr/>
+              </a:pPr>
+              <a:t>7</a:t>
+            </a:fld>
+            <a:endParaRPr lang="en-US"/>
+          </a:p>
+        </p:txBody>
+      </p:sp>
+    </p:spTree>
+    <p:extLst>
+      <p:ext uri="{BB962C8B-B14F-4D97-AF65-F5344CB8AC3E}">
+        <p14:creationId xmlns:p14="http://schemas.microsoft.com/office/powerpoint/2010/main" val="756531870"/>
+      </p:ext>
+    </p:extLst>
+  </p:cSld>
+  <p:clrMapOvr>
+    <a:masterClrMapping/>
+  </p:clrMapOvr>
+</p:sld>
+</file>
+
+<file path=ppt/slides/slide9.xml><?xml version="1.0" encoding="utf-8"?>
 <p:sld xmlns:a="http://schemas.openxmlformats.org/drawingml/2006/main" xmlns:r="http://schemas.openxmlformats.org/officeDocument/2006/relationships" xmlns:p="http://schemas.openxmlformats.org/presentationml/2006/main">
   <p:cSld>
     <p:spTree>
@@ -19898,782 +20793,6 @@
     </p:tnLst>
     <p:bldLst>
       <p:bldP spid="4" grpId="0"/>
-    </p:bldLst>
-  </p:timing>
-</p:sld>
-</file>
-
-<file path=ppt/slides/slide9.xml><?xml version="1.0" encoding="utf-8"?>
-<p:sld xmlns:a="http://schemas.openxmlformats.org/drawingml/2006/main" xmlns:r="http://schemas.openxmlformats.org/officeDocument/2006/relationships" xmlns:p="http://schemas.openxmlformats.org/presentationml/2006/main">
-  <p:cSld>
-    <p:spTree>
-      <p:nvGrpSpPr>
-        <p:cNvPr id="1" name=""/>
-        <p:cNvGrpSpPr/>
-        <p:nvPr/>
-      </p:nvGrpSpPr>
-      <p:grpSpPr>
-        <a:xfrm>
-          <a:off x="0" y="0"/>
-          <a:ext cx="0" cy="0"/>
-          <a:chOff x="0" y="0"/>
-          <a:chExt cx="0" cy="0"/>
-        </a:xfrm>
-      </p:grpSpPr>
-      <p:sp>
-        <p:nvSpPr>
-          <p:cNvPr id="2" name="Title 1"/>
-          <p:cNvSpPr>
-            <a:spLocks noGrp="1"/>
-          </p:cNvSpPr>
-          <p:nvPr>
-            <p:ph type="title"/>
-          </p:nvPr>
-        </p:nvSpPr>
-        <p:spPr>
-          <a:xfrm>
-            <a:off x="457200" y="181504"/>
-            <a:ext cx="8229600" cy="1037696"/>
-          </a:xfrm>
-        </p:spPr>
-        <p:txBody>
-          <a:bodyPr/>
-          <a:lstStyle/>
-          <a:p>
-            <a:r>
-              <a:rPr lang="en-US" dirty="0"/>
-              <a:t>Next-Generation Sequencing to generate data for variant discovery</a:t>
-            </a:r>
-          </a:p>
-        </p:txBody>
-      </p:sp>
-      <p:sp>
-        <p:nvSpPr>
-          <p:cNvPr id="4" name="Slide Number Placeholder 3"/>
-          <p:cNvSpPr>
-            <a:spLocks noGrp="1"/>
-          </p:cNvSpPr>
-          <p:nvPr>
-            <p:ph type="sldNum" sz="quarter" idx="12"/>
-          </p:nvPr>
-        </p:nvSpPr>
-        <p:spPr/>
-        <p:txBody>
-          <a:bodyPr/>
-          <a:lstStyle/>
-          <a:p>
-            <a:pPr>
-              <a:defRPr/>
-            </a:pPr>
-            <a:fld id="{9E3EFA63-DE6B-1C40-8E13-70DFD3C7F100}" type="slidenum">
-              <a:rPr lang="en-US" smtClean="0"/>
-              <a:pPr>
-                <a:defRPr/>
-              </a:pPr>
-              <a:t>8</a:t>
-            </a:fld>
-            <a:endParaRPr lang="en-US" dirty="0"/>
-          </a:p>
-        </p:txBody>
-      </p:sp>
-      <p:sp>
-        <p:nvSpPr>
-          <p:cNvPr id="47" name="TextBox 46"/>
-          <p:cNvSpPr txBox="1"/>
-          <p:nvPr/>
-        </p:nvSpPr>
-        <p:spPr>
-          <a:xfrm>
-            <a:off x="2447187" y="1653203"/>
-            <a:ext cx="3966314" cy="4524315"/>
-          </a:xfrm>
-          <a:prstGeom prst="rect">
-            <a:avLst/>
-          </a:prstGeom>
-          <a:noFill/>
-          <a:ln>
-            <a:noFill/>
-          </a:ln>
-        </p:spPr>
-        <p:txBody>
-          <a:bodyPr wrap="square">
-            <a:spAutoFit/>
-          </a:bodyPr>
-          <a:lstStyle/>
-          <a:p>
-            <a:pPr algn="ctr">
-              <a:defRPr/>
-            </a:pPr>
-            <a:r>
-              <a:rPr lang="en-US" dirty="0">
-                <a:solidFill>
-                  <a:schemeClr val="bg1">
-                    <a:lumMod val="65000"/>
-                  </a:schemeClr>
-                </a:solidFill>
-                <a:latin typeface="Courier"/>
-                <a:ea typeface="ＭＳ Ｐゴシック" charset="-128"/>
-                <a:cs typeface="Courier"/>
-              </a:rPr>
-              <a:t>GATCTGCGT</a:t>
-            </a:r>
-            <a:r>
-              <a:rPr lang="en-US" dirty="0">
-                <a:solidFill>
-                  <a:srgbClr val="008000"/>
-                </a:solidFill>
-                <a:latin typeface="Courier"/>
-                <a:ea typeface="ＭＳ Ｐゴシック" charset="-128"/>
-                <a:cs typeface="Courier"/>
-              </a:rPr>
-              <a:t>C</a:t>
-            </a:r>
-            <a:r>
-              <a:rPr lang="en-US" dirty="0">
-                <a:solidFill>
-                  <a:schemeClr val="bg1">
-                    <a:lumMod val="65000"/>
-                  </a:schemeClr>
-                </a:solidFill>
-                <a:latin typeface="Courier"/>
-                <a:ea typeface="ＭＳ Ｐゴシック" charset="-128"/>
-                <a:cs typeface="Courier"/>
-              </a:rPr>
-              <a:t>ATACGGAAT</a:t>
-            </a:r>
-          </a:p>
-          <a:p>
-            <a:pPr algn="ctr">
-              <a:defRPr/>
-            </a:pPr>
-            <a:r>
-              <a:rPr lang="en-US" dirty="0">
-                <a:solidFill>
-                  <a:schemeClr val="bg1">
-                    <a:lumMod val="65000"/>
-                  </a:schemeClr>
-                </a:solidFill>
-                <a:latin typeface="Courier"/>
-                <a:ea typeface="ＭＳ Ｐゴシック" charset="-128"/>
-                <a:cs typeface="Courier"/>
-              </a:rPr>
-              <a:t>GATCTGCGT</a:t>
-            </a:r>
-            <a:r>
-              <a:rPr lang="en-US" dirty="0">
-                <a:solidFill>
-                  <a:srgbClr val="FF0000"/>
-                </a:solidFill>
-                <a:latin typeface="Courier"/>
-                <a:ea typeface="ＭＳ Ｐゴシック" charset="-128"/>
-                <a:cs typeface="Courier"/>
-              </a:rPr>
-              <a:t>G</a:t>
-            </a:r>
-            <a:r>
-              <a:rPr lang="en-US" dirty="0">
-                <a:solidFill>
-                  <a:schemeClr val="bg1">
-                    <a:lumMod val="65000"/>
-                  </a:schemeClr>
-                </a:solidFill>
-                <a:latin typeface="Courier"/>
-                <a:ea typeface="ＭＳ Ｐゴシック" charset="-128"/>
-                <a:cs typeface="Courier"/>
-              </a:rPr>
-              <a:t>ATACGGAAT</a:t>
-            </a:r>
-          </a:p>
-          <a:p>
-            <a:pPr algn="ctr">
-              <a:defRPr/>
-            </a:pPr>
-            <a:r>
-              <a:rPr lang="en-US" dirty="0">
-                <a:solidFill>
-                  <a:schemeClr val="bg1">
-                    <a:lumMod val="65000"/>
-                  </a:schemeClr>
-                </a:solidFill>
-                <a:latin typeface="Courier"/>
-                <a:ea typeface="ＭＳ Ｐゴシック" charset="-128"/>
-                <a:cs typeface="Courier"/>
-              </a:rPr>
-              <a:t>GATCTGCGT</a:t>
-            </a:r>
-            <a:r>
-              <a:rPr lang="en-US" dirty="0">
-                <a:solidFill>
-                  <a:srgbClr val="008000"/>
-                </a:solidFill>
-                <a:latin typeface="Courier"/>
-                <a:ea typeface="ＭＳ Ｐゴシック" charset="-128"/>
-                <a:cs typeface="Courier"/>
-              </a:rPr>
-              <a:t>C</a:t>
-            </a:r>
-            <a:r>
-              <a:rPr lang="en-US" dirty="0">
-                <a:solidFill>
-                  <a:schemeClr val="bg1">
-                    <a:lumMod val="65000"/>
-                  </a:schemeClr>
-                </a:solidFill>
-                <a:latin typeface="Courier"/>
-                <a:ea typeface="ＭＳ Ｐゴシック" charset="-128"/>
-                <a:cs typeface="Courier"/>
-              </a:rPr>
-              <a:t>ATACGGAAT</a:t>
-            </a:r>
-          </a:p>
-          <a:p>
-            <a:pPr algn="ctr">
-              <a:defRPr/>
-            </a:pPr>
-            <a:r>
-              <a:rPr lang="en-US" dirty="0">
-                <a:solidFill>
-                  <a:schemeClr val="bg1">
-                    <a:lumMod val="65000"/>
-                  </a:schemeClr>
-                </a:solidFill>
-                <a:latin typeface="Courier"/>
-                <a:ea typeface="ＭＳ Ｐゴシック" charset="-128"/>
-                <a:cs typeface="Courier"/>
-              </a:rPr>
-              <a:t>GATCTGCGT</a:t>
-            </a:r>
-            <a:r>
-              <a:rPr lang="en-US" dirty="0">
-                <a:solidFill>
-                  <a:srgbClr val="FF0000"/>
-                </a:solidFill>
-                <a:latin typeface="Courier"/>
-                <a:ea typeface="ＭＳ Ｐゴシック" charset="-128"/>
-                <a:cs typeface="Courier"/>
-              </a:rPr>
-              <a:t>G</a:t>
-            </a:r>
-            <a:r>
-              <a:rPr lang="en-US" dirty="0">
-                <a:solidFill>
-                  <a:schemeClr val="bg1">
-                    <a:lumMod val="65000"/>
-                  </a:schemeClr>
-                </a:solidFill>
-                <a:latin typeface="Courier"/>
-                <a:ea typeface="ＭＳ Ｐゴシック" charset="-128"/>
-                <a:cs typeface="Courier"/>
-              </a:rPr>
-              <a:t>ATACGGAAT</a:t>
-            </a:r>
-          </a:p>
-          <a:p>
-            <a:pPr algn="ctr">
-              <a:defRPr/>
-            </a:pPr>
-            <a:r>
-              <a:rPr lang="en-US" dirty="0">
-                <a:solidFill>
-                  <a:schemeClr val="bg1">
-                    <a:lumMod val="65000"/>
-                  </a:schemeClr>
-                </a:solidFill>
-                <a:latin typeface="Courier"/>
-                <a:ea typeface="ＭＳ Ｐゴシック" charset="-128"/>
-                <a:cs typeface="Courier"/>
-              </a:rPr>
-              <a:t>GATCTGCGT</a:t>
-            </a:r>
-            <a:r>
-              <a:rPr lang="en-US" dirty="0">
-                <a:solidFill>
-                  <a:srgbClr val="FF0000"/>
-                </a:solidFill>
-                <a:latin typeface="Courier"/>
-                <a:ea typeface="ＭＳ Ｐゴシック" charset="-128"/>
-                <a:cs typeface="Courier"/>
-              </a:rPr>
-              <a:t>G</a:t>
-            </a:r>
-            <a:r>
-              <a:rPr lang="en-US" dirty="0">
-                <a:solidFill>
-                  <a:schemeClr val="bg1">
-                    <a:lumMod val="65000"/>
-                  </a:schemeClr>
-                </a:solidFill>
-                <a:latin typeface="Courier"/>
-                <a:ea typeface="ＭＳ Ｐゴシック" charset="-128"/>
-                <a:cs typeface="Courier"/>
-              </a:rPr>
-              <a:t>ATACGGAAT</a:t>
-            </a:r>
-          </a:p>
-          <a:p>
-            <a:pPr algn="ctr">
-              <a:defRPr/>
-            </a:pPr>
-            <a:r>
-              <a:rPr lang="en-US" dirty="0">
-                <a:solidFill>
-                  <a:schemeClr val="bg1">
-                    <a:lumMod val="65000"/>
-                  </a:schemeClr>
-                </a:solidFill>
-                <a:latin typeface="Courier"/>
-                <a:ea typeface="ＭＳ Ｐゴシック" charset="-128"/>
-                <a:cs typeface="Courier"/>
-              </a:rPr>
-              <a:t>GATCTGCGT</a:t>
-            </a:r>
-            <a:r>
-              <a:rPr lang="en-US" dirty="0">
-                <a:solidFill>
-                  <a:srgbClr val="FF0000"/>
-                </a:solidFill>
-                <a:latin typeface="Courier"/>
-                <a:ea typeface="ＭＳ Ｐゴシック" charset="-128"/>
-                <a:cs typeface="Courier"/>
-              </a:rPr>
-              <a:t>G</a:t>
-            </a:r>
-            <a:r>
-              <a:rPr lang="en-US" dirty="0">
-                <a:solidFill>
-                  <a:schemeClr val="bg1">
-                    <a:lumMod val="65000"/>
-                  </a:schemeClr>
-                </a:solidFill>
-                <a:latin typeface="Courier"/>
-                <a:ea typeface="ＭＳ Ｐゴシック" charset="-128"/>
-                <a:cs typeface="Courier"/>
-              </a:rPr>
-              <a:t>ATACGGAAT</a:t>
-            </a:r>
-          </a:p>
-          <a:p>
-            <a:pPr algn="ctr">
-              <a:defRPr/>
-            </a:pPr>
-            <a:r>
-              <a:rPr lang="en-US" dirty="0">
-                <a:solidFill>
-                  <a:schemeClr val="bg1">
-                    <a:lumMod val="65000"/>
-                  </a:schemeClr>
-                </a:solidFill>
-                <a:latin typeface="Courier"/>
-                <a:ea typeface="ＭＳ Ｐゴシック" charset="-128"/>
-                <a:cs typeface="Courier"/>
-              </a:rPr>
-              <a:t>GATCTGCGT</a:t>
-            </a:r>
-            <a:r>
-              <a:rPr lang="en-US" dirty="0">
-                <a:solidFill>
-                  <a:srgbClr val="008000"/>
-                </a:solidFill>
-                <a:latin typeface="Courier"/>
-                <a:ea typeface="ＭＳ Ｐゴシック" charset="-128"/>
-                <a:cs typeface="Courier"/>
-              </a:rPr>
-              <a:t>C</a:t>
-            </a:r>
-            <a:r>
-              <a:rPr lang="en-US" dirty="0">
-                <a:solidFill>
-                  <a:schemeClr val="bg1">
-                    <a:lumMod val="65000"/>
-                  </a:schemeClr>
-                </a:solidFill>
-                <a:latin typeface="Courier"/>
-                <a:ea typeface="ＭＳ Ｐゴシック" charset="-128"/>
-                <a:cs typeface="Courier"/>
-              </a:rPr>
-              <a:t>ATACGGAAT</a:t>
-            </a:r>
-          </a:p>
-          <a:p>
-            <a:pPr algn="ctr">
-              <a:defRPr/>
-            </a:pPr>
-            <a:r>
-              <a:rPr lang="en-US" dirty="0">
-                <a:solidFill>
-                  <a:schemeClr val="bg1">
-                    <a:lumMod val="65000"/>
-                  </a:schemeClr>
-                </a:solidFill>
-                <a:latin typeface="Courier"/>
-                <a:ea typeface="ＭＳ Ｐゴシック" charset="-128"/>
-                <a:cs typeface="Courier"/>
-              </a:rPr>
-              <a:t>GATCTGCGT</a:t>
-            </a:r>
-            <a:r>
-              <a:rPr lang="en-US" dirty="0">
-                <a:solidFill>
-                  <a:srgbClr val="008000"/>
-                </a:solidFill>
-                <a:latin typeface="Courier"/>
-                <a:ea typeface="ＭＳ Ｐゴシック" charset="-128"/>
-                <a:cs typeface="Courier"/>
-              </a:rPr>
-              <a:t>C</a:t>
-            </a:r>
-            <a:r>
-              <a:rPr lang="en-US" dirty="0">
-                <a:solidFill>
-                  <a:schemeClr val="bg1">
-                    <a:lumMod val="65000"/>
-                  </a:schemeClr>
-                </a:solidFill>
-                <a:latin typeface="Courier"/>
-                <a:ea typeface="ＭＳ Ｐゴシック" charset="-128"/>
-                <a:cs typeface="Courier"/>
-              </a:rPr>
-              <a:t>ATACGGAAT</a:t>
-            </a:r>
-          </a:p>
-          <a:p>
-            <a:pPr algn="ctr">
-              <a:defRPr/>
-            </a:pPr>
-            <a:r>
-              <a:rPr lang="en-US" dirty="0">
-                <a:solidFill>
-                  <a:schemeClr val="bg1">
-                    <a:lumMod val="65000"/>
-                  </a:schemeClr>
-                </a:solidFill>
-                <a:latin typeface="Courier"/>
-                <a:ea typeface="ＭＳ Ｐゴシック" charset="-128"/>
-                <a:cs typeface="Courier"/>
-              </a:rPr>
-              <a:t>GATCTGCGT</a:t>
-            </a:r>
-            <a:r>
-              <a:rPr lang="en-US" dirty="0">
-                <a:solidFill>
-                  <a:srgbClr val="FF0000"/>
-                </a:solidFill>
-                <a:latin typeface="Courier"/>
-                <a:ea typeface="ＭＳ Ｐゴシック" charset="-128"/>
-                <a:cs typeface="Courier"/>
-              </a:rPr>
-              <a:t>G</a:t>
-            </a:r>
-            <a:r>
-              <a:rPr lang="en-US" dirty="0">
-                <a:solidFill>
-                  <a:schemeClr val="bg1">
-                    <a:lumMod val="65000"/>
-                  </a:schemeClr>
-                </a:solidFill>
-                <a:latin typeface="Courier"/>
-                <a:ea typeface="ＭＳ Ｐゴシック" charset="-128"/>
-                <a:cs typeface="Courier"/>
-              </a:rPr>
-              <a:t>ATACGGAAT</a:t>
-            </a:r>
-          </a:p>
-          <a:p>
-            <a:pPr algn="ctr">
-              <a:defRPr/>
-            </a:pPr>
-            <a:r>
-              <a:rPr lang="en-US" dirty="0">
-                <a:solidFill>
-                  <a:schemeClr val="bg1">
-                    <a:lumMod val="65000"/>
-                  </a:schemeClr>
-                </a:solidFill>
-                <a:latin typeface="Courier"/>
-                <a:ea typeface="ＭＳ Ｐゴシック" charset="-128"/>
-                <a:cs typeface="Courier"/>
-              </a:rPr>
-              <a:t>GATCTGCGT</a:t>
-            </a:r>
-            <a:r>
-              <a:rPr lang="en-US" dirty="0">
-                <a:solidFill>
-                  <a:srgbClr val="008000"/>
-                </a:solidFill>
-                <a:latin typeface="Courier"/>
-                <a:ea typeface="ＭＳ Ｐゴシック" charset="-128"/>
-                <a:cs typeface="Courier"/>
-              </a:rPr>
-              <a:t>C</a:t>
-            </a:r>
-            <a:r>
-              <a:rPr lang="en-US" dirty="0">
-                <a:solidFill>
-                  <a:schemeClr val="bg1">
-                    <a:lumMod val="65000"/>
-                  </a:schemeClr>
-                </a:solidFill>
-                <a:latin typeface="Courier"/>
-                <a:ea typeface="ＭＳ Ｐゴシック" charset="-128"/>
-                <a:cs typeface="Courier"/>
-              </a:rPr>
-              <a:t>ATACGGAAT</a:t>
-            </a:r>
-          </a:p>
-          <a:p>
-            <a:pPr algn="ctr">
-              <a:defRPr/>
-            </a:pPr>
-            <a:endParaRPr lang="en-US" dirty="0">
-              <a:solidFill>
-                <a:srgbClr val="7F7F7F"/>
-              </a:solidFill>
-              <a:latin typeface="Courier"/>
-              <a:ea typeface="ＭＳ Ｐゴシック" charset="-128"/>
-              <a:cs typeface="Courier"/>
-            </a:endParaRPr>
-          </a:p>
-          <a:p>
-            <a:pPr algn="ctr">
-              <a:defRPr/>
-            </a:pPr>
-            <a:r>
-              <a:rPr lang="en-US" dirty="0">
-                <a:solidFill>
-                  <a:srgbClr val="7F7F7F"/>
-                </a:solidFill>
-                <a:latin typeface="Courier"/>
-                <a:ea typeface="ＭＳ Ｐゴシック" charset="-128"/>
-                <a:cs typeface="Courier"/>
-              </a:rPr>
-              <a:t>--------</a:t>
-            </a:r>
-            <a:r>
-              <a:rPr lang="en-US" dirty="0">
-                <a:solidFill>
-                  <a:srgbClr val="008000"/>
-                </a:solidFill>
-                <a:latin typeface="Courier"/>
-                <a:ea typeface="ＭＳ Ｐゴシック" charset="-128"/>
-                <a:cs typeface="Courier"/>
-              </a:rPr>
-              <a:t>C</a:t>
-            </a:r>
-            <a:r>
-              <a:rPr lang="en-US" dirty="0">
-                <a:solidFill>
-                  <a:srgbClr val="984807"/>
-                </a:solidFill>
-                <a:latin typeface="Courier"/>
-                <a:ea typeface="ＭＳ Ｐゴシック" charset="-128"/>
-                <a:cs typeface="Courier"/>
-              </a:rPr>
-              <a:t>/</a:t>
-            </a:r>
-            <a:r>
-              <a:rPr lang="en-US" dirty="0">
-                <a:solidFill>
-                  <a:srgbClr val="FF0000"/>
-                </a:solidFill>
-                <a:latin typeface="Courier"/>
-                <a:ea typeface="ＭＳ Ｐゴシック" charset="-128"/>
-                <a:cs typeface="Courier"/>
-              </a:rPr>
-              <a:t>G</a:t>
-            </a:r>
-            <a:r>
-              <a:rPr lang="en-US" dirty="0">
-                <a:solidFill>
-                  <a:srgbClr val="7F7F7F"/>
-                </a:solidFill>
-                <a:latin typeface="Courier"/>
-                <a:ea typeface="ＭＳ Ｐゴシック" charset="-128"/>
-                <a:cs typeface="Courier"/>
-              </a:rPr>
-              <a:t>--------</a:t>
-            </a:r>
-          </a:p>
-        </p:txBody>
-      </p:sp>
-      <p:sp>
-        <p:nvSpPr>
-          <p:cNvPr id="3" name="TextBox 2">
-            <a:extLst>
-              <a:ext uri="{FF2B5EF4-FFF2-40B4-BE49-F238E27FC236}">
-                <a16:creationId xmlns:a16="http://schemas.microsoft.com/office/drawing/2014/main" id="{38D0D49D-3847-534C-9DA6-9D7D54E74F3C}"/>
-              </a:ext>
-            </a:extLst>
-          </p:cNvPr>
-          <p:cNvSpPr txBox="1"/>
-          <p:nvPr/>
-        </p:nvSpPr>
-        <p:spPr>
-          <a:xfrm>
-            <a:off x="6244190" y="5525353"/>
-            <a:ext cx="2340962" cy="830997"/>
-          </a:xfrm>
-          <a:prstGeom prst="rect">
-            <a:avLst/>
-          </a:prstGeom>
-          <a:noFill/>
-        </p:spPr>
-        <p:txBody>
-          <a:bodyPr wrap="none" rtlCol="0">
-            <a:spAutoFit/>
-          </a:bodyPr>
-          <a:lstStyle/>
-          <a:p>
-            <a:r>
-              <a:rPr lang="en-US" dirty="0">
-                <a:latin typeface="Calibri Light" panose="020F0302020204030204" pitchFamily="34" charset="0"/>
-                <a:cs typeface="Calibri Light" panose="020F0302020204030204" pitchFamily="34" charset="0"/>
-              </a:rPr>
-              <a:t>Heterozygous call</a:t>
-            </a:r>
-          </a:p>
-          <a:p>
-            <a:r>
-              <a:rPr lang="en-US" dirty="0">
-                <a:latin typeface="Calibri Light" panose="020F0302020204030204" pitchFamily="34" charset="0"/>
-                <a:cs typeface="Calibri Light" panose="020F0302020204030204" pitchFamily="34" charset="0"/>
-              </a:rPr>
-              <a:t>(diploid genome)</a:t>
-            </a:r>
-          </a:p>
-        </p:txBody>
-      </p:sp>
-    </p:spTree>
-    <p:extLst>
-      <p:ext uri="{BB962C8B-B14F-4D97-AF65-F5344CB8AC3E}">
-        <p14:creationId xmlns:p14="http://schemas.microsoft.com/office/powerpoint/2010/main" val="2972565571"/>
-      </p:ext>
-    </p:extLst>
-  </p:cSld>
-  <p:clrMapOvr>
-    <a:masterClrMapping/>
-  </p:clrMapOvr>
-  <p:timing>
-    <p:tnLst>
-      <p:par>
-        <p:cTn id="1" dur="indefinite" restart="never" nodeType="tmRoot">
-          <p:childTnLst>
-            <p:seq concurrent="1" nextAc="seek">
-              <p:cTn id="2" dur="indefinite" nodeType="mainSeq">
-                <p:childTnLst>
-                  <p:par>
-                    <p:cTn id="3" fill="hold">
-                      <p:stCondLst>
-                        <p:cond delay="indefinite"/>
-                      </p:stCondLst>
-                      <p:childTnLst>
-                        <p:par>
-                          <p:cTn id="4" fill="hold">
-                            <p:stCondLst>
-                              <p:cond delay="0"/>
-                            </p:stCondLst>
-                            <p:childTnLst>
-                              <p:par>
-                                <p:cTn id="5" presetID="1" presetClass="entr" presetSubtype="0" fill="hold" grpId="0" nodeType="clickEffect">
-                                  <p:stCondLst>
-                                    <p:cond delay="0"/>
-                                  </p:stCondLst>
-                                  <p:childTnLst>
-                                    <p:set>
-                                      <p:cBhvr>
-                                        <p:cTn id="6" dur="1" fill="hold">
-                                          <p:stCondLst>
-                                            <p:cond delay="0"/>
-                                          </p:stCondLst>
-                                        </p:cTn>
-                                        <p:tgtEl>
-                                          <p:spTgt spid="47"/>
-                                        </p:tgtEl>
-                                        <p:attrNameLst>
-                                          <p:attrName>style.visibility</p:attrName>
-                                        </p:attrNameLst>
-                                      </p:cBhvr>
-                                      <p:to>
-                                        <p:strVal val="visible"/>
-                                      </p:to>
-                                    </p:set>
-                                  </p:childTnLst>
-                                </p:cTn>
-                              </p:par>
-                            </p:childTnLst>
-                          </p:cTn>
-                        </p:par>
-                      </p:childTnLst>
-                    </p:cTn>
-                  </p:par>
-                  <p:par>
-                    <p:cTn id="7" fill="hold">
-                      <p:stCondLst>
-                        <p:cond delay="indefinite"/>
-                      </p:stCondLst>
-                      <p:childTnLst>
-                        <p:par>
-                          <p:cTn id="8" fill="hold">
-                            <p:stCondLst>
-                              <p:cond delay="0"/>
-                            </p:stCondLst>
-                            <p:childTnLst>
-                              <p:par>
-                                <p:cTn id="9" presetID="1" presetClass="entr" presetSubtype="0" fill="hold" grpId="0" nodeType="clickEffect">
-                                  <p:stCondLst>
-                                    <p:cond delay="0"/>
-                                  </p:stCondLst>
-                                  <p:childTnLst>
-                                    <p:set>
-                                      <p:cBhvr>
-                                        <p:cTn id="10" dur="1" fill="hold">
-                                          <p:stCondLst>
-                                            <p:cond delay="0"/>
-                                          </p:stCondLst>
-                                        </p:cTn>
-                                        <p:tgtEl>
-                                          <p:spTgt spid="3"/>
-                                        </p:tgtEl>
-                                        <p:attrNameLst>
-                                          <p:attrName>style.visibility</p:attrName>
-                                        </p:attrNameLst>
-                                      </p:cBhvr>
-                                      <p:to>
-                                        <p:strVal val="visible"/>
-                                      </p:to>
-                                    </p:set>
-                                  </p:childTnLst>
-                                </p:cTn>
-                              </p:par>
-                            </p:childTnLst>
-                          </p:cTn>
-                        </p:par>
-                      </p:childTnLst>
-                    </p:cTn>
-                  </p:par>
-                </p:childTnLst>
-              </p:cTn>
-              <p:prevCondLst>
-                <p:cond evt="onPrev" delay="0">
-                  <p:tgtEl>
-                    <p:sldTgt/>
-                  </p:tgtEl>
-                </p:cond>
-              </p:prevCondLst>
-              <p:nextCondLst>
-                <p:cond evt="onNext" delay="0">
-                  <p:tgtEl>
-                    <p:sldTgt/>
-                  </p:tgtEl>
-                </p:cond>
-              </p:nextCondLst>
-            </p:seq>
-          </p:childTnLst>
-        </p:cTn>
-      </p:par>
-    </p:tnLst>
-    <p:bldLst>
-      <p:bldP spid="47" grpId="0"/>
-      <p:bldP spid="3" grpId="0"/>
     </p:bldLst>
   </p:timing>
 </p:sld>

--- a/PLPTH813Bioinformatis/2023/lectures/lecture08_variants.pptx
+++ b/PLPTH813Bioinformatis/2023/lectures/lecture08_variants.pptx
@@ -5,10 +5,10 @@
     <p:sldMasterId id="2147483648" r:id="rId1"/>
   </p:sldMasterIdLst>
   <p:notesMasterIdLst>
-    <p:notesMasterId r:id="rId29"/>
+    <p:notesMasterId r:id="rId28"/>
   </p:notesMasterIdLst>
   <p:handoutMasterIdLst>
-    <p:handoutMasterId r:id="rId30"/>
+    <p:handoutMasterId r:id="rId29"/>
   </p:handoutMasterIdLst>
   <p:sldIdLst>
     <p:sldId id="661" r:id="rId2"/>
@@ -18,26 +18,25 @@
     <p:sldId id="275" r:id="rId6"/>
     <p:sldId id="624" r:id="rId7"/>
     <p:sldId id="688" r:id="rId8"/>
-    <p:sldId id="689" r:id="rId9"/>
-    <p:sldId id="621" r:id="rId10"/>
-    <p:sldId id="675" r:id="rId11"/>
-    <p:sldId id="639" r:id="rId12"/>
-    <p:sldId id="670" r:id="rId13"/>
-    <p:sldId id="633" r:id="rId14"/>
-    <p:sldId id="669" r:id="rId15"/>
-    <p:sldId id="686" r:id="rId16"/>
-    <p:sldId id="668" r:id="rId17"/>
-    <p:sldId id="644" r:id="rId18"/>
-    <p:sldId id="645" r:id="rId19"/>
-    <p:sldId id="646" r:id="rId20"/>
-    <p:sldId id="671" r:id="rId21"/>
-    <p:sldId id="642" r:id="rId22"/>
-    <p:sldId id="687" r:id="rId23"/>
-    <p:sldId id="640" r:id="rId24"/>
-    <p:sldId id="674" r:id="rId25"/>
-    <p:sldId id="676" r:id="rId26"/>
-    <p:sldId id="649" r:id="rId27"/>
-    <p:sldId id="647" r:id="rId28"/>
+    <p:sldId id="621" r:id="rId9"/>
+    <p:sldId id="675" r:id="rId10"/>
+    <p:sldId id="639" r:id="rId11"/>
+    <p:sldId id="670" r:id="rId12"/>
+    <p:sldId id="633" r:id="rId13"/>
+    <p:sldId id="669" r:id="rId14"/>
+    <p:sldId id="686" r:id="rId15"/>
+    <p:sldId id="668" r:id="rId16"/>
+    <p:sldId id="644" r:id="rId17"/>
+    <p:sldId id="645" r:id="rId18"/>
+    <p:sldId id="646" r:id="rId19"/>
+    <p:sldId id="671" r:id="rId20"/>
+    <p:sldId id="642" r:id="rId21"/>
+    <p:sldId id="687" r:id="rId22"/>
+    <p:sldId id="640" r:id="rId23"/>
+    <p:sldId id="674" r:id="rId24"/>
+    <p:sldId id="676" r:id="rId25"/>
+    <p:sldId id="649" r:id="rId26"/>
+    <p:sldId id="647" r:id="rId27"/>
   </p:sldIdLst>
   <p:sldSz cx="9144000" cy="6858000" type="screen4x3"/>
   <p:notesSz cx="6858000" cy="9144000"/>
@@ -286,7 +285,7 @@
               <a:pPr>
                 <a:defRPr/>
               </a:pPr>
-              <a:t>2/23/23</a:t>
+              <a:t>2/28/23</a:t>
             </a:fld>
             <a:endParaRPr lang="en-US"/>
           </a:p>
@@ -496,7 +495,7 @@
               <a:pPr>
                 <a:defRPr/>
               </a:pPr>
-              <a:t>2/23/23</a:t>
+              <a:t>2/28/23</a:t>
             </a:fld>
             <a:endParaRPr lang="en-US"/>
           </a:p>
@@ -879,7 +878,7 @@
           <a:ln/>
           <a:extLst>
             <a:ext uri="{FAA26D3D-D897-4be2-8F04-BA451C77F1D7}">
-              <ma14:placeholderFlag xmlns:ma14="http://schemas.microsoft.com/office/mac/drawingml/2011/main" xmlns="" val="1"/>
+              <ma14:placeholderFlag xmlns="" xmlns:ma14="http://schemas.microsoft.com/office/mac/drawingml/2011/main" val="1"/>
             </a:ext>
           </a:extLst>
         </p:spPr>
@@ -950,14 +949,14 @@
           </a:ln>
           <a:extLst>
             <a:ext uri="{909E8E84-426E-40dd-AFC4-6F175D3DCCD1}">
-              <a14:hiddenFill xmlns:a14="http://schemas.microsoft.com/office/drawing/2010/main" xmlns="">
+              <a14:hiddenFill xmlns="" xmlns:a14="http://schemas.microsoft.com/office/drawing/2010/main">
                 <a:solidFill>
                   <a:srgbClr val="FFFFFF"/>
                 </a:solidFill>
               </a14:hiddenFill>
             </a:ext>
             <a:ext uri="{FAA26D3D-D897-4be2-8F04-BA451C77F1D7}">
-              <ma14:placeholderFlag xmlns:ma14="http://schemas.microsoft.com/office/mac/drawingml/2011/main" xmlns="" val="1"/>
+              <ma14:placeholderFlag xmlns="" xmlns:ma14="http://schemas.microsoft.com/office/mac/drawingml/2011/main" val="1"/>
             </a:ext>
           </a:extLst>
         </p:spPr>
@@ -976,14 +975,14 @@
           <a:noFill/>
           <a:extLst>
             <a:ext uri="{909E8E84-426E-40dd-AFC4-6F175D3DCCD1}">
-              <a14:hiddenFill xmlns:a14="http://schemas.microsoft.com/office/drawing/2010/main" xmlns="">
+              <a14:hiddenFill xmlns="" xmlns:a14="http://schemas.microsoft.com/office/drawing/2010/main">
                 <a:solidFill>
                   <a:srgbClr val="FFFFFF"/>
                 </a:solidFill>
               </a14:hiddenFill>
             </a:ext>
             <a:ext uri="{91240B29-F687-4f45-9708-019B960494DF}">
-              <a14:hiddenLine xmlns:a14="http://schemas.microsoft.com/office/drawing/2010/main" xmlns="" w="9525">
+              <a14:hiddenLine xmlns="" xmlns:a14="http://schemas.microsoft.com/office/drawing/2010/main" w="9525">
                 <a:solidFill>
                   <a:srgbClr val="000000"/>
                 </a:solidFill>
@@ -993,7 +992,7 @@
               </a14:hiddenLine>
             </a:ext>
             <a:ext uri="{FAA26D3D-D897-4be2-8F04-BA451C77F1D7}">
-              <ma14:placeholderFlag xmlns:ma14="http://schemas.microsoft.com/office/mac/drawingml/2011/main" xmlns="" val="1"/>
+              <ma14:placeholderFlag xmlns="" xmlns:ma14="http://schemas.microsoft.com/office/mac/drawingml/2011/main" val="1"/>
             </a:ext>
           </a:extLst>
         </p:spPr>
@@ -1101,7 +1100,7 @@
               <a:pPr>
                 <a:defRPr/>
               </a:pPr>
-              <a:t>9</a:t>
+              <a:t>8</a:t>
             </a:fld>
             <a:endParaRPr lang="en-US"/>
           </a:p>
@@ -1194,7 +1193,7 @@
               <a:pPr>
                 <a:defRPr/>
               </a:pPr>
-              <a:t>13</a:t>
+              <a:t>12</a:t>
             </a:fld>
             <a:endParaRPr lang="en-US"/>
           </a:p>
@@ -1284,7 +1283,7 @@
               <a:pPr>
                 <a:defRPr/>
               </a:pPr>
-              <a:t>14</a:t>
+              <a:t>13</a:t>
             </a:fld>
             <a:endParaRPr lang="en-US"/>
           </a:p>
@@ -1374,7 +1373,7 @@
               <a:pPr>
                 <a:defRPr/>
               </a:pPr>
-              <a:t>17</a:t>
+              <a:t>16</a:t>
             </a:fld>
             <a:endParaRPr lang="en-US"/>
           </a:p>
@@ -1501,7 +1500,7 @@
               <a:pPr>
                 <a:defRPr/>
               </a:pPr>
-              <a:t>19</a:t>
+              <a:t>18</a:t>
             </a:fld>
             <a:endParaRPr lang="en-US"/>
           </a:p>
@@ -1591,7 +1590,7 @@
               <a:pPr>
                 <a:defRPr/>
               </a:pPr>
-              <a:t>21</a:t>
+              <a:t>20</a:t>
             </a:fld>
             <a:endParaRPr lang="en-US"/>
           </a:p>
@@ -1654,7 +1653,10 @@
           <a:bodyPr/>
           <a:lstStyle/>
           <a:p>
-            <a:endParaRPr lang="en-US" dirty="0"/>
+            <a:r>
+              <a:rPr lang="en-US" dirty="0"/>
+              <a:t>What term is used for a mutation occurring on a stop codon sequence?</a:t>
+            </a:r>
           </a:p>
         </p:txBody>
       </p:sp>
@@ -1681,7 +1683,7 @@
               <a:pPr>
                 <a:defRPr/>
               </a:pPr>
-              <a:t>23</a:t>
+              <a:t>22</a:t>
             </a:fld>
             <a:endParaRPr lang="en-US"/>
           </a:p>
@@ -1889,7 +1891,7 @@
               <a:pPr>
                 <a:defRPr/>
               </a:pPr>
-              <a:t>2/23/23</a:t>
+              <a:t>2/28/23</a:t>
             </a:fld>
             <a:endParaRPr lang="en-US"/>
           </a:p>
@@ -2084,7 +2086,7 @@
               <a:pPr>
                 <a:defRPr/>
               </a:pPr>
-              <a:t>2/23/23</a:t>
+              <a:t>2/28/23</a:t>
             </a:fld>
             <a:endParaRPr lang="en-US"/>
           </a:p>
@@ -2289,7 +2291,7 @@
               <a:pPr>
                 <a:defRPr/>
               </a:pPr>
-              <a:t>2/23/23</a:t>
+              <a:t>2/28/23</a:t>
             </a:fld>
             <a:endParaRPr lang="en-US"/>
           </a:p>
@@ -2484,7 +2486,7 @@
               <a:pPr>
                 <a:defRPr/>
               </a:pPr>
-              <a:t>2/23/23</a:t>
+              <a:t>2/28/23</a:t>
             </a:fld>
             <a:endParaRPr lang="en-US"/>
           </a:p>
@@ -2756,7 +2758,7 @@
               <a:pPr>
                 <a:defRPr/>
               </a:pPr>
-              <a:t>2/23/23</a:t>
+              <a:t>2/28/23</a:t>
             </a:fld>
             <a:endParaRPr lang="en-US"/>
           </a:p>
@@ -3068,7 +3070,7 @@
               <a:pPr>
                 <a:defRPr/>
               </a:pPr>
-              <a:t>2/23/23</a:t>
+              <a:t>2/28/23</a:t>
             </a:fld>
             <a:endParaRPr lang="en-US"/>
           </a:p>
@@ -3514,7 +3516,7 @@
               <a:pPr>
                 <a:defRPr/>
               </a:pPr>
-              <a:t>2/23/23</a:t>
+              <a:t>2/28/23</a:t>
             </a:fld>
             <a:endParaRPr lang="en-US"/>
           </a:p>
@@ -3658,7 +3660,7 @@
               <a:pPr>
                 <a:defRPr/>
               </a:pPr>
-              <a:t>2/23/23</a:t>
+              <a:t>2/28/23</a:t>
             </a:fld>
             <a:endParaRPr lang="en-US"/>
           </a:p>
@@ -3780,7 +3782,7 @@
               <a:pPr>
                 <a:defRPr/>
               </a:pPr>
-              <a:t>2/23/23</a:t>
+              <a:t>2/28/23</a:t>
             </a:fld>
             <a:endParaRPr lang="en-US"/>
           </a:p>
@@ -4082,7 +4084,7 @@
               <a:pPr>
                 <a:defRPr/>
               </a:pPr>
-              <a:t>2/23/23</a:t>
+              <a:t>2/28/23</a:t>
             </a:fld>
             <a:endParaRPr lang="en-US"/>
           </a:p>
@@ -4364,7 +4366,7 @@
               <a:pPr>
                 <a:defRPr/>
               </a:pPr>
-              <a:t>2/23/23</a:t>
+              <a:t>2/28/23</a:t>
             </a:fld>
             <a:endParaRPr lang="en-US"/>
           </a:p>
@@ -4488,14 +4490,14 @@
           </a:ln>
           <a:extLst>
             <a:ext uri="{909E8E84-426E-40dd-AFC4-6F175D3DCCD1}">
-              <a14:hiddenFill xmlns:a14="http://schemas.microsoft.com/office/drawing/2010/main" xmlns="">
+              <a14:hiddenFill xmlns="" xmlns:a14="http://schemas.microsoft.com/office/drawing/2010/main">
                 <a:solidFill>
                   <a:srgbClr val="FFFFFF"/>
                 </a:solidFill>
               </a14:hiddenFill>
             </a:ext>
             <a:ext uri="{91240B29-F687-4f45-9708-019B960494DF}">
-              <a14:hiddenLine xmlns:a14="http://schemas.microsoft.com/office/drawing/2010/main" xmlns="" w="9525">
+              <a14:hiddenLine xmlns="" xmlns:a14="http://schemas.microsoft.com/office/drawing/2010/main" w="9525">
                 <a:solidFill>
                   <a:srgbClr val="000000"/>
                 </a:solidFill>
@@ -4505,7 +4507,7 @@
               </a14:hiddenLine>
             </a:ext>
             <a:ext uri="{FAA26D3D-D897-4be2-8F04-BA451C77F1D7}">
-              <ma14:placeholderFlag xmlns:ma14="http://schemas.microsoft.com/office/mac/drawingml/2011/main" xmlns="" val="1"/>
+              <ma14:placeholderFlag xmlns="" xmlns:ma14="http://schemas.microsoft.com/office/mac/drawingml/2011/main" val="1"/>
             </a:ext>
           </a:extLst>
         </p:spPr>
@@ -4549,14 +4551,14 @@
           </a:ln>
           <a:extLst>
             <a:ext uri="{909E8E84-426E-40dd-AFC4-6F175D3DCCD1}">
-              <a14:hiddenFill xmlns:a14="http://schemas.microsoft.com/office/drawing/2010/main" xmlns="">
+              <a14:hiddenFill xmlns="" xmlns:a14="http://schemas.microsoft.com/office/drawing/2010/main">
                 <a:solidFill>
                   <a:srgbClr val="FFFFFF"/>
                 </a:solidFill>
               </a14:hiddenFill>
             </a:ext>
             <a:ext uri="{91240B29-F687-4f45-9708-019B960494DF}">
-              <a14:hiddenLine xmlns:a14="http://schemas.microsoft.com/office/drawing/2010/main" xmlns="" w="9525">
+              <a14:hiddenLine xmlns="" xmlns:a14="http://schemas.microsoft.com/office/drawing/2010/main" w="9525">
                 <a:solidFill>
                   <a:srgbClr val="000000"/>
                 </a:solidFill>
@@ -4566,7 +4568,7 @@
               </a14:hiddenLine>
             </a:ext>
             <a:ext uri="{FAA26D3D-D897-4be2-8F04-BA451C77F1D7}">
-              <ma14:placeholderFlag xmlns:ma14="http://schemas.microsoft.com/office/mac/drawingml/2011/main" xmlns="" val="1"/>
+              <ma14:placeholderFlag xmlns="" xmlns:ma14="http://schemas.microsoft.com/office/mac/drawingml/2011/main" val="1"/>
             </a:ext>
           </a:extLst>
         </p:spPr>
@@ -4658,7 +4660,7 @@
               <a:pPr>
                 <a:defRPr/>
               </a:pPr>
-              <a:t>2/23/23</a:t>
+              <a:t>2/28/23</a:t>
             </a:fld>
             <a:endParaRPr lang="en-US"/>
           </a:p>
@@ -5314,8 +5316,8 @@
         </p:nvSpPr>
         <p:spPr>
           <a:xfrm>
-            <a:off x="457200" y="181504"/>
-            <a:ext cx="8229600" cy="1037696"/>
+            <a:off x="457200" y="274638"/>
+            <a:ext cx="8229600" cy="681038"/>
           </a:xfrm>
         </p:spPr>
         <p:txBody>
@@ -5323,8 +5325,116 @@
           <a:lstStyle/>
           <a:p>
             <a:r>
-              <a:rPr lang="en-US" dirty="0"/>
-              <a:t>Next-Generation Sequencing to generate data for variant discovery</a:t>
+              <a:rPr lang="en-US" sz="3200" dirty="0"/>
+              <a:t>Approaches for data generation</a:t>
+            </a:r>
+          </a:p>
+        </p:txBody>
+      </p:sp>
+      <p:sp>
+        <p:nvSpPr>
+          <p:cNvPr id="3" name="Content Placeholder 2"/>
+          <p:cNvSpPr>
+            <a:spLocks noGrp="1"/>
+          </p:cNvSpPr>
+          <p:nvPr>
+            <p:ph idx="1"/>
+          </p:nvPr>
+        </p:nvSpPr>
+        <p:spPr>
+          <a:xfrm>
+            <a:off x="654050" y="1067991"/>
+            <a:ext cx="7835900" cy="5541169"/>
+          </a:xfrm>
+        </p:spPr>
+        <p:txBody>
+          <a:bodyPr/>
+          <a:lstStyle/>
+          <a:p>
+            <a:pPr>
+              <a:lnSpc>
+                <a:spcPct val="120000"/>
+              </a:lnSpc>
+            </a:pPr>
+            <a:r>
+              <a:rPr lang="en-US" sz="2800" b="1" dirty="0"/>
+              <a:t>Whole genome sequencing </a:t>
+            </a:r>
+            <a:r>
+              <a:rPr lang="en-US" sz="2800" dirty="0"/>
+              <a:t>(WGS): high genome coverage but costly for large genomes</a:t>
+            </a:r>
+          </a:p>
+          <a:p>
+            <a:pPr>
+              <a:lnSpc>
+                <a:spcPct val="120000"/>
+              </a:lnSpc>
+            </a:pPr>
+            <a:r>
+              <a:rPr lang="en-US" sz="2800" b="1" dirty="0" err="1"/>
+              <a:t>Exome</a:t>
+            </a:r>
+            <a:r>
+              <a:rPr lang="en-US" sz="2800" b="1" dirty="0"/>
+              <a:t>-capture sequencing</a:t>
+            </a:r>
+            <a:r>
+              <a:rPr lang="en-US" sz="2800" dirty="0"/>
+              <a:t>: target on genic regions but still expensive to perform large number of samples</a:t>
+            </a:r>
+          </a:p>
+          <a:p>
+            <a:pPr>
+              <a:lnSpc>
+                <a:spcPct val="120000"/>
+              </a:lnSpc>
+            </a:pPr>
+            <a:r>
+              <a:rPr lang="en-US" sz="2800" b="1" dirty="0"/>
+              <a:t>RNA sequencing </a:t>
+            </a:r>
+            <a:r>
+              <a:rPr lang="en-US" sz="2800" dirty="0"/>
+              <a:t>(RNA-</a:t>
+            </a:r>
+            <a:r>
+              <a:rPr lang="en-US" sz="2800" dirty="0" err="1"/>
+              <a:t>Seq</a:t>
+            </a:r>
+            <a:r>
+              <a:rPr lang="en-US" sz="2800" dirty="0"/>
+              <a:t>): obtain data on genic regions and provide expression information</a:t>
+            </a:r>
+          </a:p>
+          <a:p>
+            <a:pPr>
+              <a:lnSpc>
+                <a:spcPct val="120000"/>
+              </a:lnSpc>
+            </a:pPr>
+            <a:r>
+              <a:rPr lang="en-US" sz="2800" b="1" dirty="0"/>
+              <a:t>Genotyping-By-Sequencing</a:t>
+            </a:r>
+            <a:r>
+              <a:rPr lang="en-US" sz="2800" dirty="0"/>
+              <a:t> (GBS): cost-efficient and high-throughput approach</a:t>
+            </a:r>
+          </a:p>
+          <a:p>
+            <a:pPr>
+              <a:lnSpc>
+                <a:spcPct val="120000"/>
+              </a:lnSpc>
+            </a:pPr>
+            <a:r>
+              <a:rPr lang="en-US" sz="2800" b="1" dirty="0"/>
+              <a:t>Skim sequencing</a:t>
+            </a:r>
+            <a:r>
+              <a:rPr lang="en-US" sz="2800" dirty="0"/>
+              <a:t>: low-depth WGS</a:t>
             </a:r>
           </a:p>
         </p:txBody>
@@ -5354,710 +5464,20 @@
               </a:pPr>
               <a:t>9</a:t>
             </a:fld>
-            <a:endParaRPr lang="en-US" dirty="0"/>
-          </a:p>
-        </p:txBody>
-      </p:sp>
-      <p:sp>
-        <p:nvSpPr>
-          <p:cNvPr id="47" name="TextBox 46"/>
-          <p:cNvSpPr txBox="1"/>
-          <p:nvPr/>
-        </p:nvSpPr>
-        <p:spPr>
-          <a:xfrm>
-            <a:off x="2447187" y="1653203"/>
-            <a:ext cx="3966314" cy="4524315"/>
-          </a:xfrm>
-          <a:prstGeom prst="rect">
-            <a:avLst/>
-          </a:prstGeom>
-          <a:noFill/>
-          <a:ln>
-            <a:noFill/>
-          </a:ln>
-        </p:spPr>
-        <p:txBody>
-          <a:bodyPr wrap="square">
-            <a:spAutoFit/>
-          </a:bodyPr>
-          <a:lstStyle/>
-          <a:p>
-            <a:pPr algn="ctr">
-              <a:defRPr/>
-            </a:pPr>
-            <a:r>
-              <a:rPr lang="en-US" dirty="0">
-                <a:solidFill>
-                  <a:schemeClr val="bg1">
-                    <a:lumMod val="65000"/>
-                  </a:schemeClr>
-                </a:solidFill>
-                <a:latin typeface="Courier"/>
-                <a:ea typeface="ＭＳ Ｐゴシック" charset="-128"/>
-                <a:cs typeface="Courier"/>
-              </a:rPr>
-              <a:t>GATCTGCGT</a:t>
-            </a:r>
-            <a:r>
-              <a:rPr lang="en-US" dirty="0">
-                <a:solidFill>
-                  <a:srgbClr val="008000"/>
-                </a:solidFill>
-                <a:latin typeface="Courier"/>
-                <a:ea typeface="ＭＳ Ｐゴシック" charset="-128"/>
-                <a:cs typeface="Courier"/>
-              </a:rPr>
-              <a:t>C</a:t>
-            </a:r>
-            <a:r>
-              <a:rPr lang="en-US" dirty="0">
-                <a:solidFill>
-                  <a:schemeClr val="bg1">
-                    <a:lumMod val="65000"/>
-                  </a:schemeClr>
-                </a:solidFill>
-                <a:latin typeface="Courier"/>
-                <a:ea typeface="ＭＳ Ｐゴシック" charset="-128"/>
-                <a:cs typeface="Courier"/>
-              </a:rPr>
-              <a:t>ATACGGAAT</a:t>
-            </a:r>
-          </a:p>
-          <a:p>
-            <a:pPr algn="ctr">
-              <a:defRPr/>
-            </a:pPr>
-            <a:r>
-              <a:rPr lang="en-US" dirty="0">
-                <a:solidFill>
-                  <a:schemeClr val="bg1">
-                    <a:lumMod val="65000"/>
-                  </a:schemeClr>
-                </a:solidFill>
-                <a:latin typeface="Courier"/>
-                <a:ea typeface="ＭＳ Ｐゴシック" charset="-128"/>
-                <a:cs typeface="Courier"/>
-              </a:rPr>
-              <a:t>GATCTGCGT</a:t>
-            </a:r>
-            <a:r>
-              <a:rPr lang="en-US" dirty="0">
-                <a:solidFill>
-                  <a:srgbClr val="FF0000"/>
-                </a:solidFill>
-                <a:latin typeface="Courier"/>
-                <a:ea typeface="ＭＳ Ｐゴシック" charset="-128"/>
-                <a:cs typeface="Courier"/>
-              </a:rPr>
-              <a:t>G</a:t>
-            </a:r>
-            <a:r>
-              <a:rPr lang="en-US" dirty="0">
-                <a:solidFill>
-                  <a:schemeClr val="bg1">
-                    <a:lumMod val="65000"/>
-                  </a:schemeClr>
-                </a:solidFill>
-                <a:latin typeface="Courier"/>
-                <a:ea typeface="ＭＳ Ｐゴシック" charset="-128"/>
-                <a:cs typeface="Courier"/>
-              </a:rPr>
-              <a:t>ATACGGAAT</a:t>
-            </a:r>
-          </a:p>
-          <a:p>
-            <a:pPr algn="ctr">
-              <a:defRPr/>
-            </a:pPr>
-            <a:r>
-              <a:rPr lang="en-US" dirty="0">
-                <a:solidFill>
-                  <a:schemeClr val="bg1">
-                    <a:lumMod val="65000"/>
-                  </a:schemeClr>
-                </a:solidFill>
-                <a:latin typeface="Courier"/>
-                <a:ea typeface="ＭＳ Ｐゴシック" charset="-128"/>
-                <a:cs typeface="Courier"/>
-              </a:rPr>
-              <a:t>GATCTGCGT</a:t>
-            </a:r>
-            <a:r>
-              <a:rPr lang="en-US" dirty="0">
-                <a:solidFill>
-                  <a:srgbClr val="008000"/>
-                </a:solidFill>
-                <a:latin typeface="Courier"/>
-                <a:ea typeface="ＭＳ Ｐゴシック" charset="-128"/>
-                <a:cs typeface="Courier"/>
-              </a:rPr>
-              <a:t>C</a:t>
-            </a:r>
-            <a:r>
-              <a:rPr lang="en-US" dirty="0">
-                <a:solidFill>
-                  <a:schemeClr val="bg1">
-                    <a:lumMod val="65000"/>
-                  </a:schemeClr>
-                </a:solidFill>
-                <a:latin typeface="Courier"/>
-                <a:ea typeface="ＭＳ Ｐゴシック" charset="-128"/>
-                <a:cs typeface="Courier"/>
-              </a:rPr>
-              <a:t>ATACGGAAT</a:t>
-            </a:r>
-          </a:p>
-          <a:p>
-            <a:pPr algn="ctr">
-              <a:defRPr/>
-            </a:pPr>
-            <a:r>
-              <a:rPr lang="en-US" dirty="0">
-                <a:solidFill>
-                  <a:schemeClr val="bg1">
-                    <a:lumMod val="65000"/>
-                  </a:schemeClr>
-                </a:solidFill>
-                <a:latin typeface="Courier"/>
-                <a:ea typeface="ＭＳ Ｐゴシック" charset="-128"/>
-                <a:cs typeface="Courier"/>
-              </a:rPr>
-              <a:t>GATCTGCGT</a:t>
-            </a:r>
-            <a:r>
-              <a:rPr lang="en-US" dirty="0">
-                <a:solidFill>
-                  <a:srgbClr val="FF0000"/>
-                </a:solidFill>
-                <a:latin typeface="Courier"/>
-                <a:ea typeface="ＭＳ Ｐゴシック" charset="-128"/>
-                <a:cs typeface="Courier"/>
-              </a:rPr>
-              <a:t>G</a:t>
-            </a:r>
-            <a:r>
-              <a:rPr lang="en-US" dirty="0">
-                <a:solidFill>
-                  <a:schemeClr val="bg1">
-                    <a:lumMod val="65000"/>
-                  </a:schemeClr>
-                </a:solidFill>
-                <a:latin typeface="Courier"/>
-                <a:ea typeface="ＭＳ Ｐゴシック" charset="-128"/>
-                <a:cs typeface="Courier"/>
-              </a:rPr>
-              <a:t>ATACGGAAT</a:t>
-            </a:r>
-          </a:p>
-          <a:p>
-            <a:pPr algn="ctr">
-              <a:defRPr/>
-            </a:pPr>
-            <a:r>
-              <a:rPr lang="en-US" dirty="0">
-                <a:solidFill>
-                  <a:schemeClr val="bg1">
-                    <a:lumMod val="65000"/>
-                  </a:schemeClr>
-                </a:solidFill>
-                <a:latin typeface="Courier"/>
-                <a:ea typeface="ＭＳ Ｐゴシック" charset="-128"/>
-                <a:cs typeface="Courier"/>
-              </a:rPr>
-              <a:t>GATCTGCGT</a:t>
-            </a:r>
-            <a:r>
-              <a:rPr lang="en-US" dirty="0">
-                <a:solidFill>
-                  <a:srgbClr val="FF0000"/>
-                </a:solidFill>
-                <a:latin typeface="Courier"/>
-                <a:ea typeface="ＭＳ Ｐゴシック" charset="-128"/>
-                <a:cs typeface="Courier"/>
-              </a:rPr>
-              <a:t>G</a:t>
-            </a:r>
-            <a:r>
-              <a:rPr lang="en-US" dirty="0">
-                <a:solidFill>
-                  <a:schemeClr val="bg1">
-                    <a:lumMod val="65000"/>
-                  </a:schemeClr>
-                </a:solidFill>
-                <a:latin typeface="Courier"/>
-                <a:ea typeface="ＭＳ Ｐゴシック" charset="-128"/>
-                <a:cs typeface="Courier"/>
-              </a:rPr>
-              <a:t>ATACGGAAT</a:t>
-            </a:r>
-          </a:p>
-          <a:p>
-            <a:pPr algn="ctr">
-              <a:defRPr/>
-            </a:pPr>
-            <a:r>
-              <a:rPr lang="en-US" dirty="0">
-                <a:solidFill>
-                  <a:schemeClr val="bg1">
-                    <a:lumMod val="65000"/>
-                  </a:schemeClr>
-                </a:solidFill>
-                <a:latin typeface="Courier"/>
-                <a:ea typeface="ＭＳ Ｐゴシック" charset="-128"/>
-                <a:cs typeface="Courier"/>
-              </a:rPr>
-              <a:t>GATCTGCGT</a:t>
-            </a:r>
-            <a:r>
-              <a:rPr lang="en-US" dirty="0">
-                <a:solidFill>
-                  <a:srgbClr val="FF0000"/>
-                </a:solidFill>
-                <a:latin typeface="Courier"/>
-                <a:ea typeface="ＭＳ Ｐゴシック" charset="-128"/>
-                <a:cs typeface="Courier"/>
-              </a:rPr>
-              <a:t>G</a:t>
-            </a:r>
-            <a:r>
-              <a:rPr lang="en-US" dirty="0">
-                <a:solidFill>
-                  <a:schemeClr val="bg1">
-                    <a:lumMod val="65000"/>
-                  </a:schemeClr>
-                </a:solidFill>
-                <a:latin typeface="Courier"/>
-                <a:ea typeface="ＭＳ Ｐゴシック" charset="-128"/>
-                <a:cs typeface="Courier"/>
-              </a:rPr>
-              <a:t>ATACGGAAT</a:t>
-            </a:r>
-          </a:p>
-          <a:p>
-            <a:pPr algn="ctr">
-              <a:defRPr/>
-            </a:pPr>
-            <a:r>
-              <a:rPr lang="en-US" dirty="0">
-                <a:solidFill>
-                  <a:schemeClr val="bg1">
-                    <a:lumMod val="65000"/>
-                  </a:schemeClr>
-                </a:solidFill>
-                <a:latin typeface="Courier"/>
-                <a:ea typeface="ＭＳ Ｐゴシック" charset="-128"/>
-                <a:cs typeface="Courier"/>
-              </a:rPr>
-              <a:t>GATCTGCGT</a:t>
-            </a:r>
-            <a:r>
-              <a:rPr lang="en-US" dirty="0">
-                <a:solidFill>
-                  <a:srgbClr val="008000"/>
-                </a:solidFill>
-                <a:latin typeface="Courier"/>
-                <a:ea typeface="ＭＳ Ｐゴシック" charset="-128"/>
-                <a:cs typeface="Courier"/>
-              </a:rPr>
-              <a:t>C</a:t>
-            </a:r>
-            <a:r>
-              <a:rPr lang="en-US" dirty="0">
-                <a:solidFill>
-                  <a:schemeClr val="bg1">
-                    <a:lumMod val="65000"/>
-                  </a:schemeClr>
-                </a:solidFill>
-                <a:latin typeface="Courier"/>
-                <a:ea typeface="ＭＳ Ｐゴシック" charset="-128"/>
-                <a:cs typeface="Courier"/>
-              </a:rPr>
-              <a:t>ATACGGAAT</a:t>
-            </a:r>
-          </a:p>
-          <a:p>
-            <a:pPr algn="ctr">
-              <a:defRPr/>
-            </a:pPr>
-            <a:r>
-              <a:rPr lang="en-US" dirty="0">
-                <a:solidFill>
-                  <a:schemeClr val="bg1">
-                    <a:lumMod val="65000"/>
-                  </a:schemeClr>
-                </a:solidFill>
-                <a:latin typeface="Courier"/>
-                <a:ea typeface="ＭＳ Ｐゴシック" charset="-128"/>
-                <a:cs typeface="Courier"/>
-              </a:rPr>
-              <a:t>GATCTGCGT</a:t>
-            </a:r>
-            <a:r>
-              <a:rPr lang="en-US" dirty="0">
-                <a:solidFill>
-                  <a:srgbClr val="008000"/>
-                </a:solidFill>
-                <a:latin typeface="Courier"/>
-                <a:ea typeface="ＭＳ Ｐゴシック" charset="-128"/>
-                <a:cs typeface="Courier"/>
-              </a:rPr>
-              <a:t>C</a:t>
-            </a:r>
-            <a:r>
-              <a:rPr lang="en-US" dirty="0">
-                <a:solidFill>
-                  <a:schemeClr val="bg1">
-                    <a:lumMod val="65000"/>
-                  </a:schemeClr>
-                </a:solidFill>
-                <a:latin typeface="Courier"/>
-                <a:ea typeface="ＭＳ Ｐゴシック" charset="-128"/>
-                <a:cs typeface="Courier"/>
-              </a:rPr>
-              <a:t>ATACGGAAT</a:t>
-            </a:r>
-          </a:p>
-          <a:p>
-            <a:pPr algn="ctr">
-              <a:defRPr/>
-            </a:pPr>
-            <a:r>
-              <a:rPr lang="en-US" dirty="0">
-                <a:solidFill>
-                  <a:schemeClr val="bg1">
-                    <a:lumMod val="65000"/>
-                  </a:schemeClr>
-                </a:solidFill>
-                <a:latin typeface="Courier"/>
-                <a:ea typeface="ＭＳ Ｐゴシック" charset="-128"/>
-                <a:cs typeface="Courier"/>
-              </a:rPr>
-              <a:t>GATCTGCGT</a:t>
-            </a:r>
-            <a:r>
-              <a:rPr lang="en-US" dirty="0">
-                <a:solidFill>
-                  <a:srgbClr val="FF0000"/>
-                </a:solidFill>
-                <a:latin typeface="Courier"/>
-                <a:ea typeface="ＭＳ Ｐゴシック" charset="-128"/>
-                <a:cs typeface="Courier"/>
-              </a:rPr>
-              <a:t>G</a:t>
-            </a:r>
-            <a:r>
-              <a:rPr lang="en-US" dirty="0">
-                <a:solidFill>
-                  <a:schemeClr val="bg1">
-                    <a:lumMod val="65000"/>
-                  </a:schemeClr>
-                </a:solidFill>
-                <a:latin typeface="Courier"/>
-                <a:ea typeface="ＭＳ Ｐゴシック" charset="-128"/>
-                <a:cs typeface="Courier"/>
-              </a:rPr>
-              <a:t>ATACGGAAT</a:t>
-            </a:r>
-          </a:p>
-          <a:p>
-            <a:pPr algn="ctr">
-              <a:defRPr/>
-            </a:pPr>
-            <a:r>
-              <a:rPr lang="en-US" dirty="0">
-                <a:solidFill>
-                  <a:schemeClr val="bg1">
-                    <a:lumMod val="65000"/>
-                  </a:schemeClr>
-                </a:solidFill>
-                <a:latin typeface="Courier"/>
-                <a:ea typeface="ＭＳ Ｐゴシック" charset="-128"/>
-                <a:cs typeface="Courier"/>
-              </a:rPr>
-              <a:t>GATCTGCGT</a:t>
-            </a:r>
-            <a:r>
-              <a:rPr lang="en-US" dirty="0">
-                <a:solidFill>
-                  <a:srgbClr val="008000"/>
-                </a:solidFill>
-                <a:latin typeface="Courier"/>
-                <a:ea typeface="ＭＳ Ｐゴシック" charset="-128"/>
-                <a:cs typeface="Courier"/>
-              </a:rPr>
-              <a:t>C</a:t>
-            </a:r>
-            <a:r>
-              <a:rPr lang="en-US" dirty="0">
-                <a:solidFill>
-                  <a:schemeClr val="bg1">
-                    <a:lumMod val="65000"/>
-                  </a:schemeClr>
-                </a:solidFill>
-                <a:latin typeface="Courier"/>
-                <a:ea typeface="ＭＳ Ｐゴシック" charset="-128"/>
-                <a:cs typeface="Courier"/>
-              </a:rPr>
-              <a:t>ATACGGAAT</a:t>
-            </a:r>
-          </a:p>
-          <a:p>
-            <a:pPr algn="ctr">
-              <a:defRPr/>
-            </a:pPr>
-            <a:endParaRPr lang="en-US" dirty="0">
-              <a:solidFill>
-                <a:srgbClr val="7F7F7F"/>
-              </a:solidFill>
-              <a:latin typeface="Courier"/>
-              <a:ea typeface="ＭＳ Ｐゴシック" charset="-128"/>
-              <a:cs typeface="Courier"/>
-            </a:endParaRPr>
-          </a:p>
-          <a:p>
-            <a:pPr algn="ctr">
-              <a:defRPr/>
-            </a:pPr>
-            <a:r>
-              <a:rPr lang="en-US" dirty="0">
-                <a:solidFill>
-                  <a:srgbClr val="7F7F7F"/>
-                </a:solidFill>
-                <a:latin typeface="Courier"/>
-                <a:ea typeface="ＭＳ Ｐゴシック" charset="-128"/>
-                <a:cs typeface="Courier"/>
-              </a:rPr>
-              <a:t>--------</a:t>
-            </a:r>
-            <a:r>
-              <a:rPr lang="en-US" dirty="0">
-                <a:solidFill>
-                  <a:srgbClr val="008000"/>
-                </a:solidFill>
-                <a:latin typeface="Courier"/>
-                <a:ea typeface="ＭＳ Ｐゴシック" charset="-128"/>
-                <a:cs typeface="Courier"/>
-              </a:rPr>
-              <a:t>C</a:t>
-            </a:r>
-            <a:r>
-              <a:rPr lang="en-US" dirty="0">
-                <a:solidFill>
-                  <a:srgbClr val="984807"/>
-                </a:solidFill>
-                <a:latin typeface="Courier"/>
-                <a:ea typeface="ＭＳ Ｐゴシック" charset="-128"/>
-                <a:cs typeface="Courier"/>
-              </a:rPr>
-              <a:t>/</a:t>
-            </a:r>
-            <a:r>
-              <a:rPr lang="en-US" dirty="0">
-                <a:solidFill>
-                  <a:srgbClr val="FF0000"/>
-                </a:solidFill>
-                <a:latin typeface="Courier"/>
-                <a:ea typeface="ＭＳ Ｐゴシック" charset="-128"/>
-                <a:cs typeface="Courier"/>
-              </a:rPr>
-              <a:t>G</a:t>
-            </a:r>
-            <a:r>
-              <a:rPr lang="en-US" dirty="0">
-                <a:solidFill>
-                  <a:srgbClr val="7F7F7F"/>
-                </a:solidFill>
-                <a:latin typeface="Courier"/>
-                <a:ea typeface="ＭＳ Ｐゴシック" charset="-128"/>
-                <a:cs typeface="Courier"/>
-              </a:rPr>
-              <a:t>--------</a:t>
-            </a:r>
-          </a:p>
-        </p:txBody>
-      </p:sp>
-      <p:sp>
-        <p:nvSpPr>
-          <p:cNvPr id="3" name="TextBox 2">
-            <a:extLst>
-              <a:ext uri="{FF2B5EF4-FFF2-40B4-BE49-F238E27FC236}">
-                <a16:creationId xmlns:a16="http://schemas.microsoft.com/office/drawing/2014/main" id="{38D0D49D-3847-534C-9DA6-9D7D54E74F3C}"/>
-              </a:ext>
-            </a:extLst>
-          </p:cNvPr>
-          <p:cNvSpPr txBox="1"/>
-          <p:nvPr/>
-        </p:nvSpPr>
-        <p:spPr>
-          <a:xfrm>
-            <a:off x="6244190" y="5525353"/>
-            <a:ext cx="2340962" cy="830997"/>
-          </a:xfrm>
-          <a:prstGeom prst="rect">
-            <a:avLst/>
-          </a:prstGeom>
-          <a:noFill/>
-        </p:spPr>
-        <p:txBody>
-          <a:bodyPr wrap="none" rtlCol="0">
-            <a:spAutoFit/>
-          </a:bodyPr>
-          <a:lstStyle/>
-          <a:p>
-            <a:r>
-              <a:rPr lang="en-US" dirty="0">
-                <a:latin typeface="Calibri Light" panose="020F0302020204030204" pitchFamily="34" charset="0"/>
-                <a:cs typeface="Calibri Light" panose="020F0302020204030204" pitchFamily="34" charset="0"/>
-              </a:rPr>
-              <a:t>Heterozygous call</a:t>
-            </a:r>
-          </a:p>
-          <a:p>
-            <a:r>
-              <a:rPr lang="en-US" dirty="0">
-                <a:latin typeface="Calibri Light" panose="020F0302020204030204" pitchFamily="34" charset="0"/>
-                <a:cs typeface="Calibri Light" panose="020F0302020204030204" pitchFamily="34" charset="0"/>
-              </a:rPr>
-              <a:t>(diploid genome)</a:t>
-            </a:r>
+            <a:endParaRPr lang="en-US"/>
           </a:p>
         </p:txBody>
       </p:sp>
     </p:spTree>
     <p:extLst>
       <p:ext uri="{BB962C8B-B14F-4D97-AF65-F5344CB8AC3E}">
-        <p14:creationId xmlns:p14="http://schemas.microsoft.com/office/powerpoint/2010/main" val="2972565571"/>
+        <p14:creationId xmlns:p14="http://schemas.microsoft.com/office/powerpoint/2010/main" val="4039510388"/>
       </p:ext>
     </p:extLst>
   </p:cSld>
   <p:clrMapOvr>
     <a:masterClrMapping/>
   </p:clrMapOvr>
-  <p:timing>
-    <p:tnLst>
-      <p:par>
-        <p:cTn id="1" dur="indefinite" restart="never" nodeType="tmRoot">
-          <p:childTnLst>
-            <p:seq concurrent="1" nextAc="seek">
-              <p:cTn id="2" dur="indefinite" nodeType="mainSeq">
-                <p:childTnLst>
-                  <p:par>
-                    <p:cTn id="3" fill="hold">
-                      <p:stCondLst>
-                        <p:cond delay="indefinite"/>
-                      </p:stCondLst>
-                      <p:childTnLst>
-                        <p:par>
-                          <p:cTn id="4" fill="hold">
-                            <p:stCondLst>
-                              <p:cond delay="0"/>
-                            </p:stCondLst>
-                            <p:childTnLst>
-                              <p:par>
-                                <p:cTn id="5" presetID="1" presetClass="entr" presetSubtype="0" fill="hold" grpId="0" nodeType="clickEffect">
-                                  <p:stCondLst>
-                                    <p:cond delay="0"/>
-                                  </p:stCondLst>
-                                  <p:childTnLst>
-                                    <p:set>
-                                      <p:cBhvr>
-                                        <p:cTn id="6" dur="1" fill="hold">
-                                          <p:stCondLst>
-                                            <p:cond delay="0"/>
-                                          </p:stCondLst>
-                                        </p:cTn>
-                                        <p:tgtEl>
-                                          <p:spTgt spid="47"/>
-                                        </p:tgtEl>
-                                        <p:attrNameLst>
-                                          <p:attrName>style.visibility</p:attrName>
-                                        </p:attrNameLst>
-                                      </p:cBhvr>
-                                      <p:to>
-                                        <p:strVal val="visible"/>
-                                      </p:to>
-                                    </p:set>
-                                  </p:childTnLst>
-                                </p:cTn>
-                              </p:par>
-                            </p:childTnLst>
-                          </p:cTn>
-                        </p:par>
-                      </p:childTnLst>
-                    </p:cTn>
-                  </p:par>
-                  <p:par>
-                    <p:cTn id="7" fill="hold">
-                      <p:stCondLst>
-                        <p:cond delay="indefinite"/>
-                      </p:stCondLst>
-                      <p:childTnLst>
-                        <p:par>
-                          <p:cTn id="8" fill="hold">
-                            <p:stCondLst>
-                              <p:cond delay="0"/>
-                            </p:stCondLst>
-                            <p:childTnLst>
-                              <p:par>
-                                <p:cTn id="9" presetID="1" presetClass="entr" presetSubtype="0" fill="hold" grpId="0" nodeType="clickEffect">
-                                  <p:stCondLst>
-                                    <p:cond delay="0"/>
-                                  </p:stCondLst>
-                                  <p:childTnLst>
-                                    <p:set>
-                                      <p:cBhvr>
-                                        <p:cTn id="10" dur="1" fill="hold">
-                                          <p:stCondLst>
-                                            <p:cond delay="0"/>
-                                          </p:stCondLst>
-                                        </p:cTn>
-                                        <p:tgtEl>
-                                          <p:spTgt spid="3"/>
-                                        </p:tgtEl>
-                                        <p:attrNameLst>
-                                          <p:attrName>style.visibility</p:attrName>
-                                        </p:attrNameLst>
-                                      </p:cBhvr>
-                                      <p:to>
-                                        <p:strVal val="visible"/>
-                                      </p:to>
-                                    </p:set>
-                                  </p:childTnLst>
-                                </p:cTn>
-                              </p:par>
-                            </p:childTnLst>
-                          </p:cTn>
-                        </p:par>
-                      </p:childTnLst>
-                    </p:cTn>
-                  </p:par>
-                </p:childTnLst>
-              </p:cTn>
-              <p:prevCondLst>
-                <p:cond evt="onPrev" delay="0">
-                  <p:tgtEl>
-                    <p:sldTgt/>
-                  </p:tgtEl>
-                </p:cond>
-              </p:prevCondLst>
-              <p:nextCondLst>
-                <p:cond evt="onNext" delay="0">
-                  <p:tgtEl>
-                    <p:sldTgt/>
-                  </p:tgtEl>
-                </p:cond>
-              </p:nextCondLst>
-            </p:seq>
-          </p:childTnLst>
-        </p:cTn>
-      </p:par>
-    </p:tnLst>
-    <p:bldLst>
-      <p:bldP spid="47" grpId="0"/>
-      <p:bldP spid="3" grpId="0"/>
-    </p:bldLst>
-  </p:timing>
 </p:sld>
 </file>
 
@@ -6088,127 +5508,14 @@
             <p:ph type="title"/>
           </p:nvPr>
         </p:nvSpPr>
-        <p:spPr>
-          <a:xfrm>
-            <a:off x="457200" y="274638"/>
-            <a:ext cx="8229600" cy="681038"/>
-          </a:xfrm>
-        </p:spPr>
+        <p:spPr/>
         <p:txBody>
           <a:bodyPr/>
           <a:lstStyle/>
           <a:p>
             <a:r>
-              <a:rPr lang="en-US" sz="3200" dirty="0"/>
-              <a:t>Approaches for data generation</a:t>
-            </a:r>
-          </a:p>
-        </p:txBody>
-      </p:sp>
-      <p:sp>
-        <p:nvSpPr>
-          <p:cNvPr id="3" name="Content Placeholder 2"/>
-          <p:cNvSpPr>
-            <a:spLocks noGrp="1"/>
-          </p:cNvSpPr>
-          <p:nvPr>
-            <p:ph idx="1"/>
-          </p:nvPr>
-        </p:nvSpPr>
-        <p:spPr>
-          <a:xfrm>
-            <a:off x="654050" y="1067991"/>
-            <a:ext cx="7835900" cy="5541169"/>
-          </a:xfrm>
-        </p:spPr>
-        <p:txBody>
-          <a:bodyPr/>
-          <a:lstStyle/>
-          <a:p>
-            <a:pPr>
-              <a:lnSpc>
-                <a:spcPct val="120000"/>
-              </a:lnSpc>
-            </a:pPr>
-            <a:r>
-              <a:rPr lang="en-US" sz="2800" b="1" dirty="0"/>
-              <a:t>Whole genome sequencing </a:t>
-            </a:r>
-            <a:r>
-              <a:rPr lang="en-US" sz="2800" dirty="0"/>
-              <a:t>(WGS): high genome coverage but costly for large genomes</a:t>
-            </a:r>
-          </a:p>
-          <a:p>
-            <a:pPr>
-              <a:lnSpc>
-                <a:spcPct val="120000"/>
-              </a:lnSpc>
-            </a:pPr>
-            <a:r>
-              <a:rPr lang="en-US" sz="2800" b="1" dirty="0" err="1"/>
-              <a:t>Exome</a:t>
-            </a:r>
-            <a:r>
-              <a:rPr lang="en-US" sz="2800" b="1" dirty="0"/>
-              <a:t>-capture sequencing</a:t>
-            </a:r>
-            <a:r>
-              <a:rPr lang="en-US" sz="2800" dirty="0"/>
-              <a:t>: target on genic regions but still expensive to perform large number of samples</a:t>
-            </a:r>
-          </a:p>
-          <a:p>
-            <a:pPr>
-              <a:lnSpc>
-                <a:spcPct val="120000"/>
-              </a:lnSpc>
-            </a:pPr>
-            <a:r>
-              <a:rPr lang="en-US" sz="2800" b="1" dirty="0"/>
-              <a:t>RNA sequencing </a:t>
-            </a:r>
-            <a:r>
-              <a:rPr lang="en-US" sz="2800" dirty="0"/>
-              <a:t>(RNA-</a:t>
-            </a:r>
-            <a:r>
-              <a:rPr lang="en-US" sz="2800" dirty="0" err="1"/>
-              <a:t>Seq</a:t>
-            </a:r>
-            <a:r>
-              <a:rPr lang="en-US" sz="2800" dirty="0"/>
-              <a:t>): obtain data on genic regions and provide expression information</a:t>
-            </a:r>
-          </a:p>
-          <a:p>
-            <a:pPr>
-              <a:lnSpc>
-                <a:spcPct val="120000"/>
-              </a:lnSpc>
-            </a:pPr>
-            <a:r>
-              <a:rPr lang="en-US" sz="2800" b="1" dirty="0"/>
-              <a:t>Genotyping-By-Sequencing</a:t>
-            </a:r>
-            <a:r>
-              <a:rPr lang="en-US" sz="2800" dirty="0"/>
-              <a:t> (GBS): cost-efficient and high-throughput approach</a:t>
-            </a:r>
-          </a:p>
-          <a:p>
-            <a:pPr>
-              <a:lnSpc>
-                <a:spcPct val="120000"/>
-              </a:lnSpc>
-            </a:pPr>
-            <a:r>
-              <a:rPr lang="en-US" sz="2800" b="1" dirty="0"/>
-              <a:t>Skim sequencing</a:t>
-            </a:r>
-            <a:r>
-              <a:rPr lang="en-US" sz="2800" dirty="0"/>
-              <a:t>: low-depth WGS</a:t>
+              <a:rPr lang="en-US" dirty="0"/>
+              <a:t>Alignment-based SNP discovery</a:t>
             </a:r>
           </a:p>
         </p:txBody>
@@ -6237,87 +5544,6 @@
                 <a:defRPr/>
               </a:pPr>
               <a:t>10</a:t>
-            </a:fld>
-            <a:endParaRPr lang="en-US"/>
-          </a:p>
-        </p:txBody>
-      </p:sp>
-    </p:spTree>
-    <p:extLst>
-      <p:ext uri="{BB962C8B-B14F-4D97-AF65-F5344CB8AC3E}">
-        <p14:creationId xmlns:p14="http://schemas.microsoft.com/office/powerpoint/2010/main" val="4039510388"/>
-      </p:ext>
-    </p:extLst>
-  </p:cSld>
-  <p:clrMapOvr>
-    <a:masterClrMapping/>
-  </p:clrMapOvr>
-</p:sld>
-</file>
-
-<file path=ppt/slides/slide12.xml><?xml version="1.0" encoding="utf-8"?>
-<p:sld xmlns:a="http://schemas.openxmlformats.org/drawingml/2006/main" xmlns:r="http://schemas.openxmlformats.org/officeDocument/2006/relationships" xmlns:p="http://schemas.openxmlformats.org/presentationml/2006/main">
-  <p:cSld>
-    <p:spTree>
-      <p:nvGrpSpPr>
-        <p:cNvPr id="1" name=""/>
-        <p:cNvGrpSpPr/>
-        <p:nvPr/>
-      </p:nvGrpSpPr>
-      <p:grpSpPr>
-        <a:xfrm>
-          <a:off x="0" y="0"/>
-          <a:ext cx="0" cy="0"/>
-          <a:chOff x="0" y="0"/>
-          <a:chExt cx="0" cy="0"/>
-        </a:xfrm>
-      </p:grpSpPr>
-      <p:sp>
-        <p:nvSpPr>
-          <p:cNvPr id="2" name="Title 1"/>
-          <p:cNvSpPr>
-            <a:spLocks noGrp="1"/>
-          </p:cNvSpPr>
-          <p:nvPr>
-            <p:ph type="title"/>
-          </p:nvPr>
-        </p:nvSpPr>
-        <p:spPr/>
-        <p:txBody>
-          <a:bodyPr/>
-          <a:lstStyle/>
-          <a:p>
-            <a:r>
-              <a:rPr lang="en-US" dirty="0"/>
-              <a:t>Alignment-based SNP discovery</a:t>
-            </a:r>
-          </a:p>
-        </p:txBody>
-      </p:sp>
-      <p:sp>
-        <p:nvSpPr>
-          <p:cNvPr id="4" name="Slide Number Placeholder 3"/>
-          <p:cNvSpPr>
-            <a:spLocks noGrp="1"/>
-          </p:cNvSpPr>
-          <p:nvPr>
-            <p:ph type="sldNum" sz="quarter" idx="12"/>
-          </p:nvPr>
-        </p:nvSpPr>
-        <p:spPr/>
-        <p:txBody>
-          <a:bodyPr/>
-          <a:lstStyle/>
-          <a:p>
-            <a:pPr>
-              <a:defRPr/>
-            </a:pPr>
-            <a:fld id="{9E3EFA63-DE6B-1C40-8E13-70DFD3C7F100}" type="slidenum">
-              <a:rPr lang="en-US" smtClean="0"/>
-              <a:pPr>
-                <a:defRPr/>
-              </a:pPr>
-              <a:t>11</a:t>
             </a:fld>
             <a:endParaRPr lang="en-US"/>
           </a:p>
@@ -6879,6 +6105,206 @@
 </p:sld>
 </file>
 
+<file path=ppt/slides/slide12.xml><?xml version="1.0" encoding="utf-8"?>
+<p:sld xmlns:a="http://schemas.openxmlformats.org/drawingml/2006/main" xmlns:r="http://schemas.openxmlformats.org/officeDocument/2006/relationships" xmlns:p="http://schemas.openxmlformats.org/presentationml/2006/main">
+  <p:cSld>
+    <p:spTree>
+      <p:nvGrpSpPr>
+        <p:cNvPr id="1" name=""/>
+        <p:cNvGrpSpPr/>
+        <p:nvPr/>
+      </p:nvGrpSpPr>
+      <p:grpSpPr>
+        <a:xfrm>
+          <a:off x="0" y="0"/>
+          <a:ext cx="0" cy="0"/>
+          <a:chOff x="0" y="0"/>
+          <a:chExt cx="0" cy="0"/>
+        </a:xfrm>
+      </p:grpSpPr>
+      <p:sp>
+        <p:nvSpPr>
+          <p:cNvPr id="2" name="Title 1"/>
+          <p:cNvSpPr>
+            <a:spLocks noGrp="1"/>
+          </p:cNvSpPr>
+          <p:nvPr>
+            <p:ph type="title"/>
+          </p:nvPr>
+        </p:nvSpPr>
+        <p:spPr/>
+        <p:txBody>
+          <a:bodyPr/>
+          <a:lstStyle/>
+          <a:p>
+            <a:r>
+              <a:rPr lang="en-US" sz="3200" dirty="0">
+                <a:latin typeface="+mj-lt"/>
+              </a:rPr>
+              <a:t>Alignment-based SNP discovery, cont</a:t>
+            </a:r>
+            <a:r>
+              <a:rPr lang="en-US" sz="3200" dirty="0"/>
+              <a:t>.</a:t>
+            </a:r>
+            <a:endParaRPr lang="en-US" sz="3200" dirty="0">
+              <a:latin typeface="+mj-lt"/>
+            </a:endParaRPr>
+          </a:p>
+        </p:txBody>
+      </p:sp>
+      <p:sp>
+        <p:nvSpPr>
+          <p:cNvPr id="3" name="Content Placeholder 2"/>
+          <p:cNvSpPr>
+            <a:spLocks noGrp="1"/>
+          </p:cNvSpPr>
+          <p:nvPr>
+            <p:ph idx="1"/>
+          </p:nvPr>
+        </p:nvSpPr>
+        <p:spPr>
+          <a:xfrm>
+            <a:off x="180975" y="1564742"/>
+            <a:ext cx="8782050" cy="4316513"/>
+          </a:xfrm>
+        </p:spPr>
+        <p:txBody>
+          <a:bodyPr/>
+          <a:lstStyle/>
+          <a:p>
+            <a:pPr marL="0" indent="0">
+              <a:buNone/>
+            </a:pPr>
+            <a:r>
+              <a:rPr lang="en-US" sz="2400" b="1" dirty="0"/>
+              <a:t>General procedure</a:t>
+            </a:r>
+          </a:p>
+          <a:p>
+            <a:r>
+              <a:rPr lang="en-US" sz="2400" dirty="0"/>
+              <a:t>Reads cleanup (adaptor, quality trimming, e.g., </a:t>
+            </a:r>
+            <a:r>
+              <a:rPr lang="en-US" sz="2400" dirty="0" err="1"/>
+              <a:t>trimmomatic</a:t>
+            </a:r>
+            <a:r>
+              <a:rPr lang="en-US" sz="2400" dirty="0"/>
+              <a:t>)</a:t>
+            </a:r>
+          </a:p>
+          <a:p>
+            <a:r>
+              <a:rPr lang="en-US" sz="2400" dirty="0"/>
+              <a:t>Reads aligned to the reference genome with aligners</a:t>
+            </a:r>
+          </a:p>
+          <a:p>
+            <a:pPr marL="0" indent="0">
+              <a:buNone/>
+            </a:pPr>
+            <a:r>
+              <a:rPr lang="en-US" sz="2400" dirty="0"/>
+              <a:t>	1. BWA, Bowtie (DNA-</a:t>
+            </a:r>
+            <a:r>
+              <a:rPr lang="en-US" sz="2400" dirty="0" err="1"/>
+              <a:t>Seq</a:t>
+            </a:r>
+            <a:r>
+              <a:rPr lang="en-US" sz="2400" dirty="0"/>
+              <a:t> reads)</a:t>
+            </a:r>
+          </a:p>
+          <a:p>
+            <a:pPr marL="0" indent="0">
+              <a:buNone/>
+            </a:pPr>
+            <a:r>
+              <a:rPr lang="en-US" sz="2400" dirty="0"/>
+              <a:t>	2. HISAT2, STAR, GSNAP, </a:t>
+            </a:r>
+            <a:r>
+              <a:rPr lang="en-US" sz="2400" dirty="0" err="1"/>
+              <a:t>Tophat</a:t>
+            </a:r>
+            <a:r>
+              <a:rPr lang="en-US" sz="2400" dirty="0"/>
+              <a:t> (RNA-seq reads)</a:t>
+            </a:r>
+          </a:p>
+          <a:p>
+            <a:r>
+              <a:rPr lang="en-US" sz="2400" dirty="0"/>
+              <a:t>Post-alignment filtering and convert SAM (alignment file) to BAM</a:t>
+            </a:r>
+          </a:p>
+          <a:p>
+            <a:r>
+              <a:rPr lang="en-US" sz="2400" dirty="0"/>
+              <a:t>SNP calling with software packages: GATK, </a:t>
+            </a:r>
+            <a:r>
+              <a:rPr lang="en-US" sz="2400" dirty="0" err="1"/>
+              <a:t>bcftools</a:t>
+            </a:r>
+            <a:r>
+              <a:rPr lang="en-US" sz="2400" dirty="0"/>
+              <a:t> …</a:t>
+            </a:r>
+          </a:p>
+          <a:p>
+            <a:r>
+              <a:rPr lang="en-US" sz="2400" dirty="0"/>
+              <a:t>Use population information or some other criteria to filter SNP sets</a:t>
+            </a:r>
+          </a:p>
+        </p:txBody>
+      </p:sp>
+      <p:sp>
+        <p:nvSpPr>
+          <p:cNvPr id="4" name="Slide Number Placeholder 3"/>
+          <p:cNvSpPr>
+            <a:spLocks noGrp="1"/>
+          </p:cNvSpPr>
+          <p:nvPr>
+            <p:ph type="sldNum" sz="quarter" idx="12"/>
+          </p:nvPr>
+        </p:nvSpPr>
+        <p:spPr/>
+        <p:txBody>
+          <a:bodyPr/>
+          <a:lstStyle/>
+          <a:p>
+            <a:pPr>
+              <a:defRPr/>
+            </a:pPr>
+            <a:fld id="{9E3EFA63-DE6B-1C40-8E13-70DFD3C7F100}" type="slidenum">
+              <a:rPr lang="en-US" smtClean="0"/>
+              <a:pPr>
+                <a:defRPr/>
+              </a:pPr>
+              <a:t>11</a:t>
+            </a:fld>
+            <a:endParaRPr lang="en-US"/>
+          </a:p>
+        </p:txBody>
+      </p:sp>
+    </p:spTree>
+    <p:extLst>
+      <p:ext uri="{BB962C8B-B14F-4D97-AF65-F5344CB8AC3E}">
+        <p14:creationId xmlns:p14="http://schemas.microsoft.com/office/powerpoint/2010/main" val="691822540"/>
+      </p:ext>
+    </p:extLst>
+  </p:cSld>
+  <p:clrMapOvr>
+    <a:masterClrMapping/>
+  </p:clrMapOvr>
+</p:sld>
+</file>
+
 <file path=ppt/slides/slide13.xml><?xml version="1.0" encoding="utf-8"?>
 <p:sld xmlns:a="http://schemas.openxmlformats.org/drawingml/2006/main" xmlns:r="http://schemas.openxmlformats.org/officeDocument/2006/relationships" xmlns:p="http://schemas.openxmlformats.org/presentationml/2006/main">
   <p:cSld>
@@ -6912,135 +6338,8 @@
           <a:lstStyle/>
           <a:p>
             <a:r>
-              <a:rPr lang="en-US" sz="3200" dirty="0">
-                <a:latin typeface="+mj-lt"/>
-              </a:rPr>
-              <a:t>Alignment-based SNP discovery, cont</a:t>
-            </a:r>
-            <a:r>
-              <a:rPr lang="en-US" sz="3200" dirty="0"/>
-              <a:t>.</a:t>
-            </a:r>
-            <a:endParaRPr lang="en-US" sz="3200" dirty="0">
-              <a:latin typeface="+mj-lt"/>
-            </a:endParaRPr>
-          </a:p>
-        </p:txBody>
-      </p:sp>
-      <p:sp>
-        <p:nvSpPr>
-          <p:cNvPr id="3" name="Content Placeholder 2"/>
-          <p:cNvSpPr>
-            <a:spLocks noGrp="1"/>
-          </p:cNvSpPr>
-          <p:nvPr>
-            <p:ph idx="1"/>
-          </p:nvPr>
-        </p:nvSpPr>
-        <p:spPr>
-          <a:xfrm>
-            <a:off x="180975" y="1658260"/>
-            <a:ext cx="8782050" cy="3742263"/>
-          </a:xfrm>
-        </p:spPr>
-        <p:txBody>
-          <a:bodyPr/>
-          <a:lstStyle/>
-          <a:p>
-            <a:pPr marL="0" indent="0">
-              <a:buNone/>
-            </a:pPr>
-            <a:r>
-              <a:rPr lang="en-US" sz="2400" b="1" dirty="0"/>
-              <a:t>General procedure</a:t>
-            </a:r>
-          </a:p>
-          <a:p>
-            <a:r>
-              <a:rPr lang="en-US" sz="2400" dirty="0"/>
-              <a:t>Reads cleanup (adaptor, quality trimming, e.g., </a:t>
-            </a:r>
-            <a:r>
-              <a:rPr lang="en-US" sz="2400" dirty="0" err="1"/>
-              <a:t>trimmomatic</a:t>
-            </a:r>
-            <a:r>
-              <a:rPr lang="en-US" sz="2400" dirty="0"/>
-              <a:t>)</a:t>
-            </a:r>
-          </a:p>
-          <a:p>
-            <a:r>
-              <a:rPr lang="en-US" sz="2400" dirty="0"/>
-              <a:t>Reads aligned to the reference genome with aligners</a:t>
-            </a:r>
-          </a:p>
-          <a:p>
-            <a:pPr marL="0" indent="0">
-              <a:buNone/>
-            </a:pPr>
-            <a:r>
-              <a:rPr lang="en-US" sz="2400" dirty="0"/>
-              <a:t>	1. BWA, Bowtie (DNA-</a:t>
-            </a:r>
-            <a:r>
-              <a:rPr lang="en-US" sz="2400" dirty="0" err="1"/>
-              <a:t>Seq</a:t>
-            </a:r>
-            <a:r>
-              <a:rPr lang="en-US" sz="2400" dirty="0"/>
-              <a:t> reads)</a:t>
-            </a:r>
-          </a:p>
-          <a:p>
-            <a:pPr marL="0" indent="0">
-              <a:buNone/>
-            </a:pPr>
-            <a:r>
-              <a:rPr lang="en-US" sz="2400" dirty="0"/>
-              <a:t>	2. HISAT2, STAR, GSNAP, </a:t>
-            </a:r>
-            <a:r>
-              <a:rPr lang="en-US" sz="2400" dirty="0" err="1"/>
-              <a:t>Tophat</a:t>
-            </a:r>
-            <a:r>
-              <a:rPr lang="en-US" sz="2400" dirty="0"/>
-              <a:t> (RNA-</a:t>
-            </a:r>
-            <a:r>
-              <a:rPr lang="en-US" sz="2400" dirty="0" err="1"/>
-              <a:t>Seq</a:t>
-            </a:r>
-            <a:r>
-              <a:rPr lang="en-US" sz="2400" dirty="0"/>
-              <a:t> reads)</a:t>
-            </a:r>
-          </a:p>
-          <a:p>
-            <a:r>
-              <a:rPr lang="en-US" sz="2400" dirty="0"/>
-              <a:t>Post-alignment filtering and convert SAM (alignment file) to BAM</a:t>
-            </a:r>
-          </a:p>
-          <a:p>
-            <a:r>
-              <a:rPr lang="en-US" sz="2400" dirty="0"/>
-              <a:t>SNP calling with software packages: </a:t>
-            </a:r>
-            <a:r>
-              <a:rPr lang="en-US" sz="2400" dirty="0" err="1"/>
-              <a:t>Samtools</a:t>
-            </a:r>
-            <a:r>
-              <a:rPr lang="en-US" sz="2400" dirty="0"/>
-              <a:t>, GATK, VarScan2</a:t>
-            </a:r>
-          </a:p>
-          <a:p>
-            <a:r>
-              <a:rPr lang="en-US" sz="2400" dirty="0"/>
-              <a:t>Use population information or some criteria to filter SNP sets</a:t>
+              <a:rPr lang="en-US" dirty="0"/>
+              <a:t>Interpretation of the BWA alignment</a:t>
             </a:r>
           </a:p>
         </p:txBody>
@@ -7074,10 +6373,296 @@
           </a:p>
         </p:txBody>
       </p:sp>
+      <p:sp>
+        <p:nvSpPr>
+          <p:cNvPr id="5" name="TextBox 4"/>
+          <p:cNvSpPr txBox="1"/>
+          <p:nvPr/>
+        </p:nvSpPr>
+        <p:spPr>
+          <a:xfrm>
+            <a:off x="254001" y="1511300"/>
+            <a:ext cx="8547099" cy="1538883"/>
+          </a:xfrm>
+          <a:prstGeom prst="rect">
+            <a:avLst/>
+          </a:prstGeom>
+          <a:noFill/>
+        </p:spPr>
+        <p:txBody>
+          <a:bodyPr wrap="square" rtlCol="0">
+            <a:spAutoFit/>
+          </a:bodyPr>
+          <a:lstStyle/>
+          <a:p>
+            <a:r>
+              <a:rPr lang="en-US" sz="1800" dirty="0">
+                <a:latin typeface="Courier New"/>
+                <a:cs typeface="Courier New"/>
+              </a:rPr>
+              <a:t>HWI-ST897:104:C015GACXX:6:1101:12678:20443  163 U00096  </a:t>
+            </a:r>
+            <a:r>
+              <a:rPr lang="en-US" dirty="0">
+                <a:solidFill>
+                  <a:srgbClr val="FF0000"/>
+                </a:solidFill>
+                <a:latin typeface="Courier New"/>
+                <a:cs typeface="Courier New"/>
+              </a:rPr>
+              <a:t>1888286</a:t>
+            </a:r>
+            <a:r>
+              <a:rPr lang="en-US" sz="1800" dirty="0">
+                <a:latin typeface="Courier New"/>
+                <a:cs typeface="Courier New"/>
+              </a:rPr>
+              <a:t> 60  </a:t>
+            </a:r>
+            <a:r>
+              <a:rPr lang="en-US" dirty="0">
+                <a:solidFill>
+                  <a:srgbClr val="FF0000"/>
+                </a:solidFill>
+                <a:latin typeface="Courier New"/>
+                <a:cs typeface="Courier New"/>
+              </a:rPr>
+              <a:t>64M1D20M</a:t>
+            </a:r>
+            <a:r>
+              <a:rPr lang="en-US" sz="1800" dirty="0">
+                <a:latin typeface="Courier New"/>
+                <a:cs typeface="Courier New"/>
+              </a:rPr>
+              <a:t>    =   1888358 170 </a:t>
+            </a:r>
+            <a:r>
+              <a:rPr lang="en-US" sz="1000" dirty="0">
+                <a:latin typeface="Courier New"/>
+                <a:cs typeface="Courier New"/>
+              </a:rPr>
+              <a:t>GCCAACAGCCGCGACTTCCTGTACGCCAGGATGCTGCATGACGACATCTTCAATCTCGTTGGGAAGACGTTAAAAACGGAAACC    CCCFFFFFHHFHHJJJJJJJ        JHIJHIJIIJIJJJJJIJJJJIJJHHFFFFFFEEEEEEDDDDDDA5,53,8&lt;?CC(50?8BD3?    </a:t>
+            </a:r>
+            <a:r>
+              <a:rPr lang="en-US" dirty="0">
+                <a:solidFill>
+                  <a:srgbClr val="FF0000"/>
+                </a:solidFill>
+                <a:latin typeface="Courier New"/>
+                <a:cs typeface="Courier New"/>
+              </a:rPr>
+              <a:t>NM:i:2</a:t>
+            </a:r>
+            <a:r>
+              <a:rPr lang="en-US" sz="1800" dirty="0">
+                <a:latin typeface="Courier New"/>
+                <a:cs typeface="Courier New"/>
+              </a:rPr>
+              <a:t>  AS:i:72 XS:i:0  RG:Z:S1</a:t>
+            </a:r>
+          </a:p>
+        </p:txBody>
+      </p:sp>
+      <p:sp>
+        <p:nvSpPr>
+          <p:cNvPr id="6" name="TextBox 5"/>
+          <p:cNvSpPr txBox="1"/>
+          <p:nvPr/>
+        </p:nvSpPr>
+        <p:spPr>
+          <a:xfrm>
+            <a:off x="254001" y="1036935"/>
+            <a:ext cx="1878339" cy="461665"/>
+          </a:xfrm>
+          <a:prstGeom prst="rect">
+            <a:avLst/>
+          </a:prstGeom>
+          <a:noFill/>
+        </p:spPr>
+        <p:txBody>
+          <a:bodyPr wrap="none" rtlCol="0">
+            <a:spAutoFit/>
+          </a:bodyPr>
+          <a:lstStyle/>
+          <a:p>
+            <a:r>
+              <a:rPr lang="en-US" dirty="0"/>
+              <a:t>SAM output:</a:t>
+            </a:r>
+          </a:p>
+        </p:txBody>
+      </p:sp>
+      <p:sp>
+        <p:nvSpPr>
+          <p:cNvPr id="7" name="TextBox 6"/>
+          <p:cNvSpPr txBox="1"/>
+          <p:nvPr/>
+        </p:nvSpPr>
+        <p:spPr>
+          <a:xfrm>
+            <a:off x="254000" y="3149600"/>
+            <a:ext cx="2613215" cy="830997"/>
+          </a:xfrm>
+          <a:prstGeom prst="rect">
+            <a:avLst/>
+          </a:prstGeom>
+          <a:noFill/>
+        </p:spPr>
+        <p:txBody>
+          <a:bodyPr wrap="none" rtlCol="0">
+            <a:spAutoFit/>
+          </a:bodyPr>
+          <a:lstStyle/>
+          <a:p>
+            <a:r>
+              <a:rPr lang="en-US" dirty="0">
+                <a:latin typeface="+mj-lt"/>
+              </a:rPr>
+              <a:t>CIGAR: 64M1D20M</a:t>
+            </a:r>
+          </a:p>
+          <a:p>
+            <a:r>
+              <a:rPr lang="en-US" dirty="0">
+                <a:latin typeface="+mj-lt"/>
+              </a:rPr>
+              <a:t>NM: edit distance</a:t>
+            </a:r>
+          </a:p>
+        </p:txBody>
+      </p:sp>
+      <p:sp>
+        <p:nvSpPr>
+          <p:cNvPr id="8" name="TextBox 7"/>
+          <p:cNvSpPr txBox="1"/>
+          <p:nvPr/>
+        </p:nvSpPr>
+        <p:spPr>
+          <a:xfrm>
+            <a:off x="469900" y="4254500"/>
+            <a:ext cx="184666" cy="461665"/>
+          </a:xfrm>
+          <a:prstGeom prst="rect">
+            <a:avLst/>
+          </a:prstGeom>
+          <a:noFill/>
+        </p:spPr>
+        <p:txBody>
+          <a:bodyPr wrap="none" rtlCol="0">
+            <a:spAutoFit/>
+          </a:bodyPr>
+          <a:lstStyle/>
+          <a:p>
+            <a:endParaRPr lang="en-US"/>
+          </a:p>
+        </p:txBody>
+      </p:sp>
+      <p:sp>
+        <p:nvSpPr>
+          <p:cNvPr id="9" name="Content Placeholder 8"/>
+          <p:cNvSpPr>
+            <a:spLocks noGrp="1"/>
+          </p:cNvSpPr>
+          <p:nvPr>
+            <p:ph idx="1"/>
+          </p:nvPr>
+        </p:nvSpPr>
+        <p:spPr>
+          <a:xfrm>
+            <a:off x="165100" y="4031396"/>
+            <a:ext cx="8890000" cy="2458304"/>
+          </a:xfrm>
+          <a:solidFill>
+            <a:schemeClr val="accent5">
+              <a:lumMod val="20000"/>
+              <a:lumOff val="80000"/>
+            </a:schemeClr>
+          </a:solidFill>
+        </p:spPr>
+        <p:txBody>
+          <a:bodyPr/>
+          <a:lstStyle/>
+          <a:p>
+            <a:pPr marL="0" indent="0">
+              <a:buNone/>
+            </a:pPr>
+            <a:r>
+              <a:rPr lang="en-US" sz="2400" b="1" dirty="0">
+                <a:solidFill>
+                  <a:schemeClr val="tx2">
+                    <a:lumMod val="75000"/>
+                  </a:schemeClr>
+                </a:solidFill>
+              </a:rPr>
+              <a:t>edit distance </a:t>
+            </a:r>
+            <a:r>
+              <a:rPr lang="en-US" sz="2400" dirty="0"/>
+              <a:t>is a way to quantify the dissimilarity of two strings (e.g., words) by counting the minimum number of edits (substitution, insertion, and deletion) required to transform one string into the other.</a:t>
+            </a:r>
+          </a:p>
+          <a:p>
+            <a:pPr marL="0" indent="0">
+              <a:buNone/>
+            </a:pPr>
+            <a:r>
+              <a:rPr lang="en-US" sz="2400" dirty="0"/>
+              <a:t>fact -&gt; fit  (2)</a:t>
+            </a:r>
+          </a:p>
+          <a:p>
+            <a:pPr marL="0" indent="0">
+              <a:buNone/>
+            </a:pPr>
+            <a:r>
+              <a:rPr lang="en-US" sz="2400" dirty="0"/>
+              <a:t>AACCT -&gt; AAACT  (1)</a:t>
+            </a:r>
+          </a:p>
+        </p:txBody>
+      </p:sp>
+      <p:sp>
+        <p:nvSpPr>
+          <p:cNvPr id="10" name="Rectangle 9"/>
+          <p:cNvSpPr/>
+          <p:nvPr/>
+        </p:nvSpPr>
+        <p:spPr>
+          <a:xfrm>
+            <a:off x="10350500" y="5829300"/>
+            <a:ext cx="914400" cy="914400"/>
+          </a:xfrm>
+          <a:prstGeom prst="rect">
+            <a:avLst/>
+          </a:prstGeom>
+        </p:spPr>
+        <p:style>
+          <a:lnRef idx="1">
+            <a:schemeClr val="accent1"/>
+          </a:lnRef>
+          <a:fillRef idx="3">
+            <a:schemeClr val="accent1"/>
+          </a:fillRef>
+          <a:effectRef idx="2">
+            <a:schemeClr val="accent1"/>
+          </a:effectRef>
+          <a:fontRef idx="minor">
+            <a:schemeClr val="lt1"/>
+          </a:fontRef>
+        </p:style>
+        <p:txBody>
+          <a:bodyPr rtlCol="0" anchor="ctr"/>
+          <a:lstStyle/>
+          <a:p>
+            <a:pPr algn="ctr"/>
+            <a:endParaRPr lang="en-US"/>
+          </a:p>
+        </p:txBody>
+      </p:sp>
     </p:spTree>
     <p:extLst>
       <p:ext uri="{BB962C8B-B14F-4D97-AF65-F5344CB8AC3E}">
-        <p14:creationId xmlns:p14="http://schemas.microsoft.com/office/powerpoint/2010/main" val="691822540"/>
+        <p14:creationId xmlns:p14="http://schemas.microsoft.com/office/powerpoint/2010/main" val="3174452518"/>
       </p:ext>
     </p:extLst>
   </p:cSld>
@@ -7121,7 +6706,64 @@
           <a:p>
             <a:r>
               <a:rPr lang="en-US" dirty="0"/>
-              <a:t>Interpretation of the BWA alignment</a:t>
+              <a:t>edit distance</a:t>
+            </a:r>
+          </a:p>
+        </p:txBody>
+      </p:sp>
+      <p:sp>
+        <p:nvSpPr>
+          <p:cNvPr id="3" name="Content Placeholder 2"/>
+          <p:cNvSpPr>
+            <a:spLocks noGrp="1"/>
+          </p:cNvSpPr>
+          <p:nvPr>
+            <p:ph idx="1"/>
+          </p:nvPr>
+        </p:nvSpPr>
+        <p:spPr>
+          <a:xfrm>
+            <a:off x="2273300" y="2438400"/>
+            <a:ext cx="4279900" cy="1352550"/>
+          </a:xfrm>
+        </p:spPr>
+        <p:txBody>
+          <a:bodyPr/>
+          <a:lstStyle/>
+          <a:p>
+            <a:r>
+              <a:rPr lang="en-US" sz="3200" dirty="0"/>
+              <a:t>AACCT -&gt; ACCTA  (</a:t>
+            </a:r>
+            <a:r>
+              <a:rPr lang="en-US" sz="3200" dirty="0">
+                <a:solidFill>
+                  <a:srgbClr val="FF0000"/>
+                </a:solidFill>
+              </a:rPr>
+              <a:t>?</a:t>
+            </a:r>
+            <a:r>
+              <a:rPr lang="en-US" sz="3200" dirty="0"/>
+              <a:t>)</a:t>
+            </a:r>
+          </a:p>
+          <a:p>
+            <a:r>
+              <a:rPr lang="en-US" sz="3200" dirty="0"/>
+              <a:t>AATCCT -&gt; ATCAT  (</a:t>
+            </a:r>
+            <a:r>
+              <a:rPr lang="en-US" sz="3200" dirty="0">
+                <a:solidFill>
+                  <a:srgbClr val="FF0000"/>
+                </a:solidFill>
+              </a:rPr>
+              <a:t>?</a:t>
+            </a:r>
+            <a:r>
+              <a:rPr lang="en-US" sz="3200" dirty="0"/>
+              <a:t>)</a:t>
             </a:r>
           </a:p>
         </p:txBody>
@@ -7155,296 +6797,10 @@
           </a:p>
         </p:txBody>
       </p:sp>
-      <p:sp>
-        <p:nvSpPr>
-          <p:cNvPr id="5" name="TextBox 4"/>
-          <p:cNvSpPr txBox="1"/>
-          <p:nvPr/>
-        </p:nvSpPr>
-        <p:spPr>
-          <a:xfrm>
-            <a:off x="254001" y="1511300"/>
-            <a:ext cx="8547099" cy="1538883"/>
-          </a:xfrm>
-          <a:prstGeom prst="rect">
-            <a:avLst/>
-          </a:prstGeom>
-          <a:noFill/>
-        </p:spPr>
-        <p:txBody>
-          <a:bodyPr wrap="square" rtlCol="0">
-            <a:spAutoFit/>
-          </a:bodyPr>
-          <a:lstStyle/>
-          <a:p>
-            <a:r>
-              <a:rPr lang="en-US" sz="1800" dirty="0">
-                <a:latin typeface="Courier New"/>
-                <a:cs typeface="Courier New"/>
-              </a:rPr>
-              <a:t>HWI-ST897:104:C015GACXX:6:1101:12678:20443  163 U00096  </a:t>
-            </a:r>
-            <a:r>
-              <a:rPr lang="en-US" dirty="0">
-                <a:solidFill>
-                  <a:srgbClr val="FF0000"/>
-                </a:solidFill>
-                <a:latin typeface="Courier New"/>
-                <a:cs typeface="Courier New"/>
-              </a:rPr>
-              <a:t>1888286</a:t>
-            </a:r>
-            <a:r>
-              <a:rPr lang="en-US" sz="1800" dirty="0">
-                <a:latin typeface="Courier New"/>
-                <a:cs typeface="Courier New"/>
-              </a:rPr>
-              <a:t> 60  </a:t>
-            </a:r>
-            <a:r>
-              <a:rPr lang="en-US" dirty="0">
-                <a:solidFill>
-                  <a:srgbClr val="FF0000"/>
-                </a:solidFill>
-                <a:latin typeface="Courier New"/>
-                <a:cs typeface="Courier New"/>
-              </a:rPr>
-              <a:t>64M1D20M</a:t>
-            </a:r>
-            <a:r>
-              <a:rPr lang="en-US" sz="1800" dirty="0">
-                <a:latin typeface="Courier New"/>
-                <a:cs typeface="Courier New"/>
-              </a:rPr>
-              <a:t>    =   1888358 170 </a:t>
-            </a:r>
-            <a:r>
-              <a:rPr lang="en-US" sz="1000" dirty="0">
-                <a:latin typeface="Courier New"/>
-                <a:cs typeface="Courier New"/>
-              </a:rPr>
-              <a:t>GCCAACAGCCGCGACTTCCTGTACGCCAGGATGCTGCATGACGACATCTTCAATCTCGTTGGGAAGACGTTAAAAACGGAAACC    CCCFFFFFHHFHHJJJJJJJ        JHIJHIJIIJIJJJJJIJJJJIJJHHFFFFFFEEEEEEDDDDDDA5,53,8&lt;?CC(50?8BD3?    </a:t>
-            </a:r>
-            <a:r>
-              <a:rPr lang="en-US" dirty="0">
-                <a:solidFill>
-                  <a:srgbClr val="FF0000"/>
-                </a:solidFill>
-                <a:latin typeface="Courier New"/>
-                <a:cs typeface="Courier New"/>
-              </a:rPr>
-              <a:t>NM:i:2</a:t>
-            </a:r>
-            <a:r>
-              <a:rPr lang="en-US" sz="1800" dirty="0">
-                <a:latin typeface="Courier New"/>
-                <a:cs typeface="Courier New"/>
-              </a:rPr>
-              <a:t>  AS:i:72 XS:i:0  RG:Z:S1</a:t>
-            </a:r>
-          </a:p>
-        </p:txBody>
-      </p:sp>
-      <p:sp>
-        <p:nvSpPr>
-          <p:cNvPr id="6" name="TextBox 5"/>
-          <p:cNvSpPr txBox="1"/>
-          <p:nvPr/>
-        </p:nvSpPr>
-        <p:spPr>
-          <a:xfrm>
-            <a:off x="254001" y="1036935"/>
-            <a:ext cx="1878339" cy="461665"/>
-          </a:xfrm>
-          <a:prstGeom prst="rect">
-            <a:avLst/>
-          </a:prstGeom>
-          <a:noFill/>
-        </p:spPr>
-        <p:txBody>
-          <a:bodyPr wrap="none" rtlCol="0">
-            <a:spAutoFit/>
-          </a:bodyPr>
-          <a:lstStyle/>
-          <a:p>
-            <a:r>
-              <a:rPr lang="en-US" dirty="0"/>
-              <a:t>SAM output:</a:t>
-            </a:r>
-          </a:p>
-        </p:txBody>
-      </p:sp>
-      <p:sp>
-        <p:nvSpPr>
-          <p:cNvPr id="7" name="TextBox 6"/>
-          <p:cNvSpPr txBox="1"/>
-          <p:nvPr/>
-        </p:nvSpPr>
-        <p:spPr>
-          <a:xfrm>
-            <a:off x="254000" y="3149600"/>
-            <a:ext cx="2613215" cy="830997"/>
-          </a:xfrm>
-          <a:prstGeom prst="rect">
-            <a:avLst/>
-          </a:prstGeom>
-          <a:noFill/>
-        </p:spPr>
-        <p:txBody>
-          <a:bodyPr wrap="none" rtlCol="0">
-            <a:spAutoFit/>
-          </a:bodyPr>
-          <a:lstStyle/>
-          <a:p>
-            <a:r>
-              <a:rPr lang="en-US" dirty="0">
-                <a:latin typeface="+mj-lt"/>
-              </a:rPr>
-              <a:t>CIGAR: 64M1D20M</a:t>
-            </a:r>
-          </a:p>
-          <a:p>
-            <a:r>
-              <a:rPr lang="en-US" dirty="0">
-                <a:latin typeface="+mj-lt"/>
-              </a:rPr>
-              <a:t>NM: edit distance</a:t>
-            </a:r>
-          </a:p>
-        </p:txBody>
-      </p:sp>
-      <p:sp>
-        <p:nvSpPr>
-          <p:cNvPr id="8" name="TextBox 7"/>
-          <p:cNvSpPr txBox="1"/>
-          <p:nvPr/>
-        </p:nvSpPr>
-        <p:spPr>
-          <a:xfrm>
-            <a:off x="469900" y="4254500"/>
-            <a:ext cx="184666" cy="461665"/>
-          </a:xfrm>
-          <a:prstGeom prst="rect">
-            <a:avLst/>
-          </a:prstGeom>
-          <a:noFill/>
-        </p:spPr>
-        <p:txBody>
-          <a:bodyPr wrap="none" rtlCol="0">
-            <a:spAutoFit/>
-          </a:bodyPr>
-          <a:lstStyle/>
-          <a:p>
-            <a:endParaRPr lang="en-US"/>
-          </a:p>
-        </p:txBody>
-      </p:sp>
-      <p:sp>
-        <p:nvSpPr>
-          <p:cNvPr id="9" name="Content Placeholder 8"/>
-          <p:cNvSpPr>
-            <a:spLocks noGrp="1"/>
-          </p:cNvSpPr>
-          <p:nvPr>
-            <p:ph idx="1"/>
-          </p:nvPr>
-        </p:nvSpPr>
-        <p:spPr>
-          <a:xfrm>
-            <a:off x="165100" y="4031396"/>
-            <a:ext cx="8890000" cy="2458304"/>
-          </a:xfrm>
-          <a:solidFill>
-            <a:schemeClr val="accent5">
-              <a:lumMod val="20000"/>
-              <a:lumOff val="80000"/>
-            </a:schemeClr>
-          </a:solidFill>
-        </p:spPr>
-        <p:txBody>
-          <a:bodyPr/>
-          <a:lstStyle/>
-          <a:p>
-            <a:pPr marL="0" indent="0">
-              <a:buNone/>
-            </a:pPr>
-            <a:r>
-              <a:rPr lang="en-US" sz="2400" b="1" dirty="0">
-                <a:solidFill>
-                  <a:schemeClr val="tx2">
-                    <a:lumMod val="75000"/>
-                  </a:schemeClr>
-                </a:solidFill>
-              </a:rPr>
-              <a:t>edit distance </a:t>
-            </a:r>
-            <a:r>
-              <a:rPr lang="en-US" sz="2400" dirty="0"/>
-              <a:t>is a way to quantify the dissimilarity of two strings (e.g., words) by counting the minimum number of edits (substitution, insertion, and deletion) required to transform one string into the other.</a:t>
-            </a:r>
-          </a:p>
-          <a:p>
-            <a:pPr marL="0" indent="0">
-              <a:buNone/>
-            </a:pPr>
-            <a:r>
-              <a:rPr lang="en-US" sz="2400" dirty="0"/>
-              <a:t>fact -&gt; fit  (2)</a:t>
-            </a:r>
-          </a:p>
-          <a:p>
-            <a:pPr marL="0" indent="0">
-              <a:buNone/>
-            </a:pPr>
-            <a:r>
-              <a:rPr lang="en-US" sz="2400" dirty="0"/>
-              <a:t>AACCT -&gt; AAACT  (1)</a:t>
-            </a:r>
-          </a:p>
-        </p:txBody>
-      </p:sp>
-      <p:sp>
-        <p:nvSpPr>
-          <p:cNvPr id="10" name="Rectangle 9"/>
-          <p:cNvSpPr/>
-          <p:nvPr/>
-        </p:nvSpPr>
-        <p:spPr>
-          <a:xfrm>
-            <a:off x="10350500" y="5829300"/>
-            <a:ext cx="914400" cy="914400"/>
-          </a:xfrm>
-          <a:prstGeom prst="rect">
-            <a:avLst/>
-          </a:prstGeom>
-        </p:spPr>
-        <p:style>
-          <a:lnRef idx="1">
-            <a:schemeClr val="accent1"/>
-          </a:lnRef>
-          <a:fillRef idx="3">
-            <a:schemeClr val="accent1"/>
-          </a:fillRef>
-          <a:effectRef idx="2">
-            <a:schemeClr val="accent1"/>
-          </a:effectRef>
-          <a:fontRef idx="minor">
-            <a:schemeClr val="lt1"/>
-          </a:fontRef>
-        </p:style>
-        <p:txBody>
-          <a:bodyPr rtlCol="0" anchor="ctr"/>
-          <a:lstStyle/>
-          <a:p>
-            <a:pPr algn="ctr"/>
-            <a:endParaRPr lang="en-US"/>
-          </a:p>
-        </p:txBody>
-      </p:sp>
     </p:spTree>
     <p:extLst>
       <p:ext uri="{BB962C8B-B14F-4D97-AF65-F5344CB8AC3E}">
-        <p14:creationId xmlns:p14="http://schemas.microsoft.com/office/powerpoint/2010/main" val="3174452518"/>
+        <p14:creationId xmlns:p14="http://schemas.microsoft.com/office/powerpoint/2010/main" val="2704414888"/>
       </p:ext>
     </p:extLst>
   </p:cSld>
@@ -7481,144 +6837,6 @@
             <p:ph type="title"/>
           </p:nvPr>
         </p:nvSpPr>
-        <p:spPr/>
-        <p:txBody>
-          <a:bodyPr/>
-          <a:lstStyle/>
-          <a:p>
-            <a:r>
-              <a:rPr lang="en-US" dirty="0"/>
-              <a:t>edit distance</a:t>
-            </a:r>
-          </a:p>
-        </p:txBody>
-      </p:sp>
-      <p:sp>
-        <p:nvSpPr>
-          <p:cNvPr id="3" name="Content Placeholder 2"/>
-          <p:cNvSpPr>
-            <a:spLocks noGrp="1"/>
-          </p:cNvSpPr>
-          <p:nvPr>
-            <p:ph idx="1"/>
-          </p:nvPr>
-        </p:nvSpPr>
-        <p:spPr>
-          <a:xfrm>
-            <a:off x="2273300" y="2438400"/>
-            <a:ext cx="4279900" cy="1352550"/>
-          </a:xfrm>
-        </p:spPr>
-        <p:txBody>
-          <a:bodyPr/>
-          <a:lstStyle/>
-          <a:p>
-            <a:r>
-              <a:rPr lang="en-US" sz="3200" dirty="0"/>
-              <a:t>AACCT -&gt; ACCTA  (</a:t>
-            </a:r>
-            <a:r>
-              <a:rPr lang="en-US" sz="3200" dirty="0">
-                <a:solidFill>
-                  <a:srgbClr val="FF0000"/>
-                </a:solidFill>
-              </a:rPr>
-              <a:t>?</a:t>
-            </a:r>
-            <a:r>
-              <a:rPr lang="en-US" sz="3200" dirty="0"/>
-              <a:t>)</a:t>
-            </a:r>
-          </a:p>
-          <a:p>
-            <a:r>
-              <a:rPr lang="en-US" sz="3200" dirty="0"/>
-              <a:t>AATCCT -&gt; ATCAT  (</a:t>
-            </a:r>
-            <a:r>
-              <a:rPr lang="en-US" sz="3200" dirty="0">
-                <a:solidFill>
-                  <a:srgbClr val="FF0000"/>
-                </a:solidFill>
-              </a:rPr>
-              <a:t>?</a:t>
-            </a:r>
-            <a:r>
-              <a:rPr lang="en-US" sz="3200" dirty="0"/>
-              <a:t>)</a:t>
-            </a:r>
-          </a:p>
-        </p:txBody>
-      </p:sp>
-      <p:sp>
-        <p:nvSpPr>
-          <p:cNvPr id="4" name="Slide Number Placeholder 3"/>
-          <p:cNvSpPr>
-            <a:spLocks noGrp="1"/>
-          </p:cNvSpPr>
-          <p:nvPr>
-            <p:ph type="sldNum" sz="quarter" idx="12"/>
-          </p:nvPr>
-        </p:nvSpPr>
-        <p:spPr/>
-        <p:txBody>
-          <a:bodyPr/>
-          <a:lstStyle/>
-          <a:p>
-            <a:pPr>
-              <a:defRPr/>
-            </a:pPr>
-            <a:fld id="{9E3EFA63-DE6B-1C40-8E13-70DFD3C7F100}" type="slidenum">
-              <a:rPr lang="en-US" smtClean="0"/>
-              <a:pPr>
-                <a:defRPr/>
-              </a:pPr>
-              <a:t>14</a:t>
-            </a:fld>
-            <a:endParaRPr lang="en-US"/>
-          </a:p>
-        </p:txBody>
-      </p:sp>
-    </p:spTree>
-    <p:extLst>
-      <p:ext uri="{BB962C8B-B14F-4D97-AF65-F5344CB8AC3E}">
-        <p14:creationId xmlns:p14="http://schemas.microsoft.com/office/powerpoint/2010/main" val="2704414888"/>
-      </p:ext>
-    </p:extLst>
-  </p:cSld>
-  <p:clrMapOvr>
-    <a:masterClrMapping/>
-  </p:clrMapOvr>
-</p:sld>
-</file>
-
-<file path=ppt/slides/slide16.xml><?xml version="1.0" encoding="utf-8"?>
-<p:sld xmlns:a="http://schemas.openxmlformats.org/drawingml/2006/main" xmlns:r="http://schemas.openxmlformats.org/officeDocument/2006/relationships" xmlns:p="http://schemas.openxmlformats.org/presentationml/2006/main">
-  <p:cSld>
-    <p:spTree>
-      <p:nvGrpSpPr>
-        <p:cNvPr id="1" name=""/>
-        <p:cNvGrpSpPr/>
-        <p:nvPr/>
-      </p:nvGrpSpPr>
-      <p:grpSpPr>
-        <a:xfrm>
-          <a:off x="0" y="0"/>
-          <a:ext cx="0" cy="0"/>
-          <a:chOff x="0" y="0"/>
-          <a:chExt cx="0" cy="0"/>
-        </a:xfrm>
-      </p:grpSpPr>
-      <p:sp>
-        <p:nvSpPr>
-          <p:cNvPr id="2" name="Title 1"/>
-          <p:cNvSpPr>
-            <a:spLocks noGrp="1"/>
-          </p:cNvSpPr>
-          <p:nvPr>
-            <p:ph type="title"/>
-          </p:nvPr>
-        </p:nvSpPr>
         <p:spPr>
           <a:xfrm>
             <a:off x="254001" y="274638"/>
@@ -7775,7 +6993,7 @@
               <a:pPr>
                 <a:defRPr/>
               </a:pPr>
-              <a:t>15</a:t>
+              <a:t>14</a:t>
             </a:fld>
             <a:endParaRPr lang="en-US"/>
           </a:p>
@@ -8141,7 +7359,7 @@
 </p:sld>
 </file>
 
-<file path=ppt/slides/slide17.xml><?xml version="1.0" encoding="utf-8"?>
+<file path=ppt/slides/slide16.xml><?xml version="1.0" encoding="utf-8"?>
 <p:sld xmlns:a="http://schemas.openxmlformats.org/drawingml/2006/main" xmlns:r="http://schemas.openxmlformats.org/officeDocument/2006/relationships" xmlns:p="http://schemas.openxmlformats.org/presentationml/2006/main">
   <p:cSld>
     <p:spTree>
@@ -8431,7 +7649,7 @@
               <a:pPr>
                 <a:defRPr/>
               </a:pPr>
-              <a:t>16</a:t>
+              <a:t>15</a:t>
             </a:fld>
             <a:endParaRPr lang="en-US"/>
           </a:p>
@@ -8485,7 +7703,7 @@
 </p:sld>
 </file>
 
-<file path=ppt/slides/slide18.xml><?xml version="1.0" encoding="utf-8"?>
+<file path=ppt/slides/slide17.xml><?xml version="1.0" encoding="utf-8"?>
 <p:sld xmlns:a="http://schemas.openxmlformats.org/drawingml/2006/main" xmlns:r="http://schemas.openxmlformats.org/officeDocument/2006/relationships" xmlns:p="http://schemas.openxmlformats.org/presentationml/2006/main">
   <p:cSld>
     <p:spTree>
@@ -8554,7 +7772,7 @@
               <a:pPr>
                 <a:defRPr/>
               </a:pPr>
-              <a:t>17</a:t>
+              <a:t>16</a:t>
             </a:fld>
             <a:endParaRPr lang="en-US" dirty="0"/>
           </a:p>
@@ -12453,6 +11671,340 @@
 </p:sld>
 </file>
 
+<file path=ppt/slides/slide18.xml><?xml version="1.0" encoding="utf-8"?>
+<p:sld xmlns:a="http://schemas.openxmlformats.org/drawingml/2006/main" xmlns:r="http://schemas.openxmlformats.org/officeDocument/2006/relationships" xmlns:p="http://schemas.openxmlformats.org/presentationml/2006/main">
+  <p:cSld>
+    <p:spTree>
+      <p:nvGrpSpPr>
+        <p:cNvPr id="1" name=""/>
+        <p:cNvGrpSpPr/>
+        <p:nvPr/>
+      </p:nvGrpSpPr>
+      <p:grpSpPr>
+        <a:xfrm>
+          <a:off x="0" y="0"/>
+          <a:ext cx="0" cy="0"/>
+          <a:chOff x="0" y="0"/>
+          <a:chExt cx="0" cy="0"/>
+        </a:xfrm>
+      </p:grpSpPr>
+      <p:sp>
+        <p:nvSpPr>
+          <p:cNvPr id="2" name="Title 1"/>
+          <p:cNvSpPr>
+            <a:spLocks noGrp="1"/>
+          </p:cNvSpPr>
+          <p:nvPr>
+            <p:ph type="title"/>
+          </p:nvPr>
+        </p:nvSpPr>
+        <p:spPr/>
+        <p:txBody>
+          <a:bodyPr/>
+          <a:lstStyle/>
+          <a:p>
+            <a:r>
+              <a:rPr lang="en-US" sz="3200" dirty="0">
+                <a:latin typeface="+mj-lt"/>
+              </a:rPr>
+              <a:t>GATK (3)</a:t>
+            </a:r>
+          </a:p>
+        </p:txBody>
+      </p:sp>
+      <p:sp>
+        <p:nvSpPr>
+          <p:cNvPr id="3" name="Content Placeholder 2"/>
+          <p:cNvSpPr>
+            <a:spLocks noGrp="1"/>
+          </p:cNvSpPr>
+          <p:nvPr>
+            <p:ph idx="1"/>
+          </p:nvPr>
+        </p:nvSpPr>
+        <p:spPr>
+          <a:xfrm>
+            <a:off x="457200" y="1454150"/>
+            <a:ext cx="8128000" cy="4375150"/>
+          </a:xfrm>
+        </p:spPr>
+        <p:txBody>
+          <a:bodyPr/>
+          <a:lstStyle/>
+          <a:p>
+            <a:r>
+              <a:rPr lang="en-US" sz="2800" dirty="0">
+                <a:solidFill>
+                  <a:schemeClr val="tx2">
+                    <a:lumMod val="75000"/>
+                  </a:schemeClr>
+                </a:solidFill>
+              </a:rPr>
+              <a:t>GATK</a:t>
+            </a:r>
+            <a:r>
+              <a:rPr lang="en-US" sz="2800" dirty="0"/>
+              <a:t> can be used to filter SNPs.</a:t>
+            </a:r>
+          </a:p>
+          <a:p>
+            <a:pPr marL="0" indent="0">
+              <a:buNone/>
+            </a:pPr>
+            <a:r>
+              <a:rPr lang="en-US" dirty="0">
+                <a:latin typeface="Courier"/>
+                <a:cs typeface="Courier"/>
+              </a:rPr>
+              <a:t>java </a:t>
+            </a:r>
+            <a:r>
+              <a:rPr lang="en-US" dirty="0" err="1">
+                <a:latin typeface="Courier"/>
+                <a:cs typeface="Courier"/>
+              </a:rPr>
+              <a:t>GenomeAnalysisTK.jar</a:t>
+            </a:r>
+            <a:r>
+              <a:rPr lang="en-US" dirty="0">
+                <a:latin typeface="Courier"/>
+                <a:cs typeface="Courier"/>
+              </a:rPr>
+              <a:t> \</a:t>
+            </a:r>
+          </a:p>
+          <a:p>
+            <a:pPr marL="0" indent="0">
+              <a:buNone/>
+            </a:pPr>
+            <a:r>
+              <a:rPr lang="en-US" b="1" dirty="0">
+                <a:solidFill>
+                  <a:srgbClr val="FF0000"/>
+                </a:solidFill>
+                <a:latin typeface="Courier"/>
+                <a:cs typeface="Courier"/>
+              </a:rPr>
+              <a:t>	-T </a:t>
+            </a:r>
+            <a:r>
+              <a:rPr lang="en-US" b="1" dirty="0" err="1">
+                <a:solidFill>
+                  <a:srgbClr val="FF0000"/>
+                </a:solidFill>
+                <a:latin typeface="Courier"/>
+                <a:cs typeface="Courier"/>
+              </a:rPr>
+              <a:t>SelectVariants</a:t>
+            </a:r>
+            <a:r>
+              <a:rPr lang="en-US" b="1" dirty="0">
+                <a:solidFill>
+                  <a:srgbClr val="FF0000"/>
+                </a:solidFill>
+                <a:latin typeface="Courier"/>
+                <a:cs typeface="Courier"/>
+              </a:rPr>
+              <a:t> </a:t>
+            </a:r>
+            <a:r>
+              <a:rPr lang="en-US" dirty="0">
+                <a:latin typeface="Courier"/>
+                <a:cs typeface="Courier"/>
+              </a:rPr>
+              <a:t>\</a:t>
+            </a:r>
+          </a:p>
+          <a:p>
+            <a:pPr marL="0" indent="0">
+              <a:buNone/>
+            </a:pPr>
+            <a:r>
+              <a:rPr lang="en-US" dirty="0">
+                <a:latin typeface="Courier"/>
+                <a:cs typeface="Courier"/>
+              </a:rPr>
+              <a:t>	-R </a:t>
+            </a:r>
+            <a:r>
+              <a:rPr lang="en-US" dirty="0" err="1">
+                <a:latin typeface="Courier"/>
+                <a:cs typeface="Courier"/>
+              </a:rPr>
+              <a:t>your_reference</a:t>
+            </a:r>
+            <a:r>
+              <a:rPr lang="en-US" dirty="0">
+                <a:latin typeface="Courier"/>
+                <a:cs typeface="Courier"/>
+              </a:rPr>
+              <a:t> \</a:t>
+            </a:r>
+          </a:p>
+          <a:p>
+            <a:pPr marL="0" indent="0">
+              <a:buNone/>
+            </a:pPr>
+            <a:r>
+              <a:rPr lang="en-US" dirty="0">
+                <a:latin typeface="Courier"/>
+                <a:cs typeface="Courier"/>
+              </a:rPr>
+              <a:t>	--variant </a:t>
+            </a:r>
+            <a:r>
+              <a:rPr lang="en-US" dirty="0" err="1">
+                <a:latin typeface="Courier"/>
+                <a:cs typeface="Courier"/>
+              </a:rPr>
+              <a:t>your_vcf</a:t>
+            </a:r>
+            <a:r>
+              <a:rPr lang="en-US" dirty="0">
+                <a:latin typeface="Courier"/>
+                <a:cs typeface="Courier"/>
+              </a:rPr>
+              <a:t> \</a:t>
+            </a:r>
+          </a:p>
+          <a:p>
+            <a:pPr marL="0" indent="0">
+              <a:buNone/>
+            </a:pPr>
+            <a:r>
+              <a:rPr lang="en-US" dirty="0">
+                <a:latin typeface="Courier"/>
+                <a:cs typeface="Courier"/>
+              </a:rPr>
+              <a:t>	-select 'DP &gt;= 3.0' \</a:t>
+            </a:r>
+          </a:p>
+          <a:p>
+            <a:pPr marL="0" indent="0">
+              <a:buNone/>
+            </a:pPr>
+            <a:r>
+              <a:rPr lang="en-US" dirty="0">
+                <a:latin typeface="Courier"/>
+                <a:cs typeface="Courier"/>
+              </a:rPr>
+              <a:t>	--</a:t>
+            </a:r>
+            <a:r>
+              <a:rPr lang="en-US" dirty="0" err="1">
+                <a:latin typeface="Courier"/>
+                <a:cs typeface="Courier"/>
+              </a:rPr>
+              <a:t>restrictAllelesTo</a:t>
+            </a:r>
+            <a:r>
+              <a:rPr lang="en-US" dirty="0">
+                <a:latin typeface="Courier"/>
+                <a:cs typeface="Courier"/>
+              </a:rPr>
+              <a:t> BIALLELIC \</a:t>
+            </a:r>
+          </a:p>
+          <a:p>
+            <a:pPr marL="0" indent="0">
+              <a:buNone/>
+            </a:pPr>
+            <a:r>
+              <a:rPr lang="en-US" dirty="0">
+                <a:latin typeface="Courier"/>
+                <a:cs typeface="Courier"/>
+              </a:rPr>
+              <a:t>	--</a:t>
+            </a:r>
+            <a:r>
+              <a:rPr lang="en-US" dirty="0" err="1">
+                <a:latin typeface="Courier"/>
+                <a:cs typeface="Courier"/>
+              </a:rPr>
+              <a:t>selectTypeToInclude</a:t>
+            </a:r>
+            <a:r>
+              <a:rPr lang="en-US" dirty="0">
+                <a:latin typeface="Courier"/>
+                <a:cs typeface="Courier"/>
+              </a:rPr>
+              <a:t> SNP</a:t>
+            </a:r>
+          </a:p>
+          <a:p>
+            <a:pPr marL="0" indent="0">
+              <a:buNone/>
+            </a:pPr>
+            <a:endParaRPr lang="en-US" sz="1800" dirty="0">
+              <a:latin typeface="Courier"/>
+              <a:cs typeface="Courier"/>
+            </a:endParaRPr>
+          </a:p>
+          <a:p>
+            <a:r>
+              <a:rPr lang="en-US" sz="2800" dirty="0">
+                <a:solidFill>
+                  <a:schemeClr val="tx2">
+                    <a:lumMod val="75000"/>
+                  </a:schemeClr>
+                </a:solidFill>
+              </a:rPr>
+              <a:t>Filter variants based on the experimental purpose and genetic features</a:t>
+            </a:r>
+          </a:p>
+          <a:p>
+            <a:pPr marL="0" indent="0">
+              <a:buNone/>
+            </a:pPr>
+            <a:endParaRPr lang="en-US" sz="1800" dirty="0">
+              <a:latin typeface="Courier"/>
+              <a:cs typeface="Courier"/>
+            </a:endParaRPr>
+          </a:p>
+        </p:txBody>
+      </p:sp>
+      <p:sp>
+        <p:nvSpPr>
+          <p:cNvPr id="4" name="Slide Number Placeholder 3"/>
+          <p:cNvSpPr>
+            <a:spLocks noGrp="1"/>
+          </p:cNvSpPr>
+          <p:nvPr>
+            <p:ph type="sldNum" sz="quarter" idx="12"/>
+          </p:nvPr>
+        </p:nvSpPr>
+        <p:spPr/>
+        <p:txBody>
+          <a:bodyPr/>
+          <a:lstStyle/>
+          <a:p>
+            <a:pPr>
+              <a:defRPr/>
+            </a:pPr>
+            <a:fld id="{9E3EFA63-DE6B-1C40-8E13-70DFD3C7F100}" type="slidenum">
+              <a:rPr lang="en-US" smtClean="0"/>
+              <a:pPr>
+                <a:defRPr/>
+              </a:pPr>
+              <a:t>17</a:t>
+            </a:fld>
+            <a:endParaRPr lang="en-US"/>
+          </a:p>
+        </p:txBody>
+      </p:sp>
+    </p:spTree>
+    <p:extLst>
+      <p:ext uri="{BB962C8B-B14F-4D97-AF65-F5344CB8AC3E}">
+        <p14:creationId xmlns:p14="http://schemas.microsoft.com/office/powerpoint/2010/main" val="4049092537"/>
+      </p:ext>
+    </p:extLst>
+  </p:cSld>
+  <p:clrMapOvr>
+    <a:masterClrMapping/>
+  </p:clrMapOvr>
+</p:sld>
+</file>
+
 <file path=ppt/slides/slide19.xml><?xml version="1.0" encoding="utf-8"?>
 <p:sld xmlns:a="http://schemas.openxmlformats.org/drawingml/2006/main" xmlns:r="http://schemas.openxmlformats.org/officeDocument/2006/relationships" xmlns:p="http://schemas.openxmlformats.org/presentationml/2006/main">
   <p:cSld>
@@ -12486,10 +12038,8 @@
           <a:lstStyle/>
           <a:p>
             <a:r>
-              <a:rPr lang="en-US" sz="3200" dirty="0">
-                <a:latin typeface="+mj-lt"/>
-              </a:rPr>
-              <a:t>GATK (3)</a:t>
+              <a:rPr lang="en-US" dirty="0"/>
+              <a:t>Falsely discovered SNPs</a:t>
             </a:r>
           </a:p>
         </p:txBody>
@@ -12506,242 +12056,21 @@
         </p:nvSpPr>
         <p:spPr>
           <a:xfrm>
-            <a:off x="457200" y="1454150"/>
-            <a:ext cx="8128000" cy="4375150"/>
+            <a:off x="1028700" y="2038350"/>
+            <a:ext cx="7226300" cy="1441450"/>
           </a:xfrm>
         </p:spPr>
         <p:txBody>
           <a:bodyPr/>
           <a:lstStyle/>
           <a:p>
-            <a:r>
-              <a:rPr lang="en-US" sz="2800" dirty="0">
-                <a:solidFill>
-                  <a:schemeClr val="tx2">
-                    <a:lumMod val="75000"/>
-                  </a:schemeClr>
-                </a:solidFill>
-              </a:rPr>
-              <a:t>GATK</a:t>
-            </a:r>
-            <a:r>
-              <a:rPr lang="en-US" sz="2800" dirty="0"/>
-              <a:t> can be used to filter SNPs.</a:t>
-            </a:r>
-          </a:p>
-          <a:p>
             <a:pPr marL="0" indent="0">
               <a:buNone/>
             </a:pPr>
             <a:r>
-              <a:rPr lang="en-US" dirty="0">
-                <a:latin typeface="Courier"/>
-                <a:cs typeface="Courier"/>
-              </a:rPr>
-              <a:t>java </a:t>
-            </a:r>
-            <a:r>
-              <a:rPr lang="en-US" dirty="0" err="1">
-                <a:latin typeface="Courier"/>
-                <a:cs typeface="Courier"/>
-              </a:rPr>
-              <a:t>GenomeAnalysisTK.jar</a:t>
-            </a:r>
-            <a:r>
-              <a:rPr lang="en-US" dirty="0">
-                <a:latin typeface="Courier"/>
-                <a:cs typeface="Courier"/>
-              </a:rPr>
-              <a:t> \</a:t>
-            </a:r>
-          </a:p>
-          <a:p>
-            <a:pPr marL="0" indent="0">
-              <a:buNone/>
-            </a:pPr>
-            <a:r>
-              <a:rPr lang="en-US" b="1" dirty="0">
-                <a:solidFill>
-                  <a:srgbClr val="FF0000"/>
-                </a:solidFill>
-                <a:latin typeface="Courier"/>
-                <a:cs typeface="Courier"/>
-              </a:rPr>
-              <a:t>	-T </a:t>
-            </a:r>
-            <a:r>
-              <a:rPr lang="en-US" b="1" dirty="0" err="1">
-                <a:solidFill>
-                  <a:srgbClr val="FF0000"/>
-                </a:solidFill>
-                <a:latin typeface="Courier"/>
-                <a:cs typeface="Courier"/>
-              </a:rPr>
-              <a:t>SelectVariants</a:t>
-            </a:r>
-            <a:r>
-              <a:rPr lang="en-US" b="1" dirty="0">
-                <a:solidFill>
-                  <a:srgbClr val="FF0000"/>
-                </a:solidFill>
-                <a:latin typeface="Courier"/>
-                <a:cs typeface="Courier"/>
-              </a:rPr>
-              <a:t> </a:t>
-            </a:r>
-            <a:r>
-              <a:rPr lang="en-US" dirty="0">
-                <a:latin typeface="Courier"/>
-                <a:cs typeface="Courier"/>
-              </a:rPr>
-              <a:t>\</a:t>
-            </a:r>
-          </a:p>
-          <a:p>
-            <a:pPr marL="0" indent="0">
-              <a:buNone/>
-            </a:pPr>
-            <a:r>
-              <a:rPr lang="en-US" dirty="0">
-                <a:latin typeface="Courier"/>
-                <a:cs typeface="Courier"/>
-              </a:rPr>
-              <a:t>	-R </a:t>
-            </a:r>
-            <a:r>
-              <a:rPr lang="en-US" dirty="0" err="1">
-                <a:latin typeface="Courier"/>
-                <a:cs typeface="Courier"/>
-              </a:rPr>
-              <a:t>your_reference</a:t>
-            </a:r>
-            <a:r>
-              <a:rPr lang="en-US" dirty="0">
-                <a:latin typeface="Courier"/>
-                <a:cs typeface="Courier"/>
-              </a:rPr>
-              <a:t> \</a:t>
-            </a:r>
-          </a:p>
-          <a:p>
-            <a:pPr marL="0" indent="0">
-              <a:buNone/>
-            </a:pPr>
-            <a:r>
-              <a:rPr lang="en-US" dirty="0">
-                <a:latin typeface="Courier"/>
-                <a:cs typeface="Courier"/>
-              </a:rPr>
-              <a:t>	--variant </a:t>
-            </a:r>
-            <a:r>
-              <a:rPr lang="en-US" dirty="0" err="1">
-                <a:latin typeface="Courier"/>
-                <a:cs typeface="Courier"/>
-              </a:rPr>
-              <a:t>your_vcf</a:t>
-            </a:r>
-            <a:r>
-              <a:rPr lang="en-US" dirty="0">
-                <a:latin typeface="Courier"/>
-                <a:cs typeface="Courier"/>
-              </a:rPr>
-              <a:t> \</a:t>
-            </a:r>
-          </a:p>
-          <a:p>
-            <a:pPr marL="0" indent="0">
-              <a:buNone/>
-            </a:pPr>
-            <a:r>
-              <a:rPr lang="en-US" dirty="0">
-                <a:latin typeface="Courier"/>
-                <a:cs typeface="Courier"/>
-              </a:rPr>
-              <a:t>	-select 'DP &gt;= 3.0' \</a:t>
-            </a:r>
-          </a:p>
-          <a:p>
-            <a:pPr marL="0" indent="0">
-              <a:buNone/>
-            </a:pPr>
-            <a:r>
-              <a:rPr lang="en-US" dirty="0">
-                <a:latin typeface="Courier"/>
-                <a:cs typeface="Courier"/>
-              </a:rPr>
-              <a:t>	--</a:t>
-            </a:r>
-            <a:r>
-              <a:rPr lang="en-US" dirty="0" err="1">
-                <a:latin typeface="Courier"/>
-                <a:cs typeface="Courier"/>
-              </a:rPr>
-              <a:t>restrictAllelesTo</a:t>
-            </a:r>
-            <a:r>
-              <a:rPr lang="en-US" dirty="0">
-                <a:latin typeface="Courier"/>
-                <a:cs typeface="Courier"/>
-              </a:rPr>
-              <a:t> BIALLELIC \</a:t>
-            </a:r>
-          </a:p>
-          <a:p>
-            <a:pPr marL="0" indent="0">
-              <a:buNone/>
-            </a:pPr>
-            <a:r>
-              <a:rPr lang="en-US" dirty="0">
-                <a:latin typeface="Courier"/>
-                <a:cs typeface="Courier"/>
-              </a:rPr>
-              <a:t>	--</a:t>
-            </a:r>
-            <a:r>
-              <a:rPr lang="en-US" dirty="0" err="1">
-                <a:latin typeface="Courier"/>
-                <a:cs typeface="Courier"/>
-              </a:rPr>
-              <a:t>selectTypeToInclude</a:t>
-            </a:r>
-            <a:r>
-              <a:rPr lang="en-US" dirty="0">
-                <a:latin typeface="Courier"/>
-                <a:cs typeface="Courier"/>
-              </a:rPr>
-              <a:t> SNP</a:t>
-            </a:r>
-          </a:p>
-          <a:p>
-            <a:pPr marL="0" indent="0">
-              <a:buNone/>
-            </a:pPr>
-            <a:endParaRPr lang="en-US" sz="1800" dirty="0">
-              <a:latin typeface="Courier"/>
-              <a:cs typeface="Courier"/>
-            </a:endParaRPr>
-          </a:p>
-          <a:p>
-            <a:r>
-              <a:rPr lang="en-US" sz="2800" dirty="0">
-                <a:solidFill>
-                  <a:schemeClr val="tx2">
-                    <a:lumMod val="75000"/>
-                  </a:schemeClr>
-                </a:solidFill>
-              </a:rPr>
-              <a:t>Filter variants based on the experimental purpose and genetic features</a:t>
-            </a:r>
-          </a:p>
-          <a:p>
-            <a:pPr marL="0" indent="0">
-              <a:buNone/>
-            </a:pPr>
-            <a:endParaRPr lang="en-US" sz="1800" dirty="0">
-              <a:latin typeface="Courier"/>
-              <a:cs typeface="Courier"/>
-            </a:endParaRPr>
+              <a:rPr lang="en-US" sz="2800" dirty="0"/>
+              <a:t>Can you think about what could result in falsely discovered SNPs using alignment-based SNP methods?</a:t>
+            </a:r>
           </a:p>
         </p:txBody>
       </p:sp>
@@ -12777,7 +12106,7 @@
     </p:spTree>
     <p:extLst>
       <p:ext uri="{BB962C8B-B14F-4D97-AF65-F5344CB8AC3E}">
-        <p14:creationId xmlns:p14="http://schemas.microsoft.com/office/powerpoint/2010/main" val="4049092537"/>
+        <p14:creationId xmlns:p14="http://schemas.microsoft.com/office/powerpoint/2010/main" val="2082842603"/>
       </p:ext>
     </p:extLst>
   </p:cSld>
@@ -13602,117 +12931,6 @@
           <a:lstStyle/>
           <a:p>
             <a:r>
-              <a:rPr lang="en-US" dirty="0"/>
-              <a:t>Falsely discovered SNPs</a:t>
-            </a:r>
-          </a:p>
-        </p:txBody>
-      </p:sp>
-      <p:sp>
-        <p:nvSpPr>
-          <p:cNvPr id="3" name="Content Placeholder 2"/>
-          <p:cNvSpPr>
-            <a:spLocks noGrp="1"/>
-          </p:cNvSpPr>
-          <p:nvPr>
-            <p:ph idx="1"/>
-          </p:nvPr>
-        </p:nvSpPr>
-        <p:spPr>
-          <a:xfrm>
-            <a:off x="1028700" y="2038350"/>
-            <a:ext cx="7226300" cy="1441450"/>
-          </a:xfrm>
-        </p:spPr>
-        <p:txBody>
-          <a:bodyPr/>
-          <a:lstStyle/>
-          <a:p>
-            <a:pPr marL="0" indent="0">
-              <a:buNone/>
-            </a:pPr>
-            <a:r>
-              <a:rPr lang="en-US" sz="2800" dirty="0"/>
-              <a:t>Can you think about what could result in falsely discovered SNPs using alignment-based SNP methods?</a:t>
-            </a:r>
-          </a:p>
-        </p:txBody>
-      </p:sp>
-      <p:sp>
-        <p:nvSpPr>
-          <p:cNvPr id="4" name="Slide Number Placeholder 3"/>
-          <p:cNvSpPr>
-            <a:spLocks noGrp="1"/>
-          </p:cNvSpPr>
-          <p:nvPr>
-            <p:ph type="sldNum" sz="quarter" idx="12"/>
-          </p:nvPr>
-        </p:nvSpPr>
-        <p:spPr/>
-        <p:txBody>
-          <a:bodyPr/>
-          <a:lstStyle/>
-          <a:p>
-            <a:pPr>
-              <a:defRPr/>
-            </a:pPr>
-            <a:fld id="{9E3EFA63-DE6B-1C40-8E13-70DFD3C7F100}" type="slidenum">
-              <a:rPr lang="en-US" smtClean="0"/>
-              <a:pPr>
-                <a:defRPr/>
-              </a:pPr>
-              <a:t>19</a:t>
-            </a:fld>
-            <a:endParaRPr lang="en-US"/>
-          </a:p>
-        </p:txBody>
-      </p:sp>
-    </p:spTree>
-    <p:extLst>
-      <p:ext uri="{BB962C8B-B14F-4D97-AF65-F5344CB8AC3E}">
-        <p14:creationId xmlns:p14="http://schemas.microsoft.com/office/powerpoint/2010/main" val="2082842603"/>
-      </p:ext>
-    </p:extLst>
-  </p:cSld>
-  <p:clrMapOvr>
-    <a:masterClrMapping/>
-  </p:clrMapOvr>
-</p:sld>
-</file>
-
-<file path=ppt/slides/slide21.xml><?xml version="1.0" encoding="utf-8"?>
-<p:sld xmlns:a="http://schemas.openxmlformats.org/drawingml/2006/main" xmlns:r="http://schemas.openxmlformats.org/officeDocument/2006/relationships" xmlns:p="http://schemas.openxmlformats.org/presentationml/2006/main">
-  <p:cSld>
-    <p:spTree>
-      <p:nvGrpSpPr>
-        <p:cNvPr id="1" name=""/>
-        <p:cNvGrpSpPr/>
-        <p:nvPr/>
-      </p:nvGrpSpPr>
-      <p:grpSpPr>
-        <a:xfrm>
-          <a:off x="0" y="0"/>
-          <a:ext cx="0" cy="0"/>
-          <a:chOff x="0" y="0"/>
-          <a:chExt cx="0" cy="0"/>
-        </a:xfrm>
-      </p:grpSpPr>
-      <p:sp>
-        <p:nvSpPr>
-          <p:cNvPr id="2" name="Title 1"/>
-          <p:cNvSpPr>
-            <a:spLocks noGrp="1"/>
-          </p:cNvSpPr>
-          <p:nvPr>
-            <p:ph type="title"/>
-          </p:nvPr>
-        </p:nvSpPr>
-        <p:spPr/>
-        <p:txBody>
-          <a:bodyPr/>
-          <a:lstStyle/>
-          <a:p>
-            <a:r>
               <a:rPr lang="en-US" sz="3200" dirty="0"/>
               <a:t>Alignment-based SNP discovery: alignment issues</a:t>
             </a:r>
@@ -13792,7 +13010,7 @@
               <a:pPr>
                 <a:defRPr/>
               </a:pPr>
-              <a:t>20</a:t>
+              <a:t>19</a:t>
             </a:fld>
             <a:endParaRPr lang="en-US"/>
           </a:p>
@@ -14017,7 +13235,7 @@
 </p:sld>
 </file>
 
-<file path=ppt/slides/slide22.xml><?xml version="1.0" encoding="utf-8"?>
+<file path=ppt/slides/slide21.xml><?xml version="1.0" encoding="utf-8"?>
 <p:sld xmlns:a="http://schemas.openxmlformats.org/drawingml/2006/main" xmlns:r="http://schemas.openxmlformats.org/officeDocument/2006/relationships" xmlns:p="http://schemas.openxmlformats.org/presentationml/2006/main">
   <p:cSld>
     <p:spTree>
@@ -14103,7 +13321,7 @@
               <a:pPr>
                 <a:defRPr/>
               </a:pPr>
-              <a:t>21</a:t>
+              <a:t>20</a:t>
             </a:fld>
             <a:endParaRPr lang="en-US"/>
           </a:p>
@@ -14394,7 +13612,7 @@
 </p:sld>
 </file>
 
-<file path=ppt/slides/slide23.xml><?xml version="1.0" encoding="utf-8"?>
+<file path=ppt/slides/slide22.xml><?xml version="1.0" encoding="utf-8"?>
 <p:sld xmlns:a="http://schemas.openxmlformats.org/drawingml/2006/main" xmlns:r="http://schemas.openxmlformats.org/officeDocument/2006/relationships" xmlns:p="http://schemas.openxmlformats.org/presentationml/2006/main">
   <p:cSld>
     <p:spTree>
@@ -14631,7 +13849,7 @@
               <a:pPr>
                 <a:defRPr/>
               </a:pPr>
-              <a:t>22</a:t>
+              <a:t>21</a:t>
             </a:fld>
             <a:endParaRPr lang="en-US"/>
           </a:p>
@@ -14725,7 +13943,7 @@
 </p:sld>
 </file>
 
-<file path=ppt/slides/slide24.xml><?xml version="1.0" encoding="utf-8"?>
+<file path=ppt/slides/slide23.xml><?xml version="1.0" encoding="utf-8"?>
 <p:sld xmlns:a="http://schemas.openxmlformats.org/drawingml/2006/main" xmlns:r="http://schemas.openxmlformats.org/officeDocument/2006/relationships" xmlns:p="http://schemas.openxmlformats.org/presentationml/2006/main">
   <p:cSld>
     <p:spTree>
@@ -14896,7 +14114,7 @@
               <a:pPr>
                 <a:defRPr/>
               </a:pPr>
-              <a:t>23</a:t>
+              <a:t>22</a:t>
             </a:fld>
             <a:endParaRPr lang="en-US"/>
           </a:p>
@@ -14962,7 +14180,7 @@
 </p:sld>
 </file>
 
-<file path=ppt/slides/slide25.xml><?xml version="1.0" encoding="utf-8"?>
+<file path=ppt/slides/slide24.xml><?xml version="1.0" encoding="utf-8"?>
 <p:sld xmlns:a="http://schemas.openxmlformats.org/drawingml/2006/main" xmlns:r="http://schemas.openxmlformats.org/officeDocument/2006/relationships" xmlns:p="http://schemas.openxmlformats.org/presentationml/2006/main">
   <p:cSld>
     <p:spTree>
@@ -15167,7 +14385,7 @@
               <a:pPr>
                 <a:defRPr/>
               </a:pPr>
-              <a:t>24</a:t>
+              <a:t>23</a:t>
             </a:fld>
             <a:endParaRPr lang="en-US"/>
           </a:p>
@@ -15219,7 +14437,7 @@
 </p:sld>
 </file>
 
-<file path=ppt/slides/slide26.xml><?xml version="1.0" encoding="utf-8"?>
+<file path=ppt/slides/slide25.xml><?xml version="1.0" encoding="utf-8"?>
 <p:sld xmlns:a="http://schemas.openxmlformats.org/drawingml/2006/main" xmlns:r="http://schemas.openxmlformats.org/officeDocument/2006/relationships" xmlns:p="http://schemas.openxmlformats.org/presentationml/2006/main">
   <p:cSld>
     <p:spTree>
@@ -15293,7 +14511,7 @@
               <a:pPr>
                 <a:defRPr/>
               </a:pPr>
-              <a:t>25</a:t>
+              <a:t>24</a:t>
             </a:fld>
             <a:endParaRPr lang="en-US"/>
           </a:p>
@@ -19266,7 +18484,7 @@
 </p:sld>
 </file>
 
-<file path=ppt/slides/slide27.xml><?xml version="1.0" encoding="utf-8"?>
+<file path=ppt/slides/slide26.xml><?xml version="1.0" encoding="utf-8"?>
 <p:sld xmlns:a="http://schemas.openxmlformats.org/drawingml/2006/main" xmlns:r="http://schemas.openxmlformats.org/officeDocument/2006/relationships" xmlns:p="http://schemas.openxmlformats.org/presentationml/2006/main">
   <p:cSld>
     <p:spTree>
@@ -19329,7 +18547,7 @@
           <a:p>
             <a:r>
               <a:rPr lang="en-US" sz="2400" dirty="0"/>
-              <a:t>The strategy to generate data for SNP discovery is depended on experimental purpose, genetic features of the population, timetable, and budget.</a:t>
+              <a:t>The strategy to generate data for SNP discovery is depended on experimental purpose, genetic features of the population, and budget.</a:t>
             </a:r>
           </a:p>
           <a:p>
@@ -19366,7 +18584,7 @@
               <a:pPr>
                 <a:defRPr/>
               </a:pPr>
-              <a:t>26</a:t>
+              <a:t>25</a:t>
             </a:fld>
             <a:endParaRPr lang="en-US"/>
           </a:p>
@@ -19585,14 +18803,14 @@
           </a:ln>
           <a:extLst>
             <a:ext uri="{909E8E84-426E-40dd-AFC4-6F175D3DCCD1}">
-              <a14:hiddenFill xmlns:a14="http://schemas.microsoft.com/office/drawing/2010/main" xmlns="">
+              <a14:hiddenFill xmlns="" xmlns:a14="http://schemas.microsoft.com/office/drawing/2010/main">
                 <a:solidFill>
                   <a:srgbClr val="FFFFFF"/>
                 </a:solidFill>
               </a14:hiddenFill>
             </a:ext>
             <a:ext uri="{91240B29-F687-4f45-9708-019B960494DF}">
-              <a14:hiddenLine xmlns:a14="http://schemas.microsoft.com/office/drawing/2010/main" xmlns="" w="9525">
+              <a14:hiddenLine xmlns="" xmlns:a14="http://schemas.microsoft.com/office/drawing/2010/main" w="9525">
                 <a:solidFill>
                   <a:srgbClr val="000000"/>
                 </a:solidFill>
@@ -20288,7 +19506,7 @@
         </p:nvSpPr>
         <p:spPr>
           <a:xfrm>
-            <a:off x="171450" y="6352291"/>
+            <a:off x="457200" y="6351593"/>
             <a:ext cx="1901033" cy="276999"/>
           </a:xfrm>
           <a:prstGeom prst="rect">
@@ -20361,124 +19579,6 @@
 </file>
 
 <file path=ppt/slides/slide8.xml><?xml version="1.0" encoding="utf-8"?>
-<p:sld xmlns:a="http://schemas.openxmlformats.org/drawingml/2006/main" xmlns:r="http://schemas.openxmlformats.org/officeDocument/2006/relationships" xmlns:p="http://schemas.openxmlformats.org/presentationml/2006/main">
-  <p:cSld>
-    <p:spTree>
-      <p:nvGrpSpPr>
-        <p:cNvPr id="1" name=""/>
-        <p:cNvGrpSpPr/>
-        <p:nvPr/>
-      </p:nvGrpSpPr>
-      <p:grpSpPr>
-        <a:xfrm>
-          <a:off x="0" y="0"/>
-          <a:ext cx="0" cy="0"/>
-          <a:chOff x="0" y="0"/>
-          <a:chExt cx="0" cy="0"/>
-        </a:xfrm>
-      </p:grpSpPr>
-      <p:sp>
-        <p:nvSpPr>
-          <p:cNvPr id="2" name="Title 1">
-            <a:extLst>
-              <a:ext uri="{FF2B5EF4-FFF2-40B4-BE49-F238E27FC236}">
-                <a16:creationId xmlns:a16="http://schemas.microsoft.com/office/drawing/2014/main" id="{D6BA61B9-26B3-2D16-ECD4-1E4D9B501AB4}"/>
-              </a:ext>
-            </a:extLst>
-          </p:cNvPr>
-          <p:cNvSpPr>
-            <a:spLocks noGrp="1"/>
-          </p:cNvSpPr>
-          <p:nvPr>
-            <p:ph type="title"/>
-          </p:nvPr>
-        </p:nvSpPr>
-        <p:spPr/>
-        <p:txBody>
-          <a:bodyPr/>
-          <a:lstStyle/>
-          <a:p>
-            <a:r>
-              <a:rPr lang="en-US" dirty="0"/>
-              <a:t>Stop here</a:t>
-            </a:r>
-          </a:p>
-        </p:txBody>
-      </p:sp>
-      <p:sp>
-        <p:nvSpPr>
-          <p:cNvPr id="3" name="Content Placeholder 2">
-            <a:extLst>
-              <a:ext uri="{FF2B5EF4-FFF2-40B4-BE49-F238E27FC236}">
-                <a16:creationId xmlns:a16="http://schemas.microsoft.com/office/drawing/2014/main" id="{93C5400A-6EF3-577F-37A2-8EC4370B8659}"/>
-              </a:ext>
-            </a:extLst>
-          </p:cNvPr>
-          <p:cNvSpPr>
-            <a:spLocks noGrp="1"/>
-          </p:cNvSpPr>
-          <p:nvPr>
-            <p:ph idx="1"/>
-          </p:nvPr>
-        </p:nvSpPr>
-        <p:spPr/>
-        <p:txBody>
-          <a:bodyPr/>
-          <a:lstStyle/>
-          <a:p>
-            <a:endParaRPr lang="en-US"/>
-          </a:p>
-        </p:txBody>
-      </p:sp>
-      <p:sp>
-        <p:nvSpPr>
-          <p:cNvPr id="4" name="Slide Number Placeholder 3">
-            <a:extLst>
-              <a:ext uri="{FF2B5EF4-FFF2-40B4-BE49-F238E27FC236}">
-                <a16:creationId xmlns:a16="http://schemas.microsoft.com/office/drawing/2014/main" id="{8E00B9F8-CB31-6030-B842-5EA70F871503}"/>
-              </a:ext>
-            </a:extLst>
-          </p:cNvPr>
-          <p:cNvSpPr>
-            <a:spLocks noGrp="1"/>
-          </p:cNvSpPr>
-          <p:nvPr>
-            <p:ph type="sldNum" sz="quarter" idx="12"/>
-          </p:nvPr>
-        </p:nvSpPr>
-        <p:spPr/>
-        <p:txBody>
-          <a:bodyPr/>
-          <a:lstStyle/>
-          <a:p>
-            <a:pPr>
-              <a:defRPr/>
-            </a:pPr>
-            <a:fld id="{9E3EFA63-DE6B-1C40-8E13-70DFD3C7F100}" type="slidenum">
-              <a:rPr lang="en-US" smtClean="0"/>
-              <a:pPr>
-                <a:defRPr/>
-              </a:pPr>
-              <a:t>7</a:t>
-            </a:fld>
-            <a:endParaRPr lang="en-US"/>
-          </a:p>
-        </p:txBody>
-      </p:sp>
-    </p:spTree>
-    <p:extLst>
-      <p:ext uri="{BB962C8B-B14F-4D97-AF65-F5344CB8AC3E}">
-        <p14:creationId xmlns:p14="http://schemas.microsoft.com/office/powerpoint/2010/main" val="756531870"/>
-      </p:ext>
-    </p:extLst>
-  </p:cSld>
-  <p:clrMapOvr>
-    <a:masterClrMapping/>
-  </p:clrMapOvr>
-</p:sld>
-</file>
-
-<file path=ppt/slides/slide9.xml><?xml version="1.0" encoding="utf-8"?>
 <p:sld xmlns:a="http://schemas.openxmlformats.org/drawingml/2006/main" xmlns:r="http://schemas.openxmlformats.org/officeDocument/2006/relationships" xmlns:p="http://schemas.openxmlformats.org/presentationml/2006/main">
   <p:cSld>
     <p:spTree>
@@ -20793,6 +19893,782 @@
     </p:tnLst>
     <p:bldLst>
       <p:bldP spid="4" grpId="0"/>
+    </p:bldLst>
+  </p:timing>
+</p:sld>
+</file>
+
+<file path=ppt/slides/slide9.xml><?xml version="1.0" encoding="utf-8"?>
+<p:sld xmlns:a="http://schemas.openxmlformats.org/drawingml/2006/main" xmlns:r="http://schemas.openxmlformats.org/officeDocument/2006/relationships" xmlns:p="http://schemas.openxmlformats.org/presentationml/2006/main">
+  <p:cSld>
+    <p:spTree>
+      <p:nvGrpSpPr>
+        <p:cNvPr id="1" name=""/>
+        <p:cNvGrpSpPr/>
+        <p:nvPr/>
+      </p:nvGrpSpPr>
+      <p:grpSpPr>
+        <a:xfrm>
+          <a:off x="0" y="0"/>
+          <a:ext cx="0" cy="0"/>
+          <a:chOff x="0" y="0"/>
+          <a:chExt cx="0" cy="0"/>
+        </a:xfrm>
+      </p:grpSpPr>
+      <p:sp>
+        <p:nvSpPr>
+          <p:cNvPr id="2" name="Title 1"/>
+          <p:cNvSpPr>
+            <a:spLocks noGrp="1"/>
+          </p:cNvSpPr>
+          <p:nvPr>
+            <p:ph type="title"/>
+          </p:nvPr>
+        </p:nvSpPr>
+        <p:spPr>
+          <a:xfrm>
+            <a:off x="457200" y="181504"/>
+            <a:ext cx="8229600" cy="1037696"/>
+          </a:xfrm>
+        </p:spPr>
+        <p:txBody>
+          <a:bodyPr/>
+          <a:lstStyle/>
+          <a:p>
+            <a:r>
+              <a:rPr lang="en-US" dirty="0"/>
+              <a:t>Next-Generation Sequencing to generate data for variant discovery</a:t>
+            </a:r>
+          </a:p>
+        </p:txBody>
+      </p:sp>
+      <p:sp>
+        <p:nvSpPr>
+          <p:cNvPr id="4" name="Slide Number Placeholder 3"/>
+          <p:cNvSpPr>
+            <a:spLocks noGrp="1"/>
+          </p:cNvSpPr>
+          <p:nvPr>
+            <p:ph type="sldNum" sz="quarter" idx="12"/>
+          </p:nvPr>
+        </p:nvSpPr>
+        <p:spPr/>
+        <p:txBody>
+          <a:bodyPr/>
+          <a:lstStyle/>
+          <a:p>
+            <a:pPr>
+              <a:defRPr/>
+            </a:pPr>
+            <a:fld id="{9E3EFA63-DE6B-1C40-8E13-70DFD3C7F100}" type="slidenum">
+              <a:rPr lang="en-US" smtClean="0"/>
+              <a:pPr>
+                <a:defRPr/>
+              </a:pPr>
+              <a:t>8</a:t>
+            </a:fld>
+            <a:endParaRPr lang="en-US" dirty="0"/>
+          </a:p>
+        </p:txBody>
+      </p:sp>
+      <p:sp>
+        <p:nvSpPr>
+          <p:cNvPr id="47" name="TextBox 46"/>
+          <p:cNvSpPr txBox="1"/>
+          <p:nvPr/>
+        </p:nvSpPr>
+        <p:spPr>
+          <a:xfrm>
+            <a:off x="2447187" y="1653203"/>
+            <a:ext cx="3966314" cy="4524315"/>
+          </a:xfrm>
+          <a:prstGeom prst="rect">
+            <a:avLst/>
+          </a:prstGeom>
+          <a:noFill/>
+          <a:ln>
+            <a:noFill/>
+          </a:ln>
+        </p:spPr>
+        <p:txBody>
+          <a:bodyPr wrap="square">
+            <a:spAutoFit/>
+          </a:bodyPr>
+          <a:lstStyle/>
+          <a:p>
+            <a:pPr algn="ctr">
+              <a:defRPr/>
+            </a:pPr>
+            <a:r>
+              <a:rPr lang="en-US" dirty="0">
+                <a:solidFill>
+                  <a:schemeClr val="bg1">
+                    <a:lumMod val="65000"/>
+                  </a:schemeClr>
+                </a:solidFill>
+                <a:latin typeface="Courier"/>
+                <a:ea typeface="ＭＳ Ｐゴシック" charset="-128"/>
+                <a:cs typeface="Courier"/>
+              </a:rPr>
+              <a:t>GATCTGCGT</a:t>
+            </a:r>
+            <a:r>
+              <a:rPr lang="en-US" dirty="0">
+                <a:solidFill>
+                  <a:srgbClr val="008000"/>
+                </a:solidFill>
+                <a:latin typeface="Courier"/>
+                <a:ea typeface="ＭＳ Ｐゴシック" charset="-128"/>
+                <a:cs typeface="Courier"/>
+              </a:rPr>
+              <a:t>C</a:t>
+            </a:r>
+            <a:r>
+              <a:rPr lang="en-US" dirty="0">
+                <a:solidFill>
+                  <a:schemeClr val="bg1">
+                    <a:lumMod val="65000"/>
+                  </a:schemeClr>
+                </a:solidFill>
+                <a:latin typeface="Courier"/>
+                <a:ea typeface="ＭＳ Ｐゴシック" charset="-128"/>
+                <a:cs typeface="Courier"/>
+              </a:rPr>
+              <a:t>ATACGGAAT</a:t>
+            </a:r>
+          </a:p>
+          <a:p>
+            <a:pPr algn="ctr">
+              <a:defRPr/>
+            </a:pPr>
+            <a:r>
+              <a:rPr lang="en-US" dirty="0">
+                <a:solidFill>
+                  <a:schemeClr val="bg1">
+                    <a:lumMod val="65000"/>
+                  </a:schemeClr>
+                </a:solidFill>
+                <a:latin typeface="Courier"/>
+                <a:ea typeface="ＭＳ Ｐゴシック" charset="-128"/>
+                <a:cs typeface="Courier"/>
+              </a:rPr>
+              <a:t>GATCTGCGT</a:t>
+            </a:r>
+            <a:r>
+              <a:rPr lang="en-US" dirty="0">
+                <a:solidFill>
+                  <a:srgbClr val="FF0000"/>
+                </a:solidFill>
+                <a:latin typeface="Courier"/>
+                <a:ea typeface="ＭＳ Ｐゴシック" charset="-128"/>
+                <a:cs typeface="Courier"/>
+              </a:rPr>
+              <a:t>G</a:t>
+            </a:r>
+            <a:r>
+              <a:rPr lang="en-US" dirty="0">
+                <a:solidFill>
+                  <a:schemeClr val="bg1">
+                    <a:lumMod val="65000"/>
+                  </a:schemeClr>
+                </a:solidFill>
+                <a:latin typeface="Courier"/>
+                <a:ea typeface="ＭＳ Ｐゴシック" charset="-128"/>
+                <a:cs typeface="Courier"/>
+              </a:rPr>
+              <a:t>ATACGGAAT</a:t>
+            </a:r>
+          </a:p>
+          <a:p>
+            <a:pPr algn="ctr">
+              <a:defRPr/>
+            </a:pPr>
+            <a:r>
+              <a:rPr lang="en-US" dirty="0">
+                <a:solidFill>
+                  <a:schemeClr val="bg1">
+                    <a:lumMod val="65000"/>
+                  </a:schemeClr>
+                </a:solidFill>
+                <a:latin typeface="Courier"/>
+                <a:ea typeface="ＭＳ Ｐゴシック" charset="-128"/>
+                <a:cs typeface="Courier"/>
+              </a:rPr>
+              <a:t>GATCTGCGT</a:t>
+            </a:r>
+            <a:r>
+              <a:rPr lang="en-US" dirty="0">
+                <a:solidFill>
+                  <a:srgbClr val="008000"/>
+                </a:solidFill>
+                <a:latin typeface="Courier"/>
+                <a:ea typeface="ＭＳ Ｐゴシック" charset="-128"/>
+                <a:cs typeface="Courier"/>
+              </a:rPr>
+              <a:t>C</a:t>
+            </a:r>
+            <a:r>
+              <a:rPr lang="en-US" dirty="0">
+                <a:solidFill>
+                  <a:schemeClr val="bg1">
+                    <a:lumMod val="65000"/>
+                  </a:schemeClr>
+                </a:solidFill>
+                <a:latin typeface="Courier"/>
+                <a:ea typeface="ＭＳ Ｐゴシック" charset="-128"/>
+                <a:cs typeface="Courier"/>
+              </a:rPr>
+              <a:t>ATACGGAAT</a:t>
+            </a:r>
+          </a:p>
+          <a:p>
+            <a:pPr algn="ctr">
+              <a:defRPr/>
+            </a:pPr>
+            <a:r>
+              <a:rPr lang="en-US" dirty="0">
+                <a:solidFill>
+                  <a:schemeClr val="bg1">
+                    <a:lumMod val="65000"/>
+                  </a:schemeClr>
+                </a:solidFill>
+                <a:latin typeface="Courier"/>
+                <a:ea typeface="ＭＳ Ｐゴシック" charset="-128"/>
+                <a:cs typeface="Courier"/>
+              </a:rPr>
+              <a:t>GATCTGCGT</a:t>
+            </a:r>
+            <a:r>
+              <a:rPr lang="en-US" dirty="0">
+                <a:solidFill>
+                  <a:srgbClr val="FF0000"/>
+                </a:solidFill>
+                <a:latin typeface="Courier"/>
+                <a:ea typeface="ＭＳ Ｐゴシック" charset="-128"/>
+                <a:cs typeface="Courier"/>
+              </a:rPr>
+              <a:t>G</a:t>
+            </a:r>
+            <a:r>
+              <a:rPr lang="en-US" dirty="0">
+                <a:solidFill>
+                  <a:schemeClr val="bg1">
+                    <a:lumMod val="65000"/>
+                  </a:schemeClr>
+                </a:solidFill>
+                <a:latin typeface="Courier"/>
+                <a:ea typeface="ＭＳ Ｐゴシック" charset="-128"/>
+                <a:cs typeface="Courier"/>
+              </a:rPr>
+              <a:t>ATACGGAAT</a:t>
+            </a:r>
+          </a:p>
+          <a:p>
+            <a:pPr algn="ctr">
+              <a:defRPr/>
+            </a:pPr>
+            <a:r>
+              <a:rPr lang="en-US" dirty="0">
+                <a:solidFill>
+                  <a:schemeClr val="bg1">
+                    <a:lumMod val="65000"/>
+                  </a:schemeClr>
+                </a:solidFill>
+                <a:latin typeface="Courier"/>
+                <a:ea typeface="ＭＳ Ｐゴシック" charset="-128"/>
+                <a:cs typeface="Courier"/>
+              </a:rPr>
+              <a:t>GATCTGCGT</a:t>
+            </a:r>
+            <a:r>
+              <a:rPr lang="en-US" dirty="0">
+                <a:solidFill>
+                  <a:srgbClr val="FF0000"/>
+                </a:solidFill>
+                <a:latin typeface="Courier"/>
+                <a:ea typeface="ＭＳ Ｐゴシック" charset="-128"/>
+                <a:cs typeface="Courier"/>
+              </a:rPr>
+              <a:t>G</a:t>
+            </a:r>
+            <a:r>
+              <a:rPr lang="en-US" dirty="0">
+                <a:solidFill>
+                  <a:schemeClr val="bg1">
+                    <a:lumMod val="65000"/>
+                  </a:schemeClr>
+                </a:solidFill>
+                <a:latin typeface="Courier"/>
+                <a:ea typeface="ＭＳ Ｐゴシック" charset="-128"/>
+                <a:cs typeface="Courier"/>
+              </a:rPr>
+              <a:t>ATACGGAAT</a:t>
+            </a:r>
+          </a:p>
+          <a:p>
+            <a:pPr algn="ctr">
+              <a:defRPr/>
+            </a:pPr>
+            <a:r>
+              <a:rPr lang="en-US" dirty="0">
+                <a:solidFill>
+                  <a:schemeClr val="bg1">
+                    <a:lumMod val="65000"/>
+                  </a:schemeClr>
+                </a:solidFill>
+                <a:latin typeface="Courier"/>
+                <a:ea typeface="ＭＳ Ｐゴシック" charset="-128"/>
+                <a:cs typeface="Courier"/>
+              </a:rPr>
+              <a:t>GATCTGCGT</a:t>
+            </a:r>
+            <a:r>
+              <a:rPr lang="en-US" dirty="0">
+                <a:solidFill>
+                  <a:srgbClr val="FF0000"/>
+                </a:solidFill>
+                <a:latin typeface="Courier"/>
+                <a:ea typeface="ＭＳ Ｐゴシック" charset="-128"/>
+                <a:cs typeface="Courier"/>
+              </a:rPr>
+              <a:t>G</a:t>
+            </a:r>
+            <a:r>
+              <a:rPr lang="en-US" dirty="0">
+                <a:solidFill>
+                  <a:schemeClr val="bg1">
+                    <a:lumMod val="65000"/>
+                  </a:schemeClr>
+                </a:solidFill>
+                <a:latin typeface="Courier"/>
+                <a:ea typeface="ＭＳ Ｐゴシック" charset="-128"/>
+                <a:cs typeface="Courier"/>
+              </a:rPr>
+              <a:t>ATACGGAAT</a:t>
+            </a:r>
+          </a:p>
+          <a:p>
+            <a:pPr algn="ctr">
+              <a:defRPr/>
+            </a:pPr>
+            <a:r>
+              <a:rPr lang="en-US" dirty="0">
+                <a:solidFill>
+                  <a:schemeClr val="bg1">
+                    <a:lumMod val="65000"/>
+                  </a:schemeClr>
+                </a:solidFill>
+                <a:latin typeface="Courier"/>
+                <a:ea typeface="ＭＳ Ｐゴシック" charset="-128"/>
+                <a:cs typeface="Courier"/>
+              </a:rPr>
+              <a:t>GATCTGCGT</a:t>
+            </a:r>
+            <a:r>
+              <a:rPr lang="en-US" dirty="0">
+                <a:solidFill>
+                  <a:srgbClr val="008000"/>
+                </a:solidFill>
+                <a:latin typeface="Courier"/>
+                <a:ea typeface="ＭＳ Ｐゴシック" charset="-128"/>
+                <a:cs typeface="Courier"/>
+              </a:rPr>
+              <a:t>C</a:t>
+            </a:r>
+            <a:r>
+              <a:rPr lang="en-US" dirty="0">
+                <a:solidFill>
+                  <a:schemeClr val="bg1">
+                    <a:lumMod val="65000"/>
+                  </a:schemeClr>
+                </a:solidFill>
+                <a:latin typeface="Courier"/>
+                <a:ea typeface="ＭＳ Ｐゴシック" charset="-128"/>
+                <a:cs typeface="Courier"/>
+              </a:rPr>
+              <a:t>ATACGGAAT</a:t>
+            </a:r>
+          </a:p>
+          <a:p>
+            <a:pPr algn="ctr">
+              <a:defRPr/>
+            </a:pPr>
+            <a:r>
+              <a:rPr lang="en-US" dirty="0">
+                <a:solidFill>
+                  <a:schemeClr val="bg1">
+                    <a:lumMod val="65000"/>
+                  </a:schemeClr>
+                </a:solidFill>
+                <a:latin typeface="Courier"/>
+                <a:ea typeface="ＭＳ Ｐゴシック" charset="-128"/>
+                <a:cs typeface="Courier"/>
+              </a:rPr>
+              <a:t>GATCTGCGT</a:t>
+            </a:r>
+            <a:r>
+              <a:rPr lang="en-US" dirty="0">
+                <a:solidFill>
+                  <a:srgbClr val="008000"/>
+                </a:solidFill>
+                <a:latin typeface="Courier"/>
+                <a:ea typeface="ＭＳ Ｐゴシック" charset="-128"/>
+                <a:cs typeface="Courier"/>
+              </a:rPr>
+              <a:t>C</a:t>
+            </a:r>
+            <a:r>
+              <a:rPr lang="en-US" dirty="0">
+                <a:solidFill>
+                  <a:schemeClr val="bg1">
+                    <a:lumMod val="65000"/>
+                  </a:schemeClr>
+                </a:solidFill>
+                <a:latin typeface="Courier"/>
+                <a:ea typeface="ＭＳ Ｐゴシック" charset="-128"/>
+                <a:cs typeface="Courier"/>
+              </a:rPr>
+              <a:t>ATACGGAAT</a:t>
+            </a:r>
+          </a:p>
+          <a:p>
+            <a:pPr algn="ctr">
+              <a:defRPr/>
+            </a:pPr>
+            <a:r>
+              <a:rPr lang="en-US" dirty="0">
+                <a:solidFill>
+                  <a:schemeClr val="bg1">
+                    <a:lumMod val="65000"/>
+                  </a:schemeClr>
+                </a:solidFill>
+                <a:latin typeface="Courier"/>
+                <a:ea typeface="ＭＳ Ｐゴシック" charset="-128"/>
+                <a:cs typeface="Courier"/>
+              </a:rPr>
+              <a:t>GATCTGCGT</a:t>
+            </a:r>
+            <a:r>
+              <a:rPr lang="en-US" dirty="0">
+                <a:solidFill>
+                  <a:srgbClr val="FF0000"/>
+                </a:solidFill>
+                <a:latin typeface="Courier"/>
+                <a:ea typeface="ＭＳ Ｐゴシック" charset="-128"/>
+                <a:cs typeface="Courier"/>
+              </a:rPr>
+              <a:t>G</a:t>
+            </a:r>
+            <a:r>
+              <a:rPr lang="en-US" dirty="0">
+                <a:solidFill>
+                  <a:schemeClr val="bg1">
+                    <a:lumMod val="65000"/>
+                  </a:schemeClr>
+                </a:solidFill>
+                <a:latin typeface="Courier"/>
+                <a:ea typeface="ＭＳ Ｐゴシック" charset="-128"/>
+                <a:cs typeface="Courier"/>
+              </a:rPr>
+              <a:t>ATACGGAAT</a:t>
+            </a:r>
+          </a:p>
+          <a:p>
+            <a:pPr algn="ctr">
+              <a:defRPr/>
+            </a:pPr>
+            <a:r>
+              <a:rPr lang="en-US" dirty="0">
+                <a:solidFill>
+                  <a:schemeClr val="bg1">
+                    <a:lumMod val="65000"/>
+                  </a:schemeClr>
+                </a:solidFill>
+                <a:latin typeface="Courier"/>
+                <a:ea typeface="ＭＳ Ｐゴシック" charset="-128"/>
+                <a:cs typeface="Courier"/>
+              </a:rPr>
+              <a:t>GATCTGCGT</a:t>
+            </a:r>
+            <a:r>
+              <a:rPr lang="en-US" dirty="0">
+                <a:solidFill>
+                  <a:srgbClr val="008000"/>
+                </a:solidFill>
+                <a:latin typeface="Courier"/>
+                <a:ea typeface="ＭＳ Ｐゴシック" charset="-128"/>
+                <a:cs typeface="Courier"/>
+              </a:rPr>
+              <a:t>C</a:t>
+            </a:r>
+            <a:r>
+              <a:rPr lang="en-US" dirty="0">
+                <a:solidFill>
+                  <a:schemeClr val="bg1">
+                    <a:lumMod val="65000"/>
+                  </a:schemeClr>
+                </a:solidFill>
+                <a:latin typeface="Courier"/>
+                <a:ea typeface="ＭＳ Ｐゴシック" charset="-128"/>
+                <a:cs typeface="Courier"/>
+              </a:rPr>
+              <a:t>ATACGGAAT</a:t>
+            </a:r>
+          </a:p>
+          <a:p>
+            <a:pPr algn="ctr">
+              <a:defRPr/>
+            </a:pPr>
+            <a:endParaRPr lang="en-US" dirty="0">
+              <a:solidFill>
+                <a:srgbClr val="7F7F7F"/>
+              </a:solidFill>
+              <a:latin typeface="Courier"/>
+              <a:ea typeface="ＭＳ Ｐゴシック" charset="-128"/>
+              <a:cs typeface="Courier"/>
+            </a:endParaRPr>
+          </a:p>
+          <a:p>
+            <a:pPr algn="ctr">
+              <a:defRPr/>
+            </a:pPr>
+            <a:r>
+              <a:rPr lang="en-US" dirty="0">
+                <a:solidFill>
+                  <a:srgbClr val="7F7F7F"/>
+                </a:solidFill>
+                <a:latin typeface="Courier"/>
+                <a:ea typeface="ＭＳ Ｐゴシック" charset="-128"/>
+                <a:cs typeface="Courier"/>
+              </a:rPr>
+              <a:t>--------</a:t>
+            </a:r>
+            <a:r>
+              <a:rPr lang="en-US" dirty="0">
+                <a:solidFill>
+                  <a:srgbClr val="008000"/>
+                </a:solidFill>
+                <a:latin typeface="Courier"/>
+                <a:ea typeface="ＭＳ Ｐゴシック" charset="-128"/>
+                <a:cs typeface="Courier"/>
+              </a:rPr>
+              <a:t>C</a:t>
+            </a:r>
+            <a:r>
+              <a:rPr lang="en-US" dirty="0">
+                <a:solidFill>
+                  <a:srgbClr val="984807"/>
+                </a:solidFill>
+                <a:latin typeface="Courier"/>
+                <a:ea typeface="ＭＳ Ｐゴシック" charset="-128"/>
+                <a:cs typeface="Courier"/>
+              </a:rPr>
+              <a:t>/</a:t>
+            </a:r>
+            <a:r>
+              <a:rPr lang="en-US" dirty="0">
+                <a:solidFill>
+                  <a:srgbClr val="FF0000"/>
+                </a:solidFill>
+                <a:latin typeface="Courier"/>
+                <a:ea typeface="ＭＳ Ｐゴシック" charset="-128"/>
+                <a:cs typeface="Courier"/>
+              </a:rPr>
+              <a:t>G</a:t>
+            </a:r>
+            <a:r>
+              <a:rPr lang="en-US" dirty="0">
+                <a:solidFill>
+                  <a:srgbClr val="7F7F7F"/>
+                </a:solidFill>
+                <a:latin typeface="Courier"/>
+                <a:ea typeface="ＭＳ Ｐゴシック" charset="-128"/>
+                <a:cs typeface="Courier"/>
+              </a:rPr>
+              <a:t>--------</a:t>
+            </a:r>
+          </a:p>
+        </p:txBody>
+      </p:sp>
+      <p:sp>
+        <p:nvSpPr>
+          <p:cNvPr id="3" name="TextBox 2">
+            <a:extLst>
+              <a:ext uri="{FF2B5EF4-FFF2-40B4-BE49-F238E27FC236}">
+                <a16:creationId xmlns:a16="http://schemas.microsoft.com/office/drawing/2014/main" id="{38D0D49D-3847-534C-9DA6-9D7D54E74F3C}"/>
+              </a:ext>
+            </a:extLst>
+          </p:cNvPr>
+          <p:cNvSpPr txBox="1"/>
+          <p:nvPr/>
+        </p:nvSpPr>
+        <p:spPr>
+          <a:xfrm>
+            <a:off x="6244190" y="5525353"/>
+            <a:ext cx="2340962" cy="830997"/>
+          </a:xfrm>
+          <a:prstGeom prst="rect">
+            <a:avLst/>
+          </a:prstGeom>
+          <a:noFill/>
+        </p:spPr>
+        <p:txBody>
+          <a:bodyPr wrap="none" rtlCol="0">
+            <a:spAutoFit/>
+          </a:bodyPr>
+          <a:lstStyle/>
+          <a:p>
+            <a:r>
+              <a:rPr lang="en-US" dirty="0">
+                <a:latin typeface="Calibri Light" panose="020F0302020204030204" pitchFamily="34" charset="0"/>
+                <a:cs typeface="Calibri Light" panose="020F0302020204030204" pitchFamily="34" charset="0"/>
+              </a:rPr>
+              <a:t>Heterozygous call</a:t>
+            </a:r>
+          </a:p>
+          <a:p>
+            <a:r>
+              <a:rPr lang="en-US" dirty="0">
+                <a:latin typeface="Calibri Light" panose="020F0302020204030204" pitchFamily="34" charset="0"/>
+                <a:cs typeface="Calibri Light" panose="020F0302020204030204" pitchFamily="34" charset="0"/>
+              </a:rPr>
+              <a:t>(diploid genome)</a:t>
+            </a:r>
+          </a:p>
+        </p:txBody>
+      </p:sp>
+    </p:spTree>
+    <p:extLst>
+      <p:ext uri="{BB962C8B-B14F-4D97-AF65-F5344CB8AC3E}">
+        <p14:creationId xmlns:p14="http://schemas.microsoft.com/office/powerpoint/2010/main" val="2972565571"/>
+      </p:ext>
+    </p:extLst>
+  </p:cSld>
+  <p:clrMapOvr>
+    <a:masterClrMapping/>
+  </p:clrMapOvr>
+  <p:timing>
+    <p:tnLst>
+      <p:par>
+        <p:cTn id="1" dur="indefinite" restart="never" nodeType="tmRoot">
+          <p:childTnLst>
+            <p:seq concurrent="1" nextAc="seek">
+              <p:cTn id="2" dur="indefinite" nodeType="mainSeq">
+                <p:childTnLst>
+                  <p:par>
+                    <p:cTn id="3" fill="hold">
+                      <p:stCondLst>
+                        <p:cond delay="indefinite"/>
+                      </p:stCondLst>
+                      <p:childTnLst>
+                        <p:par>
+                          <p:cTn id="4" fill="hold">
+                            <p:stCondLst>
+                              <p:cond delay="0"/>
+                            </p:stCondLst>
+                            <p:childTnLst>
+                              <p:par>
+                                <p:cTn id="5" presetID="1" presetClass="entr" presetSubtype="0" fill="hold" grpId="0" nodeType="clickEffect">
+                                  <p:stCondLst>
+                                    <p:cond delay="0"/>
+                                  </p:stCondLst>
+                                  <p:childTnLst>
+                                    <p:set>
+                                      <p:cBhvr>
+                                        <p:cTn id="6" dur="1" fill="hold">
+                                          <p:stCondLst>
+                                            <p:cond delay="0"/>
+                                          </p:stCondLst>
+                                        </p:cTn>
+                                        <p:tgtEl>
+                                          <p:spTgt spid="47"/>
+                                        </p:tgtEl>
+                                        <p:attrNameLst>
+                                          <p:attrName>style.visibility</p:attrName>
+                                        </p:attrNameLst>
+                                      </p:cBhvr>
+                                      <p:to>
+                                        <p:strVal val="visible"/>
+                                      </p:to>
+                                    </p:set>
+                                  </p:childTnLst>
+                                </p:cTn>
+                              </p:par>
+                            </p:childTnLst>
+                          </p:cTn>
+                        </p:par>
+                      </p:childTnLst>
+                    </p:cTn>
+                  </p:par>
+                  <p:par>
+                    <p:cTn id="7" fill="hold">
+                      <p:stCondLst>
+                        <p:cond delay="indefinite"/>
+                      </p:stCondLst>
+                      <p:childTnLst>
+                        <p:par>
+                          <p:cTn id="8" fill="hold">
+                            <p:stCondLst>
+                              <p:cond delay="0"/>
+                            </p:stCondLst>
+                            <p:childTnLst>
+                              <p:par>
+                                <p:cTn id="9" presetID="1" presetClass="entr" presetSubtype="0" fill="hold" grpId="0" nodeType="clickEffect">
+                                  <p:stCondLst>
+                                    <p:cond delay="0"/>
+                                  </p:stCondLst>
+                                  <p:childTnLst>
+                                    <p:set>
+                                      <p:cBhvr>
+                                        <p:cTn id="10" dur="1" fill="hold">
+                                          <p:stCondLst>
+                                            <p:cond delay="0"/>
+                                          </p:stCondLst>
+                                        </p:cTn>
+                                        <p:tgtEl>
+                                          <p:spTgt spid="3"/>
+                                        </p:tgtEl>
+                                        <p:attrNameLst>
+                                          <p:attrName>style.visibility</p:attrName>
+                                        </p:attrNameLst>
+                                      </p:cBhvr>
+                                      <p:to>
+                                        <p:strVal val="visible"/>
+                                      </p:to>
+                                    </p:set>
+                                  </p:childTnLst>
+                                </p:cTn>
+                              </p:par>
+                            </p:childTnLst>
+                          </p:cTn>
+                        </p:par>
+                      </p:childTnLst>
+                    </p:cTn>
+                  </p:par>
+                </p:childTnLst>
+              </p:cTn>
+              <p:prevCondLst>
+                <p:cond evt="onPrev" delay="0">
+                  <p:tgtEl>
+                    <p:sldTgt/>
+                  </p:tgtEl>
+                </p:cond>
+              </p:prevCondLst>
+              <p:nextCondLst>
+                <p:cond evt="onNext" delay="0">
+                  <p:tgtEl>
+                    <p:sldTgt/>
+                  </p:tgtEl>
+                </p:cond>
+              </p:nextCondLst>
+            </p:seq>
+          </p:childTnLst>
+        </p:cTn>
+      </p:par>
+    </p:tnLst>
+    <p:bldLst>
+      <p:bldP spid="47" grpId="0"/>
+      <p:bldP spid="3" grpId="0"/>
     </p:bldLst>
   </p:timing>
 </p:sld>
